--- a/Lesson slides/Unit 3b - Hash tables.pptx
+++ b/Lesson slides/Unit 3b - Hash tables.pptx
@@ -230,7 +230,7 @@
           <a:p>
             <a:fld id="{F314420D-16BA-4EDC-9A71-800590EAD5A3}" type="datetimeFigureOut">
               <a:rPr lang="en-GB" smtClean="0"/>
-              <a:t>27/11/2017</a:t>
+              <a:t>07/12/2017</a:t>
             </a:fld>
             <a:endParaRPr lang="en-GB"/>
           </a:p>
@@ -865,6 +865,265 @@
 </file>
 
 <file path=ppt/notesSlides/notesSlide5.xml><?xml version="1.0" encoding="utf-8"?>
+<p:notes xmlns:a="http://schemas.openxmlformats.org/drawingml/2006/main" xmlns:r="http://schemas.openxmlformats.org/officeDocument/2006/relationships" xmlns:p="http://schemas.openxmlformats.org/presentationml/2006/main">
+  <p:cSld>
+    <p:spTree>
+      <p:nvGrpSpPr>
+        <p:cNvPr id="1" name=""/>
+        <p:cNvGrpSpPr/>
+        <p:nvPr/>
+      </p:nvGrpSpPr>
+      <p:grpSpPr>
+        <a:xfrm>
+          <a:off x="0" y="0"/>
+          <a:ext cx="0" cy="0"/>
+          <a:chOff x="0" y="0"/>
+          <a:chExt cx="0" cy="0"/>
+        </a:xfrm>
+      </p:grpSpPr>
+      <p:sp>
+        <p:nvSpPr>
+          <p:cNvPr id="2" name="Tijdelijke aanduiding voor dia-afbeelding 1"/>
+          <p:cNvSpPr>
+            <a:spLocks noGrp="1" noRot="1" noChangeAspect="1"/>
+          </p:cNvSpPr>
+          <p:nvPr>
+            <p:ph type="sldImg"/>
+          </p:nvPr>
+        </p:nvSpPr>
+        <p:spPr/>
+      </p:sp>
+      <p:sp>
+        <p:nvSpPr>
+          <p:cNvPr id="3" name="Tijdelijke aanduiding voor notities 2"/>
+          <p:cNvSpPr>
+            <a:spLocks noGrp="1"/>
+          </p:cNvSpPr>
+          <p:nvPr>
+            <p:ph type="body" idx="1"/>
+          </p:nvPr>
+        </p:nvSpPr>
+        <p:spPr/>
+        <p:txBody>
+          <a:bodyPr/>
+          <a:lstStyle/>
+          <a:p>
+            <a:r>
+              <a:rPr lang="nl-NL" dirty="0" err="1"/>
+              <a:t>Infinite</a:t>
+            </a:r>
+            <a:r>
+              <a:rPr lang="nl-NL" dirty="0"/>
+              <a:t> loop: </a:t>
+            </a:r>
+            <a:r>
+              <a:rPr lang="nl-NL" dirty="0" err="1"/>
+              <a:t>for</a:t>
+            </a:r>
+            <a:r>
+              <a:rPr lang="nl-NL" dirty="0"/>
+              <a:t> </a:t>
+            </a:r>
+            <a:r>
+              <a:rPr lang="nl-NL" dirty="0" err="1"/>
+              <a:t>example</a:t>
+            </a:r>
+            <a:r>
+              <a:rPr lang="nl-NL" dirty="0"/>
+              <a:t>, </a:t>
+            </a:r>
+            <a:r>
+              <a:rPr lang="nl-NL" dirty="0" err="1"/>
+              <a:t>if</a:t>
+            </a:r>
+            <a:r>
+              <a:rPr lang="nl-NL" dirty="0"/>
+              <a:t> </a:t>
+            </a:r>
+            <a:r>
+              <a:rPr lang="nl-NL" dirty="0" err="1"/>
+              <a:t>the</a:t>
+            </a:r>
+            <a:r>
+              <a:rPr lang="nl-NL" dirty="0"/>
+              <a:t> array has 6 </a:t>
+            </a:r>
+            <a:r>
+              <a:rPr lang="nl-NL" dirty="0" err="1"/>
+              <a:t>elements</a:t>
+            </a:r>
+            <a:r>
+              <a:rPr lang="nl-NL" dirty="0"/>
+              <a:t> (indices </a:t>
+            </a:r>
+            <a:r>
+              <a:rPr lang="nl-NL" dirty="0" err="1"/>
+              <a:t>from</a:t>
+            </a:r>
+            <a:r>
+              <a:rPr lang="nl-NL" dirty="0"/>
+              <a:t> 0 </a:t>
+            </a:r>
+            <a:r>
+              <a:rPr lang="nl-NL" dirty="0" err="1"/>
+              <a:t>to</a:t>
+            </a:r>
+            <a:r>
+              <a:rPr lang="nl-NL" dirty="0"/>
+              <a:t> 5) </a:t>
+            </a:r>
+            <a:r>
+              <a:rPr lang="nl-NL" dirty="0" err="1"/>
+              <a:t>and</a:t>
+            </a:r>
+            <a:r>
+              <a:rPr lang="nl-NL" dirty="0"/>
+              <a:t> </a:t>
+            </a:r>
+            <a:r>
+              <a:rPr lang="nl-NL" dirty="0" err="1"/>
+              <a:t>the</a:t>
+            </a:r>
+            <a:r>
+              <a:rPr lang="nl-NL" dirty="0"/>
+              <a:t> </a:t>
+            </a:r>
+            <a:r>
+              <a:rPr lang="nl-NL" dirty="0" err="1"/>
+              <a:t>occupied</a:t>
+            </a:r>
+            <a:r>
+              <a:rPr lang="nl-NL" dirty="0"/>
+              <a:t> </a:t>
+            </a:r>
+            <a:r>
+              <a:rPr lang="nl-NL" dirty="0" err="1"/>
+              <a:t>slots</a:t>
+            </a:r>
+            <a:r>
+              <a:rPr lang="nl-NL" dirty="0"/>
+              <a:t> are 0 1 3 </a:t>
+            </a:r>
+            <a:r>
+              <a:rPr lang="nl-NL" dirty="0" err="1"/>
+              <a:t>and</a:t>
+            </a:r>
+            <a:r>
+              <a:rPr lang="nl-NL" dirty="0"/>
+              <a:t> 4. </a:t>
+            </a:r>
+            <a:r>
+              <a:rPr lang="nl-NL" dirty="0" err="1"/>
+              <a:t>If</a:t>
+            </a:r>
+            <a:r>
+              <a:rPr lang="nl-NL" dirty="0"/>
+              <a:t> </a:t>
+            </a:r>
+            <a:r>
+              <a:rPr lang="nl-NL" dirty="0" err="1"/>
+              <a:t>there</a:t>
+            </a:r>
+            <a:r>
+              <a:rPr lang="nl-NL" dirty="0"/>
+              <a:t> is </a:t>
+            </a:r>
+            <a:r>
+              <a:rPr lang="nl-NL" dirty="0" err="1"/>
+              <a:t>another</a:t>
+            </a:r>
+            <a:r>
+              <a:rPr lang="nl-NL" dirty="0"/>
+              <a:t> element </a:t>
+            </a:r>
+            <a:r>
+              <a:rPr lang="nl-NL" dirty="0" err="1"/>
+              <a:t>that</a:t>
+            </a:r>
+            <a:r>
+              <a:rPr lang="nl-NL" dirty="0"/>
+              <a:t> </a:t>
+            </a:r>
+            <a:r>
+              <a:rPr lang="nl-NL" dirty="0" err="1"/>
+              <a:t>tries</a:t>
+            </a:r>
+            <a:r>
+              <a:rPr lang="nl-NL" dirty="0"/>
+              <a:t> </a:t>
+            </a:r>
+            <a:r>
+              <a:rPr lang="nl-NL" dirty="0" err="1"/>
+              <a:t>to</a:t>
+            </a:r>
+            <a:r>
+              <a:rPr lang="nl-NL" dirty="0"/>
+              <a:t> </a:t>
+            </a:r>
+            <a:r>
+              <a:rPr lang="nl-NL" dirty="0" err="1"/>
+              <a:t>occupy</a:t>
+            </a:r>
+            <a:r>
+              <a:rPr lang="nl-NL" dirty="0"/>
+              <a:t> slot 0, </a:t>
+            </a:r>
+            <a:r>
+              <a:rPr lang="nl-NL" dirty="0" err="1"/>
+              <a:t>then</a:t>
+            </a:r>
+            <a:r>
+              <a:rPr lang="nl-NL" dirty="0"/>
+              <a:t> a loop </a:t>
+            </a:r>
+            <a:r>
+              <a:rPr lang="nl-NL" dirty="0" err="1"/>
+              <a:t>happens</a:t>
+            </a:r>
+            <a:r>
+              <a:rPr lang="nl-NL" dirty="0"/>
+              <a:t>.</a:t>
+            </a:r>
+          </a:p>
+        </p:txBody>
+      </p:sp>
+      <p:sp>
+        <p:nvSpPr>
+          <p:cNvPr id="4" name="Tijdelijke aanduiding voor dianummer 3"/>
+          <p:cNvSpPr>
+            <a:spLocks noGrp="1"/>
+          </p:cNvSpPr>
+          <p:nvPr>
+            <p:ph type="sldNum" sz="quarter" idx="10"/>
+          </p:nvPr>
+        </p:nvSpPr>
+        <p:spPr/>
+        <p:txBody>
+          <a:bodyPr/>
+          <a:lstStyle/>
+          <a:p>
+            <a:fld id="{29573B9A-66FB-4A63-BCD5-E140B9429FD2}" type="slidenum">
+              <a:rPr lang="en-GB" smtClean="0"/>
+              <a:t>16</a:t>
+            </a:fld>
+            <a:endParaRPr lang="en-GB"/>
+          </a:p>
+        </p:txBody>
+      </p:sp>
+    </p:spTree>
+    <p:extLst>
+      <p:ext uri="{BB962C8B-B14F-4D97-AF65-F5344CB8AC3E}">
+        <p14:creationId xmlns:p14="http://schemas.microsoft.com/office/powerpoint/2010/main" val="3774438225"/>
+      </p:ext>
+    </p:extLst>
+  </p:cSld>
+  <p:clrMapOvr>
+    <a:masterClrMapping/>
+  </p:clrMapOvr>
+</p:notes>
+</file>
+
+<file path=ppt/notesSlides/notesSlide6.xml><?xml version="1.0" encoding="utf-8"?>
 <p:notes xmlns:a="http://schemas.openxmlformats.org/drawingml/2006/main" xmlns:r="http://schemas.openxmlformats.org/officeDocument/2006/relationships" xmlns:p="http://schemas.openxmlformats.org/presentationml/2006/main">
   <p:cSld>
     <p:spTree>
@@ -1677,7 +1936,7 @@
           <a:p>
             <a:fld id="{4AC2990A-2EB2-47B0-9F19-095E0F4CAE2E}" type="datetime1">
               <a:rPr lang="en-GB" smtClean="0"/>
-              <a:t>27/11/2017</a:t>
+              <a:t>07/12/2017</a:t>
             </a:fld>
             <a:endParaRPr lang="en-GB"/>
           </a:p>
@@ -1932,7 +2191,7 @@
           <a:p>
             <a:fld id="{22A5F433-E3C5-406F-95E0-5347F5410F1A}" type="datetime1">
               <a:rPr lang="en-GB" smtClean="0"/>
-              <a:t>27/11/2017</a:t>
+              <a:t>07/12/2017</a:t>
             </a:fld>
             <a:endParaRPr lang="en-GB"/>
           </a:p>
@@ -2250,7 +2509,7 @@
           <a:p>
             <a:fld id="{D4E40994-D892-4C74-B15A-5F6362316C44}" type="datetime1">
               <a:rPr lang="en-GB" smtClean="0"/>
-              <a:t>27/11/2017</a:t>
+              <a:t>07/12/2017</a:t>
             </a:fld>
             <a:endParaRPr lang="en-GB"/>
           </a:p>
@@ -2581,7 +2840,7 @@
           <a:p>
             <a:fld id="{FDC762E4-8EF5-45D8-9FDE-0FF43E771C22}" type="datetime1">
               <a:rPr lang="en-GB" smtClean="0"/>
-              <a:t>27/11/2017</a:t>
+              <a:t>07/12/2017</a:t>
             </a:fld>
             <a:endParaRPr lang="en-GB"/>
           </a:p>
@@ -2899,7 +3158,7 @@
           <a:p>
             <a:fld id="{5E60E461-DE00-407A-AAD1-C1D0E5AC19B1}" type="datetime1">
               <a:rPr lang="en-GB" smtClean="0"/>
-              <a:t>27/11/2017</a:t>
+              <a:t>07/12/2017</a:t>
             </a:fld>
             <a:endParaRPr lang="en-GB"/>
           </a:p>
@@ -3290,7 +3549,7 @@
           <a:p>
             <a:fld id="{048CC5B2-073F-444E-A8DD-B0BEEAC2F081}" type="datetime1">
               <a:rPr lang="en-GB" smtClean="0"/>
-              <a:t>27/11/2017</a:t>
+              <a:t>07/12/2017</a:t>
             </a:fld>
             <a:endParaRPr lang="en-GB"/>
           </a:p>
@@ -3464,7 +3723,7 @@
           <a:p>
             <a:fld id="{DF8D3392-CB98-481E-B2E9-67F4F5E85884}" type="datetime1">
               <a:rPr lang="en-GB" smtClean="0"/>
-              <a:t>27/11/2017</a:t>
+              <a:t>07/12/2017</a:t>
             </a:fld>
             <a:endParaRPr lang="en-GB"/>
           </a:p>
@@ -3648,7 +3907,7 @@
           <a:p>
             <a:fld id="{B23FE606-BE12-4A47-AC4F-9225405D8813}" type="datetime1">
               <a:rPr lang="en-GB" smtClean="0"/>
-              <a:t>27/11/2017</a:t>
+              <a:t>07/12/2017</a:t>
             </a:fld>
             <a:endParaRPr lang="en-GB"/>
           </a:p>
@@ -3822,7 +4081,7 @@
           <a:p>
             <a:fld id="{F2C205BA-54C1-4988-B409-20E622E7CB4B}" type="datetime1">
               <a:rPr lang="en-GB" smtClean="0"/>
-              <a:t>27/11/2017</a:t>
+              <a:t>07/12/2017</a:t>
             </a:fld>
             <a:endParaRPr lang="en-GB"/>
           </a:p>
@@ -4073,7 +4332,7 @@
           <a:p>
             <a:fld id="{BD24C106-E6EE-4935-B79B-58D5A2330348}" type="datetime1">
               <a:rPr lang="en-GB" smtClean="0"/>
-              <a:t>27/11/2017</a:t>
+              <a:t>07/12/2017</a:t>
             </a:fld>
             <a:endParaRPr lang="en-GB"/>
           </a:p>
@@ -4309,7 +4568,7 @@
           <a:p>
             <a:fld id="{1466EE15-B151-4673-B3BD-94D075E86906}" type="datetime1">
               <a:rPr lang="en-GB" smtClean="0"/>
-              <a:t>27/11/2017</a:t>
+              <a:t>07/12/2017</a:t>
             </a:fld>
             <a:endParaRPr lang="en-GB"/>
           </a:p>
@@ -4687,7 +4946,7 @@
           <a:p>
             <a:fld id="{F61A4B8D-3CC5-439C-BCFE-F05DEE19AB17}" type="datetime1">
               <a:rPr lang="en-GB" smtClean="0"/>
-              <a:t>27/11/2017</a:t>
+              <a:t>07/12/2017</a:t>
             </a:fld>
             <a:endParaRPr lang="en-GB"/>
           </a:p>
@@ -4814,7 +5073,7 @@
           <a:p>
             <a:fld id="{6796421B-81ED-483E-AC8A-54892A26C8C5}" type="datetime1">
               <a:rPr lang="en-GB" smtClean="0"/>
-              <a:t>27/11/2017</a:t>
+              <a:t>07/12/2017</a:t>
             </a:fld>
             <a:endParaRPr lang="en-GB"/>
           </a:p>
@@ -4913,7 +5172,7 @@
           <a:p>
             <a:fld id="{E8315253-8A1B-407F-97DA-07DFE52AB41D}" type="datetime1">
               <a:rPr lang="en-GB" smtClean="0"/>
-              <a:t>27/11/2017</a:t>
+              <a:t>07/12/2017</a:t>
             </a:fld>
             <a:endParaRPr lang="en-GB"/>
           </a:p>
@@ -5172,7 +5431,7 @@
           <a:p>
             <a:fld id="{EC0837CD-FB98-4458-B4BB-BD72FC557B2C}" type="datetime1">
               <a:rPr lang="en-GB" smtClean="0"/>
-              <a:t>27/11/2017</a:t>
+              <a:t>07/12/2017</a:t>
             </a:fld>
             <a:endParaRPr lang="en-GB"/>
           </a:p>
@@ -5439,7 +5698,7 @@
           <a:p>
             <a:fld id="{AA44DDB6-D08D-4CCA-90B0-817184E41EB3}" type="datetime1">
               <a:rPr lang="en-GB" smtClean="0"/>
-              <a:t>27/11/2017</a:t>
+              <a:t>07/12/2017</a:t>
             </a:fld>
             <a:endParaRPr lang="en-GB"/>
           </a:p>
@@ -6188,7 +6447,7 @@
           <a:p>
             <a:fld id="{E06C14C1-8B78-465F-B085-617B8F695A74}" type="datetime1">
               <a:rPr lang="en-GB" smtClean="0"/>
-              <a:t>27/11/2017</a:t>
+              <a:t>07/12/2017</a:t>
             </a:fld>
             <a:endParaRPr lang="en-GB"/>
           </a:p>
@@ -7005,6 +7264,116 @@
   <p:clrMapOvr>
     <a:masterClrMapping/>
   </p:clrMapOvr>
+  <p:timing>
+    <p:tnLst>
+      <p:par>
+        <p:cTn id="1" dur="indefinite" restart="never" nodeType="tmRoot">
+          <p:childTnLst>
+            <p:seq concurrent="1" nextAc="seek">
+              <p:cTn id="2" dur="indefinite" nodeType="mainSeq">
+                <p:childTnLst>
+                  <p:par>
+                    <p:cTn id="3" fill="hold">
+                      <p:stCondLst>
+                        <p:cond delay="indefinite"/>
+                      </p:stCondLst>
+                      <p:childTnLst>
+                        <p:par>
+                          <p:cTn id="4" fill="hold">
+                            <p:stCondLst>
+                              <p:cond delay="0"/>
+                            </p:stCondLst>
+                            <p:childTnLst>
+                              <p:par>
+                                <p:cTn id="5" presetID="1" presetClass="entr" presetSubtype="0" fill="hold" nodeType="clickEffect">
+                                  <p:stCondLst>
+                                    <p:cond delay="0"/>
+                                  </p:stCondLst>
+                                  <p:childTnLst>
+                                    <p:set>
+                                      <p:cBhvr>
+                                        <p:cTn id="6" dur="1" fill="hold">
+                                          <p:stCondLst>
+                                            <p:cond delay="0"/>
+                                          </p:stCondLst>
+                                        </p:cTn>
+                                        <p:tgtEl>
+                                          <p:spTgt spid="3">
+                                            <p:txEl>
+                                              <p:pRg st="4" end="4"/>
+                                            </p:txEl>
+                                          </p:spTgt>
+                                        </p:tgtEl>
+                                        <p:attrNameLst>
+                                          <p:attrName>style.visibility</p:attrName>
+                                        </p:attrNameLst>
+                                      </p:cBhvr>
+                                      <p:to>
+                                        <p:strVal val="visible"/>
+                                      </p:to>
+                                    </p:set>
+                                  </p:childTnLst>
+                                </p:cTn>
+                              </p:par>
+                              <p:par>
+                                <p:cTn id="7" presetID="1" presetClass="entr" presetSubtype="0" fill="hold" nodeType="withEffect">
+                                  <p:stCondLst>
+                                    <p:cond delay="0"/>
+                                  </p:stCondLst>
+                                  <p:childTnLst>
+                                    <p:set>
+                                      <p:cBhvr>
+                                        <p:cTn id="8" dur="1" fill="hold">
+                                          <p:stCondLst>
+                                            <p:cond delay="0"/>
+                                          </p:stCondLst>
+                                        </p:cTn>
+                                        <p:tgtEl>
+                                          <p:spTgt spid="3">
+                                            <p:txEl>
+                                              <p:pRg st="5" end="5"/>
+                                            </p:txEl>
+                                          </p:spTgt>
+                                        </p:tgtEl>
+                                        <p:attrNameLst>
+                                          <p:attrName>style.visibility</p:attrName>
+                                        </p:attrNameLst>
+                                      </p:cBhvr>
+                                      <p:to>
+                                        <p:strVal val="visible"/>
+                                      </p:to>
+                                    </p:set>
+                                  </p:childTnLst>
+                                </p:cTn>
+                              </p:par>
+                            </p:childTnLst>
+                          </p:cTn>
+                        </p:par>
+                      </p:childTnLst>
+                    </p:cTn>
+                  </p:par>
+                </p:childTnLst>
+              </p:cTn>
+              <p:prevCondLst>
+                <p:cond evt="onPrev" delay="0">
+                  <p:tgtEl>
+                    <p:sldTgt/>
+                  </p:tgtEl>
+                </p:cond>
+              </p:prevCondLst>
+              <p:nextCondLst>
+                <p:cond evt="onNext" delay="0">
+                  <p:tgtEl>
+                    <p:sldTgt/>
+                  </p:tgtEl>
+                </p:cond>
+              </p:nextCondLst>
+            </p:seq>
+          </p:childTnLst>
+        </p:cTn>
+      </p:par>
+    </p:tnLst>
+  </p:timing>
 </p:sld>
 </file>
 
@@ -7317,6 +7686,258 @@
   <p:clrMapOvr>
     <a:masterClrMapping/>
   </p:clrMapOvr>
+  <p:timing>
+    <p:tnLst>
+      <p:par>
+        <p:cTn id="1" dur="indefinite" restart="never" nodeType="tmRoot">
+          <p:childTnLst>
+            <p:seq concurrent="1" nextAc="seek">
+              <p:cTn id="2" dur="indefinite" nodeType="mainSeq">
+                <p:childTnLst>
+                  <p:par>
+                    <p:cTn id="3" fill="hold">
+                      <p:stCondLst>
+                        <p:cond delay="indefinite"/>
+                      </p:stCondLst>
+                      <p:childTnLst>
+                        <p:par>
+                          <p:cTn id="4" fill="hold">
+                            <p:stCondLst>
+                              <p:cond delay="0"/>
+                            </p:stCondLst>
+                            <p:childTnLst>
+                              <p:par>
+                                <p:cTn id="5" presetID="1" presetClass="entr" presetSubtype="0" fill="hold" nodeType="clickEffect">
+                                  <p:stCondLst>
+                                    <p:cond delay="0"/>
+                                  </p:stCondLst>
+                                  <p:childTnLst>
+                                    <p:set>
+                                      <p:cBhvr>
+                                        <p:cTn id="6" dur="1" fill="hold">
+                                          <p:stCondLst>
+                                            <p:cond delay="0"/>
+                                          </p:stCondLst>
+                                        </p:cTn>
+                                        <p:tgtEl>
+                                          <p:spTgt spid="3">
+                                            <p:txEl>
+                                              <p:pRg st="2" end="2"/>
+                                            </p:txEl>
+                                          </p:spTgt>
+                                        </p:tgtEl>
+                                        <p:attrNameLst>
+                                          <p:attrName>style.visibility</p:attrName>
+                                        </p:attrNameLst>
+                                      </p:cBhvr>
+                                      <p:to>
+                                        <p:strVal val="visible"/>
+                                      </p:to>
+                                    </p:set>
+                                  </p:childTnLst>
+                                </p:cTn>
+                              </p:par>
+                              <p:par>
+                                <p:cTn id="7" presetID="1" presetClass="entr" presetSubtype="0" fill="hold" nodeType="withEffect">
+                                  <p:stCondLst>
+                                    <p:cond delay="0"/>
+                                  </p:stCondLst>
+                                  <p:childTnLst>
+                                    <p:set>
+                                      <p:cBhvr>
+                                        <p:cTn id="8" dur="1" fill="hold">
+                                          <p:stCondLst>
+                                            <p:cond delay="0"/>
+                                          </p:stCondLst>
+                                        </p:cTn>
+                                        <p:tgtEl>
+                                          <p:spTgt spid="3">
+                                            <p:txEl>
+                                              <p:pRg st="3" end="3"/>
+                                            </p:txEl>
+                                          </p:spTgt>
+                                        </p:tgtEl>
+                                        <p:attrNameLst>
+                                          <p:attrName>style.visibility</p:attrName>
+                                        </p:attrNameLst>
+                                      </p:cBhvr>
+                                      <p:to>
+                                        <p:strVal val="visible"/>
+                                      </p:to>
+                                    </p:set>
+                                  </p:childTnLst>
+                                </p:cTn>
+                              </p:par>
+                              <p:par>
+                                <p:cTn id="9" presetID="1" presetClass="entr" presetSubtype="0" fill="hold" nodeType="withEffect">
+                                  <p:stCondLst>
+                                    <p:cond delay="0"/>
+                                  </p:stCondLst>
+                                  <p:childTnLst>
+                                    <p:set>
+                                      <p:cBhvr>
+                                        <p:cTn id="10" dur="1" fill="hold">
+                                          <p:stCondLst>
+                                            <p:cond delay="0"/>
+                                          </p:stCondLst>
+                                        </p:cTn>
+                                        <p:tgtEl>
+                                          <p:spTgt spid="3">
+                                            <p:txEl>
+                                              <p:pRg st="4" end="4"/>
+                                            </p:txEl>
+                                          </p:spTgt>
+                                        </p:tgtEl>
+                                        <p:attrNameLst>
+                                          <p:attrName>style.visibility</p:attrName>
+                                        </p:attrNameLst>
+                                      </p:cBhvr>
+                                      <p:to>
+                                        <p:strVal val="visible"/>
+                                      </p:to>
+                                    </p:set>
+                                  </p:childTnLst>
+                                </p:cTn>
+                              </p:par>
+                              <p:par>
+                                <p:cTn id="11" presetID="1" presetClass="entr" presetSubtype="0" fill="hold" nodeType="withEffect">
+                                  <p:stCondLst>
+                                    <p:cond delay="0"/>
+                                  </p:stCondLst>
+                                  <p:childTnLst>
+                                    <p:set>
+                                      <p:cBhvr>
+                                        <p:cTn id="12" dur="1" fill="hold">
+                                          <p:stCondLst>
+                                            <p:cond delay="0"/>
+                                          </p:stCondLst>
+                                        </p:cTn>
+                                        <p:tgtEl>
+                                          <p:spTgt spid="3">
+                                            <p:txEl>
+                                              <p:pRg st="5" end="5"/>
+                                            </p:txEl>
+                                          </p:spTgt>
+                                        </p:tgtEl>
+                                        <p:attrNameLst>
+                                          <p:attrName>style.visibility</p:attrName>
+                                        </p:attrNameLst>
+                                      </p:cBhvr>
+                                      <p:to>
+                                        <p:strVal val="visible"/>
+                                      </p:to>
+                                    </p:set>
+                                  </p:childTnLst>
+                                </p:cTn>
+                              </p:par>
+                            </p:childTnLst>
+                          </p:cTn>
+                        </p:par>
+                      </p:childTnLst>
+                    </p:cTn>
+                  </p:par>
+                  <p:par>
+                    <p:cTn id="13" fill="hold">
+                      <p:stCondLst>
+                        <p:cond delay="indefinite"/>
+                      </p:stCondLst>
+                      <p:childTnLst>
+                        <p:par>
+                          <p:cTn id="14" fill="hold">
+                            <p:stCondLst>
+                              <p:cond delay="0"/>
+                            </p:stCondLst>
+                            <p:childTnLst>
+                              <p:par>
+                                <p:cTn id="15" presetID="1" presetClass="entr" presetSubtype="0" fill="hold" nodeType="clickEffect">
+                                  <p:stCondLst>
+                                    <p:cond delay="0"/>
+                                  </p:stCondLst>
+                                  <p:childTnLst>
+                                    <p:set>
+                                      <p:cBhvr>
+                                        <p:cTn id="16" dur="1" fill="hold">
+                                          <p:stCondLst>
+                                            <p:cond delay="0"/>
+                                          </p:stCondLst>
+                                        </p:cTn>
+                                        <p:tgtEl>
+                                          <p:spTgt spid="3">
+                                            <p:txEl>
+                                              <p:pRg st="7" end="7"/>
+                                            </p:txEl>
+                                          </p:spTgt>
+                                        </p:tgtEl>
+                                        <p:attrNameLst>
+                                          <p:attrName>style.visibility</p:attrName>
+                                        </p:attrNameLst>
+                                      </p:cBhvr>
+                                      <p:to>
+                                        <p:strVal val="visible"/>
+                                      </p:to>
+                                    </p:set>
+                                  </p:childTnLst>
+                                </p:cTn>
+                              </p:par>
+                              <p:par>
+                                <p:cTn id="17" presetID="1" presetClass="entr" presetSubtype="0" fill="hold" nodeType="withEffect">
+                                  <p:stCondLst>
+                                    <p:cond delay="0"/>
+                                  </p:stCondLst>
+                                  <p:childTnLst>
+                                    <p:set>
+                                      <p:cBhvr>
+                                        <p:cTn id="18" dur="1" fill="hold">
+                                          <p:stCondLst>
+                                            <p:cond delay="0"/>
+                                          </p:stCondLst>
+                                        </p:cTn>
+                                        <p:tgtEl>
+                                          <p:spTgt spid="3">
+                                            <p:txEl>
+                                              <p:pRg st="8" end="8"/>
+                                            </p:txEl>
+                                          </p:spTgt>
+                                        </p:tgtEl>
+                                        <p:attrNameLst>
+                                          <p:attrName>style.visibility</p:attrName>
+                                        </p:attrNameLst>
+                                      </p:cBhvr>
+                                      <p:to>
+                                        <p:strVal val="visible"/>
+                                      </p:to>
+                                    </p:set>
+                                  </p:childTnLst>
+                                </p:cTn>
+                              </p:par>
+                            </p:childTnLst>
+                          </p:cTn>
+                        </p:par>
+                      </p:childTnLst>
+                    </p:cTn>
+                  </p:par>
+                </p:childTnLst>
+              </p:cTn>
+              <p:prevCondLst>
+                <p:cond evt="onPrev" delay="0">
+                  <p:tgtEl>
+                    <p:sldTgt/>
+                  </p:tgtEl>
+                </p:cond>
+              </p:prevCondLst>
+              <p:nextCondLst>
+                <p:cond evt="onNext" delay="0">
+                  <p:tgtEl>
+                    <p:sldTgt/>
+                  </p:tgtEl>
+                </p:cond>
+              </p:nextCondLst>
+            </p:seq>
+          </p:childTnLst>
+        </p:cTn>
+      </p:par>
+    </p:tnLst>
+  </p:timing>
 </p:sld>
 </file>
 
@@ -7486,6 +8107,53 @@
           </a:p>
         </p:txBody>
       </p:sp>
+      <p:pic>
+        <p:nvPicPr>
+          <p:cNvPr id="1026" name="Picture 2" descr="Image result for shit happens">
+            <a:extLst>
+              <a:ext uri="{FF2B5EF4-FFF2-40B4-BE49-F238E27FC236}">
+                <a16:creationId xmlns:a16="http://schemas.microsoft.com/office/drawing/2014/main" id="{51236C04-81D4-40BE-BEDD-C7CFDE70E6A1}"/>
+              </a:ext>
+            </a:extLst>
+          </p:cNvPr>
+          <p:cNvPicPr>
+            <a:picLocks noChangeAspect="1" noChangeArrowheads="1"/>
+          </p:cNvPicPr>
+          <p:nvPr/>
+        </p:nvPicPr>
+        <p:blipFill>
+          <a:blip r:embed="rId3">
+            <a:extLst>
+              <a:ext uri="{28A0092B-C50C-407E-A947-70E740481C1C}">
+                <a14:useLocalDpi xmlns:a14="http://schemas.microsoft.com/office/drawing/2010/main" val="0"/>
+              </a:ext>
+            </a:extLst>
+          </a:blip>
+          <a:srcRect/>
+          <a:stretch>
+            <a:fillRect/>
+          </a:stretch>
+        </p:blipFill>
+        <p:spPr bwMode="auto">
+          <a:xfrm>
+            <a:off x="7433946" y="386773"/>
+            <a:ext cx="1840056" cy="1766453"/>
+          </a:xfrm>
+          <a:prstGeom prst="rect">
+            <a:avLst/>
+          </a:prstGeom>
+          <a:noFill/>
+          <a:extLst>
+            <a:ext uri="{909E8E84-426E-40DD-AFC4-6F175D3DCCD1}">
+              <a14:hiddenFill xmlns:a14="http://schemas.microsoft.com/office/drawing/2010/main">
+                <a:solidFill>
+                  <a:srgbClr val="FFFFFF"/>
+                </a:solidFill>
+              </a14:hiddenFill>
+            </a:ext>
+          </a:extLst>
+        </p:spPr>
+      </p:pic>
     </p:spTree>
     <p:extLst>
       <p:ext uri="{BB962C8B-B14F-4D97-AF65-F5344CB8AC3E}">
@@ -7496,6 +8164,178 @@
   <p:clrMapOvr>
     <a:masterClrMapping/>
   </p:clrMapOvr>
+  <p:timing>
+    <p:tnLst>
+      <p:par>
+        <p:cTn id="1" dur="indefinite" restart="never" nodeType="tmRoot">
+          <p:childTnLst>
+            <p:seq concurrent="1" nextAc="seek">
+              <p:cTn id="2" dur="indefinite" nodeType="mainSeq">
+                <p:childTnLst>
+                  <p:par>
+                    <p:cTn id="3" fill="hold">
+                      <p:stCondLst>
+                        <p:cond delay="indefinite"/>
+                      </p:stCondLst>
+                      <p:childTnLst>
+                        <p:par>
+                          <p:cTn id="4" fill="hold">
+                            <p:stCondLst>
+                              <p:cond delay="0"/>
+                            </p:stCondLst>
+                            <p:childTnLst>
+                              <p:par>
+                                <p:cTn id="5" presetID="1" presetClass="entr" presetSubtype="0" fill="hold" nodeType="clickEffect">
+                                  <p:stCondLst>
+                                    <p:cond delay="0"/>
+                                  </p:stCondLst>
+                                  <p:childTnLst>
+                                    <p:set>
+                                      <p:cBhvr>
+                                        <p:cTn id="6" dur="1" fill="hold">
+                                          <p:stCondLst>
+                                            <p:cond delay="0"/>
+                                          </p:stCondLst>
+                                        </p:cTn>
+                                        <p:tgtEl>
+                                          <p:spTgt spid="3">
+                                            <p:txEl>
+                                              <p:pRg st="3" end="3"/>
+                                            </p:txEl>
+                                          </p:spTgt>
+                                        </p:tgtEl>
+                                        <p:attrNameLst>
+                                          <p:attrName>style.visibility</p:attrName>
+                                        </p:attrNameLst>
+                                      </p:cBhvr>
+                                      <p:to>
+                                        <p:strVal val="visible"/>
+                                      </p:to>
+                                    </p:set>
+                                  </p:childTnLst>
+                                </p:cTn>
+                              </p:par>
+                              <p:par>
+                                <p:cTn id="7" presetID="1" presetClass="entr" presetSubtype="0" fill="hold" nodeType="withEffect">
+                                  <p:stCondLst>
+                                    <p:cond delay="0"/>
+                                  </p:stCondLst>
+                                  <p:childTnLst>
+                                    <p:set>
+                                      <p:cBhvr>
+                                        <p:cTn id="8" dur="1" fill="hold">
+                                          <p:stCondLst>
+                                            <p:cond delay="0"/>
+                                          </p:stCondLst>
+                                        </p:cTn>
+                                        <p:tgtEl>
+                                          <p:spTgt spid="3">
+                                            <p:txEl>
+                                              <p:pRg st="4" end="4"/>
+                                            </p:txEl>
+                                          </p:spTgt>
+                                        </p:tgtEl>
+                                        <p:attrNameLst>
+                                          <p:attrName>style.visibility</p:attrName>
+                                        </p:attrNameLst>
+                                      </p:cBhvr>
+                                      <p:to>
+                                        <p:strVal val="visible"/>
+                                      </p:to>
+                                    </p:set>
+                                  </p:childTnLst>
+                                </p:cTn>
+                              </p:par>
+                              <p:par>
+                                <p:cTn id="9" presetID="1" presetClass="entr" presetSubtype="0" fill="hold" nodeType="withEffect">
+                                  <p:stCondLst>
+                                    <p:cond delay="0"/>
+                                  </p:stCondLst>
+                                  <p:childTnLst>
+                                    <p:set>
+                                      <p:cBhvr>
+                                        <p:cTn id="10" dur="1" fill="hold">
+                                          <p:stCondLst>
+                                            <p:cond delay="0"/>
+                                          </p:stCondLst>
+                                        </p:cTn>
+                                        <p:tgtEl>
+                                          <p:spTgt spid="3">
+                                            <p:txEl>
+                                              <p:pRg st="5" end="5"/>
+                                            </p:txEl>
+                                          </p:spTgt>
+                                        </p:tgtEl>
+                                        <p:attrNameLst>
+                                          <p:attrName>style.visibility</p:attrName>
+                                        </p:attrNameLst>
+                                      </p:cBhvr>
+                                      <p:to>
+                                        <p:strVal val="visible"/>
+                                      </p:to>
+                                    </p:set>
+                                  </p:childTnLst>
+                                </p:cTn>
+                              </p:par>
+                              <p:par>
+                                <p:cTn id="11" presetID="1" presetClass="entr" presetSubtype="0" fill="hold" nodeType="withEffect">
+                                  <p:stCondLst>
+                                    <p:cond delay="0"/>
+                                  </p:stCondLst>
+                                  <p:childTnLst>
+                                    <p:set>
+                                      <p:cBhvr>
+                                        <p:cTn id="12" dur="1" fill="hold">
+                                          <p:stCondLst>
+                                            <p:cond delay="0"/>
+                                          </p:stCondLst>
+                                        </p:cTn>
+                                        <p:tgtEl>
+                                          <p:spTgt spid="3">
+                                            <p:txEl>
+                                              <p:pRg st="6" end="6"/>
+                                            </p:txEl>
+                                          </p:spTgt>
+                                        </p:tgtEl>
+                                        <p:attrNameLst>
+                                          <p:attrName>style.visibility</p:attrName>
+                                        </p:attrNameLst>
+                                      </p:cBhvr>
+                                      <p:to>
+                                        <p:strVal val="visible"/>
+                                      </p:to>
+                                    </p:set>
+                                  </p:childTnLst>
+                                </p:cTn>
+                              </p:par>
+                            </p:childTnLst>
+                          </p:cTn>
+                        </p:par>
+                      </p:childTnLst>
+                    </p:cTn>
+                  </p:par>
+                </p:childTnLst>
+              </p:cTn>
+              <p:prevCondLst>
+                <p:cond evt="onPrev" delay="0">
+                  <p:tgtEl>
+                    <p:sldTgt/>
+                  </p:tgtEl>
+                </p:cond>
+              </p:prevCondLst>
+              <p:nextCondLst>
+                <p:cond evt="onNext" delay="0">
+                  <p:tgtEl>
+                    <p:sldTgt/>
+                  </p:tgtEl>
+                </p:cond>
+              </p:nextCondLst>
+            </p:seq>
+          </p:childTnLst>
+        </p:cTn>
+      </p:par>
+    </p:tnLst>
+  </p:timing>
 </p:sld>
 </file>
 
@@ -7671,6 +8511,209 @@
   <p:clrMapOvr>
     <a:masterClrMapping/>
   </p:clrMapOvr>
+  <p:timing>
+    <p:tnLst>
+      <p:par>
+        <p:cTn id="1" dur="indefinite" restart="never" nodeType="tmRoot">
+          <p:childTnLst>
+            <p:seq concurrent="1" nextAc="seek">
+              <p:cTn id="2" dur="indefinite" nodeType="mainSeq">
+                <p:childTnLst>
+                  <p:par>
+                    <p:cTn id="3" fill="hold">
+                      <p:stCondLst>
+                        <p:cond delay="indefinite"/>
+                      </p:stCondLst>
+                      <p:childTnLst>
+                        <p:par>
+                          <p:cTn id="4" fill="hold">
+                            <p:stCondLst>
+                              <p:cond delay="0"/>
+                            </p:stCondLst>
+                            <p:childTnLst>
+                              <p:par>
+                                <p:cTn id="5" presetID="1" presetClass="entr" presetSubtype="0" fill="hold" nodeType="clickEffect">
+                                  <p:stCondLst>
+                                    <p:cond delay="0"/>
+                                  </p:stCondLst>
+                                  <p:childTnLst>
+                                    <p:set>
+                                      <p:cBhvr>
+                                        <p:cTn id="6" dur="1" fill="hold">
+                                          <p:stCondLst>
+                                            <p:cond delay="0"/>
+                                          </p:stCondLst>
+                                        </p:cTn>
+                                        <p:tgtEl>
+                                          <p:spTgt spid="3">
+                                            <p:txEl>
+                                              <p:pRg st="3" end="3"/>
+                                            </p:txEl>
+                                          </p:spTgt>
+                                        </p:tgtEl>
+                                        <p:attrNameLst>
+                                          <p:attrName>style.visibility</p:attrName>
+                                        </p:attrNameLst>
+                                      </p:cBhvr>
+                                      <p:to>
+                                        <p:strVal val="visible"/>
+                                      </p:to>
+                                    </p:set>
+                                  </p:childTnLst>
+                                </p:cTn>
+                              </p:par>
+                              <p:par>
+                                <p:cTn id="7" presetID="1" presetClass="entr" presetSubtype="0" fill="hold" nodeType="withEffect">
+                                  <p:stCondLst>
+                                    <p:cond delay="0"/>
+                                  </p:stCondLst>
+                                  <p:childTnLst>
+                                    <p:set>
+                                      <p:cBhvr>
+                                        <p:cTn id="8" dur="1" fill="hold">
+                                          <p:stCondLst>
+                                            <p:cond delay="0"/>
+                                          </p:stCondLst>
+                                        </p:cTn>
+                                        <p:tgtEl>
+                                          <p:spTgt spid="3">
+                                            <p:txEl>
+                                              <p:pRg st="4" end="4"/>
+                                            </p:txEl>
+                                          </p:spTgt>
+                                        </p:tgtEl>
+                                        <p:attrNameLst>
+                                          <p:attrName>style.visibility</p:attrName>
+                                        </p:attrNameLst>
+                                      </p:cBhvr>
+                                      <p:to>
+                                        <p:strVal val="visible"/>
+                                      </p:to>
+                                    </p:set>
+                                  </p:childTnLst>
+                                </p:cTn>
+                              </p:par>
+                              <p:par>
+                                <p:cTn id="9" presetID="1" presetClass="entr" presetSubtype="0" fill="hold" nodeType="withEffect">
+                                  <p:stCondLst>
+                                    <p:cond delay="0"/>
+                                  </p:stCondLst>
+                                  <p:childTnLst>
+                                    <p:set>
+                                      <p:cBhvr>
+                                        <p:cTn id="10" dur="1" fill="hold">
+                                          <p:stCondLst>
+                                            <p:cond delay="0"/>
+                                          </p:stCondLst>
+                                        </p:cTn>
+                                        <p:tgtEl>
+                                          <p:spTgt spid="3">
+                                            <p:txEl>
+                                              <p:pRg st="5" end="5"/>
+                                            </p:txEl>
+                                          </p:spTgt>
+                                        </p:tgtEl>
+                                        <p:attrNameLst>
+                                          <p:attrName>style.visibility</p:attrName>
+                                        </p:attrNameLst>
+                                      </p:cBhvr>
+                                      <p:to>
+                                        <p:strVal val="visible"/>
+                                      </p:to>
+                                    </p:set>
+                                  </p:childTnLst>
+                                </p:cTn>
+                              </p:par>
+                              <p:par>
+                                <p:cTn id="11" presetID="1" presetClass="entr" presetSubtype="0" fill="hold" nodeType="withEffect">
+                                  <p:stCondLst>
+                                    <p:cond delay="0"/>
+                                  </p:stCondLst>
+                                  <p:childTnLst>
+                                    <p:set>
+                                      <p:cBhvr>
+                                        <p:cTn id="12" dur="1" fill="hold">
+                                          <p:stCondLst>
+                                            <p:cond delay="0"/>
+                                          </p:stCondLst>
+                                        </p:cTn>
+                                        <p:tgtEl>
+                                          <p:spTgt spid="3">
+                                            <p:txEl>
+                                              <p:pRg st="6" end="6"/>
+                                            </p:txEl>
+                                          </p:spTgt>
+                                        </p:tgtEl>
+                                        <p:attrNameLst>
+                                          <p:attrName>style.visibility</p:attrName>
+                                        </p:attrNameLst>
+                                      </p:cBhvr>
+                                      <p:to>
+                                        <p:strVal val="visible"/>
+                                      </p:to>
+                                    </p:set>
+                                  </p:childTnLst>
+                                </p:cTn>
+                              </p:par>
+                              <p:par>
+                                <p:cTn id="13" presetID="1" presetClass="entr" presetSubtype="0" fill="hold" nodeType="withEffect">
+                                  <p:stCondLst>
+                                    <p:cond delay="0"/>
+                                  </p:stCondLst>
+                                  <p:childTnLst>
+                                    <p:set>
+                                      <p:cBhvr>
+                                        <p:cTn id="14" dur="1" fill="hold">
+                                          <p:stCondLst>
+                                            <p:cond delay="0"/>
+                                          </p:stCondLst>
+                                        </p:cTn>
+                                        <p:tgtEl>
+                                          <p:spTgt spid="3">
+                                            <p:txEl>
+                                              <p:pRg st="7" end="7"/>
+                                            </p:txEl>
+                                          </p:spTgt>
+                                        </p:tgtEl>
+                                        <p:attrNameLst>
+                                          <p:attrName>style.visibility</p:attrName>
+                                        </p:attrNameLst>
+                                      </p:cBhvr>
+                                      <p:to>
+                                        <p:strVal val="visible"/>
+                                      </p:to>
+                                    </p:set>
+                                  </p:childTnLst>
+                                </p:cTn>
+                              </p:par>
+                            </p:childTnLst>
+                          </p:cTn>
+                        </p:par>
+                      </p:childTnLst>
+                    </p:cTn>
+                  </p:par>
+                </p:childTnLst>
+              </p:cTn>
+              <p:prevCondLst>
+                <p:cond evt="onPrev" delay="0">
+                  <p:tgtEl>
+                    <p:sldTgt/>
+                  </p:tgtEl>
+                </p:cond>
+              </p:prevCondLst>
+              <p:nextCondLst>
+                <p:cond evt="onNext" delay="0">
+                  <p:tgtEl>
+                    <p:sldTgt/>
+                  </p:tgtEl>
+                </p:cond>
+              </p:nextCondLst>
+            </p:seq>
+          </p:childTnLst>
+        </p:cTn>
+      </p:par>
+    </p:tnLst>
+  </p:timing>
 </p:sld>
 </file>
 
@@ -7718,8 +8761,8 @@
           </a:p>
         </p:txBody>
       </p:sp>
-      <mc:AlternateContent xmlns:mc="http://schemas.openxmlformats.org/markup-compatibility/2006" xmlns:a14="http://schemas.microsoft.com/office/drawing/2010/main">
-        <mc:Choice Requires="a14">
+      <mc:AlternateContent xmlns:mc="http://schemas.openxmlformats.org/markup-compatibility/2006">
+        <mc:Choice xmlns:a14="http://schemas.microsoft.com/office/drawing/2010/main" Requires="a14">
           <p:sp>
             <p:nvSpPr>
               <p:cNvPr id="3" name="Tijdelijke aanduiding voor inhoud 2"/>
@@ -7787,7 +8830,7 @@
                 </a14:m>
                 <a:r>
                   <a:rPr lang="en-GB" dirty="0"/>
-                  <a:t>, the probing  sequence is</a:t>
+                  <a:t>, the probing sequence is</a:t>
                 </a:r>
               </a:p>
               <a:p>
@@ -7889,7 +8932,7 @@
             </p:txBody>
           </p:sp>
         </mc:Choice>
-        <mc:Fallback xmlns="">
+        <mc:Fallback>
           <p:sp>
             <p:nvSpPr>
               <p:cNvPr id="3" name="Tijdelijke aanduiding voor inhoud 2"/>
@@ -7901,7 +8944,7 @@
               </p:nvPr>
             </p:nvSpPr>
             <p:spPr>
-              <a:blipFill rotWithShape="0">
+              <a:blipFill>
                 <a:blip r:embed="rId2"/>
                 <a:stretch>
                   <a:fillRect l="-142" t="-942"/>
@@ -7956,6 +8999,147 @@
   <p:clrMapOvr>
     <a:masterClrMapping/>
   </p:clrMapOvr>
+  <p:timing>
+    <p:tnLst>
+      <p:par>
+        <p:cTn id="1" dur="indefinite" restart="never" nodeType="tmRoot">
+          <p:childTnLst>
+            <p:seq concurrent="1" nextAc="seek">
+              <p:cTn id="2" dur="indefinite" nodeType="mainSeq">
+                <p:childTnLst>
+                  <p:par>
+                    <p:cTn id="3" fill="hold">
+                      <p:stCondLst>
+                        <p:cond delay="indefinite"/>
+                      </p:stCondLst>
+                      <p:childTnLst>
+                        <p:par>
+                          <p:cTn id="4" fill="hold">
+                            <p:stCondLst>
+                              <p:cond delay="0"/>
+                            </p:stCondLst>
+                            <p:childTnLst>
+                              <p:par>
+                                <p:cTn id="5" presetID="1" presetClass="entr" presetSubtype="0" fill="hold" nodeType="clickEffect">
+                                  <p:stCondLst>
+                                    <p:cond delay="0"/>
+                                  </p:stCondLst>
+                                  <p:childTnLst>
+                                    <p:set>
+                                      <p:cBhvr>
+                                        <p:cTn id="6" dur="1" fill="hold">
+                                          <p:stCondLst>
+                                            <p:cond delay="0"/>
+                                          </p:stCondLst>
+                                        </p:cTn>
+                                        <p:tgtEl>
+                                          <p:spTgt spid="3">
+                                            <p:txEl>
+                                              <p:pRg st="2" end="2"/>
+                                            </p:txEl>
+                                          </p:spTgt>
+                                        </p:tgtEl>
+                                        <p:attrNameLst>
+                                          <p:attrName>style.visibility</p:attrName>
+                                        </p:attrNameLst>
+                                      </p:cBhvr>
+                                      <p:to>
+                                        <p:strVal val="visible"/>
+                                      </p:to>
+                                    </p:set>
+                                  </p:childTnLst>
+                                </p:cTn>
+                              </p:par>
+                              <p:par>
+                                <p:cTn id="7" presetID="1" presetClass="entr" presetSubtype="0" fill="hold" nodeType="withEffect">
+                                  <p:stCondLst>
+                                    <p:cond delay="0"/>
+                                  </p:stCondLst>
+                                  <p:childTnLst>
+                                    <p:set>
+                                      <p:cBhvr>
+                                        <p:cTn id="8" dur="1" fill="hold">
+                                          <p:stCondLst>
+                                            <p:cond delay="0"/>
+                                          </p:stCondLst>
+                                        </p:cTn>
+                                        <p:tgtEl>
+                                          <p:spTgt spid="3">
+                                            <p:txEl>
+                                              <p:pRg st="3" end="3"/>
+                                            </p:txEl>
+                                          </p:spTgt>
+                                        </p:tgtEl>
+                                        <p:attrNameLst>
+                                          <p:attrName>style.visibility</p:attrName>
+                                        </p:attrNameLst>
+                                      </p:cBhvr>
+                                      <p:to>
+                                        <p:strVal val="visible"/>
+                                      </p:to>
+                                    </p:set>
+                                  </p:childTnLst>
+                                </p:cTn>
+                              </p:par>
+                              <p:par>
+                                <p:cTn id="9" presetID="1" presetClass="entr" presetSubtype="0" fill="hold" nodeType="withEffect">
+                                  <p:stCondLst>
+                                    <p:cond delay="0"/>
+                                  </p:stCondLst>
+                                  <p:childTnLst>
+                                    <p:set>
+                                      <p:cBhvr>
+                                        <p:cTn id="10" dur="1" fill="hold">
+                                          <p:stCondLst>
+                                            <p:cond delay="0"/>
+                                          </p:stCondLst>
+                                        </p:cTn>
+                                        <p:tgtEl>
+                                          <p:spTgt spid="3">
+                                            <p:txEl>
+                                              <p:pRg st="4" end="4"/>
+                                            </p:txEl>
+                                          </p:spTgt>
+                                        </p:tgtEl>
+                                        <p:attrNameLst>
+                                          <p:attrName>style.visibility</p:attrName>
+                                        </p:attrNameLst>
+                                      </p:cBhvr>
+                                      <p:to>
+                                        <p:strVal val="visible"/>
+                                      </p:to>
+                                    </p:set>
+                                  </p:childTnLst>
+                                </p:cTn>
+                              </p:par>
+                            </p:childTnLst>
+                          </p:cTn>
+                        </p:par>
+                      </p:childTnLst>
+                    </p:cTn>
+                  </p:par>
+                </p:childTnLst>
+              </p:cTn>
+              <p:prevCondLst>
+                <p:cond evt="onPrev" delay="0">
+                  <p:tgtEl>
+                    <p:sldTgt/>
+                  </p:tgtEl>
+                </p:cond>
+              </p:prevCondLst>
+              <p:nextCondLst>
+                <p:cond evt="onNext" delay="0">
+                  <p:tgtEl>
+                    <p:sldTgt/>
+                  </p:tgtEl>
+                </p:cond>
+              </p:nextCondLst>
+            </p:seq>
+          </p:childTnLst>
+        </p:cTn>
+      </p:par>
+    </p:tnLst>
+  </p:timing>
 </p:sld>
 </file>
 
@@ -8145,6 +9329,112 @@
   <p:clrMapOvr>
     <a:masterClrMapping/>
   </p:clrMapOvr>
+  <p:timing>
+    <p:tnLst>
+      <p:par>
+        <p:cTn id="1" dur="indefinite" restart="never" nodeType="tmRoot">
+          <p:childTnLst>
+            <p:seq concurrent="1" nextAc="seek">
+              <p:cTn id="2" dur="indefinite" nodeType="mainSeq">
+                <p:childTnLst>
+                  <p:par>
+                    <p:cTn id="3" fill="hold">
+                      <p:stCondLst>
+                        <p:cond delay="indefinite"/>
+                      </p:stCondLst>
+                      <p:childTnLst>
+                        <p:par>
+                          <p:cTn id="4" fill="hold">
+                            <p:stCondLst>
+                              <p:cond delay="0"/>
+                            </p:stCondLst>
+                            <p:childTnLst>
+                              <p:par>
+                                <p:cTn id="5" presetID="1" presetClass="entr" presetSubtype="0" fill="hold" nodeType="clickEffect">
+                                  <p:stCondLst>
+                                    <p:cond delay="0"/>
+                                  </p:stCondLst>
+                                  <p:childTnLst>
+                                    <p:set>
+                                      <p:cBhvr>
+                                        <p:cTn id="6" dur="1" fill="hold">
+                                          <p:stCondLst>
+                                            <p:cond delay="0"/>
+                                          </p:stCondLst>
+                                        </p:cTn>
+                                        <p:tgtEl>
+                                          <p:spTgt spid="3">
+                                            <p:txEl>
+                                              <p:pRg st="2" end="2"/>
+                                            </p:txEl>
+                                          </p:spTgt>
+                                        </p:tgtEl>
+                                        <p:attrNameLst>
+                                          <p:attrName>style.visibility</p:attrName>
+                                        </p:attrNameLst>
+                                      </p:cBhvr>
+                                      <p:to>
+                                        <p:strVal val="visible"/>
+                                      </p:to>
+                                    </p:set>
+                                  </p:childTnLst>
+                                </p:cTn>
+                              </p:par>
+                              <p:par>
+                                <p:cTn id="7" presetID="1" presetClass="entr" presetSubtype="0" fill="hold" nodeType="withEffect">
+                                  <p:stCondLst>
+                                    <p:cond delay="0"/>
+                                  </p:stCondLst>
+                                  <p:childTnLst>
+                                    <p:set>
+                                      <p:cBhvr>
+                                        <p:cTn id="8" dur="1" fill="hold">
+                                          <p:stCondLst>
+                                            <p:cond delay="0"/>
+                                          </p:stCondLst>
+                                        </p:cTn>
+                                        <p:tgtEl>
+                                          <p:spTgt spid="4098"/>
+                                        </p:tgtEl>
+                                        <p:attrNameLst>
+                                          <p:attrName>style.visibility</p:attrName>
+                                        </p:attrNameLst>
+                                      </p:cBhvr>
+                                      <p:to>
+                                        <p:strVal val="visible"/>
+                                      </p:to>
+                                    </p:set>
+                                  </p:childTnLst>
+                                </p:cTn>
+                              </p:par>
+                            </p:childTnLst>
+                          </p:cTn>
+                        </p:par>
+                      </p:childTnLst>
+                    </p:cTn>
+                  </p:par>
+                </p:childTnLst>
+              </p:cTn>
+              <p:prevCondLst>
+                <p:cond evt="onPrev" delay="0">
+                  <p:tgtEl>
+                    <p:sldTgt/>
+                  </p:tgtEl>
+                </p:cond>
+              </p:prevCondLst>
+              <p:nextCondLst>
+                <p:cond evt="onNext" delay="0">
+                  <p:tgtEl>
+                    <p:sldTgt/>
+                  </p:tgtEl>
+                </p:cond>
+              </p:nextCondLst>
+            </p:seq>
+          </p:childTnLst>
+        </p:cTn>
+      </p:par>
+    </p:tnLst>
+  </p:timing>
 </p:sld>
 </file>
 
@@ -8512,7 +9802,7 @@
             </p:nvSpPr>
             <p:spPr>
               <a:blipFill rotWithShape="0">
-                <a:blip r:embed="rId2"/>
+                <a:blip r:embed="rId3"/>
                 <a:stretch>
                   <a:fillRect l="-142" t="-942"/>
                 </a:stretch>
@@ -8566,6 +9856,165 @@
   <p:clrMapOvr>
     <a:masterClrMapping/>
   </p:clrMapOvr>
+  <p:timing>
+    <p:tnLst>
+      <p:par>
+        <p:cTn id="1" dur="indefinite" restart="never" nodeType="tmRoot">
+          <p:childTnLst>
+            <p:seq concurrent="1" nextAc="seek">
+              <p:cTn id="2" dur="indefinite" nodeType="mainSeq">
+                <p:childTnLst>
+                  <p:par>
+                    <p:cTn id="3" fill="hold">
+                      <p:stCondLst>
+                        <p:cond delay="indefinite"/>
+                      </p:stCondLst>
+                      <p:childTnLst>
+                        <p:par>
+                          <p:cTn id="4" fill="hold">
+                            <p:stCondLst>
+                              <p:cond delay="0"/>
+                            </p:stCondLst>
+                            <p:childTnLst>
+                              <p:par>
+                                <p:cTn id="5" presetID="1" presetClass="entr" presetSubtype="0" fill="hold" nodeType="clickEffect">
+                                  <p:stCondLst>
+                                    <p:cond delay="0"/>
+                                  </p:stCondLst>
+                                  <p:childTnLst>
+                                    <p:set>
+                                      <p:cBhvr>
+                                        <p:cTn id="6" dur="1" fill="hold">
+                                          <p:stCondLst>
+                                            <p:cond delay="0"/>
+                                          </p:stCondLst>
+                                        </p:cTn>
+                                        <p:tgtEl>
+                                          <p:spTgt spid="3">
+                                            <p:txEl>
+                                              <p:pRg st="4" end="4"/>
+                                            </p:txEl>
+                                          </p:spTgt>
+                                        </p:tgtEl>
+                                        <p:attrNameLst>
+                                          <p:attrName>style.visibility</p:attrName>
+                                        </p:attrNameLst>
+                                      </p:cBhvr>
+                                      <p:to>
+                                        <p:strVal val="visible"/>
+                                      </p:to>
+                                    </p:set>
+                                  </p:childTnLst>
+                                </p:cTn>
+                              </p:par>
+                              <p:par>
+                                <p:cTn id="7" presetID="1" presetClass="entr" presetSubtype="0" fill="hold" nodeType="withEffect">
+                                  <p:stCondLst>
+                                    <p:cond delay="0"/>
+                                  </p:stCondLst>
+                                  <p:childTnLst>
+                                    <p:set>
+                                      <p:cBhvr>
+                                        <p:cTn id="8" dur="1" fill="hold">
+                                          <p:stCondLst>
+                                            <p:cond delay="0"/>
+                                          </p:stCondLst>
+                                        </p:cTn>
+                                        <p:tgtEl>
+                                          <p:spTgt spid="3">
+                                            <p:txEl>
+                                              <p:pRg st="5" end="5"/>
+                                            </p:txEl>
+                                          </p:spTgt>
+                                        </p:tgtEl>
+                                        <p:attrNameLst>
+                                          <p:attrName>style.visibility</p:attrName>
+                                        </p:attrNameLst>
+                                      </p:cBhvr>
+                                      <p:to>
+                                        <p:strVal val="visible"/>
+                                      </p:to>
+                                    </p:set>
+                                  </p:childTnLst>
+                                </p:cTn>
+                              </p:par>
+                            </p:childTnLst>
+                          </p:cTn>
+                        </p:par>
+                      </p:childTnLst>
+                    </p:cTn>
+                  </p:par>
+                  <p:par>
+                    <p:cTn id="9" fill="hold">
+                      <p:stCondLst>
+                        <p:cond delay="indefinite"/>
+                      </p:stCondLst>
+                      <p:childTnLst>
+                        <p:par>
+                          <p:cTn id="10" fill="hold">
+                            <p:stCondLst>
+                              <p:cond delay="0"/>
+                            </p:stCondLst>
+                            <p:childTnLst>
+                              <p:par>
+                                <p:cTn id="11" presetID="1" presetClass="entr" presetSubtype="0" fill="hold" nodeType="clickEffect">
+                                  <p:stCondLst>
+                                    <p:cond delay="0"/>
+                                  </p:stCondLst>
+                                  <p:childTnLst>
+                                    <p:set>
+                                      <p:cBhvr>
+                                        <p:cTn id="12" dur="1" fill="hold">
+                                          <p:stCondLst>
+                                            <p:cond delay="0"/>
+                                          </p:stCondLst>
+                                        </p:cTn>
+                                        <p:tgtEl>
+                                          <p:spTgt spid="3">
+                                            <p:txEl>
+                                              <p:pRg st="7" end="7"/>
+                                            </p:txEl>
+                                          </p:spTgt>
+                                        </p:tgtEl>
+                                        <p:attrNameLst>
+                                          <p:attrName>style.visibility</p:attrName>
+                                        </p:attrNameLst>
+                                      </p:cBhvr>
+                                      <p:to>
+                                        <p:strVal val="visible"/>
+                                      </p:to>
+                                    </p:set>
+                                  </p:childTnLst>
+                                </p:cTn>
+                              </p:par>
+                            </p:childTnLst>
+                          </p:cTn>
+                        </p:par>
+                      </p:childTnLst>
+                    </p:cTn>
+                  </p:par>
+                </p:childTnLst>
+              </p:cTn>
+              <p:prevCondLst>
+                <p:cond evt="onPrev" delay="0">
+                  <p:tgtEl>
+                    <p:sldTgt/>
+                  </p:tgtEl>
+                </p:cond>
+              </p:prevCondLst>
+              <p:nextCondLst>
+                <p:cond evt="onNext" delay="0">
+                  <p:tgtEl>
+                    <p:sldTgt/>
+                  </p:tgtEl>
+                </p:cond>
+              </p:nextCondLst>
+            </p:seq>
+          </p:childTnLst>
+        </p:cTn>
+      </p:par>
+    </p:tnLst>
+  </p:timing>
 </p:sld>
 </file>
 
@@ -8754,6 +10203,196 @@
   <p:clrMapOvr>
     <a:masterClrMapping/>
   </p:clrMapOvr>
+  <p:timing>
+    <p:tnLst>
+      <p:par>
+        <p:cTn id="1" dur="indefinite" restart="never" nodeType="tmRoot">
+          <p:childTnLst>
+            <p:seq concurrent="1" nextAc="seek">
+              <p:cTn id="2" dur="indefinite" nodeType="mainSeq">
+                <p:childTnLst>
+                  <p:par>
+                    <p:cTn id="3" fill="hold">
+                      <p:stCondLst>
+                        <p:cond delay="indefinite"/>
+                      </p:stCondLst>
+                      <p:childTnLst>
+                        <p:par>
+                          <p:cTn id="4" fill="hold">
+                            <p:stCondLst>
+                              <p:cond delay="0"/>
+                            </p:stCondLst>
+                            <p:childTnLst>
+                              <p:par>
+                                <p:cTn id="5" presetID="1" presetClass="entr" presetSubtype="0" fill="hold" nodeType="clickEffect">
+                                  <p:stCondLst>
+                                    <p:cond delay="0"/>
+                                  </p:stCondLst>
+                                  <p:childTnLst>
+                                    <p:set>
+                                      <p:cBhvr>
+                                        <p:cTn id="6" dur="1" fill="hold">
+                                          <p:stCondLst>
+                                            <p:cond delay="0"/>
+                                          </p:stCondLst>
+                                        </p:cTn>
+                                        <p:tgtEl>
+                                          <p:spTgt spid="3">
+                                            <p:txEl>
+                                              <p:pRg st="1" end="1"/>
+                                            </p:txEl>
+                                          </p:spTgt>
+                                        </p:tgtEl>
+                                        <p:attrNameLst>
+                                          <p:attrName>style.visibility</p:attrName>
+                                        </p:attrNameLst>
+                                      </p:cBhvr>
+                                      <p:to>
+                                        <p:strVal val="visible"/>
+                                      </p:to>
+                                    </p:set>
+                                  </p:childTnLst>
+                                </p:cTn>
+                              </p:par>
+                              <p:par>
+                                <p:cTn id="7" presetID="1" presetClass="entr" presetSubtype="0" fill="hold" nodeType="withEffect">
+                                  <p:stCondLst>
+                                    <p:cond delay="0"/>
+                                  </p:stCondLst>
+                                  <p:childTnLst>
+                                    <p:set>
+                                      <p:cBhvr>
+                                        <p:cTn id="8" dur="1" fill="hold">
+                                          <p:stCondLst>
+                                            <p:cond delay="0"/>
+                                          </p:stCondLst>
+                                        </p:cTn>
+                                        <p:tgtEl>
+                                          <p:spTgt spid="3">
+                                            <p:txEl>
+                                              <p:pRg st="2" end="2"/>
+                                            </p:txEl>
+                                          </p:spTgt>
+                                        </p:tgtEl>
+                                        <p:attrNameLst>
+                                          <p:attrName>style.visibility</p:attrName>
+                                        </p:attrNameLst>
+                                      </p:cBhvr>
+                                      <p:to>
+                                        <p:strVal val="visible"/>
+                                      </p:to>
+                                    </p:set>
+                                  </p:childTnLst>
+                                </p:cTn>
+                              </p:par>
+                            </p:childTnLst>
+                          </p:cTn>
+                        </p:par>
+                      </p:childTnLst>
+                    </p:cTn>
+                  </p:par>
+                  <p:par>
+                    <p:cTn id="9" fill="hold">
+                      <p:stCondLst>
+                        <p:cond delay="indefinite"/>
+                      </p:stCondLst>
+                      <p:childTnLst>
+                        <p:par>
+                          <p:cTn id="10" fill="hold">
+                            <p:stCondLst>
+                              <p:cond delay="0"/>
+                            </p:stCondLst>
+                            <p:childTnLst>
+                              <p:par>
+                                <p:cTn id="11" presetID="1" presetClass="entr" presetSubtype="0" fill="hold" nodeType="clickEffect">
+                                  <p:stCondLst>
+                                    <p:cond delay="0"/>
+                                  </p:stCondLst>
+                                  <p:childTnLst>
+                                    <p:set>
+                                      <p:cBhvr>
+                                        <p:cTn id="12" dur="1" fill="hold">
+                                          <p:stCondLst>
+                                            <p:cond delay="0"/>
+                                          </p:stCondLst>
+                                        </p:cTn>
+                                        <p:tgtEl>
+                                          <p:spTgt spid="3">
+                                            <p:txEl>
+                                              <p:pRg st="3" end="3"/>
+                                            </p:txEl>
+                                          </p:spTgt>
+                                        </p:tgtEl>
+                                        <p:attrNameLst>
+                                          <p:attrName>style.visibility</p:attrName>
+                                        </p:attrNameLst>
+                                      </p:cBhvr>
+                                      <p:to>
+                                        <p:strVal val="visible"/>
+                                      </p:to>
+                                    </p:set>
+                                  </p:childTnLst>
+                                </p:cTn>
+                              </p:par>
+                              <p:par>
+                                <p:cTn id="13" presetID="1" presetClass="entr" presetSubtype="0" fill="hold" nodeType="withEffect">
+                                  <p:stCondLst>
+                                    <p:cond delay="0"/>
+                                  </p:stCondLst>
+                                  <p:childTnLst>
+                                    <p:set>
+                                      <p:cBhvr>
+                                        <p:cTn id="14" dur="1" fill="hold">
+                                          <p:stCondLst>
+                                            <p:cond delay="0"/>
+                                          </p:stCondLst>
+                                        </p:cTn>
+                                        <p:tgtEl>
+                                          <p:spTgt spid="3">
+                                            <p:txEl>
+                                              <p:pRg st="4" end="4"/>
+                                            </p:txEl>
+                                          </p:spTgt>
+                                        </p:tgtEl>
+                                        <p:attrNameLst>
+                                          <p:attrName>style.visibility</p:attrName>
+                                        </p:attrNameLst>
+                                      </p:cBhvr>
+                                      <p:to>
+                                        <p:strVal val="visible"/>
+                                      </p:to>
+                                    </p:set>
+                                  </p:childTnLst>
+                                </p:cTn>
+                              </p:par>
+                            </p:childTnLst>
+                          </p:cTn>
+                        </p:par>
+                      </p:childTnLst>
+                    </p:cTn>
+                  </p:par>
+                </p:childTnLst>
+              </p:cTn>
+              <p:prevCondLst>
+                <p:cond evt="onPrev" delay="0">
+                  <p:tgtEl>
+                    <p:sldTgt/>
+                  </p:tgtEl>
+                </p:cond>
+              </p:prevCondLst>
+              <p:nextCondLst>
+                <p:cond evt="onNext" delay="0">
+                  <p:tgtEl>
+                    <p:sldTgt/>
+                  </p:tgtEl>
+                </p:cond>
+              </p:nextCondLst>
+            </p:seq>
+          </p:childTnLst>
+        </p:cTn>
+      </p:par>
+    </p:tnLst>
+  </p:timing>
 </p:sld>
 </file>
 
@@ -10141,7 +11780,7 @@
         </p:blipFill>
         <p:spPr bwMode="auto">
           <a:xfrm>
-            <a:off x="2498198" y="3413737"/>
+            <a:off x="2633280" y="3436117"/>
             <a:ext cx="5136547" cy="3338756"/>
           </a:xfrm>
           <a:prstGeom prst="rect">
@@ -10169,6 +11808,112 @@
   <p:clrMapOvr>
     <a:masterClrMapping/>
   </p:clrMapOvr>
+  <p:timing>
+    <p:tnLst>
+      <p:par>
+        <p:cTn id="1" dur="indefinite" restart="never" nodeType="tmRoot">
+          <p:childTnLst>
+            <p:seq concurrent="1" nextAc="seek">
+              <p:cTn id="2" dur="indefinite" nodeType="mainSeq">
+                <p:childTnLst>
+                  <p:par>
+                    <p:cTn id="3" fill="hold">
+                      <p:stCondLst>
+                        <p:cond delay="indefinite"/>
+                      </p:stCondLst>
+                      <p:childTnLst>
+                        <p:par>
+                          <p:cTn id="4" fill="hold">
+                            <p:stCondLst>
+                              <p:cond delay="0"/>
+                            </p:stCondLst>
+                            <p:childTnLst>
+                              <p:par>
+                                <p:cTn id="5" presetID="1" presetClass="entr" presetSubtype="0" fill="hold" nodeType="clickEffect">
+                                  <p:stCondLst>
+                                    <p:cond delay="0"/>
+                                  </p:stCondLst>
+                                  <p:childTnLst>
+                                    <p:set>
+                                      <p:cBhvr>
+                                        <p:cTn id="6" dur="1" fill="hold">
+                                          <p:stCondLst>
+                                            <p:cond delay="0"/>
+                                          </p:stCondLst>
+                                        </p:cTn>
+                                        <p:tgtEl>
+                                          <p:spTgt spid="3">
+                                            <p:txEl>
+                                              <p:pRg st="1" end="1"/>
+                                            </p:txEl>
+                                          </p:spTgt>
+                                        </p:tgtEl>
+                                        <p:attrNameLst>
+                                          <p:attrName>style.visibility</p:attrName>
+                                        </p:attrNameLst>
+                                      </p:cBhvr>
+                                      <p:to>
+                                        <p:strVal val="visible"/>
+                                      </p:to>
+                                    </p:set>
+                                  </p:childTnLst>
+                                </p:cTn>
+                              </p:par>
+                              <p:par>
+                                <p:cTn id="7" presetID="1" presetClass="entr" presetSubtype="0" fill="hold" nodeType="withEffect">
+                                  <p:stCondLst>
+                                    <p:cond delay="0"/>
+                                  </p:stCondLst>
+                                  <p:childTnLst>
+                                    <p:set>
+                                      <p:cBhvr>
+                                        <p:cTn id="8" dur="1" fill="hold">
+                                          <p:stCondLst>
+                                            <p:cond delay="0"/>
+                                          </p:stCondLst>
+                                        </p:cTn>
+                                        <p:tgtEl>
+                                          <p:spTgt spid="7172"/>
+                                        </p:tgtEl>
+                                        <p:attrNameLst>
+                                          <p:attrName>style.visibility</p:attrName>
+                                        </p:attrNameLst>
+                                      </p:cBhvr>
+                                      <p:to>
+                                        <p:strVal val="visible"/>
+                                      </p:to>
+                                    </p:set>
+                                  </p:childTnLst>
+                                </p:cTn>
+                              </p:par>
+                            </p:childTnLst>
+                          </p:cTn>
+                        </p:par>
+                      </p:childTnLst>
+                    </p:cTn>
+                  </p:par>
+                </p:childTnLst>
+              </p:cTn>
+              <p:prevCondLst>
+                <p:cond evt="onPrev" delay="0">
+                  <p:tgtEl>
+                    <p:sldTgt/>
+                  </p:tgtEl>
+                </p:cond>
+              </p:prevCondLst>
+              <p:nextCondLst>
+                <p:cond evt="onNext" delay="0">
+                  <p:tgtEl>
+                    <p:sldTgt/>
+                  </p:tgtEl>
+                </p:cond>
+              </p:nextCondLst>
+            </p:seq>
+          </p:childTnLst>
+        </p:cTn>
+      </p:par>
+    </p:tnLst>
+  </p:timing>
 </p:sld>
 </file>
 
@@ -10350,6 +12095,178 @@
   <p:clrMapOvr>
     <a:masterClrMapping/>
   </p:clrMapOvr>
+  <p:timing>
+    <p:tnLst>
+      <p:par>
+        <p:cTn id="1" dur="indefinite" restart="never" nodeType="tmRoot">
+          <p:childTnLst>
+            <p:seq concurrent="1" nextAc="seek">
+              <p:cTn id="2" dur="indefinite" nodeType="mainSeq">
+                <p:childTnLst>
+                  <p:par>
+                    <p:cTn id="3" fill="hold">
+                      <p:stCondLst>
+                        <p:cond delay="indefinite"/>
+                      </p:stCondLst>
+                      <p:childTnLst>
+                        <p:par>
+                          <p:cTn id="4" fill="hold">
+                            <p:stCondLst>
+                              <p:cond delay="0"/>
+                            </p:stCondLst>
+                            <p:childTnLst>
+                              <p:par>
+                                <p:cTn id="5" presetID="1" presetClass="entr" presetSubtype="0" fill="hold" nodeType="clickEffect">
+                                  <p:stCondLst>
+                                    <p:cond delay="0"/>
+                                  </p:stCondLst>
+                                  <p:childTnLst>
+                                    <p:set>
+                                      <p:cBhvr>
+                                        <p:cTn id="6" dur="1" fill="hold">
+                                          <p:stCondLst>
+                                            <p:cond delay="0"/>
+                                          </p:stCondLst>
+                                        </p:cTn>
+                                        <p:tgtEl>
+                                          <p:spTgt spid="3">
+                                            <p:txEl>
+                                              <p:pRg st="2" end="2"/>
+                                            </p:txEl>
+                                          </p:spTgt>
+                                        </p:tgtEl>
+                                        <p:attrNameLst>
+                                          <p:attrName>style.visibility</p:attrName>
+                                        </p:attrNameLst>
+                                      </p:cBhvr>
+                                      <p:to>
+                                        <p:strVal val="visible"/>
+                                      </p:to>
+                                    </p:set>
+                                  </p:childTnLst>
+                                </p:cTn>
+                              </p:par>
+                              <p:par>
+                                <p:cTn id="7" presetID="1" presetClass="entr" presetSubtype="0" fill="hold" nodeType="withEffect">
+                                  <p:stCondLst>
+                                    <p:cond delay="0"/>
+                                  </p:stCondLst>
+                                  <p:childTnLst>
+                                    <p:set>
+                                      <p:cBhvr>
+                                        <p:cTn id="8" dur="1" fill="hold">
+                                          <p:stCondLst>
+                                            <p:cond delay="0"/>
+                                          </p:stCondLst>
+                                        </p:cTn>
+                                        <p:tgtEl>
+                                          <p:spTgt spid="3">
+                                            <p:txEl>
+                                              <p:pRg st="4" end="4"/>
+                                            </p:txEl>
+                                          </p:spTgt>
+                                        </p:tgtEl>
+                                        <p:attrNameLst>
+                                          <p:attrName>style.visibility</p:attrName>
+                                        </p:attrNameLst>
+                                      </p:cBhvr>
+                                      <p:to>
+                                        <p:strVal val="visible"/>
+                                      </p:to>
+                                    </p:set>
+                                  </p:childTnLst>
+                                </p:cTn>
+                              </p:par>
+                              <p:par>
+                                <p:cTn id="9" presetID="1" presetClass="entr" presetSubtype="0" fill="hold" nodeType="withEffect">
+                                  <p:stCondLst>
+                                    <p:cond delay="0"/>
+                                  </p:stCondLst>
+                                  <p:childTnLst>
+                                    <p:set>
+                                      <p:cBhvr>
+                                        <p:cTn id="10" dur="1" fill="hold">
+                                          <p:stCondLst>
+                                            <p:cond delay="0"/>
+                                          </p:stCondLst>
+                                        </p:cTn>
+                                        <p:tgtEl>
+                                          <p:spTgt spid="3">
+                                            <p:txEl>
+                                              <p:pRg st="5" end="5"/>
+                                            </p:txEl>
+                                          </p:spTgt>
+                                        </p:tgtEl>
+                                        <p:attrNameLst>
+                                          <p:attrName>style.visibility</p:attrName>
+                                        </p:attrNameLst>
+                                      </p:cBhvr>
+                                      <p:to>
+                                        <p:strVal val="visible"/>
+                                      </p:to>
+                                    </p:set>
+                                  </p:childTnLst>
+                                </p:cTn>
+                              </p:par>
+                              <p:par>
+                                <p:cTn id="11" presetID="1" presetClass="entr" presetSubtype="0" fill="hold" nodeType="withEffect">
+                                  <p:stCondLst>
+                                    <p:cond delay="0"/>
+                                  </p:stCondLst>
+                                  <p:childTnLst>
+                                    <p:set>
+                                      <p:cBhvr>
+                                        <p:cTn id="12" dur="1" fill="hold">
+                                          <p:stCondLst>
+                                            <p:cond delay="0"/>
+                                          </p:stCondLst>
+                                        </p:cTn>
+                                        <p:tgtEl>
+                                          <p:spTgt spid="3">
+                                            <p:txEl>
+                                              <p:pRg st="7" end="7"/>
+                                            </p:txEl>
+                                          </p:spTgt>
+                                        </p:tgtEl>
+                                        <p:attrNameLst>
+                                          <p:attrName>style.visibility</p:attrName>
+                                        </p:attrNameLst>
+                                      </p:cBhvr>
+                                      <p:to>
+                                        <p:strVal val="visible"/>
+                                      </p:to>
+                                    </p:set>
+                                  </p:childTnLst>
+                                </p:cTn>
+                              </p:par>
+                            </p:childTnLst>
+                          </p:cTn>
+                        </p:par>
+                      </p:childTnLst>
+                    </p:cTn>
+                  </p:par>
+                </p:childTnLst>
+              </p:cTn>
+              <p:prevCondLst>
+                <p:cond evt="onPrev" delay="0">
+                  <p:tgtEl>
+                    <p:sldTgt/>
+                  </p:tgtEl>
+                </p:cond>
+              </p:prevCondLst>
+              <p:nextCondLst>
+                <p:cond evt="onNext" delay="0">
+                  <p:tgtEl>
+                    <p:sldTgt/>
+                  </p:tgtEl>
+                </p:cond>
+              </p:nextCondLst>
+            </p:seq>
+          </p:childTnLst>
+        </p:cTn>
+      </p:par>
+    </p:tnLst>
+  </p:timing>
 </p:sld>
 </file>
 
@@ -10514,6 +12431,196 @@
   <p:clrMapOvr>
     <a:masterClrMapping/>
   </p:clrMapOvr>
+  <p:timing>
+    <p:tnLst>
+      <p:par>
+        <p:cTn id="1" dur="indefinite" restart="never" nodeType="tmRoot">
+          <p:childTnLst>
+            <p:seq concurrent="1" nextAc="seek">
+              <p:cTn id="2" dur="indefinite" nodeType="mainSeq">
+                <p:childTnLst>
+                  <p:par>
+                    <p:cTn id="3" fill="hold">
+                      <p:stCondLst>
+                        <p:cond delay="indefinite"/>
+                      </p:stCondLst>
+                      <p:childTnLst>
+                        <p:par>
+                          <p:cTn id="4" fill="hold">
+                            <p:stCondLst>
+                              <p:cond delay="0"/>
+                            </p:stCondLst>
+                            <p:childTnLst>
+                              <p:par>
+                                <p:cTn id="5" presetID="1" presetClass="entr" presetSubtype="0" fill="hold" nodeType="clickEffect">
+                                  <p:stCondLst>
+                                    <p:cond delay="0"/>
+                                  </p:stCondLst>
+                                  <p:childTnLst>
+                                    <p:set>
+                                      <p:cBhvr>
+                                        <p:cTn id="6" dur="1" fill="hold">
+                                          <p:stCondLst>
+                                            <p:cond delay="0"/>
+                                          </p:stCondLst>
+                                        </p:cTn>
+                                        <p:tgtEl>
+                                          <p:spTgt spid="3">
+                                            <p:txEl>
+                                              <p:pRg st="1" end="1"/>
+                                            </p:txEl>
+                                          </p:spTgt>
+                                        </p:tgtEl>
+                                        <p:attrNameLst>
+                                          <p:attrName>style.visibility</p:attrName>
+                                        </p:attrNameLst>
+                                      </p:cBhvr>
+                                      <p:to>
+                                        <p:strVal val="visible"/>
+                                      </p:to>
+                                    </p:set>
+                                  </p:childTnLst>
+                                </p:cTn>
+                              </p:par>
+                              <p:par>
+                                <p:cTn id="7" presetID="1" presetClass="entr" presetSubtype="0" fill="hold" nodeType="withEffect">
+                                  <p:stCondLst>
+                                    <p:cond delay="0"/>
+                                  </p:stCondLst>
+                                  <p:childTnLst>
+                                    <p:set>
+                                      <p:cBhvr>
+                                        <p:cTn id="8" dur="1" fill="hold">
+                                          <p:stCondLst>
+                                            <p:cond delay="0"/>
+                                          </p:stCondLst>
+                                        </p:cTn>
+                                        <p:tgtEl>
+                                          <p:spTgt spid="3">
+                                            <p:txEl>
+                                              <p:pRg st="2" end="2"/>
+                                            </p:txEl>
+                                          </p:spTgt>
+                                        </p:tgtEl>
+                                        <p:attrNameLst>
+                                          <p:attrName>style.visibility</p:attrName>
+                                        </p:attrNameLst>
+                                      </p:cBhvr>
+                                      <p:to>
+                                        <p:strVal val="visible"/>
+                                      </p:to>
+                                    </p:set>
+                                  </p:childTnLst>
+                                </p:cTn>
+                              </p:par>
+                            </p:childTnLst>
+                          </p:cTn>
+                        </p:par>
+                      </p:childTnLst>
+                    </p:cTn>
+                  </p:par>
+                  <p:par>
+                    <p:cTn id="9" fill="hold">
+                      <p:stCondLst>
+                        <p:cond delay="indefinite"/>
+                      </p:stCondLst>
+                      <p:childTnLst>
+                        <p:par>
+                          <p:cTn id="10" fill="hold">
+                            <p:stCondLst>
+                              <p:cond delay="0"/>
+                            </p:stCondLst>
+                            <p:childTnLst>
+                              <p:par>
+                                <p:cTn id="11" presetID="1" presetClass="entr" presetSubtype="0" fill="hold" nodeType="clickEffect">
+                                  <p:stCondLst>
+                                    <p:cond delay="0"/>
+                                  </p:stCondLst>
+                                  <p:childTnLst>
+                                    <p:set>
+                                      <p:cBhvr>
+                                        <p:cTn id="12" dur="1" fill="hold">
+                                          <p:stCondLst>
+                                            <p:cond delay="0"/>
+                                          </p:stCondLst>
+                                        </p:cTn>
+                                        <p:tgtEl>
+                                          <p:spTgt spid="3">
+                                            <p:txEl>
+                                              <p:pRg st="5" end="5"/>
+                                            </p:txEl>
+                                          </p:spTgt>
+                                        </p:tgtEl>
+                                        <p:attrNameLst>
+                                          <p:attrName>style.visibility</p:attrName>
+                                        </p:attrNameLst>
+                                      </p:cBhvr>
+                                      <p:to>
+                                        <p:strVal val="visible"/>
+                                      </p:to>
+                                    </p:set>
+                                  </p:childTnLst>
+                                </p:cTn>
+                              </p:par>
+                              <p:par>
+                                <p:cTn id="13" presetID="1" presetClass="entr" presetSubtype="0" fill="hold" nodeType="withEffect">
+                                  <p:stCondLst>
+                                    <p:cond delay="0"/>
+                                  </p:stCondLst>
+                                  <p:childTnLst>
+                                    <p:set>
+                                      <p:cBhvr>
+                                        <p:cTn id="14" dur="1" fill="hold">
+                                          <p:stCondLst>
+                                            <p:cond delay="0"/>
+                                          </p:stCondLst>
+                                        </p:cTn>
+                                        <p:tgtEl>
+                                          <p:spTgt spid="3">
+                                            <p:txEl>
+                                              <p:pRg st="6" end="6"/>
+                                            </p:txEl>
+                                          </p:spTgt>
+                                        </p:tgtEl>
+                                        <p:attrNameLst>
+                                          <p:attrName>style.visibility</p:attrName>
+                                        </p:attrNameLst>
+                                      </p:cBhvr>
+                                      <p:to>
+                                        <p:strVal val="visible"/>
+                                      </p:to>
+                                    </p:set>
+                                  </p:childTnLst>
+                                </p:cTn>
+                              </p:par>
+                            </p:childTnLst>
+                          </p:cTn>
+                        </p:par>
+                      </p:childTnLst>
+                    </p:cTn>
+                  </p:par>
+                </p:childTnLst>
+              </p:cTn>
+              <p:prevCondLst>
+                <p:cond evt="onPrev" delay="0">
+                  <p:tgtEl>
+                    <p:sldTgt/>
+                  </p:tgtEl>
+                </p:cond>
+              </p:prevCondLst>
+              <p:nextCondLst>
+                <p:cond evt="onNext" delay="0">
+                  <p:tgtEl>
+                    <p:sldTgt/>
+                  </p:tgtEl>
+                </p:cond>
+              </p:nextCondLst>
+            </p:seq>
+          </p:childTnLst>
+        </p:cTn>
+      </p:par>
+    </p:tnLst>
+  </p:timing>
 </p:sld>
 </file>
 
@@ -10653,8 +12760,8 @@
           </a:p>
         </p:txBody>
       </p:sp>
-      <mc:AlternateContent xmlns:mc="http://schemas.openxmlformats.org/markup-compatibility/2006" xmlns:a14="http://schemas.microsoft.com/office/drawing/2010/main">
-        <mc:Choice Requires="a14">
+      <mc:AlternateContent xmlns:mc="http://schemas.openxmlformats.org/markup-compatibility/2006">
+        <mc:Choice xmlns:a14="http://schemas.microsoft.com/office/drawing/2010/main" Requires="a14">
           <p:graphicFrame>
             <p:nvGraphicFramePr>
               <p:cNvPr id="5" name="Table 4"/>
@@ -10664,7 +12771,7 @@
               <p:nvPr>
                 <p:extLst>
                   <p:ext uri="{D42A27DB-BD31-4B8C-83A1-F6EECF244321}">
-                    <p14:modId xmlns:p14="http://schemas.microsoft.com/office/powerpoint/2010/main" val="584663236"/>
+                    <p14:modId xmlns:p14="http://schemas.microsoft.com/office/powerpoint/2010/main" val="3123963003"/>
                   </p:ext>
                 </p:extLst>
               </p:nvPr>
@@ -10756,7 +12863,7 @@
                         <a:p>
                           <a:r>
                             <a:rPr lang="en-GB" sz="1600" dirty="0"/>
-                            <a:t>Searching</a:t>
+                            <a:t>Search</a:t>
                           </a:r>
                         </a:p>
                       </a:txBody>
@@ -11073,7 +13180,7 @@
             </a:graphic>
           </p:graphicFrame>
         </mc:Choice>
-        <mc:Fallback xmlns="">
+        <mc:Fallback>
           <p:graphicFrame>
             <p:nvGraphicFramePr>
               <p:cNvPr id="5" name="Table 4"/>
@@ -11083,7 +13190,7 @@
               <p:nvPr>
                 <p:extLst>
                   <p:ext uri="{D42A27DB-BD31-4B8C-83A1-F6EECF244321}">
-                    <p14:modId xmlns:p14="http://schemas.microsoft.com/office/powerpoint/2010/main" val="584663236"/>
+                    <p14:modId xmlns:p14="http://schemas.microsoft.com/office/powerpoint/2010/main" val="3123963003"/>
                   </p:ext>
                 </p:extLst>
               </p:nvPr>
@@ -11099,9 +13206,27 @@
                     <a:tableStyleId>{5C22544A-7EE6-4342-B048-85BDC9FD1C3A}</a:tableStyleId>
                   </a:tblPr>
                   <a:tblGrid>
-                    <a:gridCol w="1626301"/>
-                    <a:gridCol w="1814234"/>
-                    <a:gridCol w="1502411"/>
+                    <a:gridCol w="1626301">
+                      <a:extLst>
+                        <a:ext uri="{9D8B030D-6E8A-4147-A177-3AD203B41FA5}">
+                          <a16:colId xmlns:a16="http://schemas.microsoft.com/office/drawing/2014/main" val="20000"/>
+                        </a:ext>
+                      </a:extLst>
+                    </a:gridCol>
+                    <a:gridCol w="1814234">
+                      <a:extLst>
+                        <a:ext uri="{9D8B030D-6E8A-4147-A177-3AD203B41FA5}">
+                          <a16:colId xmlns:a16="http://schemas.microsoft.com/office/drawing/2014/main" val="20001"/>
+                        </a:ext>
+                      </a:extLst>
+                    </a:gridCol>
+                    <a:gridCol w="1502411">
+                      <a:extLst>
+                        <a:ext uri="{9D8B030D-6E8A-4147-A177-3AD203B41FA5}">
+                          <a16:colId xmlns:a16="http://schemas.microsoft.com/office/drawing/2014/main" val="20002"/>
+                        </a:ext>
+                      </a:extLst>
+                    </a:gridCol>
                   </a:tblGrid>
                   <a:tr h="360231">
                     <a:tc>
@@ -11110,10 +13235,9 @@
                         <a:lstStyle/>
                         <a:p>
                           <a:r>
-                            <a:rPr lang="en-GB" sz="1600" dirty="0" smtClean="0"/>
+                            <a:rPr lang="en-GB" sz="1600" dirty="0"/>
                             <a:t>Operation</a:t>
                           </a:r>
-                          <a:endParaRPr lang="en-GB" sz="1600" dirty="0"/>
                         </a:p>
                       </a:txBody>
                       <a:tcPr/>
@@ -11124,10 +13248,9 @@
                         <a:lstStyle/>
                         <a:p>
                           <a:r>
-                            <a:rPr lang="en-GB" sz="1600" dirty="0" smtClean="0"/>
+                            <a:rPr lang="en-GB" sz="1600" dirty="0"/>
                             <a:t>Average case</a:t>
                           </a:r>
-                          <a:endParaRPr lang="en-GB" sz="1600" dirty="0"/>
                         </a:p>
                       </a:txBody>
                       <a:tcPr/>
@@ -11138,14 +13261,18 @@
                         <a:lstStyle/>
                         <a:p>
                           <a:r>
-                            <a:rPr lang="en-GB" sz="1600" dirty="0" smtClean="0"/>
+                            <a:rPr lang="en-GB" sz="1600" dirty="0"/>
                             <a:t>Worst case</a:t>
                           </a:r>
-                          <a:endParaRPr lang="en-GB" sz="1600" dirty="0"/>
                         </a:p>
                       </a:txBody>
                       <a:tcPr/>
                     </a:tc>
+                    <a:extLst>
+                      <a:ext uri="{0D108BD9-81ED-4DB2-BD59-A6C34878D82A}">
+                        <a16:rowId xmlns:a16="http://schemas.microsoft.com/office/drawing/2014/main" val="10000"/>
+                      </a:ext>
+                    </a:extLst>
                   </a:tr>
                   <a:tr h="360231">
                     <a:tc>
@@ -11154,10 +13281,9 @@
                         <a:lstStyle/>
                         <a:p>
                           <a:r>
-                            <a:rPr lang="en-GB" sz="1600" dirty="0" smtClean="0"/>
-                            <a:t>Searching</a:t>
+                            <a:rPr lang="en-GB" sz="1600" dirty="0"/>
+                            <a:t>Search</a:t>
                           </a:r>
-                          <a:endParaRPr lang="en-GB" sz="1600" dirty="0"/>
                         </a:p>
                       </a:txBody>
                       <a:tcPr/>
@@ -11171,7 +13297,7 @@
                         </a:p>
                       </a:txBody>
                       <a:tcPr>
-                        <a:blipFill rotWithShape="0">
+                        <a:blipFill>
                           <a:blip r:embed="rId2"/>
                           <a:stretch>
                             <a:fillRect l="-89933" t="-103333" r="-84228" b="-210000"/>
@@ -11188,7 +13314,7 @@
                         </a:p>
                       </a:txBody>
                       <a:tcPr>
-                        <a:blipFill rotWithShape="0">
+                        <a:blipFill>
                           <a:blip r:embed="rId2"/>
                           <a:stretch>
                             <a:fillRect l="-229150" t="-103333" r="-1619" b="-210000"/>
@@ -11196,6 +13322,11 @@
                         </a:blipFill>
                       </a:tcPr>
                     </a:tc>
+                    <a:extLst>
+                      <a:ext uri="{0D108BD9-81ED-4DB2-BD59-A6C34878D82A}">
+                        <a16:rowId xmlns:a16="http://schemas.microsoft.com/office/drawing/2014/main" val="10001"/>
+                      </a:ext>
+                    </a:extLst>
                   </a:tr>
                   <a:tr h="360231">
                     <a:tc>
@@ -11204,10 +13335,9 @@
                         <a:lstStyle/>
                         <a:p>
                           <a:r>
-                            <a:rPr lang="en-GB" sz="1600" dirty="0" smtClean="0"/>
+                            <a:rPr lang="en-GB" sz="1600" dirty="0"/>
                             <a:t>Insertion</a:t>
                           </a:r>
-                          <a:endParaRPr lang="en-GB" sz="1600" dirty="0"/>
                         </a:p>
                       </a:txBody>
                       <a:tcPr/>
@@ -11221,7 +13351,7 @@
                         </a:p>
                       </a:txBody>
                       <a:tcPr>
-                        <a:blipFill rotWithShape="0">
+                        <a:blipFill>
                           <a:blip r:embed="rId2"/>
                           <a:stretch>
                             <a:fillRect l="-89933" t="-206780" r="-84228" b="-113559"/>
@@ -11238,7 +13368,7 @@
                         </a:p>
                       </a:txBody>
                       <a:tcPr>
-                        <a:blipFill rotWithShape="0">
+                        <a:blipFill>
                           <a:blip r:embed="rId2"/>
                           <a:stretch>
                             <a:fillRect l="-229150" t="-206780" r="-1619" b="-113559"/>
@@ -11246,6 +13376,11 @@
                         </a:blipFill>
                       </a:tcPr>
                     </a:tc>
+                    <a:extLst>
+                      <a:ext uri="{0D108BD9-81ED-4DB2-BD59-A6C34878D82A}">
+                        <a16:rowId xmlns:a16="http://schemas.microsoft.com/office/drawing/2014/main" val="10002"/>
+                      </a:ext>
+                    </a:extLst>
                   </a:tr>
                   <a:tr h="360231">
                     <a:tc>
@@ -11254,10 +13389,9 @@
                         <a:lstStyle/>
                         <a:p>
                           <a:r>
-                            <a:rPr lang="en-GB" sz="1600" dirty="0" smtClean="0"/>
+                            <a:rPr lang="en-GB" sz="1600" dirty="0"/>
                             <a:t>Deletion </a:t>
                           </a:r>
-                          <a:endParaRPr lang="en-GB" sz="1600" dirty="0"/>
                         </a:p>
                       </a:txBody>
                       <a:tcPr/>
@@ -11271,7 +13405,7 @@
                         </a:p>
                       </a:txBody>
                       <a:tcPr>
-                        <a:blipFill rotWithShape="0">
+                        <a:blipFill>
                           <a:blip r:embed="rId2"/>
                           <a:stretch>
                             <a:fillRect l="-89933" t="-306780" r="-84228" b="-13559"/>
@@ -11288,7 +13422,7 @@
                         </a:p>
                       </a:txBody>
                       <a:tcPr>
-                        <a:blipFill rotWithShape="0">
+                        <a:blipFill>
                           <a:blip r:embed="rId2"/>
                           <a:stretch>
                             <a:fillRect l="-229150" t="-306780" r="-1619" b="-13559"/>
@@ -11296,6 +13430,11 @@
                         </a:blipFill>
                       </a:tcPr>
                     </a:tc>
+                    <a:extLst>
+                      <a:ext uri="{0D108BD9-81ED-4DB2-BD59-A6C34878D82A}">
+                        <a16:rowId xmlns:a16="http://schemas.microsoft.com/office/drawing/2014/main" val="10003"/>
+                      </a:ext>
+                    </a:extLst>
                   </a:tr>
                 </a:tbl>
               </a:graphicData>
@@ -11313,6 +13452,210 @@
   <p:clrMapOvr>
     <a:masterClrMapping/>
   </p:clrMapOvr>
+  <p:timing>
+    <p:tnLst>
+      <p:par>
+        <p:cTn id="1" dur="indefinite" restart="never" nodeType="tmRoot">
+          <p:childTnLst>
+            <p:seq concurrent="1" nextAc="seek">
+              <p:cTn id="2" dur="indefinite" nodeType="mainSeq">
+                <p:childTnLst>
+                  <p:par>
+                    <p:cTn id="3" fill="hold">
+                      <p:stCondLst>
+                        <p:cond delay="indefinite"/>
+                      </p:stCondLst>
+                      <p:childTnLst>
+                        <p:par>
+                          <p:cTn id="4" fill="hold">
+                            <p:stCondLst>
+                              <p:cond delay="0"/>
+                            </p:stCondLst>
+                            <p:childTnLst>
+                              <p:par>
+                                <p:cTn id="5" presetID="1" presetClass="entr" presetSubtype="0" fill="hold" nodeType="clickEffect">
+                                  <p:stCondLst>
+                                    <p:cond delay="0"/>
+                                  </p:stCondLst>
+                                  <p:childTnLst>
+                                    <p:set>
+                                      <p:cBhvr>
+                                        <p:cTn id="6" dur="1" fill="hold">
+                                          <p:stCondLst>
+                                            <p:cond delay="0"/>
+                                          </p:stCondLst>
+                                        </p:cTn>
+                                        <p:tgtEl>
+                                          <p:spTgt spid="3">
+                                            <p:txEl>
+                                              <p:pRg st="1" end="1"/>
+                                            </p:txEl>
+                                          </p:spTgt>
+                                        </p:tgtEl>
+                                        <p:attrNameLst>
+                                          <p:attrName>style.visibility</p:attrName>
+                                        </p:attrNameLst>
+                                      </p:cBhvr>
+                                      <p:to>
+                                        <p:strVal val="visible"/>
+                                      </p:to>
+                                    </p:set>
+                                  </p:childTnLst>
+                                </p:cTn>
+                              </p:par>
+                              <p:par>
+                                <p:cTn id="7" presetID="1" presetClass="entr" presetSubtype="0" fill="hold" nodeType="withEffect">
+                                  <p:stCondLst>
+                                    <p:cond delay="0"/>
+                                  </p:stCondLst>
+                                  <p:childTnLst>
+                                    <p:set>
+                                      <p:cBhvr>
+                                        <p:cTn id="8" dur="1" fill="hold">
+                                          <p:stCondLst>
+                                            <p:cond delay="0"/>
+                                          </p:stCondLst>
+                                        </p:cTn>
+                                        <p:tgtEl>
+                                          <p:spTgt spid="3">
+                                            <p:txEl>
+                                              <p:pRg st="2" end="2"/>
+                                            </p:txEl>
+                                          </p:spTgt>
+                                        </p:tgtEl>
+                                        <p:attrNameLst>
+                                          <p:attrName>style.visibility</p:attrName>
+                                        </p:attrNameLst>
+                                      </p:cBhvr>
+                                      <p:to>
+                                        <p:strVal val="visible"/>
+                                      </p:to>
+                                    </p:set>
+                                  </p:childTnLst>
+                                </p:cTn>
+                              </p:par>
+                            </p:childTnLst>
+                          </p:cTn>
+                        </p:par>
+                      </p:childTnLst>
+                    </p:cTn>
+                  </p:par>
+                  <p:par>
+                    <p:cTn id="9" fill="hold">
+                      <p:stCondLst>
+                        <p:cond delay="indefinite"/>
+                      </p:stCondLst>
+                      <p:childTnLst>
+                        <p:par>
+                          <p:cTn id="10" fill="hold">
+                            <p:stCondLst>
+                              <p:cond delay="0"/>
+                            </p:stCondLst>
+                            <p:childTnLst>
+                              <p:par>
+                                <p:cTn id="11" presetID="1" presetClass="entr" presetSubtype="0" fill="hold" nodeType="clickEffect">
+                                  <p:stCondLst>
+                                    <p:cond delay="0"/>
+                                  </p:stCondLst>
+                                  <p:childTnLst>
+                                    <p:set>
+                                      <p:cBhvr>
+                                        <p:cTn id="12" dur="1" fill="hold">
+                                          <p:stCondLst>
+                                            <p:cond delay="0"/>
+                                          </p:stCondLst>
+                                        </p:cTn>
+                                        <p:tgtEl>
+                                          <p:spTgt spid="3">
+                                            <p:txEl>
+                                              <p:pRg st="4" end="4"/>
+                                            </p:txEl>
+                                          </p:spTgt>
+                                        </p:tgtEl>
+                                        <p:attrNameLst>
+                                          <p:attrName>style.visibility</p:attrName>
+                                        </p:attrNameLst>
+                                      </p:cBhvr>
+                                      <p:to>
+                                        <p:strVal val="visible"/>
+                                      </p:to>
+                                    </p:set>
+                                  </p:childTnLst>
+                                </p:cTn>
+                              </p:par>
+                            </p:childTnLst>
+                          </p:cTn>
+                        </p:par>
+                      </p:childTnLst>
+                    </p:cTn>
+                  </p:par>
+                  <p:par>
+                    <p:cTn id="13" fill="hold">
+                      <p:stCondLst>
+                        <p:cond delay="indefinite"/>
+                      </p:stCondLst>
+                      <p:childTnLst>
+                        <p:par>
+                          <p:cTn id="14" fill="hold">
+                            <p:stCondLst>
+                              <p:cond delay="0"/>
+                            </p:stCondLst>
+                            <p:childTnLst>
+                              <p:par>
+                                <p:cTn id="15" presetID="1" presetClass="entr" presetSubtype="0" fill="hold" nodeType="clickEffect">
+                                  <p:stCondLst>
+                                    <p:cond delay="0"/>
+                                  </p:stCondLst>
+                                  <p:childTnLst>
+                                    <p:set>
+                                      <p:cBhvr>
+                                        <p:cTn id="16" dur="1" fill="hold">
+                                          <p:stCondLst>
+                                            <p:cond delay="0"/>
+                                          </p:stCondLst>
+                                        </p:cTn>
+                                        <p:tgtEl>
+                                          <p:spTgt spid="5"/>
+                                        </p:tgtEl>
+                                        <p:attrNameLst>
+                                          <p:attrName>style.visibility</p:attrName>
+                                        </p:attrNameLst>
+                                      </p:cBhvr>
+                                      <p:to>
+                                        <p:strVal val="visible"/>
+                                      </p:to>
+                                    </p:set>
+                                  </p:childTnLst>
+                                </p:cTn>
+                              </p:par>
+                            </p:childTnLst>
+                          </p:cTn>
+                        </p:par>
+                      </p:childTnLst>
+                    </p:cTn>
+                  </p:par>
+                </p:childTnLst>
+              </p:cTn>
+              <p:prevCondLst>
+                <p:cond evt="onPrev" delay="0">
+                  <p:tgtEl>
+                    <p:sldTgt/>
+                  </p:tgtEl>
+                </p:cond>
+              </p:prevCondLst>
+              <p:nextCondLst>
+                <p:cond evt="onNext" delay="0">
+                  <p:tgtEl>
+                    <p:sldTgt/>
+                  </p:tgtEl>
+                </p:cond>
+              </p:nextCondLst>
+            </p:seq>
+          </p:childTnLst>
+        </p:cTn>
+      </p:par>
+    </p:tnLst>
+  </p:timing>
 </p:sld>
 </file>
 
@@ -11525,6 +13868,343 @@
   <p:clrMapOvr>
     <a:masterClrMapping/>
   </p:clrMapOvr>
+  <p:timing>
+    <p:tnLst>
+      <p:par>
+        <p:cTn id="1" dur="indefinite" restart="never" nodeType="tmRoot">
+          <p:childTnLst>
+            <p:seq concurrent="1" nextAc="seek">
+              <p:cTn id="2" dur="indefinite" nodeType="mainSeq">
+                <p:childTnLst>
+                  <p:par>
+                    <p:cTn id="3" fill="hold">
+                      <p:stCondLst>
+                        <p:cond delay="indefinite"/>
+                      </p:stCondLst>
+                      <p:childTnLst>
+                        <p:par>
+                          <p:cTn id="4" fill="hold">
+                            <p:stCondLst>
+                              <p:cond delay="0"/>
+                            </p:stCondLst>
+                            <p:childTnLst>
+                              <p:par>
+                                <p:cTn id="5" presetID="1" presetClass="entr" presetSubtype="0" fill="hold" nodeType="clickEffect">
+                                  <p:stCondLst>
+                                    <p:cond delay="0"/>
+                                  </p:stCondLst>
+                                  <p:childTnLst>
+                                    <p:set>
+                                      <p:cBhvr>
+                                        <p:cTn id="6" dur="1" fill="hold">
+                                          <p:stCondLst>
+                                            <p:cond delay="0"/>
+                                          </p:stCondLst>
+                                        </p:cTn>
+                                        <p:tgtEl>
+                                          <p:spTgt spid="3">
+                                            <p:txEl>
+                                              <p:pRg st="1" end="1"/>
+                                            </p:txEl>
+                                          </p:spTgt>
+                                        </p:tgtEl>
+                                        <p:attrNameLst>
+                                          <p:attrName>style.visibility</p:attrName>
+                                        </p:attrNameLst>
+                                      </p:cBhvr>
+                                      <p:to>
+                                        <p:strVal val="visible"/>
+                                      </p:to>
+                                    </p:set>
+                                  </p:childTnLst>
+                                </p:cTn>
+                              </p:par>
+                            </p:childTnLst>
+                          </p:cTn>
+                        </p:par>
+                      </p:childTnLst>
+                    </p:cTn>
+                  </p:par>
+                  <p:par>
+                    <p:cTn id="7" fill="hold">
+                      <p:stCondLst>
+                        <p:cond delay="indefinite"/>
+                      </p:stCondLst>
+                      <p:childTnLst>
+                        <p:par>
+                          <p:cTn id="8" fill="hold">
+                            <p:stCondLst>
+                              <p:cond delay="0"/>
+                            </p:stCondLst>
+                            <p:childTnLst>
+                              <p:par>
+                                <p:cTn id="9" presetID="1" presetClass="entr" presetSubtype="0" fill="hold" nodeType="clickEffect">
+                                  <p:stCondLst>
+                                    <p:cond delay="0"/>
+                                  </p:stCondLst>
+                                  <p:childTnLst>
+                                    <p:set>
+                                      <p:cBhvr>
+                                        <p:cTn id="10" dur="1" fill="hold">
+                                          <p:stCondLst>
+                                            <p:cond delay="0"/>
+                                          </p:stCondLst>
+                                        </p:cTn>
+                                        <p:tgtEl>
+                                          <p:spTgt spid="3">
+                                            <p:txEl>
+                                              <p:pRg st="3" end="3"/>
+                                            </p:txEl>
+                                          </p:spTgt>
+                                        </p:tgtEl>
+                                        <p:attrNameLst>
+                                          <p:attrName>style.visibility</p:attrName>
+                                        </p:attrNameLst>
+                                      </p:cBhvr>
+                                      <p:to>
+                                        <p:strVal val="visible"/>
+                                      </p:to>
+                                    </p:set>
+                                  </p:childTnLst>
+                                </p:cTn>
+                              </p:par>
+                              <p:par>
+                                <p:cTn id="11" presetID="1" presetClass="entr" presetSubtype="0" fill="hold" nodeType="withEffect">
+                                  <p:stCondLst>
+                                    <p:cond delay="0"/>
+                                  </p:stCondLst>
+                                  <p:childTnLst>
+                                    <p:set>
+                                      <p:cBhvr>
+                                        <p:cTn id="12" dur="1" fill="hold">
+                                          <p:stCondLst>
+                                            <p:cond delay="0"/>
+                                          </p:stCondLst>
+                                        </p:cTn>
+                                        <p:tgtEl>
+                                          <p:spTgt spid="3">
+                                            <p:txEl>
+                                              <p:pRg st="4" end="4"/>
+                                            </p:txEl>
+                                          </p:spTgt>
+                                        </p:tgtEl>
+                                        <p:attrNameLst>
+                                          <p:attrName>style.visibility</p:attrName>
+                                        </p:attrNameLst>
+                                      </p:cBhvr>
+                                      <p:to>
+                                        <p:strVal val="visible"/>
+                                      </p:to>
+                                    </p:set>
+                                  </p:childTnLst>
+                                </p:cTn>
+                              </p:par>
+                            </p:childTnLst>
+                          </p:cTn>
+                        </p:par>
+                      </p:childTnLst>
+                    </p:cTn>
+                  </p:par>
+                  <p:par>
+                    <p:cTn id="13" fill="hold">
+                      <p:stCondLst>
+                        <p:cond delay="indefinite"/>
+                      </p:stCondLst>
+                      <p:childTnLst>
+                        <p:par>
+                          <p:cTn id="14" fill="hold">
+                            <p:stCondLst>
+                              <p:cond delay="0"/>
+                            </p:stCondLst>
+                            <p:childTnLst>
+                              <p:par>
+                                <p:cTn id="15" presetID="1" presetClass="entr" presetSubtype="0" fill="hold" nodeType="clickEffect">
+                                  <p:stCondLst>
+                                    <p:cond delay="0"/>
+                                  </p:stCondLst>
+                                  <p:childTnLst>
+                                    <p:set>
+                                      <p:cBhvr>
+                                        <p:cTn id="16" dur="1" fill="hold">
+                                          <p:stCondLst>
+                                            <p:cond delay="0"/>
+                                          </p:stCondLst>
+                                        </p:cTn>
+                                        <p:tgtEl>
+                                          <p:spTgt spid="3">
+                                            <p:txEl>
+                                              <p:pRg st="5" end="5"/>
+                                            </p:txEl>
+                                          </p:spTgt>
+                                        </p:tgtEl>
+                                        <p:attrNameLst>
+                                          <p:attrName>style.visibility</p:attrName>
+                                        </p:attrNameLst>
+                                      </p:cBhvr>
+                                      <p:to>
+                                        <p:strVal val="visible"/>
+                                      </p:to>
+                                    </p:set>
+                                  </p:childTnLst>
+                                </p:cTn>
+                              </p:par>
+                              <p:par>
+                                <p:cTn id="17" presetID="1" presetClass="entr" presetSubtype="0" fill="hold" nodeType="withEffect">
+                                  <p:stCondLst>
+                                    <p:cond delay="0"/>
+                                  </p:stCondLst>
+                                  <p:childTnLst>
+                                    <p:set>
+                                      <p:cBhvr>
+                                        <p:cTn id="18" dur="1" fill="hold">
+                                          <p:stCondLst>
+                                            <p:cond delay="0"/>
+                                          </p:stCondLst>
+                                        </p:cTn>
+                                        <p:tgtEl>
+                                          <p:spTgt spid="3">
+                                            <p:txEl>
+                                              <p:pRg st="6" end="6"/>
+                                            </p:txEl>
+                                          </p:spTgt>
+                                        </p:tgtEl>
+                                        <p:attrNameLst>
+                                          <p:attrName>style.visibility</p:attrName>
+                                        </p:attrNameLst>
+                                      </p:cBhvr>
+                                      <p:to>
+                                        <p:strVal val="visible"/>
+                                      </p:to>
+                                    </p:set>
+                                  </p:childTnLst>
+                                </p:cTn>
+                              </p:par>
+                            </p:childTnLst>
+                          </p:cTn>
+                        </p:par>
+                      </p:childTnLst>
+                    </p:cTn>
+                  </p:par>
+                  <p:par>
+                    <p:cTn id="19" fill="hold">
+                      <p:stCondLst>
+                        <p:cond delay="indefinite"/>
+                      </p:stCondLst>
+                      <p:childTnLst>
+                        <p:par>
+                          <p:cTn id="20" fill="hold">
+                            <p:stCondLst>
+                              <p:cond delay="0"/>
+                            </p:stCondLst>
+                            <p:childTnLst>
+                              <p:par>
+                                <p:cTn id="21" presetID="1" presetClass="entr" presetSubtype="0" fill="hold" nodeType="clickEffect">
+                                  <p:stCondLst>
+                                    <p:cond delay="0"/>
+                                  </p:stCondLst>
+                                  <p:childTnLst>
+                                    <p:set>
+                                      <p:cBhvr>
+                                        <p:cTn id="22" dur="1" fill="hold">
+                                          <p:stCondLst>
+                                            <p:cond delay="0"/>
+                                          </p:stCondLst>
+                                        </p:cTn>
+                                        <p:tgtEl>
+                                          <p:spTgt spid="3">
+                                            <p:txEl>
+                                              <p:pRg st="7" end="7"/>
+                                            </p:txEl>
+                                          </p:spTgt>
+                                        </p:tgtEl>
+                                        <p:attrNameLst>
+                                          <p:attrName>style.visibility</p:attrName>
+                                        </p:attrNameLst>
+                                      </p:cBhvr>
+                                      <p:to>
+                                        <p:strVal val="visible"/>
+                                      </p:to>
+                                    </p:set>
+                                  </p:childTnLst>
+                                </p:cTn>
+                              </p:par>
+                            </p:childTnLst>
+                          </p:cTn>
+                        </p:par>
+                      </p:childTnLst>
+                    </p:cTn>
+                  </p:par>
+                  <p:par>
+                    <p:cTn id="23" fill="hold">
+                      <p:stCondLst>
+                        <p:cond delay="indefinite"/>
+                      </p:stCondLst>
+                      <p:childTnLst>
+                        <p:par>
+                          <p:cTn id="24" fill="hold">
+                            <p:stCondLst>
+                              <p:cond delay="0"/>
+                            </p:stCondLst>
+                            <p:childTnLst>
+                              <p:par>
+                                <p:cTn id="25" presetID="1" presetClass="entr" presetSubtype="0" fill="hold" nodeType="clickEffect">
+                                  <p:stCondLst>
+                                    <p:cond delay="0"/>
+                                  </p:stCondLst>
+                                  <p:childTnLst>
+                                    <p:set>
+                                      <p:cBhvr>
+                                        <p:cTn id="26" dur="1" fill="hold">
+                                          <p:stCondLst>
+                                            <p:cond delay="0"/>
+                                          </p:stCondLst>
+                                        </p:cTn>
+                                        <p:tgtEl>
+                                          <p:spTgt spid="3">
+                                            <p:txEl>
+                                              <p:pRg st="8" end="8"/>
+                                            </p:txEl>
+                                          </p:spTgt>
+                                        </p:tgtEl>
+                                        <p:attrNameLst>
+                                          <p:attrName>style.visibility</p:attrName>
+                                        </p:attrNameLst>
+                                      </p:cBhvr>
+                                      <p:to>
+                                        <p:strVal val="visible"/>
+                                      </p:to>
+                                    </p:set>
+                                  </p:childTnLst>
+                                </p:cTn>
+                              </p:par>
+                            </p:childTnLst>
+                          </p:cTn>
+                        </p:par>
+                      </p:childTnLst>
+                    </p:cTn>
+                  </p:par>
+                </p:childTnLst>
+              </p:cTn>
+              <p:prevCondLst>
+                <p:cond evt="onPrev" delay="0">
+                  <p:tgtEl>
+                    <p:sldTgt/>
+                  </p:tgtEl>
+                </p:cond>
+              </p:prevCondLst>
+              <p:nextCondLst>
+                <p:cond evt="onNext" delay="0">
+                  <p:tgtEl>
+                    <p:sldTgt/>
+                  </p:tgtEl>
+                </p:cond>
+              </p:nextCondLst>
+            </p:seq>
+          </p:childTnLst>
+        </p:cTn>
+      </p:par>
+    </p:tnLst>
+  </p:timing>
 </p:sld>
 </file>
 
@@ -11904,7 +14584,7 @@
             </a:r>
             <a:r>
               <a:rPr lang="en-US" b="1" dirty="0"/>
-              <a:t>Hash tables</a:t>
+              <a:t>Hash table</a:t>
             </a:r>
           </a:p>
           <a:p>
@@ -11915,7 +14595,7 @@
             </a:r>
             <a:r>
               <a:rPr lang="en-US" dirty="0"/>
-              <a:t> data structure </a:t>
+              <a:t> data structures </a:t>
             </a:r>
             <a:r>
               <a:rPr lang="en-US" dirty="0">
@@ -12010,6 +14690,183 @@
   <p:clrMapOvr>
     <a:masterClrMapping/>
   </p:clrMapOvr>
+  <p:timing>
+    <p:tnLst>
+      <p:par>
+        <p:cTn id="1" dur="indefinite" restart="never" nodeType="tmRoot">
+          <p:childTnLst>
+            <p:seq concurrent="1" nextAc="seek">
+              <p:cTn id="2" dur="indefinite" nodeType="mainSeq">
+                <p:childTnLst>
+                  <p:par>
+                    <p:cTn id="3" fill="hold">
+                      <p:stCondLst>
+                        <p:cond delay="indefinite"/>
+                      </p:stCondLst>
+                      <p:childTnLst>
+                        <p:par>
+                          <p:cTn id="4" fill="hold">
+                            <p:stCondLst>
+                              <p:cond delay="0"/>
+                            </p:stCondLst>
+                            <p:childTnLst>
+                              <p:par>
+                                <p:cTn id="5" presetID="1" presetClass="entr" presetSubtype="0" fill="hold" nodeType="clickEffect">
+                                  <p:stCondLst>
+                                    <p:cond delay="0"/>
+                                  </p:stCondLst>
+                                  <p:childTnLst>
+                                    <p:set>
+                                      <p:cBhvr>
+                                        <p:cTn id="6" dur="1" fill="hold">
+                                          <p:stCondLst>
+                                            <p:cond delay="0"/>
+                                          </p:stCondLst>
+                                        </p:cTn>
+                                        <p:tgtEl>
+                                          <p:spTgt spid="3">
+                                            <p:txEl>
+                                              <p:pRg st="1" end="1"/>
+                                            </p:txEl>
+                                          </p:spTgt>
+                                        </p:tgtEl>
+                                        <p:attrNameLst>
+                                          <p:attrName>style.visibility</p:attrName>
+                                        </p:attrNameLst>
+                                      </p:cBhvr>
+                                      <p:to>
+                                        <p:strVal val="visible"/>
+                                      </p:to>
+                                    </p:set>
+                                  </p:childTnLst>
+                                </p:cTn>
+                              </p:par>
+                            </p:childTnLst>
+                          </p:cTn>
+                        </p:par>
+                      </p:childTnLst>
+                    </p:cTn>
+                  </p:par>
+                  <p:par>
+                    <p:cTn id="7" fill="hold">
+                      <p:stCondLst>
+                        <p:cond delay="indefinite"/>
+                      </p:stCondLst>
+                      <p:childTnLst>
+                        <p:par>
+                          <p:cTn id="8" fill="hold">
+                            <p:stCondLst>
+                              <p:cond delay="0"/>
+                            </p:stCondLst>
+                            <p:childTnLst>
+                              <p:par>
+                                <p:cTn id="9" presetID="1" presetClass="entr" presetSubtype="0" fill="hold" nodeType="clickEffect">
+                                  <p:stCondLst>
+                                    <p:cond delay="0"/>
+                                  </p:stCondLst>
+                                  <p:childTnLst>
+                                    <p:set>
+                                      <p:cBhvr>
+                                        <p:cTn id="10" dur="1" fill="hold">
+                                          <p:stCondLst>
+                                            <p:cond delay="0"/>
+                                          </p:stCondLst>
+                                        </p:cTn>
+                                        <p:tgtEl>
+                                          <p:spTgt spid="3">
+                                            <p:txEl>
+                                              <p:pRg st="3" end="3"/>
+                                            </p:txEl>
+                                          </p:spTgt>
+                                        </p:tgtEl>
+                                        <p:attrNameLst>
+                                          <p:attrName>style.visibility</p:attrName>
+                                        </p:attrNameLst>
+                                      </p:cBhvr>
+                                      <p:to>
+                                        <p:strVal val="visible"/>
+                                      </p:to>
+                                    </p:set>
+                                  </p:childTnLst>
+                                </p:cTn>
+                              </p:par>
+                            </p:childTnLst>
+                          </p:cTn>
+                        </p:par>
+                      </p:childTnLst>
+                    </p:cTn>
+                  </p:par>
+                  <p:par>
+                    <p:cTn id="11" fill="hold">
+                      <p:stCondLst>
+                        <p:cond delay="indefinite"/>
+                      </p:stCondLst>
+                      <p:childTnLst>
+                        <p:par>
+                          <p:cTn id="12" fill="hold">
+                            <p:stCondLst>
+                              <p:cond delay="0"/>
+                            </p:stCondLst>
+                            <p:childTnLst>
+                              <p:par>
+                                <p:cTn id="13" presetID="1" presetClass="entr" presetSubtype="0" fill="hold" nodeType="clickEffect">
+                                  <p:stCondLst>
+                                    <p:cond delay="0"/>
+                                  </p:stCondLst>
+                                  <p:childTnLst>
+                                    <p:set>
+                                      <p:cBhvr>
+                                        <p:cTn id="14" dur="1" fill="hold">
+                                          <p:stCondLst>
+                                            <p:cond delay="0"/>
+                                          </p:stCondLst>
+                                        </p:cTn>
+                                        <p:tgtEl>
+                                          <p:spTgt spid="3">
+                                            <p:txEl>
+                                              <p:pRg st="5" end="5"/>
+                                            </p:txEl>
+                                          </p:spTgt>
+                                        </p:tgtEl>
+                                        <p:attrNameLst>
+                                          <p:attrName>style.visibility</p:attrName>
+                                        </p:attrNameLst>
+                                      </p:cBhvr>
+                                      <p:to>
+                                        <p:strVal val="visible"/>
+                                      </p:to>
+                                    </p:set>
+                                  </p:childTnLst>
+                                </p:cTn>
+                              </p:par>
+                            </p:childTnLst>
+                          </p:cTn>
+                        </p:par>
+                      </p:childTnLst>
+                    </p:cTn>
+                  </p:par>
+                </p:childTnLst>
+              </p:cTn>
+              <p:prevCondLst>
+                <p:cond evt="onPrev" delay="0">
+                  <p:tgtEl>
+                    <p:sldTgt/>
+                  </p:tgtEl>
+                </p:cond>
+              </p:prevCondLst>
+              <p:nextCondLst>
+                <p:cond evt="onNext" delay="0">
+                  <p:tgtEl>
+                    <p:sldTgt/>
+                  </p:tgtEl>
+                </p:cond>
+              </p:nextCondLst>
+            </p:seq>
+          </p:childTnLst>
+        </p:cTn>
+      </p:par>
+    </p:tnLst>
+  </p:timing>
 </p:sld>
 </file>
 
@@ -12243,11 +15100,25 @@
               <a:p>
                 <a:r>
                   <a:rPr lang="en-GB" dirty="0"/>
-                  <a:t>Complete first exercise of practical assignment (about sorting)</a:t>
+                  <a:t>[optional] Complete first exercise of practical assignment (about sorting)</a:t>
                 </a:r>
               </a:p>
               <a:p>
                 <a:endParaRPr lang="en-GB" dirty="0"/>
+              </a:p>
+              <a:p>
+                <a:r>
+                  <a:rPr lang="en-GB" dirty="0"/>
+                  <a:t>Now: </a:t>
+                </a:r>
+                <a:r>
+                  <a:rPr lang="en-GB" dirty="0">
+                    <a:solidFill>
+                      <a:srgbClr val="FF0000"/>
+                    </a:solidFill>
+                  </a:rPr>
+                  <a:t>practicum on MC questions</a:t>
+                </a:r>
               </a:p>
               <a:p>
                 <a:endParaRPr lang="en-GB" dirty="0"/>
@@ -12342,6 +15213,85 @@
   <p:clrMapOvr>
     <a:masterClrMapping/>
   </p:clrMapOvr>
+  <p:timing>
+    <p:tnLst>
+      <p:par>
+        <p:cTn id="1" dur="indefinite" restart="never" nodeType="tmRoot">
+          <p:childTnLst>
+            <p:seq concurrent="1" nextAc="seek">
+              <p:cTn id="2" dur="indefinite" nodeType="mainSeq">
+                <p:childTnLst>
+                  <p:par>
+                    <p:cTn id="3" fill="hold">
+                      <p:stCondLst>
+                        <p:cond delay="indefinite"/>
+                      </p:stCondLst>
+                      <p:childTnLst>
+                        <p:par>
+                          <p:cTn id="4" fill="hold">
+                            <p:stCondLst>
+                              <p:cond delay="0"/>
+                            </p:stCondLst>
+                            <p:childTnLst>
+                              <p:par>
+                                <p:cTn id="5" presetID="1" presetClass="entr" presetSubtype="0" fill="hold" nodeType="clickEffect">
+                                  <p:stCondLst>
+                                    <p:cond delay="0"/>
+                                  </p:stCondLst>
+                                  <p:childTnLst>
+                                    <p:set>
+                                      <p:cBhvr>
+                                        <p:cTn id="6" dur="1" fill="hold">
+                                          <p:stCondLst>
+                                            <p:cond delay="0"/>
+                                          </p:stCondLst>
+                                        </p:cTn>
+                                        <p:tgtEl>
+                                          <p:spTgt spid="3">
+                                            <p:txEl>
+                                              <p:pRg st="8" end="8"/>
+                                            </p:txEl>
+                                          </p:spTgt>
+                                        </p:tgtEl>
+                                        <p:attrNameLst>
+                                          <p:attrName>style.visibility</p:attrName>
+                                        </p:attrNameLst>
+                                      </p:cBhvr>
+                                      <p:to>
+                                        <p:strVal val="visible"/>
+                                      </p:to>
+                                    </p:set>
+                                  </p:childTnLst>
+                                </p:cTn>
+                              </p:par>
+                            </p:childTnLst>
+                          </p:cTn>
+                        </p:par>
+                      </p:childTnLst>
+                    </p:cTn>
+                  </p:par>
+                </p:childTnLst>
+              </p:cTn>
+              <p:prevCondLst>
+                <p:cond evt="onPrev" delay="0">
+                  <p:tgtEl>
+                    <p:sldTgt/>
+                  </p:tgtEl>
+                </p:cond>
+              </p:prevCondLst>
+              <p:nextCondLst>
+                <p:cond evt="onNext" delay="0">
+                  <p:tgtEl>
+                    <p:sldTgt/>
+                  </p:tgtEl>
+                </p:cond>
+              </p:nextCondLst>
+            </p:seq>
+          </p:childTnLst>
+        </p:cTn>
+      </p:par>
+    </p:tnLst>
+  </p:timing>
 </p:sld>
 </file>
 
@@ -12954,6 +15904,161 @@
   <p:clrMapOvr>
     <a:masterClrMapping/>
   </p:clrMapOvr>
+  <p:timing>
+    <p:tnLst>
+      <p:par>
+        <p:cTn id="1" dur="indefinite" restart="never" nodeType="tmRoot">
+          <p:childTnLst>
+            <p:seq concurrent="1" nextAc="seek">
+              <p:cTn id="2" dur="indefinite" nodeType="mainSeq">
+                <p:childTnLst>
+                  <p:par>
+                    <p:cTn id="3" fill="hold">
+                      <p:stCondLst>
+                        <p:cond delay="indefinite"/>
+                      </p:stCondLst>
+                      <p:childTnLst>
+                        <p:par>
+                          <p:cTn id="4" fill="hold">
+                            <p:stCondLst>
+                              <p:cond delay="0"/>
+                            </p:stCondLst>
+                            <p:childTnLst>
+                              <p:par>
+                                <p:cTn id="5" presetID="1" presetClass="entr" presetSubtype="0" fill="hold" nodeType="clickEffect">
+                                  <p:stCondLst>
+                                    <p:cond delay="0"/>
+                                  </p:stCondLst>
+                                  <p:childTnLst>
+                                    <p:set>
+                                      <p:cBhvr>
+                                        <p:cTn id="6" dur="1" fill="hold">
+                                          <p:stCondLst>
+                                            <p:cond delay="0"/>
+                                          </p:stCondLst>
+                                        </p:cTn>
+                                        <p:tgtEl>
+                                          <p:spTgt spid="3">
+                                            <p:txEl>
+                                              <p:pRg st="1" end="1"/>
+                                            </p:txEl>
+                                          </p:spTgt>
+                                        </p:tgtEl>
+                                        <p:attrNameLst>
+                                          <p:attrName>style.visibility</p:attrName>
+                                        </p:attrNameLst>
+                                      </p:cBhvr>
+                                      <p:to>
+                                        <p:strVal val="visible"/>
+                                      </p:to>
+                                    </p:set>
+                                  </p:childTnLst>
+                                </p:cTn>
+                              </p:par>
+                              <p:par>
+                                <p:cTn id="7" presetID="1" presetClass="entr" presetSubtype="0" fill="hold" nodeType="withEffect">
+                                  <p:stCondLst>
+                                    <p:cond delay="0"/>
+                                  </p:stCondLst>
+                                  <p:childTnLst>
+                                    <p:set>
+                                      <p:cBhvr>
+                                        <p:cTn id="8" dur="1" fill="hold">
+                                          <p:stCondLst>
+                                            <p:cond delay="0"/>
+                                          </p:stCondLst>
+                                        </p:cTn>
+                                        <p:tgtEl>
+                                          <p:spTgt spid="3">
+                                            <p:txEl>
+                                              <p:pRg st="2" end="2"/>
+                                            </p:txEl>
+                                          </p:spTgt>
+                                        </p:tgtEl>
+                                        <p:attrNameLst>
+                                          <p:attrName>style.visibility</p:attrName>
+                                        </p:attrNameLst>
+                                      </p:cBhvr>
+                                      <p:to>
+                                        <p:strVal val="visible"/>
+                                      </p:to>
+                                    </p:set>
+                                  </p:childTnLst>
+                                </p:cTn>
+                              </p:par>
+                            </p:childTnLst>
+                          </p:cTn>
+                        </p:par>
+                      </p:childTnLst>
+                    </p:cTn>
+                  </p:par>
+                  <p:par>
+                    <p:cTn id="9" fill="hold">
+                      <p:stCondLst>
+                        <p:cond delay="indefinite"/>
+                      </p:stCondLst>
+                      <p:childTnLst>
+                        <p:par>
+                          <p:cTn id="10" fill="hold">
+                            <p:stCondLst>
+                              <p:cond delay="0"/>
+                            </p:stCondLst>
+                            <p:childTnLst>
+                              <p:par>
+                                <p:cTn id="11" presetID="1" presetClass="entr" presetSubtype="0" fill="hold" nodeType="clickEffect">
+                                  <p:stCondLst>
+                                    <p:cond delay="0"/>
+                                  </p:stCondLst>
+                                  <p:childTnLst>
+                                    <p:set>
+                                      <p:cBhvr>
+                                        <p:cTn id="12" dur="1" fill="hold">
+                                          <p:stCondLst>
+                                            <p:cond delay="0"/>
+                                          </p:stCondLst>
+                                        </p:cTn>
+                                        <p:tgtEl>
+                                          <p:spTgt spid="2050"/>
+                                        </p:tgtEl>
+                                        <p:attrNameLst>
+                                          <p:attrName>style.visibility</p:attrName>
+                                        </p:attrNameLst>
+                                      </p:cBhvr>
+                                      <p:to>
+                                        <p:strVal val="visible"/>
+                                      </p:to>
+                                    </p:set>
+                                  </p:childTnLst>
+                                </p:cTn>
+                              </p:par>
+                            </p:childTnLst>
+                          </p:cTn>
+                        </p:par>
+                      </p:childTnLst>
+                    </p:cTn>
+                  </p:par>
+                </p:childTnLst>
+              </p:cTn>
+              <p:prevCondLst>
+                <p:cond evt="onPrev" delay="0">
+                  <p:tgtEl>
+                    <p:sldTgt/>
+                  </p:tgtEl>
+                </p:cond>
+              </p:prevCondLst>
+              <p:nextCondLst>
+                <p:cond evt="onNext" delay="0">
+                  <p:tgtEl>
+                    <p:sldTgt/>
+                  </p:tgtEl>
+                </p:cond>
+              </p:nextCondLst>
+            </p:seq>
+          </p:childTnLst>
+        </p:cTn>
+      </p:par>
+    </p:tnLst>
+  </p:timing>
 </p:sld>
 </file>
 
@@ -12996,8 +16101,8 @@
           </a:p>
         </p:txBody>
       </p:sp>
-      <mc:AlternateContent xmlns:mc="http://schemas.openxmlformats.org/markup-compatibility/2006" xmlns:a14="http://schemas.microsoft.com/office/drawing/2010/main">
-        <mc:Choice Requires="a14">
+      <mc:AlternateContent xmlns:mc="http://schemas.openxmlformats.org/markup-compatibility/2006">
+        <mc:Choice xmlns:a14="http://schemas.microsoft.com/office/drawing/2010/main" Requires="a14">
           <p:sp>
             <p:nvSpPr>
               <p:cNvPr id="3" name="Content Placeholder 2"/>
@@ -13095,7 +16200,14 @@
               <a:p>
                 <a:r>
                   <a:rPr lang="en-US" dirty="0"/>
-                  <a:t>The hash is independent of the array size; it is then reduced to an index (a number between </a:t>
+                  <a:t>The hash is independent of the array size</a:t>
+                </a:r>
+              </a:p>
+              <a:p>
+                <a:pPr lvl="1"/>
+                <a:r>
+                  <a:rPr lang="en-US" dirty="0"/>
+                  <a:t>it is then reduced to an index (a number between </a:t>
                 </a:r>
                 <a14:m>
                   <m:oMath xmlns:m="http://schemas.openxmlformats.org/officeDocument/2006/math">
@@ -13148,7 +16260,7 @@
             </p:txBody>
           </p:sp>
         </mc:Choice>
-        <mc:Fallback xmlns="">
+        <mc:Fallback>
           <p:sp>
             <p:nvSpPr>
               <p:cNvPr id="3" name="Content Placeholder 2"/>
@@ -13160,7 +16272,7 @@
               </p:nvPr>
             </p:nvSpPr>
             <p:spPr>
-              <a:blipFill rotWithShape="0">
+              <a:blipFill>
                 <a:blip r:embed="rId2"/>
                 <a:stretch>
                   <a:fillRect l="-142" t="-942"/>
@@ -13256,6 +16368,116 @@
   <p:clrMapOvr>
     <a:masterClrMapping/>
   </p:clrMapOvr>
+  <p:timing>
+    <p:tnLst>
+      <p:par>
+        <p:cTn id="1" dur="indefinite" restart="never" nodeType="tmRoot">
+          <p:childTnLst>
+            <p:seq concurrent="1" nextAc="seek">
+              <p:cTn id="2" dur="indefinite" nodeType="mainSeq">
+                <p:childTnLst>
+                  <p:par>
+                    <p:cTn id="3" fill="hold">
+                      <p:stCondLst>
+                        <p:cond delay="indefinite"/>
+                      </p:stCondLst>
+                      <p:childTnLst>
+                        <p:par>
+                          <p:cTn id="4" fill="hold">
+                            <p:stCondLst>
+                              <p:cond delay="0"/>
+                            </p:stCondLst>
+                            <p:childTnLst>
+                              <p:par>
+                                <p:cTn id="5" presetID="1" presetClass="entr" presetSubtype="0" fill="hold" nodeType="clickEffect">
+                                  <p:stCondLst>
+                                    <p:cond delay="0"/>
+                                  </p:stCondLst>
+                                  <p:childTnLst>
+                                    <p:set>
+                                      <p:cBhvr>
+                                        <p:cTn id="6" dur="1" fill="hold">
+                                          <p:stCondLst>
+                                            <p:cond delay="0"/>
+                                          </p:stCondLst>
+                                        </p:cTn>
+                                        <p:tgtEl>
+                                          <p:spTgt spid="3">
+                                            <p:txEl>
+                                              <p:pRg st="4" end="4"/>
+                                            </p:txEl>
+                                          </p:spTgt>
+                                        </p:tgtEl>
+                                        <p:attrNameLst>
+                                          <p:attrName>style.visibility</p:attrName>
+                                        </p:attrNameLst>
+                                      </p:cBhvr>
+                                      <p:to>
+                                        <p:strVal val="visible"/>
+                                      </p:to>
+                                    </p:set>
+                                  </p:childTnLst>
+                                </p:cTn>
+                              </p:par>
+                              <p:par>
+                                <p:cTn id="7" presetID="1" presetClass="entr" presetSubtype="0" fill="hold" nodeType="withEffect">
+                                  <p:stCondLst>
+                                    <p:cond delay="0"/>
+                                  </p:stCondLst>
+                                  <p:childTnLst>
+                                    <p:set>
+                                      <p:cBhvr>
+                                        <p:cTn id="8" dur="1" fill="hold">
+                                          <p:stCondLst>
+                                            <p:cond delay="0"/>
+                                          </p:stCondLst>
+                                        </p:cTn>
+                                        <p:tgtEl>
+                                          <p:spTgt spid="3">
+                                            <p:txEl>
+                                              <p:pRg st="5" end="5"/>
+                                            </p:txEl>
+                                          </p:spTgt>
+                                        </p:tgtEl>
+                                        <p:attrNameLst>
+                                          <p:attrName>style.visibility</p:attrName>
+                                        </p:attrNameLst>
+                                      </p:cBhvr>
+                                      <p:to>
+                                        <p:strVal val="visible"/>
+                                      </p:to>
+                                    </p:set>
+                                  </p:childTnLst>
+                                </p:cTn>
+                              </p:par>
+                            </p:childTnLst>
+                          </p:cTn>
+                        </p:par>
+                      </p:childTnLst>
+                    </p:cTn>
+                  </p:par>
+                </p:childTnLst>
+              </p:cTn>
+              <p:prevCondLst>
+                <p:cond evt="onPrev" delay="0">
+                  <p:tgtEl>
+                    <p:sldTgt/>
+                  </p:tgtEl>
+                </p:cond>
+              </p:prevCondLst>
+              <p:nextCondLst>
+                <p:cond evt="onNext" delay="0">
+                  <p:tgtEl>
+                    <p:sldTgt/>
+                  </p:tgtEl>
+                </p:cond>
+              </p:nextCondLst>
+            </p:seq>
+          </p:childTnLst>
+        </p:cTn>
+      </p:par>
+    </p:tnLst>
+  </p:timing>
 </p:sld>
 </file>
 
@@ -13335,8 +16557,28 @@
             </a:r>
             <a:r>
               <a:rPr lang="en-GB" dirty="0"/>
-              <a:t>()</a:t>
-            </a:r>
+              <a:t>() </a:t>
+            </a:r>
+            <a:r>
+              <a:rPr lang="en-GB" dirty="0">
+                <a:sym typeface="Wingdings" panose="05000000000000000000" pitchFamily="2" charset="2"/>
+              </a:rPr>
+              <a:t> </a:t>
+            </a:r>
+            <a:r>
+              <a:rPr lang="en-GB" dirty="0">
+                <a:sym typeface="Wingdings" panose="05000000000000000000" pitchFamily="2" charset="2"/>
+                <a:hlinkClick r:id="rId2"/>
+              </a:rPr>
+              <a:t>http://jsfiddle.net/Ciul/w42en/</a:t>
+            </a:r>
+            <a:r>
+              <a:rPr lang="en-GB" dirty="0">
+                <a:sym typeface="Wingdings" panose="05000000000000000000" pitchFamily="2" charset="2"/>
+              </a:rPr>
+              <a:t> </a:t>
+            </a:r>
+            <a:endParaRPr lang="en-GB" dirty="0"/>
           </a:p>
           <a:p>
             <a:pPr lvl="1"/>
@@ -13397,7 +16639,7 @@
           <p:nvPr/>
         </p:nvPicPr>
         <p:blipFill>
-          <a:blip r:embed="rId2"/>
+          <a:blip r:embed="rId3"/>
           <a:stretch>
             <a:fillRect/>
           </a:stretch>
@@ -13482,6 +16724,112 @@
   <p:clrMapOvr>
     <a:masterClrMapping/>
   </p:clrMapOvr>
+  <p:timing>
+    <p:tnLst>
+      <p:par>
+        <p:cTn id="1" dur="indefinite" restart="never" nodeType="tmRoot">
+          <p:childTnLst>
+            <p:seq concurrent="1" nextAc="seek">
+              <p:cTn id="2" dur="indefinite" nodeType="mainSeq">
+                <p:childTnLst>
+                  <p:par>
+                    <p:cTn id="3" fill="hold">
+                      <p:stCondLst>
+                        <p:cond delay="indefinite"/>
+                      </p:stCondLst>
+                      <p:childTnLst>
+                        <p:par>
+                          <p:cTn id="4" fill="hold">
+                            <p:stCondLst>
+                              <p:cond delay="0"/>
+                            </p:stCondLst>
+                            <p:childTnLst>
+                              <p:par>
+                                <p:cTn id="5" presetID="1" presetClass="entr" presetSubtype="0" fill="hold" nodeType="clickEffect">
+                                  <p:stCondLst>
+                                    <p:cond delay="0"/>
+                                  </p:stCondLst>
+                                  <p:childTnLst>
+                                    <p:set>
+                                      <p:cBhvr>
+                                        <p:cTn id="6" dur="1" fill="hold">
+                                          <p:stCondLst>
+                                            <p:cond delay="0"/>
+                                          </p:stCondLst>
+                                        </p:cTn>
+                                        <p:tgtEl>
+                                          <p:spTgt spid="3">
+                                            <p:txEl>
+                                              <p:pRg st="4" end="4"/>
+                                            </p:txEl>
+                                          </p:spTgt>
+                                        </p:tgtEl>
+                                        <p:attrNameLst>
+                                          <p:attrName>style.visibility</p:attrName>
+                                        </p:attrNameLst>
+                                      </p:cBhvr>
+                                      <p:to>
+                                        <p:strVal val="visible"/>
+                                      </p:to>
+                                    </p:set>
+                                  </p:childTnLst>
+                                </p:cTn>
+                              </p:par>
+                              <p:par>
+                                <p:cTn id="7" presetID="1" presetClass="entr" presetSubtype="0" fill="hold" nodeType="withEffect">
+                                  <p:stCondLst>
+                                    <p:cond delay="0"/>
+                                  </p:stCondLst>
+                                  <p:childTnLst>
+                                    <p:set>
+                                      <p:cBhvr>
+                                        <p:cTn id="8" dur="1" fill="hold">
+                                          <p:stCondLst>
+                                            <p:cond delay="0"/>
+                                          </p:stCondLst>
+                                        </p:cTn>
+                                        <p:tgtEl>
+                                          <p:spTgt spid="5"/>
+                                        </p:tgtEl>
+                                        <p:attrNameLst>
+                                          <p:attrName>style.visibility</p:attrName>
+                                        </p:attrNameLst>
+                                      </p:cBhvr>
+                                      <p:to>
+                                        <p:strVal val="visible"/>
+                                      </p:to>
+                                    </p:set>
+                                  </p:childTnLst>
+                                </p:cTn>
+                              </p:par>
+                            </p:childTnLst>
+                          </p:cTn>
+                        </p:par>
+                      </p:childTnLst>
+                    </p:cTn>
+                  </p:par>
+                </p:childTnLst>
+              </p:cTn>
+              <p:prevCondLst>
+                <p:cond evt="onPrev" delay="0">
+                  <p:tgtEl>
+                    <p:sldTgt/>
+                  </p:tgtEl>
+                </p:cond>
+              </p:prevCondLst>
+              <p:nextCondLst>
+                <p:cond evt="onNext" delay="0">
+                  <p:tgtEl>
+                    <p:sldTgt/>
+                  </p:tgtEl>
+                </p:cond>
+              </p:nextCondLst>
+            </p:seq>
+          </p:childTnLst>
+        </p:cTn>
+      </p:par>
+    </p:tnLst>
+  </p:timing>
 </p:sld>
 </file>
 

--- a/Lesson slides/Unit 3b - Hash tables.pptx
+++ b/Lesson slides/Unit 3b - Hash tables.pptx
@@ -230,7 +230,7 @@
           <a:p>
             <a:fld id="{F314420D-16BA-4EDC-9A71-800590EAD5A3}" type="datetimeFigureOut">
               <a:rPr lang="en-GB" smtClean="0"/>
-              <a:t>07/12/2017</a:t>
+              <a:t>08/12/2017</a:t>
             </a:fld>
             <a:endParaRPr lang="en-GB"/>
           </a:p>
@@ -1936,7 +1936,7 @@
           <a:p>
             <a:fld id="{4AC2990A-2EB2-47B0-9F19-095E0F4CAE2E}" type="datetime1">
               <a:rPr lang="en-GB" smtClean="0"/>
-              <a:t>07/12/2017</a:t>
+              <a:t>08/12/2017</a:t>
             </a:fld>
             <a:endParaRPr lang="en-GB"/>
           </a:p>
@@ -2191,7 +2191,7 @@
           <a:p>
             <a:fld id="{22A5F433-E3C5-406F-95E0-5347F5410F1A}" type="datetime1">
               <a:rPr lang="en-GB" smtClean="0"/>
-              <a:t>07/12/2017</a:t>
+              <a:t>08/12/2017</a:t>
             </a:fld>
             <a:endParaRPr lang="en-GB"/>
           </a:p>
@@ -2509,7 +2509,7 @@
           <a:p>
             <a:fld id="{D4E40994-D892-4C74-B15A-5F6362316C44}" type="datetime1">
               <a:rPr lang="en-GB" smtClean="0"/>
-              <a:t>07/12/2017</a:t>
+              <a:t>08/12/2017</a:t>
             </a:fld>
             <a:endParaRPr lang="en-GB"/>
           </a:p>
@@ -2840,7 +2840,7 @@
           <a:p>
             <a:fld id="{FDC762E4-8EF5-45D8-9FDE-0FF43E771C22}" type="datetime1">
               <a:rPr lang="en-GB" smtClean="0"/>
-              <a:t>07/12/2017</a:t>
+              <a:t>08/12/2017</a:t>
             </a:fld>
             <a:endParaRPr lang="en-GB"/>
           </a:p>
@@ -3158,7 +3158,7 @@
           <a:p>
             <a:fld id="{5E60E461-DE00-407A-AAD1-C1D0E5AC19B1}" type="datetime1">
               <a:rPr lang="en-GB" smtClean="0"/>
-              <a:t>07/12/2017</a:t>
+              <a:t>08/12/2017</a:t>
             </a:fld>
             <a:endParaRPr lang="en-GB"/>
           </a:p>
@@ -3549,7 +3549,7 @@
           <a:p>
             <a:fld id="{048CC5B2-073F-444E-A8DD-B0BEEAC2F081}" type="datetime1">
               <a:rPr lang="en-GB" smtClean="0"/>
-              <a:t>07/12/2017</a:t>
+              <a:t>08/12/2017</a:t>
             </a:fld>
             <a:endParaRPr lang="en-GB"/>
           </a:p>
@@ -3723,7 +3723,7 @@
           <a:p>
             <a:fld id="{DF8D3392-CB98-481E-B2E9-67F4F5E85884}" type="datetime1">
               <a:rPr lang="en-GB" smtClean="0"/>
-              <a:t>07/12/2017</a:t>
+              <a:t>08/12/2017</a:t>
             </a:fld>
             <a:endParaRPr lang="en-GB"/>
           </a:p>
@@ -3907,7 +3907,7 @@
           <a:p>
             <a:fld id="{B23FE606-BE12-4A47-AC4F-9225405D8813}" type="datetime1">
               <a:rPr lang="en-GB" smtClean="0"/>
-              <a:t>07/12/2017</a:t>
+              <a:t>08/12/2017</a:t>
             </a:fld>
             <a:endParaRPr lang="en-GB"/>
           </a:p>
@@ -4081,7 +4081,7 @@
           <a:p>
             <a:fld id="{F2C205BA-54C1-4988-B409-20E622E7CB4B}" type="datetime1">
               <a:rPr lang="en-GB" smtClean="0"/>
-              <a:t>07/12/2017</a:t>
+              <a:t>08/12/2017</a:t>
             </a:fld>
             <a:endParaRPr lang="en-GB"/>
           </a:p>
@@ -4332,7 +4332,7 @@
           <a:p>
             <a:fld id="{BD24C106-E6EE-4935-B79B-58D5A2330348}" type="datetime1">
               <a:rPr lang="en-GB" smtClean="0"/>
-              <a:t>07/12/2017</a:t>
+              <a:t>08/12/2017</a:t>
             </a:fld>
             <a:endParaRPr lang="en-GB"/>
           </a:p>
@@ -4568,7 +4568,7 @@
           <a:p>
             <a:fld id="{1466EE15-B151-4673-B3BD-94D075E86906}" type="datetime1">
               <a:rPr lang="en-GB" smtClean="0"/>
-              <a:t>07/12/2017</a:t>
+              <a:t>08/12/2017</a:t>
             </a:fld>
             <a:endParaRPr lang="en-GB"/>
           </a:p>
@@ -4946,7 +4946,7 @@
           <a:p>
             <a:fld id="{F61A4B8D-3CC5-439C-BCFE-F05DEE19AB17}" type="datetime1">
               <a:rPr lang="en-GB" smtClean="0"/>
-              <a:t>07/12/2017</a:t>
+              <a:t>08/12/2017</a:t>
             </a:fld>
             <a:endParaRPr lang="en-GB"/>
           </a:p>
@@ -5073,7 +5073,7 @@
           <a:p>
             <a:fld id="{6796421B-81ED-483E-AC8A-54892A26C8C5}" type="datetime1">
               <a:rPr lang="en-GB" smtClean="0"/>
-              <a:t>07/12/2017</a:t>
+              <a:t>08/12/2017</a:t>
             </a:fld>
             <a:endParaRPr lang="en-GB"/>
           </a:p>
@@ -5172,7 +5172,7 @@
           <a:p>
             <a:fld id="{E8315253-8A1B-407F-97DA-07DFE52AB41D}" type="datetime1">
               <a:rPr lang="en-GB" smtClean="0"/>
-              <a:t>07/12/2017</a:t>
+              <a:t>08/12/2017</a:t>
             </a:fld>
             <a:endParaRPr lang="en-GB"/>
           </a:p>
@@ -5431,7 +5431,7 @@
           <a:p>
             <a:fld id="{EC0837CD-FB98-4458-B4BB-BD72FC557B2C}" type="datetime1">
               <a:rPr lang="en-GB" smtClean="0"/>
-              <a:t>07/12/2017</a:t>
+              <a:t>08/12/2017</a:t>
             </a:fld>
             <a:endParaRPr lang="en-GB"/>
           </a:p>
@@ -5698,7 +5698,7 @@
           <a:p>
             <a:fld id="{AA44DDB6-D08D-4CCA-90B0-817184E41EB3}" type="datetime1">
               <a:rPr lang="en-GB" smtClean="0"/>
-              <a:t>07/12/2017</a:t>
+              <a:t>08/12/2017</a:t>
             </a:fld>
             <a:endParaRPr lang="en-GB"/>
           </a:p>
@@ -6447,7 +6447,7 @@
           <a:p>
             <a:fld id="{E06C14C1-8B78-465F-B085-617B8F695A74}" type="datetime1">
               <a:rPr lang="en-GB" smtClean="0"/>
-              <a:t>07/12/2017</a:t>
+              <a:t>08/12/2017</a:t>
             </a:fld>
             <a:endParaRPr lang="en-GB"/>
           </a:p>
@@ -8465,13 +8465,6 @@
             <a:pPr lvl="1"/>
             <a:r>
               <a:rPr lang="en-US" dirty="0"/>
-              <a:t>Double hashing</a:t>
-            </a:r>
-          </a:p>
-          <a:p>
-            <a:pPr lvl="1"/>
-            <a:r>
-              <a:rPr lang="en-US" dirty="0"/>
               <a:t>…</a:t>
             </a:r>
             <a:endParaRPr lang="nl-NL" dirty="0"/>
@@ -8655,37 +8648,6 @@
                                   </p:childTnLst>
                                 </p:cTn>
                               </p:par>
-                              <p:par>
-                                <p:cTn id="13" presetID="1" presetClass="entr" presetSubtype="0" fill="hold" nodeType="withEffect">
-                                  <p:stCondLst>
-                                    <p:cond delay="0"/>
-                                  </p:stCondLst>
-                                  <p:childTnLst>
-                                    <p:set>
-                                      <p:cBhvr>
-                                        <p:cTn id="14" dur="1" fill="hold">
-                                          <p:stCondLst>
-                                            <p:cond delay="0"/>
-                                          </p:stCondLst>
-                                        </p:cTn>
-                                        <p:tgtEl>
-                                          <p:spTgt spid="3">
-                                            <p:txEl>
-                                              <p:pRg st="7" end="7"/>
-                                            </p:txEl>
-                                          </p:spTgt>
-                                        </p:tgtEl>
-                                        <p:attrNameLst>
-                                          <p:attrName>style.visibility</p:attrName>
-                                        </p:attrNameLst>
-                                      </p:cBhvr>
-                                      <p:to>
-                                        <p:strVal val="visible"/>
-                                      </p:to>
-                                    </p:set>
-                                  </p:childTnLst>
-                                </p:cTn>
-                              </p:par>
                             </p:childTnLst>
                           </p:cTn>
                         </p:par>
@@ -8761,8 +8723,8 @@
           </a:p>
         </p:txBody>
       </p:sp>
-      <mc:AlternateContent xmlns:mc="http://schemas.openxmlformats.org/markup-compatibility/2006">
-        <mc:Choice xmlns:a14="http://schemas.microsoft.com/office/drawing/2010/main" Requires="a14">
+      <mc:AlternateContent xmlns:mc="http://schemas.openxmlformats.org/markup-compatibility/2006" xmlns:a14="http://schemas.microsoft.com/office/drawing/2010/main">
+        <mc:Choice Requires="a14">
           <p:sp>
             <p:nvSpPr>
               <p:cNvPr id="3" name="Tijdelijke aanduiding voor inhoud 2"/>
@@ -8932,7 +8894,7 @@
             </p:txBody>
           </p:sp>
         </mc:Choice>
-        <mc:Fallback>
+        <mc:Fallback xmlns="">
           <p:sp>
             <p:nvSpPr>
               <p:cNvPr id="3" name="Tijdelijke aanduiding voor inhoud 2"/>
@@ -12760,8 +12722,8 @@
           </a:p>
         </p:txBody>
       </p:sp>
-      <mc:AlternateContent xmlns:mc="http://schemas.openxmlformats.org/markup-compatibility/2006">
-        <mc:Choice xmlns:a14="http://schemas.microsoft.com/office/drawing/2010/main" Requires="a14">
+      <mc:AlternateContent xmlns:mc="http://schemas.openxmlformats.org/markup-compatibility/2006" xmlns:a14="http://schemas.microsoft.com/office/drawing/2010/main">
+        <mc:Choice Requires="a14">
           <p:graphicFrame>
             <p:nvGraphicFramePr>
               <p:cNvPr id="5" name="Table 4"/>
@@ -13180,7 +13142,7 @@
             </a:graphic>
           </p:graphicFrame>
         </mc:Choice>
-        <mc:Fallback>
+        <mc:Fallback xmlns="">
           <p:graphicFrame>
             <p:nvGraphicFramePr>
               <p:cNvPr id="5" name="Table 4"/>
@@ -15112,7 +15074,7 @@
                   <a:t>Now: </a:t>
                 </a:r>
                 <a:r>
-                  <a:rPr lang="en-GB" dirty="0">
+                  <a:rPr lang="en-GB" b="1" dirty="0">
                     <a:solidFill>
                       <a:srgbClr val="FF0000"/>
                     </a:solidFill>
@@ -15329,7 +15291,7 @@
           <a:p>
             <a:r>
               <a:rPr lang="en-GB" dirty="0"/>
-              <a:t>Hash table - Definition </a:t>
+              <a:t>Hash table - Definitions </a:t>
             </a:r>
           </a:p>
         </p:txBody>
@@ -15484,6 +15446,147 @@
   <p:clrMapOvr>
     <a:masterClrMapping/>
   </p:clrMapOvr>
+  <p:timing>
+    <p:tnLst>
+      <p:par>
+        <p:cTn id="1" dur="indefinite" restart="never" nodeType="tmRoot">
+          <p:childTnLst>
+            <p:seq concurrent="1" nextAc="seek">
+              <p:cTn id="2" dur="indefinite" nodeType="mainSeq">
+                <p:childTnLst>
+                  <p:par>
+                    <p:cTn id="3" fill="hold">
+                      <p:stCondLst>
+                        <p:cond delay="indefinite"/>
+                      </p:stCondLst>
+                      <p:childTnLst>
+                        <p:par>
+                          <p:cTn id="4" fill="hold">
+                            <p:stCondLst>
+                              <p:cond delay="0"/>
+                            </p:stCondLst>
+                            <p:childTnLst>
+                              <p:par>
+                                <p:cTn id="5" presetID="1" presetClass="entr" presetSubtype="0" fill="hold" nodeType="clickEffect">
+                                  <p:stCondLst>
+                                    <p:cond delay="0"/>
+                                  </p:stCondLst>
+                                  <p:childTnLst>
+                                    <p:set>
+                                      <p:cBhvr>
+                                        <p:cTn id="6" dur="1" fill="hold">
+                                          <p:stCondLst>
+                                            <p:cond delay="0"/>
+                                          </p:stCondLst>
+                                        </p:cTn>
+                                        <p:tgtEl>
+                                          <p:spTgt spid="3">
+                                            <p:txEl>
+                                              <p:pRg st="1" end="1"/>
+                                            </p:txEl>
+                                          </p:spTgt>
+                                        </p:tgtEl>
+                                        <p:attrNameLst>
+                                          <p:attrName>style.visibility</p:attrName>
+                                        </p:attrNameLst>
+                                      </p:cBhvr>
+                                      <p:to>
+                                        <p:strVal val="visible"/>
+                                      </p:to>
+                                    </p:set>
+                                  </p:childTnLst>
+                                </p:cTn>
+                              </p:par>
+                              <p:par>
+                                <p:cTn id="7" presetID="1" presetClass="entr" presetSubtype="0" fill="hold" nodeType="withEffect">
+                                  <p:stCondLst>
+                                    <p:cond delay="0"/>
+                                  </p:stCondLst>
+                                  <p:childTnLst>
+                                    <p:set>
+                                      <p:cBhvr>
+                                        <p:cTn id="8" dur="1" fill="hold">
+                                          <p:stCondLst>
+                                            <p:cond delay="0"/>
+                                          </p:stCondLst>
+                                        </p:cTn>
+                                        <p:tgtEl>
+                                          <p:spTgt spid="3">
+                                            <p:txEl>
+                                              <p:pRg st="2" end="2"/>
+                                            </p:txEl>
+                                          </p:spTgt>
+                                        </p:tgtEl>
+                                        <p:attrNameLst>
+                                          <p:attrName>style.visibility</p:attrName>
+                                        </p:attrNameLst>
+                                      </p:cBhvr>
+                                      <p:to>
+                                        <p:strVal val="visible"/>
+                                      </p:to>
+                                    </p:set>
+                                  </p:childTnLst>
+                                </p:cTn>
+                              </p:par>
+                              <p:par>
+                                <p:cTn id="9" presetID="1" presetClass="entr" presetSubtype="0" fill="hold" nodeType="withEffect">
+                                  <p:stCondLst>
+                                    <p:cond delay="0"/>
+                                  </p:stCondLst>
+                                  <p:childTnLst>
+                                    <p:set>
+                                      <p:cBhvr>
+                                        <p:cTn id="10" dur="1" fill="hold">
+                                          <p:stCondLst>
+                                            <p:cond delay="0"/>
+                                          </p:stCondLst>
+                                        </p:cTn>
+                                        <p:tgtEl>
+                                          <p:spTgt spid="3">
+                                            <p:txEl>
+                                              <p:pRg st="3" end="3"/>
+                                            </p:txEl>
+                                          </p:spTgt>
+                                        </p:tgtEl>
+                                        <p:attrNameLst>
+                                          <p:attrName>style.visibility</p:attrName>
+                                        </p:attrNameLst>
+                                      </p:cBhvr>
+                                      <p:to>
+                                        <p:strVal val="visible"/>
+                                      </p:to>
+                                    </p:set>
+                                  </p:childTnLst>
+                                </p:cTn>
+                              </p:par>
+                            </p:childTnLst>
+                          </p:cTn>
+                        </p:par>
+                      </p:childTnLst>
+                    </p:cTn>
+                  </p:par>
+                </p:childTnLst>
+              </p:cTn>
+              <p:prevCondLst>
+                <p:cond evt="onPrev" delay="0">
+                  <p:tgtEl>
+                    <p:sldTgt/>
+                  </p:tgtEl>
+                </p:cond>
+              </p:prevCondLst>
+              <p:nextCondLst>
+                <p:cond evt="onNext" delay="0">
+                  <p:tgtEl>
+                    <p:sldTgt/>
+                  </p:tgtEl>
+                </p:cond>
+              </p:nextCondLst>
+            </p:seq>
+          </p:childTnLst>
+        </p:cTn>
+      </p:par>
+    </p:tnLst>
+  </p:timing>
 </p:sld>
 </file>
 
@@ -15521,7 +15624,7 @@
           <a:p>
             <a:r>
               <a:rPr lang="en-GB" dirty="0"/>
-              <a:t>Hash table - Definition </a:t>
+              <a:t>Hash table - Definitions </a:t>
             </a:r>
           </a:p>
         </p:txBody>
@@ -16101,8 +16204,8 @@
           </a:p>
         </p:txBody>
       </p:sp>
-      <mc:AlternateContent xmlns:mc="http://schemas.openxmlformats.org/markup-compatibility/2006">
-        <mc:Choice xmlns:a14="http://schemas.microsoft.com/office/drawing/2010/main" Requires="a14">
+      <mc:AlternateContent xmlns:mc="http://schemas.openxmlformats.org/markup-compatibility/2006" xmlns:a14="http://schemas.microsoft.com/office/drawing/2010/main">
+        <mc:Choice Requires="a14">
           <p:sp>
             <p:nvSpPr>
               <p:cNvPr id="3" name="Content Placeholder 2"/>
@@ -16260,7 +16363,7 @@
             </p:txBody>
           </p:sp>
         </mc:Choice>
-        <mc:Fallback>
+        <mc:Fallback xmlns="">
           <p:sp>
             <p:nvSpPr>
               <p:cNvPr id="3" name="Content Placeholder 2"/>

--- a/Lesson slides/Unit 3b - Hash tables.pptx
+++ b/Lesson slides/Unit 3b - Hash tables.pptx
@@ -230,7 +230,7 @@
           <a:p>
             <a:fld id="{F314420D-16BA-4EDC-9A71-800590EAD5A3}" type="datetimeFigureOut">
               <a:rPr lang="en-GB" smtClean="0"/>
-              <a:t>08/12/2017</a:t>
+              <a:t>21/12/2017</a:t>
             </a:fld>
             <a:endParaRPr lang="en-GB"/>
           </a:p>
@@ -1936,7 +1936,7 @@
           <a:p>
             <a:fld id="{4AC2990A-2EB2-47B0-9F19-095E0F4CAE2E}" type="datetime1">
               <a:rPr lang="en-GB" smtClean="0"/>
-              <a:t>08/12/2017</a:t>
+              <a:t>21/12/2017</a:t>
             </a:fld>
             <a:endParaRPr lang="en-GB"/>
           </a:p>
@@ -2191,7 +2191,7 @@
           <a:p>
             <a:fld id="{22A5F433-E3C5-406F-95E0-5347F5410F1A}" type="datetime1">
               <a:rPr lang="en-GB" smtClean="0"/>
-              <a:t>08/12/2017</a:t>
+              <a:t>21/12/2017</a:t>
             </a:fld>
             <a:endParaRPr lang="en-GB"/>
           </a:p>
@@ -2509,7 +2509,7 @@
           <a:p>
             <a:fld id="{D4E40994-D892-4C74-B15A-5F6362316C44}" type="datetime1">
               <a:rPr lang="en-GB" smtClean="0"/>
-              <a:t>08/12/2017</a:t>
+              <a:t>21/12/2017</a:t>
             </a:fld>
             <a:endParaRPr lang="en-GB"/>
           </a:p>
@@ -2840,7 +2840,7 @@
           <a:p>
             <a:fld id="{FDC762E4-8EF5-45D8-9FDE-0FF43E771C22}" type="datetime1">
               <a:rPr lang="en-GB" smtClean="0"/>
-              <a:t>08/12/2017</a:t>
+              <a:t>21/12/2017</a:t>
             </a:fld>
             <a:endParaRPr lang="en-GB"/>
           </a:p>
@@ -3158,7 +3158,7 @@
           <a:p>
             <a:fld id="{5E60E461-DE00-407A-AAD1-C1D0E5AC19B1}" type="datetime1">
               <a:rPr lang="en-GB" smtClean="0"/>
-              <a:t>08/12/2017</a:t>
+              <a:t>21/12/2017</a:t>
             </a:fld>
             <a:endParaRPr lang="en-GB"/>
           </a:p>
@@ -3549,7 +3549,7 @@
           <a:p>
             <a:fld id="{048CC5B2-073F-444E-A8DD-B0BEEAC2F081}" type="datetime1">
               <a:rPr lang="en-GB" smtClean="0"/>
-              <a:t>08/12/2017</a:t>
+              <a:t>21/12/2017</a:t>
             </a:fld>
             <a:endParaRPr lang="en-GB"/>
           </a:p>
@@ -3723,7 +3723,7 @@
           <a:p>
             <a:fld id="{DF8D3392-CB98-481E-B2E9-67F4F5E85884}" type="datetime1">
               <a:rPr lang="en-GB" smtClean="0"/>
-              <a:t>08/12/2017</a:t>
+              <a:t>21/12/2017</a:t>
             </a:fld>
             <a:endParaRPr lang="en-GB"/>
           </a:p>
@@ -3907,7 +3907,7 @@
           <a:p>
             <a:fld id="{B23FE606-BE12-4A47-AC4F-9225405D8813}" type="datetime1">
               <a:rPr lang="en-GB" smtClean="0"/>
-              <a:t>08/12/2017</a:t>
+              <a:t>21/12/2017</a:t>
             </a:fld>
             <a:endParaRPr lang="en-GB"/>
           </a:p>
@@ -4081,7 +4081,7 @@
           <a:p>
             <a:fld id="{F2C205BA-54C1-4988-B409-20E622E7CB4B}" type="datetime1">
               <a:rPr lang="en-GB" smtClean="0"/>
-              <a:t>08/12/2017</a:t>
+              <a:t>21/12/2017</a:t>
             </a:fld>
             <a:endParaRPr lang="en-GB"/>
           </a:p>
@@ -4332,7 +4332,7 @@
           <a:p>
             <a:fld id="{BD24C106-E6EE-4935-B79B-58D5A2330348}" type="datetime1">
               <a:rPr lang="en-GB" smtClean="0"/>
-              <a:t>08/12/2017</a:t>
+              <a:t>21/12/2017</a:t>
             </a:fld>
             <a:endParaRPr lang="en-GB"/>
           </a:p>
@@ -4568,7 +4568,7 @@
           <a:p>
             <a:fld id="{1466EE15-B151-4673-B3BD-94D075E86906}" type="datetime1">
               <a:rPr lang="en-GB" smtClean="0"/>
-              <a:t>08/12/2017</a:t>
+              <a:t>21/12/2017</a:t>
             </a:fld>
             <a:endParaRPr lang="en-GB"/>
           </a:p>
@@ -4946,7 +4946,7 @@
           <a:p>
             <a:fld id="{F61A4B8D-3CC5-439C-BCFE-F05DEE19AB17}" type="datetime1">
               <a:rPr lang="en-GB" smtClean="0"/>
-              <a:t>08/12/2017</a:t>
+              <a:t>21/12/2017</a:t>
             </a:fld>
             <a:endParaRPr lang="en-GB"/>
           </a:p>
@@ -5073,7 +5073,7 @@
           <a:p>
             <a:fld id="{6796421B-81ED-483E-AC8A-54892A26C8C5}" type="datetime1">
               <a:rPr lang="en-GB" smtClean="0"/>
-              <a:t>08/12/2017</a:t>
+              <a:t>21/12/2017</a:t>
             </a:fld>
             <a:endParaRPr lang="en-GB"/>
           </a:p>
@@ -5172,7 +5172,7 @@
           <a:p>
             <a:fld id="{E8315253-8A1B-407F-97DA-07DFE52AB41D}" type="datetime1">
               <a:rPr lang="en-GB" smtClean="0"/>
-              <a:t>08/12/2017</a:t>
+              <a:t>21/12/2017</a:t>
             </a:fld>
             <a:endParaRPr lang="en-GB"/>
           </a:p>
@@ -5431,7 +5431,7 @@
           <a:p>
             <a:fld id="{EC0837CD-FB98-4458-B4BB-BD72FC557B2C}" type="datetime1">
               <a:rPr lang="en-GB" smtClean="0"/>
-              <a:t>08/12/2017</a:t>
+              <a:t>21/12/2017</a:t>
             </a:fld>
             <a:endParaRPr lang="en-GB"/>
           </a:p>
@@ -5698,7 +5698,7 @@
           <a:p>
             <a:fld id="{AA44DDB6-D08D-4CCA-90B0-817184E41EB3}" type="datetime1">
               <a:rPr lang="en-GB" smtClean="0"/>
-              <a:t>08/12/2017</a:t>
+              <a:t>21/12/2017</a:t>
             </a:fld>
             <a:endParaRPr lang="en-GB"/>
           </a:p>
@@ -6447,7 +6447,7 @@
           <a:p>
             <a:fld id="{E06C14C1-8B78-465F-B085-617B8F695A74}" type="datetime1">
               <a:rPr lang="en-GB" smtClean="0"/>
-              <a:t>08/12/2017</a:t>
+              <a:t>21/12/2017</a:t>
             </a:fld>
             <a:endParaRPr lang="en-GB"/>
           </a:p>
@@ -15037,10 +15037,22 @@
                       <m:t>&lt;</m:t>
                     </m:r>
                     <m:r>
-                      <a:rPr lang="en-GB" i="1" dirty="0">
+                      <a:rPr lang="nl-NL" b="0" i="1" dirty="0" smtClean="0">
                         <a:latin typeface="Cambria Math" panose="02040503050406030204" pitchFamily="18" charset="0"/>
                       </a:rPr>
-                      <m:t>𝑇</m:t>
+                      <m:t>𝐾</m:t>
+                    </m:r>
+                    <m:r>
+                      <a:rPr lang="nl-NL" b="0" i="1" dirty="0" smtClean="0">
+                        <a:latin typeface="Cambria Math" panose="02040503050406030204" pitchFamily="18" charset="0"/>
+                      </a:rPr>
+                      <m:t>,</m:t>
+                    </m:r>
+                    <m:r>
+                      <a:rPr lang="nl-NL" b="0" i="1" dirty="0" smtClean="0">
+                        <a:latin typeface="Cambria Math" panose="02040503050406030204" pitchFamily="18" charset="0"/>
+                      </a:rPr>
+                      <m:t>𝑉</m:t>
                     </m:r>
                     <m:r>
                       <a:rPr lang="en-GB" i="1" dirty="0">
@@ -15175,85 +15187,6 @@
   <p:clrMapOvr>
     <a:masterClrMapping/>
   </p:clrMapOvr>
-  <p:timing>
-    <p:tnLst>
-      <p:par>
-        <p:cTn id="1" dur="indefinite" restart="never" nodeType="tmRoot">
-          <p:childTnLst>
-            <p:seq concurrent="1" nextAc="seek">
-              <p:cTn id="2" dur="indefinite" nodeType="mainSeq">
-                <p:childTnLst>
-                  <p:par>
-                    <p:cTn id="3" fill="hold">
-                      <p:stCondLst>
-                        <p:cond delay="indefinite"/>
-                      </p:stCondLst>
-                      <p:childTnLst>
-                        <p:par>
-                          <p:cTn id="4" fill="hold">
-                            <p:stCondLst>
-                              <p:cond delay="0"/>
-                            </p:stCondLst>
-                            <p:childTnLst>
-                              <p:par>
-                                <p:cTn id="5" presetID="1" presetClass="entr" presetSubtype="0" fill="hold" nodeType="clickEffect">
-                                  <p:stCondLst>
-                                    <p:cond delay="0"/>
-                                  </p:stCondLst>
-                                  <p:childTnLst>
-                                    <p:set>
-                                      <p:cBhvr>
-                                        <p:cTn id="6" dur="1" fill="hold">
-                                          <p:stCondLst>
-                                            <p:cond delay="0"/>
-                                          </p:stCondLst>
-                                        </p:cTn>
-                                        <p:tgtEl>
-                                          <p:spTgt spid="3">
-                                            <p:txEl>
-                                              <p:pRg st="8" end="8"/>
-                                            </p:txEl>
-                                          </p:spTgt>
-                                        </p:tgtEl>
-                                        <p:attrNameLst>
-                                          <p:attrName>style.visibility</p:attrName>
-                                        </p:attrNameLst>
-                                      </p:cBhvr>
-                                      <p:to>
-                                        <p:strVal val="visible"/>
-                                      </p:to>
-                                    </p:set>
-                                  </p:childTnLst>
-                                </p:cTn>
-                              </p:par>
-                            </p:childTnLst>
-                          </p:cTn>
-                        </p:par>
-                      </p:childTnLst>
-                    </p:cTn>
-                  </p:par>
-                </p:childTnLst>
-              </p:cTn>
-              <p:prevCondLst>
-                <p:cond evt="onPrev" delay="0">
-                  <p:tgtEl>
-                    <p:sldTgt/>
-                  </p:tgtEl>
-                </p:cond>
-              </p:prevCondLst>
-              <p:nextCondLst>
-                <p:cond evt="onNext" delay="0">
-                  <p:tgtEl>
-                    <p:sldTgt/>
-                  </p:tgtEl>
-                </p:cond>
-              </p:nextCondLst>
-            </p:seq>
-          </p:childTnLst>
-        </p:cTn>
-      </p:par>
-    </p:tnLst>
-  </p:timing>
 </p:sld>
 </file>
 

--- a/Lesson slides/Unit 3b - Hash tables.pptx
+++ b/Lesson slides/Unit 3b - Hash tables.pptx
@@ -5,39 +5,40 @@
     <p:sldMasterId id="2147483729" r:id="rId1"/>
   </p:sldMasterIdLst>
   <p:notesMasterIdLst>
-    <p:notesMasterId r:id="rId32"/>
+    <p:notesMasterId r:id="rId33"/>
   </p:notesMasterIdLst>
   <p:sldIdLst>
     <p:sldId id="256" r:id="rId2"/>
-    <p:sldId id="300" r:id="rId3"/>
-    <p:sldId id="301" r:id="rId4"/>
-    <p:sldId id="302" r:id="rId5"/>
-    <p:sldId id="331" r:id="rId6"/>
-    <p:sldId id="303" r:id="rId7"/>
-    <p:sldId id="332" r:id="rId8"/>
-    <p:sldId id="304" r:id="rId9"/>
-    <p:sldId id="305" r:id="rId10"/>
-    <p:sldId id="306" r:id="rId11"/>
-    <p:sldId id="307" r:id="rId12"/>
-    <p:sldId id="308" r:id="rId13"/>
-    <p:sldId id="309" r:id="rId14"/>
-    <p:sldId id="310" r:id="rId15"/>
-    <p:sldId id="333" r:id="rId16"/>
-    <p:sldId id="311" r:id="rId17"/>
-    <p:sldId id="312" r:id="rId18"/>
-    <p:sldId id="313" r:id="rId19"/>
-    <p:sldId id="334" r:id="rId20"/>
-    <p:sldId id="314" r:id="rId21"/>
-    <p:sldId id="315" r:id="rId22"/>
-    <p:sldId id="316" r:id="rId23"/>
-    <p:sldId id="317" r:id="rId24"/>
-    <p:sldId id="318" r:id="rId25"/>
-    <p:sldId id="319" r:id="rId26"/>
-    <p:sldId id="320" r:id="rId27"/>
-    <p:sldId id="321" r:id="rId28"/>
-    <p:sldId id="323" r:id="rId29"/>
-    <p:sldId id="335" r:id="rId30"/>
-    <p:sldId id="324" r:id="rId31"/>
+    <p:sldId id="336" r:id="rId3"/>
+    <p:sldId id="300" r:id="rId4"/>
+    <p:sldId id="301" r:id="rId5"/>
+    <p:sldId id="302" r:id="rId6"/>
+    <p:sldId id="331" r:id="rId7"/>
+    <p:sldId id="303" r:id="rId8"/>
+    <p:sldId id="332" r:id="rId9"/>
+    <p:sldId id="304" r:id="rId10"/>
+    <p:sldId id="305" r:id="rId11"/>
+    <p:sldId id="306" r:id="rId12"/>
+    <p:sldId id="307" r:id="rId13"/>
+    <p:sldId id="308" r:id="rId14"/>
+    <p:sldId id="309" r:id="rId15"/>
+    <p:sldId id="310" r:id="rId16"/>
+    <p:sldId id="333" r:id="rId17"/>
+    <p:sldId id="311" r:id="rId18"/>
+    <p:sldId id="312" r:id="rId19"/>
+    <p:sldId id="313" r:id="rId20"/>
+    <p:sldId id="334" r:id="rId21"/>
+    <p:sldId id="314" r:id="rId22"/>
+    <p:sldId id="315" r:id="rId23"/>
+    <p:sldId id="316" r:id="rId24"/>
+    <p:sldId id="317" r:id="rId25"/>
+    <p:sldId id="318" r:id="rId26"/>
+    <p:sldId id="319" r:id="rId27"/>
+    <p:sldId id="320" r:id="rId28"/>
+    <p:sldId id="321" r:id="rId29"/>
+    <p:sldId id="323" r:id="rId30"/>
+    <p:sldId id="335" r:id="rId31"/>
+    <p:sldId id="324" r:id="rId32"/>
   </p:sldIdLst>
   <p:sldSz cx="12192000" cy="6858000"/>
   <p:notesSz cx="6858000" cy="9144000"/>
@@ -144,10 +145,6 @@
 </p:presentation>
 </file>
 
-<file path=ppt/revisionInfo.xml><?xml version="1.0" encoding="utf-8"?>
-<p1510:revInfo xmlns:a="http://schemas.openxmlformats.org/drawingml/2006/main" xmlns:r="http://schemas.openxmlformats.org/officeDocument/2006/relationships" xmlns:p1510="http://schemas.microsoft.com/office/powerpoint/2015/10/main"/>
-</file>
-
 <file path=ppt/notesMasters/notesMaster1.xml><?xml version="1.0" encoding="utf-8"?>
 <p:notesMaster xmlns:a="http://schemas.openxmlformats.org/drawingml/2006/main" xmlns:r="http://schemas.openxmlformats.org/officeDocument/2006/relationships" xmlns:p="http://schemas.openxmlformats.org/presentationml/2006/main">
   <p:cSld>
@@ -230,7 +227,7 @@
           <a:p>
             <a:fld id="{F314420D-16BA-4EDC-9A71-800590EAD5A3}" type="datetimeFigureOut">
               <a:rPr lang="en-GB" smtClean="0"/>
-              <a:t>21/12/2017</a:t>
+              <a:t>07/12/2018</a:t>
             </a:fld>
             <a:endParaRPr lang="en-GB"/>
           </a:p>
@@ -647,7 +644,7 @@
           <a:p>
             <a:fld id="{29573B9A-66FB-4A63-BCD5-E140B9429FD2}" type="slidenum">
               <a:rPr lang="en-GB" smtClean="0"/>
-              <a:t>2</a:t>
+              <a:t>3</a:t>
             </a:fld>
             <a:endParaRPr lang="en-GB"/>
           </a:p>
@@ -711,30 +708,17 @@
           <a:lstStyle/>
           <a:p>
             <a:r>
-              <a:rPr lang="en-US" sz="1200" b="0" i="0" kern="1200" dirty="0">
-                <a:solidFill>
-                  <a:schemeClr val="tx1"/>
-                </a:solidFill>
-                <a:effectLst/>
-                <a:latin typeface="+mn-lt"/>
-                <a:ea typeface="+mn-ea"/>
-                <a:cs typeface="+mn-cs"/>
+              <a:rPr lang="en-GB" dirty="0">
+                <a:sym typeface="Wingdings" panose="05000000000000000000" pitchFamily="2" charset="2"/>
+                <a:hlinkClick r:id="rId3"/>
               </a:rPr>
-              <a:t>A low load factor is not especially beneficial. As the load factor approaches 0, the proportion of unused areas in the hash table increases, but there is not necessarily any reduction in search cost. This results in wasted memory.</a:t>
-            </a:r>
-          </a:p>
-          <a:p>
-            <a:r>
-              <a:rPr lang="en-US" dirty="0"/>
-              <a:t>The </a:t>
-            </a:r>
-            <a:r>
-              <a:rPr lang="en-US" dirty="0" err="1"/>
-              <a:t>HashMap</a:t>
-            </a:r>
-            <a:r>
-              <a:rPr lang="en-US" dirty="0"/>
-              <a:t> class automatically resizes its hash table when the load factor reaches a specific threshold value. This threshold value can be set when the hash table is created, using the constructor.</a:t>
+              <a:t>http://jsfiddle.net/Ciul/w42en/</a:t>
+            </a:r>
+            <a:r>
+              <a:rPr lang="en-GB" dirty="0">
+                <a:sym typeface="Wingdings" panose="05000000000000000000" pitchFamily="2" charset="2"/>
+              </a:rPr>
+              <a:t> </a:t>
             </a:r>
             <a:endParaRPr lang="nl-NL" dirty="0"/>
           </a:p>
@@ -747,7 +731,7 @@
             <a:spLocks noGrp="1"/>
           </p:cNvSpPr>
           <p:nvPr>
-            <p:ph type="sldNum" sz="quarter" idx="10"/>
+            <p:ph type="sldNum" sz="quarter" idx="5"/>
           </p:nvPr>
         </p:nvSpPr>
         <p:spPr/>
@@ -757,7 +741,7 @@
           <a:p>
             <a:fld id="{29573B9A-66FB-4A63-BCD5-E140B9429FD2}" type="slidenum">
               <a:rPr lang="en-GB" smtClean="0"/>
-              <a:t>11</a:t>
+              <a:t>9</a:t>
             </a:fld>
             <a:endParaRPr lang="en-GB"/>
           </a:p>
@@ -766,7 +750,7 @@
     </p:spTree>
     <p:extLst>
       <p:ext uri="{BB962C8B-B14F-4D97-AF65-F5344CB8AC3E}">
-        <p14:creationId xmlns:p14="http://schemas.microsoft.com/office/powerpoint/2010/main" val="500352870"/>
+        <p14:creationId xmlns:p14="http://schemas.microsoft.com/office/powerpoint/2010/main" val="4153770022"/>
       </p:ext>
     </p:extLst>
   </p:cSld>
@@ -821,8 +805,30 @@
           <a:lstStyle/>
           <a:p>
             <a:r>
+              <a:rPr lang="en-US" sz="1200" b="0" i="0" kern="1200" dirty="0">
+                <a:solidFill>
+                  <a:schemeClr val="tx1"/>
+                </a:solidFill>
+                <a:effectLst/>
+                <a:latin typeface="+mn-lt"/>
+                <a:ea typeface="+mn-ea"/>
+                <a:cs typeface="+mn-cs"/>
+              </a:rPr>
+              <a:t>A low load factor is not especially beneficial. As the load factor approaches 0, the proportion of unused areas in the hash table increases, but there is not necessarily any reduction in search cost. This results in wasted memory.</a:t>
+            </a:r>
+          </a:p>
+          <a:p>
+            <a:r>
               <a:rPr lang="en-US" dirty="0"/>
-              <a:t>For example, if 2,450 keys are hashed into a million buckets, even with a perfectly uniform random distribution, according to the birthday problem there is approximately a 95% chance of at least two of the keys being hashed to the same slot.</a:t>
+              <a:t>The </a:t>
+            </a:r>
+            <a:r>
+              <a:rPr lang="en-US" dirty="0" err="1"/>
+              <a:t>HashMap</a:t>
+            </a:r>
+            <a:r>
+              <a:rPr lang="en-US" dirty="0"/>
+              <a:t> class automatically resizes its hash table when the load factor reaches a specific threshold value. This threshold value can be set when the hash table is created, using the constructor.</a:t>
             </a:r>
             <a:endParaRPr lang="nl-NL" dirty="0"/>
           </a:p>
@@ -854,7 +860,7 @@
     </p:spTree>
     <p:extLst>
       <p:ext uri="{BB962C8B-B14F-4D97-AF65-F5344CB8AC3E}">
-        <p14:creationId xmlns:p14="http://schemas.microsoft.com/office/powerpoint/2010/main" val="547453435"/>
+        <p14:creationId xmlns:p14="http://schemas.microsoft.com/office/powerpoint/2010/main" val="500352870"/>
       </p:ext>
     </p:extLst>
   </p:cSld>
@@ -909,181 +915,10 @@
           <a:lstStyle/>
           <a:p>
             <a:r>
-              <a:rPr lang="nl-NL" dirty="0" err="1"/>
-              <a:t>Infinite</a:t>
-            </a:r>
-            <a:r>
-              <a:rPr lang="nl-NL" dirty="0"/>
-              <a:t> loop: </a:t>
-            </a:r>
-            <a:r>
-              <a:rPr lang="nl-NL" dirty="0" err="1"/>
-              <a:t>for</a:t>
-            </a:r>
-            <a:r>
-              <a:rPr lang="nl-NL" dirty="0"/>
-              <a:t> </a:t>
-            </a:r>
-            <a:r>
-              <a:rPr lang="nl-NL" dirty="0" err="1"/>
-              <a:t>example</a:t>
-            </a:r>
-            <a:r>
-              <a:rPr lang="nl-NL" dirty="0"/>
-              <a:t>, </a:t>
-            </a:r>
-            <a:r>
-              <a:rPr lang="nl-NL" dirty="0" err="1"/>
-              <a:t>if</a:t>
-            </a:r>
-            <a:r>
-              <a:rPr lang="nl-NL" dirty="0"/>
-              <a:t> </a:t>
-            </a:r>
-            <a:r>
-              <a:rPr lang="nl-NL" dirty="0" err="1"/>
-              <a:t>the</a:t>
-            </a:r>
-            <a:r>
-              <a:rPr lang="nl-NL" dirty="0"/>
-              <a:t> array has 6 </a:t>
-            </a:r>
-            <a:r>
-              <a:rPr lang="nl-NL" dirty="0" err="1"/>
-              <a:t>elements</a:t>
-            </a:r>
-            <a:r>
-              <a:rPr lang="nl-NL" dirty="0"/>
-              <a:t> (indices </a:t>
-            </a:r>
-            <a:r>
-              <a:rPr lang="nl-NL" dirty="0" err="1"/>
-              <a:t>from</a:t>
-            </a:r>
-            <a:r>
-              <a:rPr lang="nl-NL" dirty="0"/>
-              <a:t> 0 </a:t>
-            </a:r>
-            <a:r>
-              <a:rPr lang="nl-NL" dirty="0" err="1"/>
-              <a:t>to</a:t>
-            </a:r>
-            <a:r>
-              <a:rPr lang="nl-NL" dirty="0"/>
-              <a:t> 5) </a:t>
-            </a:r>
-            <a:r>
-              <a:rPr lang="nl-NL" dirty="0" err="1"/>
-              <a:t>and</a:t>
-            </a:r>
-            <a:r>
-              <a:rPr lang="nl-NL" dirty="0"/>
-              <a:t> </a:t>
-            </a:r>
-            <a:r>
-              <a:rPr lang="nl-NL" dirty="0" err="1"/>
-              <a:t>the</a:t>
-            </a:r>
-            <a:r>
-              <a:rPr lang="nl-NL" dirty="0"/>
-              <a:t> </a:t>
-            </a:r>
-            <a:r>
-              <a:rPr lang="nl-NL" dirty="0" err="1"/>
-              <a:t>occupied</a:t>
-            </a:r>
-            <a:r>
-              <a:rPr lang="nl-NL" dirty="0"/>
-              <a:t> </a:t>
-            </a:r>
-            <a:r>
-              <a:rPr lang="nl-NL" dirty="0" err="1"/>
-              <a:t>slots</a:t>
-            </a:r>
-            <a:r>
-              <a:rPr lang="nl-NL" dirty="0"/>
-              <a:t> are 0 1 3 </a:t>
-            </a:r>
-            <a:r>
-              <a:rPr lang="nl-NL" dirty="0" err="1"/>
-              <a:t>and</a:t>
-            </a:r>
-            <a:r>
-              <a:rPr lang="nl-NL" dirty="0"/>
-              <a:t> 4. </a:t>
-            </a:r>
-            <a:r>
-              <a:rPr lang="nl-NL" dirty="0" err="1"/>
-              <a:t>If</a:t>
-            </a:r>
-            <a:r>
-              <a:rPr lang="nl-NL" dirty="0"/>
-              <a:t> </a:t>
-            </a:r>
-            <a:r>
-              <a:rPr lang="nl-NL" dirty="0" err="1"/>
-              <a:t>there</a:t>
-            </a:r>
-            <a:r>
-              <a:rPr lang="nl-NL" dirty="0"/>
-              <a:t> is </a:t>
-            </a:r>
-            <a:r>
-              <a:rPr lang="nl-NL" dirty="0" err="1"/>
-              <a:t>another</a:t>
-            </a:r>
-            <a:r>
-              <a:rPr lang="nl-NL" dirty="0"/>
-              <a:t> element </a:t>
-            </a:r>
-            <a:r>
-              <a:rPr lang="nl-NL" dirty="0" err="1"/>
-              <a:t>that</a:t>
-            </a:r>
-            <a:r>
-              <a:rPr lang="nl-NL" dirty="0"/>
-              <a:t> </a:t>
-            </a:r>
-            <a:r>
-              <a:rPr lang="nl-NL" dirty="0" err="1"/>
-              <a:t>tries</a:t>
-            </a:r>
-            <a:r>
-              <a:rPr lang="nl-NL" dirty="0"/>
-              <a:t> </a:t>
-            </a:r>
-            <a:r>
-              <a:rPr lang="nl-NL" dirty="0" err="1"/>
-              <a:t>to</a:t>
-            </a:r>
-            <a:r>
-              <a:rPr lang="nl-NL" dirty="0"/>
-              <a:t> </a:t>
-            </a:r>
-            <a:r>
-              <a:rPr lang="nl-NL" dirty="0" err="1"/>
-              <a:t>occupy</a:t>
-            </a:r>
-            <a:r>
-              <a:rPr lang="nl-NL" dirty="0"/>
-              <a:t> slot 0, </a:t>
-            </a:r>
-            <a:r>
-              <a:rPr lang="nl-NL" dirty="0" err="1"/>
-              <a:t>then</a:t>
-            </a:r>
-            <a:r>
-              <a:rPr lang="nl-NL" dirty="0"/>
-              <a:t> a loop </a:t>
-            </a:r>
-            <a:r>
-              <a:rPr lang="nl-NL" dirty="0" err="1"/>
-              <a:t>happens</a:t>
-            </a:r>
-            <a:r>
-              <a:rPr lang="nl-NL" dirty="0"/>
-              <a:t>.</a:t>
-            </a:r>
+              <a:rPr lang="en-US" dirty="0"/>
+              <a:t>For example, if 2,450 keys are hashed into a million buckets, even with a perfectly uniform random distribution, according to the birthday problem there is approximately a 95% chance of at least two of the keys being hashed to the same slot.</a:t>
+            </a:r>
+            <a:endParaRPr lang="nl-NL" dirty="0"/>
           </a:p>
         </p:txBody>
       </p:sp>
@@ -1104,7 +939,7 @@
           <a:p>
             <a:fld id="{29573B9A-66FB-4A63-BCD5-E140B9429FD2}" type="slidenum">
               <a:rPr lang="en-GB" smtClean="0"/>
-              <a:t>16</a:t>
+              <a:t>13</a:t>
             </a:fld>
             <a:endParaRPr lang="en-GB"/>
           </a:p>
@@ -1113,7 +948,7 @@
     </p:spTree>
     <p:extLst>
       <p:ext uri="{BB962C8B-B14F-4D97-AF65-F5344CB8AC3E}">
-        <p14:creationId xmlns:p14="http://schemas.microsoft.com/office/powerpoint/2010/main" val="3774438225"/>
+        <p14:creationId xmlns:p14="http://schemas.microsoft.com/office/powerpoint/2010/main" val="547453435"/>
       </p:ext>
     </p:extLst>
   </p:cSld>
@@ -1142,7 +977,7 @@
       </p:grpSpPr>
       <p:sp>
         <p:nvSpPr>
-          <p:cNvPr id="2" name="Slide Image Placeholder 1"/>
+          <p:cNvPr id="2" name="Tijdelijke aanduiding voor dia-afbeelding 1"/>
           <p:cNvSpPr>
             <a:spLocks noGrp="1" noRot="1" noChangeAspect="1"/>
           </p:cNvSpPr>
@@ -1154,7 +989,7 @@
       </p:sp>
       <p:sp>
         <p:nvSpPr>
-          <p:cNvPr id="3" name="Notes Placeholder 2"/>
+          <p:cNvPr id="3" name="Tijdelijke aanduiding voor notities 2"/>
           <p:cNvSpPr>
             <a:spLocks noGrp="1"/>
           </p:cNvSpPr>
@@ -1168,6 +1003,265 @@
           <a:lstStyle/>
           <a:p>
             <a:r>
+              <a:rPr lang="nl-NL" dirty="0" err="1"/>
+              <a:t>Infinite</a:t>
+            </a:r>
+            <a:r>
+              <a:rPr lang="nl-NL" dirty="0"/>
+              <a:t> loop: </a:t>
+            </a:r>
+            <a:r>
+              <a:rPr lang="nl-NL" dirty="0" err="1"/>
+              <a:t>for</a:t>
+            </a:r>
+            <a:r>
+              <a:rPr lang="nl-NL" dirty="0"/>
+              <a:t> </a:t>
+            </a:r>
+            <a:r>
+              <a:rPr lang="nl-NL" dirty="0" err="1"/>
+              <a:t>example</a:t>
+            </a:r>
+            <a:r>
+              <a:rPr lang="nl-NL" dirty="0"/>
+              <a:t>, </a:t>
+            </a:r>
+            <a:r>
+              <a:rPr lang="nl-NL" dirty="0" err="1"/>
+              <a:t>if</a:t>
+            </a:r>
+            <a:r>
+              <a:rPr lang="nl-NL" dirty="0"/>
+              <a:t> </a:t>
+            </a:r>
+            <a:r>
+              <a:rPr lang="nl-NL" dirty="0" err="1"/>
+              <a:t>the</a:t>
+            </a:r>
+            <a:r>
+              <a:rPr lang="nl-NL" dirty="0"/>
+              <a:t> array has 6 </a:t>
+            </a:r>
+            <a:r>
+              <a:rPr lang="nl-NL" dirty="0" err="1"/>
+              <a:t>elements</a:t>
+            </a:r>
+            <a:r>
+              <a:rPr lang="nl-NL" dirty="0"/>
+              <a:t> (indices </a:t>
+            </a:r>
+            <a:r>
+              <a:rPr lang="nl-NL" dirty="0" err="1"/>
+              <a:t>from</a:t>
+            </a:r>
+            <a:r>
+              <a:rPr lang="nl-NL" dirty="0"/>
+              <a:t> 0 </a:t>
+            </a:r>
+            <a:r>
+              <a:rPr lang="nl-NL" dirty="0" err="1"/>
+              <a:t>to</a:t>
+            </a:r>
+            <a:r>
+              <a:rPr lang="nl-NL" dirty="0"/>
+              <a:t> 5) </a:t>
+            </a:r>
+            <a:r>
+              <a:rPr lang="nl-NL" dirty="0" err="1"/>
+              <a:t>and</a:t>
+            </a:r>
+            <a:r>
+              <a:rPr lang="nl-NL" dirty="0"/>
+              <a:t> </a:t>
+            </a:r>
+            <a:r>
+              <a:rPr lang="nl-NL" dirty="0" err="1"/>
+              <a:t>the</a:t>
+            </a:r>
+            <a:r>
+              <a:rPr lang="nl-NL" dirty="0"/>
+              <a:t> </a:t>
+            </a:r>
+            <a:r>
+              <a:rPr lang="nl-NL" dirty="0" err="1"/>
+              <a:t>occupied</a:t>
+            </a:r>
+            <a:r>
+              <a:rPr lang="nl-NL" dirty="0"/>
+              <a:t> </a:t>
+            </a:r>
+            <a:r>
+              <a:rPr lang="nl-NL" dirty="0" err="1"/>
+              <a:t>slots</a:t>
+            </a:r>
+            <a:r>
+              <a:rPr lang="nl-NL" dirty="0"/>
+              <a:t> are 0 1 3 </a:t>
+            </a:r>
+            <a:r>
+              <a:rPr lang="nl-NL" dirty="0" err="1"/>
+              <a:t>and</a:t>
+            </a:r>
+            <a:r>
+              <a:rPr lang="nl-NL" dirty="0"/>
+              <a:t> 4. </a:t>
+            </a:r>
+            <a:r>
+              <a:rPr lang="nl-NL" dirty="0" err="1"/>
+              <a:t>If</a:t>
+            </a:r>
+            <a:r>
+              <a:rPr lang="nl-NL" dirty="0"/>
+              <a:t> </a:t>
+            </a:r>
+            <a:r>
+              <a:rPr lang="nl-NL" dirty="0" err="1"/>
+              <a:t>there</a:t>
+            </a:r>
+            <a:r>
+              <a:rPr lang="nl-NL" dirty="0"/>
+              <a:t> is </a:t>
+            </a:r>
+            <a:r>
+              <a:rPr lang="nl-NL" dirty="0" err="1"/>
+              <a:t>another</a:t>
+            </a:r>
+            <a:r>
+              <a:rPr lang="nl-NL" dirty="0"/>
+              <a:t> element </a:t>
+            </a:r>
+            <a:r>
+              <a:rPr lang="nl-NL" dirty="0" err="1"/>
+              <a:t>that</a:t>
+            </a:r>
+            <a:r>
+              <a:rPr lang="nl-NL" dirty="0"/>
+              <a:t> </a:t>
+            </a:r>
+            <a:r>
+              <a:rPr lang="nl-NL" dirty="0" err="1"/>
+              <a:t>tries</a:t>
+            </a:r>
+            <a:r>
+              <a:rPr lang="nl-NL" dirty="0"/>
+              <a:t> </a:t>
+            </a:r>
+            <a:r>
+              <a:rPr lang="nl-NL" dirty="0" err="1"/>
+              <a:t>to</a:t>
+            </a:r>
+            <a:r>
+              <a:rPr lang="nl-NL" dirty="0"/>
+              <a:t> </a:t>
+            </a:r>
+            <a:r>
+              <a:rPr lang="nl-NL" dirty="0" err="1"/>
+              <a:t>occupy</a:t>
+            </a:r>
+            <a:r>
+              <a:rPr lang="nl-NL" dirty="0"/>
+              <a:t> slot 0, </a:t>
+            </a:r>
+            <a:r>
+              <a:rPr lang="nl-NL" dirty="0" err="1"/>
+              <a:t>then</a:t>
+            </a:r>
+            <a:r>
+              <a:rPr lang="nl-NL" dirty="0"/>
+              <a:t> a loop </a:t>
+            </a:r>
+            <a:r>
+              <a:rPr lang="nl-NL" dirty="0" err="1"/>
+              <a:t>happens</a:t>
+            </a:r>
+            <a:r>
+              <a:rPr lang="nl-NL" dirty="0"/>
+              <a:t>.</a:t>
+            </a:r>
+          </a:p>
+        </p:txBody>
+      </p:sp>
+      <p:sp>
+        <p:nvSpPr>
+          <p:cNvPr id="4" name="Tijdelijke aanduiding voor dianummer 3"/>
+          <p:cNvSpPr>
+            <a:spLocks noGrp="1"/>
+          </p:cNvSpPr>
+          <p:nvPr>
+            <p:ph type="sldNum" sz="quarter" idx="10"/>
+          </p:nvPr>
+        </p:nvSpPr>
+        <p:spPr/>
+        <p:txBody>
+          <a:bodyPr/>
+          <a:lstStyle/>
+          <a:p>
+            <a:fld id="{29573B9A-66FB-4A63-BCD5-E140B9429FD2}" type="slidenum">
+              <a:rPr lang="en-GB" smtClean="0"/>
+              <a:t>17</a:t>
+            </a:fld>
+            <a:endParaRPr lang="en-GB"/>
+          </a:p>
+        </p:txBody>
+      </p:sp>
+    </p:spTree>
+    <p:extLst>
+      <p:ext uri="{BB962C8B-B14F-4D97-AF65-F5344CB8AC3E}">
+        <p14:creationId xmlns:p14="http://schemas.microsoft.com/office/powerpoint/2010/main" val="3774438225"/>
+      </p:ext>
+    </p:extLst>
+  </p:cSld>
+  <p:clrMapOvr>
+    <a:masterClrMapping/>
+  </p:clrMapOvr>
+</p:notes>
+</file>
+
+<file path=ppt/notesSlides/notesSlide7.xml><?xml version="1.0" encoding="utf-8"?>
+<p:notes xmlns:a="http://schemas.openxmlformats.org/drawingml/2006/main" xmlns:r="http://schemas.openxmlformats.org/officeDocument/2006/relationships" xmlns:p="http://schemas.openxmlformats.org/presentationml/2006/main">
+  <p:cSld>
+    <p:spTree>
+      <p:nvGrpSpPr>
+        <p:cNvPr id="1" name=""/>
+        <p:cNvGrpSpPr/>
+        <p:nvPr/>
+      </p:nvGrpSpPr>
+      <p:grpSpPr>
+        <a:xfrm>
+          <a:off x="0" y="0"/>
+          <a:ext cx="0" cy="0"/>
+          <a:chOff x="0" y="0"/>
+          <a:chExt cx="0" cy="0"/>
+        </a:xfrm>
+      </p:grpSpPr>
+      <p:sp>
+        <p:nvSpPr>
+          <p:cNvPr id="2" name="Slide Image Placeholder 1"/>
+          <p:cNvSpPr>
+            <a:spLocks noGrp="1" noRot="1" noChangeAspect="1"/>
+          </p:cNvSpPr>
+          <p:nvPr>
+            <p:ph type="sldImg"/>
+          </p:nvPr>
+        </p:nvSpPr>
+        <p:spPr/>
+      </p:sp>
+      <p:sp>
+        <p:nvSpPr>
+          <p:cNvPr id="3" name="Notes Placeholder 2"/>
+          <p:cNvSpPr>
+            <a:spLocks noGrp="1"/>
+          </p:cNvSpPr>
+          <p:nvPr>
+            <p:ph type="body" idx="1"/>
+          </p:nvPr>
+        </p:nvSpPr>
+        <p:spPr/>
+        <p:txBody>
+          <a:bodyPr/>
+          <a:lstStyle/>
+          <a:p>
+            <a:r>
               <a:rPr lang="en-GB" dirty="0"/>
               <a:t>http://www.cs.cmu.edu/~adamchik/15-121/lectures/Stacks%20and%20Queues/Stacks%20and%20Queues.html </a:t>
             </a:r>
@@ -1191,7 +1285,7 @@
           <a:p>
             <a:fld id="{29573B9A-66FB-4A63-BCD5-E140B9429FD2}" type="slidenum">
               <a:rPr lang="en-GB" smtClean="0"/>
-              <a:t>29</a:t>
+              <a:t>30</a:t>
             </a:fld>
             <a:endParaRPr lang="en-GB"/>
           </a:p>
@@ -1936,7 +2030,7 @@
           <a:p>
             <a:fld id="{4AC2990A-2EB2-47B0-9F19-095E0F4CAE2E}" type="datetime1">
               <a:rPr lang="en-GB" smtClean="0"/>
-              <a:t>21/12/2017</a:t>
+              <a:t>07/12/2018</a:t>
             </a:fld>
             <a:endParaRPr lang="en-GB"/>
           </a:p>
@@ -2191,7 +2285,7 @@
           <a:p>
             <a:fld id="{22A5F433-E3C5-406F-95E0-5347F5410F1A}" type="datetime1">
               <a:rPr lang="en-GB" smtClean="0"/>
-              <a:t>21/12/2017</a:t>
+              <a:t>07/12/2018</a:t>
             </a:fld>
             <a:endParaRPr lang="en-GB"/>
           </a:p>
@@ -2509,7 +2603,7 @@
           <a:p>
             <a:fld id="{D4E40994-D892-4C74-B15A-5F6362316C44}" type="datetime1">
               <a:rPr lang="en-GB" smtClean="0"/>
-              <a:t>21/12/2017</a:t>
+              <a:t>07/12/2018</a:t>
             </a:fld>
             <a:endParaRPr lang="en-GB"/>
           </a:p>
@@ -2840,7 +2934,7 @@
           <a:p>
             <a:fld id="{FDC762E4-8EF5-45D8-9FDE-0FF43E771C22}" type="datetime1">
               <a:rPr lang="en-GB" smtClean="0"/>
-              <a:t>21/12/2017</a:t>
+              <a:t>07/12/2018</a:t>
             </a:fld>
             <a:endParaRPr lang="en-GB"/>
           </a:p>
@@ -3158,7 +3252,7 @@
           <a:p>
             <a:fld id="{5E60E461-DE00-407A-AAD1-C1D0E5AC19B1}" type="datetime1">
               <a:rPr lang="en-GB" smtClean="0"/>
-              <a:t>21/12/2017</a:t>
+              <a:t>07/12/2018</a:t>
             </a:fld>
             <a:endParaRPr lang="en-GB"/>
           </a:p>
@@ -3549,7 +3643,7 @@
           <a:p>
             <a:fld id="{048CC5B2-073F-444E-A8DD-B0BEEAC2F081}" type="datetime1">
               <a:rPr lang="en-GB" smtClean="0"/>
-              <a:t>21/12/2017</a:t>
+              <a:t>07/12/2018</a:t>
             </a:fld>
             <a:endParaRPr lang="en-GB"/>
           </a:p>
@@ -3723,7 +3817,7 @@
           <a:p>
             <a:fld id="{DF8D3392-CB98-481E-B2E9-67F4F5E85884}" type="datetime1">
               <a:rPr lang="en-GB" smtClean="0"/>
-              <a:t>21/12/2017</a:t>
+              <a:t>07/12/2018</a:t>
             </a:fld>
             <a:endParaRPr lang="en-GB"/>
           </a:p>
@@ -3907,7 +4001,7 @@
           <a:p>
             <a:fld id="{B23FE606-BE12-4A47-AC4F-9225405D8813}" type="datetime1">
               <a:rPr lang="en-GB" smtClean="0"/>
-              <a:t>21/12/2017</a:t>
+              <a:t>07/12/2018</a:t>
             </a:fld>
             <a:endParaRPr lang="en-GB"/>
           </a:p>
@@ -4081,7 +4175,7 @@
           <a:p>
             <a:fld id="{F2C205BA-54C1-4988-B409-20E622E7CB4B}" type="datetime1">
               <a:rPr lang="en-GB" smtClean="0"/>
-              <a:t>21/12/2017</a:t>
+              <a:t>07/12/2018</a:t>
             </a:fld>
             <a:endParaRPr lang="en-GB"/>
           </a:p>
@@ -4332,7 +4426,7 @@
           <a:p>
             <a:fld id="{BD24C106-E6EE-4935-B79B-58D5A2330348}" type="datetime1">
               <a:rPr lang="en-GB" smtClean="0"/>
-              <a:t>21/12/2017</a:t>
+              <a:t>07/12/2018</a:t>
             </a:fld>
             <a:endParaRPr lang="en-GB"/>
           </a:p>
@@ -4568,7 +4662,7 @@
           <a:p>
             <a:fld id="{1466EE15-B151-4673-B3BD-94D075E86906}" type="datetime1">
               <a:rPr lang="en-GB" smtClean="0"/>
-              <a:t>21/12/2017</a:t>
+              <a:t>07/12/2018</a:t>
             </a:fld>
             <a:endParaRPr lang="en-GB"/>
           </a:p>
@@ -4946,7 +5040,7 @@
           <a:p>
             <a:fld id="{F61A4B8D-3CC5-439C-BCFE-F05DEE19AB17}" type="datetime1">
               <a:rPr lang="en-GB" smtClean="0"/>
-              <a:t>21/12/2017</a:t>
+              <a:t>07/12/2018</a:t>
             </a:fld>
             <a:endParaRPr lang="en-GB"/>
           </a:p>
@@ -5073,7 +5167,7 @@
           <a:p>
             <a:fld id="{6796421B-81ED-483E-AC8A-54892A26C8C5}" type="datetime1">
               <a:rPr lang="en-GB" smtClean="0"/>
-              <a:t>21/12/2017</a:t>
+              <a:t>07/12/2018</a:t>
             </a:fld>
             <a:endParaRPr lang="en-GB"/>
           </a:p>
@@ -5172,7 +5266,7 @@
           <a:p>
             <a:fld id="{E8315253-8A1B-407F-97DA-07DFE52AB41D}" type="datetime1">
               <a:rPr lang="en-GB" smtClean="0"/>
-              <a:t>21/12/2017</a:t>
+              <a:t>07/12/2018</a:t>
             </a:fld>
             <a:endParaRPr lang="en-GB"/>
           </a:p>
@@ -5431,7 +5525,7 @@
           <a:p>
             <a:fld id="{EC0837CD-FB98-4458-B4BB-BD72FC557B2C}" type="datetime1">
               <a:rPr lang="en-GB" smtClean="0"/>
-              <a:t>21/12/2017</a:t>
+              <a:t>07/12/2018</a:t>
             </a:fld>
             <a:endParaRPr lang="en-GB"/>
           </a:p>
@@ -5698,7 +5792,7 @@
           <a:p>
             <a:fld id="{AA44DDB6-D08D-4CCA-90B0-817184E41EB3}" type="datetime1">
               <a:rPr lang="en-GB" smtClean="0"/>
-              <a:t>21/12/2017</a:t>
+              <a:t>07/12/2018</a:t>
             </a:fld>
             <a:endParaRPr lang="en-GB"/>
           </a:p>
@@ -6447,7 +6541,7 @@
           <a:p>
             <a:fld id="{E06C14C1-8B78-465F-B085-617B8F695A74}" type="datetime1">
               <a:rPr lang="en-GB" smtClean="0"/>
-              <a:t>21/12/2017</a:t>
+              <a:t>07/12/2018</a:t>
             </a:fld>
             <a:endParaRPr lang="en-GB"/>
           </a:p>
@@ -7125,6 +7219,1278 @@
           <a:p>
             <a:r>
               <a:rPr lang="en-GB" dirty="0"/>
+              <a:t>Hash table - Definition </a:t>
+            </a:r>
+          </a:p>
+        </p:txBody>
+      </p:sp>
+      <p:sp>
+        <p:nvSpPr>
+          <p:cNvPr id="3" name="Content Placeholder 2"/>
+          <p:cNvSpPr>
+            <a:spLocks noGrp="1"/>
+          </p:cNvSpPr>
+          <p:nvPr>
+            <p:ph idx="1"/>
+          </p:nvPr>
+        </p:nvSpPr>
+        <p:spPr>
+          <a:xfrm>
+            <a:off x="677334" y="2160589"/>
+            <a:ext cx="8596668" cy="4245898"/>
+          </a:xfrm>
+        </p:spPr>
+        <p:txBody>
+          <a:bodyPr>
+            <a:normAutofit/>
+          </a:bodyPr>
+          <a:lstStyle/>
+          <a:p>
+            <a:r>
+              <a:rPr lang="en-GB" dirty="0"/>
+              <a:t>After computing the hash code, we must compute the index inside the array</a:t>
+            </a:r>
+          </a:p>
+          <a:p>
+            <a:pPr lvl="1"/>
+            <a:r>
+              <a:rPr lang="en-GB" dirty="0"/>
+              <a:t>Suppose that </a:t>
+            </a:r>
+            <a:r>
+              <a:rPr lang="en-GB" dirty="0" err="1"/>
+              <a:t>array_size</a:t>
+            </a:r>
+            <a:r>
+              <a:rPr lang="en-GB" dirty="0"/>
+              <a:t> = 11</a:t>
+            </a:r>
+          </a:p>
+          <a:p>
+            <a:pPr lvl="1"/>
+            <a:endParaRPr lang="en-GB" dirty="0"/>
+          </a:p>
+          <a:p>
+            <a:pPr marL="457200" lvl="1" indent="0">
+              <a:buNone/>
+            </a:pPr>
+            <a:endParaRPr lang="en-GB" dirty="0"/>
+          </a:p>
+          <a:p>
+            <a:pPr lvl="1"/>
+            <a:r>
+              <a:rPr lang="en-GB" dirty="0"/>
+              <a:t>Index of Rad: 81901 % 11 = 3</a:t>
+            </a:r>
+          </a:p>
+          <a:p>
+            <a:pPr lvl="1"/>
+            <a:r>
+              <a:rPr lang="en-GB" dirty="0"/>
+              <a:t>Index of </a:t>
+            </a:r>
+            <a:r>
+              <a:rPr lang="en-GB" dirty="0" err="1"/>
+              <a:t>Uhr</a:t>
+            </a:r>
+            <a:r>
+              <a:rPr lang="en-GB" dirty="0"/>
+              <a:t>: 85023 % 11 = 4</a:t>
+            </a:r>
+          </a:p>
+          <a:p>
+            <a:pPr lvl="1"/>
+            <a:r>
+              <a:rPr lang="en-GB" dirty="0"/>
+              <a:t>Index of </a:t>
+            </a:r>
+            <a:r>
+              <a:rPr lang="en-GB" dirty="0" err="1"/>
+              <a:t>Ohr</a:t>
+            </a:r>
+            <a:r>
+              <a:rPr lang="en-GB" dirty="0"/>
+              <a:t>: 79257 % 11 = 2</a:t>
+            </a:r>
+          </a:p>
+          <a:p>
+            <a:pPr lvl="1"/>
+            <a:r>
+              <a:rPr lang="en-GB" dirty="0"/>
+              <a:t>Index of Tor: 84279 % 11 = 8</a:t>
+            </a:r>
+          </a:p>
+          <a:p>
+            <a:pPr lvl="1"/>
+            <a:r>
+              <a:rPr lang="en-GB" dirty="0"/>
+              <a:t>Index of Hut: 72935 % 11 = 5</a:t>
+            </a:r>
+          </a:p>
+          <a:p>
+            <a:pPr lvl="1"/>
+            <a:r>
+              <a:rPr lang="en-GB" dirty="0"/>
+              <a:t>Index of Tag: 83834 % 11 = 3 … </a:t>
+            </a:r>
+            <a:r>
+              <a:rPr lang="en-GB" dirty="0">
+                <a:solidFill>
+                  <a:srgbClr val="FF0000"/>
+                </a:solidFill>
+              </a:rPr>
+              <a:t>same index as for the first string</a:t>
+            </a:r>
+            <a:r>
+              <a:rPr lang="en-GB" dirty="0"/>
+              <a:t>!!!</a:t>
+            </a:r>
+          </a:p>
+        </p:txBody>
+      </p:sp>
+      <p:sp>
+        <p:nvSpPr>
+          <p:cNvPr id="4" name="Footer Placeholder 3"/>
+          <p:cNvSpPr>
+            <a:spLocks noGrp="1"/>
+          </p:cNvSpPr>
+          <p:nvPr>
+            <p:ph type="ftr" sz="quarter" idx="11"/>
+          </p:nvPr>
+        </p:nvSpPr>
+        <p:spPr/>
+        <p:txBody>
+          <a:bodyPr/>
+          <a:lstStyle/>
+          <a:p>
+            <a:r>
+              <a:rPr lang="it-IT"/>
+              <a:t>INFDEV036A - G. Costantini, F. Di Giacomo</a:t>
+            </a:r>
+            <a:endParaRPr lang="en-GB"/>
+          </a:p>
+        </p:txBody>
+      </p:sp>
+      <p:pic>
+        <p:nvPicPr>
+          <p:cNvPr id="5" name="Afbeelding 4"/>
+          <p:cNvPicPr>
+            <a:picLocks noChangeAspect="1"/>
+          </p:cNvPicPr>
+          <p:nvPr/>
+        </p:nvPicPr>
+        <p:blipFill>
+          <a:blip r:embed="rId2"/>
+          <a:stretch>
+            <a:fillRect/>
+          </a:stretch>
+        </p:blipFill>
+        <p:spPr>
+          <a:xfrm>
+            <a:off x="9489248" y="1695448"/>
+            <a:ext cx="1992838" cy="4155797"/>
+          </a:xfrm>
+          <a:prstGeom prst="rect">
+            <a:avLst/>
+          </a:prstGeom>
+        </p:spPr>
+      </p:pic>
+      <p:sp>
+        <p:nvSpPr>
+          <p:cNvPr id="6" name="Rechthoek 5"/>
+          <p:cNvSpPr/>
+          <p:nvPr/>
+        </p:nvSpPr>
+        <p:spPr>
+          <a:xfrm>
+            <a:off x="3300369" y="3093863"/>
+            <a:ext cx="3350597" cy="369332"/>
+          </a:xfrm>
+          <a:prstGeom prst="rect">
+            <a:avLst/>
+          </a:prstGeom>
+        </p:spPr>
+        <p:style>
+          <a:lnRef idx="1">
+            <a:schemeClr val="accent1"/>
+          </a:lnRef>
+          <a:fillRef idx="2">
+            <a:schemeClr val="accent1"/>
+          </a:fillRef>
+          <a:effectRef idx="1">
+            <a:schemeClr val="accent1"/>
+          </a:effectRef>
+          <a:fontRef idx="minor">
+            <a:schemeClr val="dk1"/>
+          </a:fontRef>
+        </p:style>
+        <p:txBody>
+          <a:bodyPr wrap="none">
+            <a:spAutoFit/>
+          </a:bodyPr>
+          <a:lstStyle/>
+          <a:p>
+            <a:pPr algn="ctr"/>
+            <a:r>
+              <a:rPr lang="en-US" dirty="0">
+                <a:latin typeface="Consolas" panose="020B0609020204030204" pitchFamily="49" charset="0"/>
+                <a:cs typeface="Consolas" panose="020B0609020204030204" pitchFamily="49" charset="0"/>
+              </a:rPr>
+              <a:t>index = hash % </a:t>
+            </a:r>
+            <a:r>
+              <a:rPr lang="en-US" dirty="0" err="1">
+                <a:latin typeface="Consolas" panose="020B0609020204030204" pitchFamily="49" charset="0"/>
+                <a:cs typeface="Consolas" panose="020B0609020204030204" pitchFamily="49" charset="0"/>
+              </a:rPr>
+              <a:t>array_size</a:t>
+            </a:r>
+            <a:endParaRPr lang="en-US" dirty="0">
+              <a:latin typeface="Consolas" panose="020B0609020204030204" pitchFamily="49" charset="0"/>
+              <a:cs typeface="Consolas" panose="020B0609020204030204" pitchFamily="49" charset="0"/>
+            </a:endParaRPr>
+          </a:p>
+        </p:txBody>
+      </p:sp>
+      <p:pic>
+        <p:nvPicPr>
+          <p:cNvPr id="7" name="Afbeelding 6"/>
+          <p:cNvPicPr>
+            <a:picLocks noChangeAspect="1"/>
+          </p:cNvPicPr>
+          <p:nvPr/>
+        </p:nvPicPr>
+        <p:blipFill>
+          <a:blip r:embed="rId3"/>
+          <a:stretch>
+            <a:fillRect/>
+          </a:stretch>
+        </p:blipFill>
+        <p:spPr>
+          <a:xfrm>
+            <a:off x="6850761" y="3578448"/>
+            <a:ext cx="1755687" cy="1906567"/>
+          </a:xfrm>
+          <a:prstGeom prst="rect">
+            <a:avLst/>
+          </a:prstGeom>
+        </p:spPr>
+      </p:pic>
+      <p:sp>
+        <p:nvSpPr>
+          <p:cNvPr id="8" name="PIJL-RECHTS 7"/>
+          <p:cNvSpPr/>
+          <p:nvPr/>
+        </p:nvSpPr>
+        <p:spPr>
+          <a:xfrm>
+            <a:off x="8692587" y="4201610"/>
+            <a:ext cx="902826" cy="306957"/>
+          </a:xfrm>
+          <a:prstGeom prst="rightArrow">
+            <a:avLst/>
+          </a:prstGeom>
+        </p:spPr>
+        <p:style>
+          <a:lnRef idx="2">
+            <a:schemeClr val="accent1">
+              <a:shade val="50000"/>
+            </a:schemeClr>
+          </a:lnRef>
+          <a:fillRef idx="1">
+            <a:schemeClr val="accent1"/>
+          </a:fillRef>
+          <a:effectRef idx="0">
+            <a:schemeClr val="accent1"/>
+          </a:effectRef>
+          <a:fontRef idx="minor">
+            <a:schemeClr val="lt1"/>
+          </a:fontRef>
+        </p:style>
+        <p:txBody>
+          <a:bodyPr rtlCol="0" anchor="ctr"/>
+          <a:lstStyle/>
+          <a:p>
+            <a:pPr algn="ctr"/>
+            <a:endParaRPr lang="nl-NL"/>
+          </a:p>
+        </p:txBody>
+      </p:sp>
+      <p:sp>
+        <p:nvSpPr>
+          <p:cNvPr id="9" name="Rectangle 8"/>
+          <p:cNvSpPr/>
+          <p:nvPr/>
+        </p:nvSpPr>
+        <p:spPr>
+          <a:xfrm>
+            <a:off x="10112991" y="2511188"/>
+            <a:ext cx="941696" cy="218364"/>
+          </a:xfrm>
+          <a:prstGeom prst="rect">
+            <a:avLst/>
+          </a:prstGeom>
+          <a:ln>
+            <a:solidFill>
+              <a:schemeClr val="bg1"/>
+            </a:solidFill>
+          </a:ln>
+        </p:spPr>
+        <p:style>
+          <a:lnRef idx="2">
+            <a:schemeClr val="accent6"/>
+          </a:lnRef>
+          <a:fillRef idx="1">
+            <a:schemeClr val="lt1"/>
+          </a:fillRef>
+          <a:effectRef idx="0">
+            <a:schemeClr val="accent6"/>
+          </a:effectRef>
+          <a:fontRef idx="minor">
+            <a:schemeClr val="dk1"/>
+          </a:fontRef>
+        </p:style>
+        <p:txBody>
+          <a:bodyPr rtlCol="0" anchor="ctr"/>
+          <a:lstStyle/>
+          <a:p>
+            <a:pPr algn="ctr"/>
+            <a:endParaRPr lang="en-GB"/>
+          </a:p>
+        </p:txBody>
+      </p:sp>
+      <p:sp>
+        <p:nvSpPr>
+          <p:cNvPr id="10" name="Rectangle 9"/>
+          <p:cNvSpPr/>
+          <p:nvPr/>
+        </p:nvSpPr>
+        <p:spPr>
+          <a:xfrm>
+            <a:off x="10112991" y="2826037"/>
+            <a:ext cx="941696" cy="267826"/>
+          </a:xfrm>
+          <a:prstGeom prst="rect">
+            <a:avLst/>
+          </a:prstGeom>
+          <a:ln>
+            <a:solidFill>
+              <a:schemeClr val="bg1"/>
+            </a:solidFill>
+          </a:ln>
+        </p:spPr>
+        <p:style>
+          <a:lnRef idx="2">
+            <a:schemeClr val="accent6"/>
+          </a:lnRef>
+          <a:fillRef idx="1">
+            <a:schemeClr val="lt1"/>
+          </a:fillRef>
+          <a:effectRef idx="0">
+            <a:schemeClr val="accent6"/>
+          </a:effectRef>
+          <a:fontRef idx="minor">
+            <a:schemeClr val="dk1"/>
+          </a:fontRef>
+        </p:style>
+        <p:txBody>
+          <a:bodyPr rtlCol="0" anchor="ctr"/>
+          <a:lstStyle/>
+          <a:p>
+            <a:pPr algn="ctr"/>
+            <a:endParaRPr lang="en-GB"/>
+          </a:p>
+        </p:txBody>
+      </p:sp>
+      <p:sp>
+        <p:nvSpPr>
+          <p:cNvPr id="11" name="Rectangle 10"/>
+          <p:cNvSpPr/>
+          <p:nvPr/>
+        </p:nvSpPr>
+        <p:spPr>
+          <a:xfrm>
+            <a:off x="10119812" y="3920770"/>
+            <a:ext cx="941696" cy="280839"/>
+          </a:xfrm>
+          <a:prstGeom prst="rect">
+            <a:avLst/>
+          </a:prstGeom>
+          <a:ln>
+            <a:solidFill>
+              <a:schemeClr val="bg1"/>
+            </a:solidFill>
+          </a:ln>
+        </p:spPr>
+        <p:style>
+          <a:lnRef idx="2">
+            <a:schemeClr val="accent6"/>
+          </a:lnRef>
+          <a:fillRef idx="1">
+            <a:schemeClr val="lt1"/>
+          </a:fillRef>
+          <a:effectRef idx="0">
+            <a:schemeClr val="accent6"/>
+          </a:effectRef>
+          <a:fontRef idx="minor">
+            <a:schemeClr val="dk1"/>
+          </a:fontRef>
+        </p:style>
+        <p:txBody>
+          <a:bodyPr rtlCol="0" anchor="ctr"/>
+          <a:lstStyle/>
+          <a:p>
+            <a:pPr algn="ctr"/>
+            <a:endParaRPr lang="en-GB"/>
+          </a:p>
+        </p:txBody>
+      </p:sp>
+      <p:sp>
+        <p:nvSpPr>
+          <p:cNvPr id="12" name="Rectangle 11"/>
+          <p:cNvSpPr/>
+          <p:nvPr/>
+        </p:nvSpPr>
+        <p:spPr>
+          <a:xfrm>
+            <a:off x="10119812" y="4612943"/>
+            <a:ext cx="941696" cy="279779"/>
+          </a:xfrm>
+          <a:prstGeom prst="rect">
+            <a:avLst/>
+          </a:prstGeom>
+          <a:ln>
+            <a:solidFill>
+              <a:schemeClr val="bg1"/>
+            </a:solidFill>
+          </a:ln>
+        </p:spPr>
+        <p:style>
+          <a:lnRef idx="2">
+            <a:schemeClr val="accent6"/>
+          </a:lnRef>
+          <a:fillRef idx="1">
+            <a:schemeClr val="lt1"/>
+          </a:fillRef>
+          <a:effectRef idx="0">
+            <a:schemeClr val="accent6"/>
+          </a:effectRef>
+          <a:fontRef idx="minor">
+            <a:schemeClr val="dk1"/>
+          </a:fontRef>
+        </p:style>
+        <p:txBody>
+          <a:bodyPr rtlCol="0" anchor="ctr"/>
+          <a:lstStyle/>
+          <a:p>
+            <a:pPr algn="ctr"/>
+            <a:endParaRPr lang="en-GB"/>
+          </a:p>
+        </p:txBody>
+      </p:sp>
+      <p:sp>
+        <p:nvSpPr>
+          <p:cNvPr id="13" name="Rectangle 12"/>
+          <p:cNvSpPr/>
+          <p:nvPr/>
+        </p:nvSpPr>
+        <p:spPr>
+          <a:xfrm>
+            <a:off x="10119812" y="3194367"/>
+            <a:ext cx="941696" cy="268827"/>
+          </a:xfrm>
+          <a:prstGeom prst="rect">
+            <a:avLst/>
+          </a:prstGeom>
+          <a:ln>
+            <a:solidFill>
+              <a:schemeClr val="bg1"/>
+            </a:solidFill>
+          </a:ln>
+        </p:spPr>
+        <p:style>
+          <a:lnRef idx="2">
+            <a:schemeClr val="accent6"/>
+          </a:lnRef>
+          <a:fillRef idx="1">
+            <a:schemeClr val="lt1"/>
+          </a:fillRef>
+          <a:effectRef idx="0">
+            <a:schemeClr val="accent6"/>
+          </a:effectRef>
+          <a:fontRef idx="minor">
+            <a:schemeClr val="dk1"/>
+          </a:fontRef>
+        </p:style>
+        <p:txBody>
+          <a:bodyPr rtlCol="0" anchor="ctr"/>
+          <a:lstStyle/>
+          <a:p>
+            <a:pPr algn="ctr"/>
+            <a:endParaRPr lang="en-GB"/>
+          </a:p>
+        </p:txBody>
+      </p:sp>
+      <p:sp>
+        <p:nvSpPr>
+          <p:cNvPr id="14" name="Rectangle 13"/>
+          <p:cNvSpPr/>
+          <p:nvPr/>
+        </p:nvSpPr>
+        <p:spPr>
+          <a:xfrm>
+            <a:off x="10119812" y="3568568"/>
+            <a:ext cx="941696" cy="218364"/>
+          </a:xfrm>
+          <a:prstGeom prst="rect">
+            <a:avLst/>
+          </a:prstGeom>
+          <a:ln>
+            <a:solidFill>
+              <a:schemeClr val="bg1"/>
+            </a:solidFill>
+          </a:ln>
+        </p:spPr>
+        <p:style>
+          <a:lnRef idx="2">
+            <a:schemeClr val="accent6"/>
+          </a:lnRef>
+          <a:fillRef idx="1">
+            <a:schemeClr val="lt1"/>
+          </a:fillRef>
+          <a:effectRef idx="0">
+            <a:schemeClr val="accent6"/>
+          </a:effectRef>
+          <a:fontRef idx="minor">
+            <a:schemeClr val="dk1"/>
+          </a:fontRef>
+        </p:style>
+        <p:txBody>
+          <a:bodyPr rtlCol="0" anchor="ctr"/>
+          <a:lstStyle/>
+          <a:p>
+            <a:pPr algn="ctr"/>
+            <a:endParaRPr lang="en-GB"/>
+          </a:p>
+        </p:txBody>
+      </p:sp>
+      <p:pic>
+        <p:nvPicPr>
+          <p:cNvPr id="1026" name="Picture 2" descr="http://www.viralvizion.com/wp-content/uploads/2013/06/problem.jpg"/>
+          <p:cNvPicPr>
+            <a:picLocks noChangeAspect="1" noChangeArrowheads="1"/>
+          </p:cNvPicPr>
+          <p:nvPr/>
+        </p:nvPicPr>
+        <p:blipFill>
+          <a:blip r:embed="rId4" cstate="print">
+            <a:extLst>
+              <a:ext uri="{28A0092B-C50C-407E-A947-70E740481C1C}">
+                <a14:useLocalDpi xmlns:a14="http://schemas.microsoft.com/office/drawing/2010/main" val="0"/>
+              </a:ext>
+            </a:extLst>
+          </a:blip>
+          <a:srcRect/>
+          <a:stretch>
+            <a:fillRect/>
+          </a:stretch>
+        </p:blipFill>
+        <p:spPr bwMode="auto">
+          <a:xfrm>
+            <a:off x="4402569" y="3770391"/>
+            <a:ext cx="2030244" cy="1522683"/>
+          </a:xfrm>
+          <a:prstGeom prst="rect">
+            <a:avLst/>
+          </a:prstGeom>
+          <a:noFill/>
+          <a:extLst>
+            <a:ext uri="{909E8E84-426E-40DD-AFC4-6F175D3DCCD1}">
+              <a14:hiddenFill xmlns:a14="http://schemas.microsoft.com/office/drawing/2010/main">
+                <a:solidFill>
+                  <a:srgbClr val="FFFFFF"/>
+                </a:solidFill>
+              </a14:hiddenFill>
+            </a:ext>
+          </a:extLst>
+        </p:spPr>
+      </p:pic>
+    </p:spTree>
+    <p:extLst>
+      <p:ext uri="{BB962C8B-B14F-4D97-AF65-F5344CB8AC3E}">
+        <p14:creationId xmlns:p14="http://schemas.microsoft.com/office/powerpoint/2010/main" val="259059208"/>
+      </p:ext>
+    </p:extLst>
+  </p:cSld>
+  <p:clrMapOvr>
+    <a:masterClrMapping/>
+  </p:clrMapOvr>
+  <p:timing>
+    <p:tnLst>
+      <p:par>
+        <p:cTn id="1" dur="indefinite" restart="never" nodeType="tmRoot">
+          <p:childTnLst>
+            <p:seq concurrent="1" nextAc="seek">
+              <p:cTn id="2" dur="indefinite" nodeType="mainSeq">
+                <p:childTnLst>
+                  <p:par>
+                    <p:cTn id="3" fill="hold">
+                      <p:stCondLst>
+                        <p:cond delay="indefinite"/>
+                      </p:stCondLst>
+                      <p:childTnLst>
+                        <p:par>
+                          <p:cTn id="4" fill="hold">
+                            <p:stCondLst>
+                              <p:cond delay="0"/>
+                            </p:stCondLst>
+                            <p:childTnLst>
+                              <p:par>
+                                <p:cTn id="5" presetID="1" presetClass="entr" presetSubtype="0" fill="hold" nodeType="clickEffect">
+                                  <p:stCondLst>
+                                    <p:cond delay="0"/>
+                                  </p:stCondLst>
+                                  <p:childTnLst>
+                                    <p:set>
+                                      <p:cBhvr>
+                                        <p:cTn id="6" dur="1" fill="hold">
+                                          <p:stCondLst>
+                                            <p:cond delay="0"/>
+                                          </p:stCondLst>
+                                        </p:cTn>
+                                        <p:tgtEl>
+                                          <p:spTgt spid="3">
+                                            <p:txEl>
+                                              <p:pRg st="4" end="4"/>
+                                            </p:txEl>
+                                          </p:spTgt>
+                                        </p:tgtEl>
+                                        <p:attrNameLst>
+                                          <p:attrName>style.visibility</p:attrName>
+                                        </p:attrNameLst>
+                                      </p:cBhvr>
+                                      <p:to>
+                                        <p:strVal val="visible"/>
+                                      </p:to>
+                                    </p:set>
+                                  </p:childTnLst>
+                                </p:cTn>
+                              </p:par>
+                            </p:childTnLst>
+                          </p:cTn>
+                        </p:par>
+                      </p:childTnLst>
+                    </p:cTn>
+                  </p:par>
+                  <p:par>
+                    <p:cTn id="7" fill="hold">
+                      <p:stCondLst>
+                        <p:cond delay="indefinite"/>
+                      </p:stCondLst>
+                      <p:childTnLst>
+                        <p:par>
+                          <p:cTn id="8" fill="hold">
+                            <p:stCondLst>
+                              <p:cond delay="0"/>
+                            </p:stCondLst>
+                            <p:childTnLst>
+                              <p:par>
+                                <p:cTn id="9" presetID="1" presetClass="exit" presetSubtype="0" fill="hold" grpId="0" nodeType="clickEffect">
+                                  <p:stCondLst>
+                                    <p:cond delay="0"/>
+                                  </p:stCondLst>
+                                  <p:childTnLst>
+                                    <p:set>
+                                      <p:cBhvr>
+                                        <p:cTn id="10" dur="1" fill="hold">
+                                          <p:stCondLst>
+                                            <p:cond delay="0"/>
+                                          </p:stCondLst>
+                                        </p:cTn>
+                                        <p:tgtEl>
+                                          <p:spTgt spid="10"/>
+                                        </p:tgtEl>
+                                        <p:attrNameLst>
+                                          <p:attrName>style.visibility</p:attrName>
+                                        </p:attrNameLst>
+                                      </p:cBhvr>
+                                      <p:to>
+                                        <p:strVal val="hidden"/>
+                                      </p:to>
+                                    </p:set>
+                                  </p:childTnLst>
+                                </p:cTn>
+                              </p:par>
+                            </p:childTnLst>
+                          </p:cTn>
+                        </p:par>
+                      </p:childTnLst>
+                    </p:cTn>
+                  </p:par>
+                  <p:par>
+                    <p:cTn id="11" fill="hold">
+                      <p:stCondLst>
+                        <p:cond delay="indefinite"/>
+                      </p:stCondLst>
+                      <p:childTnLst>
+                        <p:par>
+                          <p:cTn id="12" fill="hold">
+                            <p:stCondLst>
+                              <p:cond delay="0"/>
+                            </p:stCondLst>
+                            <p:childTnLst>
+                              <p:par>
+                                <p:cTn id="13" presetID="1" presetClass="entr" presetSubtype="0" fill="hold" nodeType="clickEffect">
+                                  <p:stCondLst>
+                                    <p:cond delay="0"/>
+                                  </p:stCondLst>
+                                  <p:childTnLst>
+                                    <p:set>
+                                      <p:cBhvr>
+                                        <p:cTn id="14" dur="1" fill="hold">
+                                          <p:stCondLst>
+                                            <p:cond delay="0"/>
+                                          </p:stCondLst>
+                                        </p:cTn>
+                                        <p:tgtEl>
+                                          <p:spTgt spid="3">
+                                            <p:txEl>
+                                              <p:pRg st="5" end="5"/>
+                                            </p:txEl>
+                                          </p:spTgt>
+                                        </p:tgtEl>
+                                        <p:attrNameLst>
+                                          <p:attrName>style.visibility</p:attrName>
+                                        </p:attrNameLst>
+                                      </p:cBhvr>
+                                      <p:to>
+                                        <p:strVal val="visible"/>
+                                      </p:to>
+                                    </p:set>
+                                  </p:childTnLst>
+                                </p:cTn>
+                              </p:par>
+                            </p:childTnLst>
+                          </p:cTn>
+                        </p:par>
+                      </p:childTnLst>
+                    </p:cTn>
+                  </p:par>
+                  <p:par>
+                    <p:cTn id="15" fill="hold">
+                      <p:stCondLst>
+                        <p:cond delay="indefinite"/>
+                      </p:stCondLst>
+                      <p:childTnLst>
+                        <p:par>
+                          <p:cTn id="16" fill="hold">
+                            <p:stCondLst>
+                              <p:cond delay="0"/>
+                            </p:stCondLst>
+                            <p:childTnLst>
+                              <p:par>
+                                <p:cTn id="17" presetID="1" presetClass="exit" presetSubtype="0" fill="hold" grpId="0" nodeType="clickEffect">
+                                  <p:stCondLst>
+                                    <p:cond delay="0"/>
+                                  </p:stCondLst>
+                                  <p:childTnLst>
+                                    <p:set>
+                                      <p:cBhvr>
+                                        <p:cTn id="18" dur="1" fill="hold">
+                                          <p:stCondLst>
+                                            <p:cond delay="0"/>
+                                          </p:stCondLst>
+                                        </p:cTn>
+                                        <p:tgtEl>
+                                          <p:spTgt spid="13"/>
+                                        </p:tgtEl>
+                                        <p:attrNameLst>
+                                          <p:attrName>style.visibility</p:attrName>
+                                        </p:attrNameLst>
+                                      </p:cBhvr>
+                                      <p:to>
+                                        <p:strVal val="hidden"/>
+                                      </p:to>
+                                    </p:set>
+                                  </p:childTnLst>
+                                </p:cTn>
+                              </p:par>
+                            </p:childTnLst>
+                          </p:cTn>
+                        </p:par>
+                      </p:childTnLst>
+                    </p:cTn>
+                  </p:par>
+                  <p:par>
+                    <p:cTn id="19" fill="hold">
+                      <p:stCondLst>
+                        <p:cond delay="indefinite"/>
+                      </p:stCondLst>
+                      <p:childTnLst>
+                        <p:par>
+                          <p:cTn id="20" fill="hold">
+                            <p:stCondLst>
+                              <p:cond delay="0"/>
+                            </p:stCondLst>
+                            <p:childTnLst>
+                              <p:par>
+                                <p:cTn id="21" presetID="1" presetClass="entr" presetSubtype="0" fill="hold" nodeType="clickEffect">
+                                  <p:stCondLst>
+                                    <p:cond delay="0"/>
+                                  </p:stCondLst>
+                                  <p:childTnLst>
+                                    <p:set>
+                                      <p:cBhvr>
+                                        <p:cTn id="22" dur="1" fill="hold">
+                                          <p:stCondLst>
+                                            <p:cond delay="0"/>
+                                          </p:stCondLst>
+                                        </p:cTn>
+                                        <p:tgtEl>
+                                          <p:spTgt spid="3">
+                                            <p:txEl>
+                                              <p:pRg st="6" end="6"/>
+                                            </p:txEl>
+                                          </p:spTgt>
+                                        </p:tgtEl>
+                                        <p:attrNameLst>
+                                          <p:attrName>style.visibility</p:attrName>
+                                        </p:attrNameLst>
+                                      </p:cBhvr>
+                                      <p:to>
+                                        <p:strVal val="visible"/>
+                                      </p:to>
+                                    </p:set>
+                                  </p:childTnLst>
+                                </p:cTn>
+                              </p:par>
+                            </p:childTnLst>
+                          </p:cTn>
+                        </p:par>
+                      </p:childTnLst>
+                    </p:cTn>
+                  </p:par>
+                  <p:par>
+                    <p:cTn id="23" fill="hold">
+                      <p:stCondLst>
+                        <p:cond delay="indefinite"/>
+                      </p:stCondLst>
+                      <p:childTnLst>
+                        <p:par>
+                          <p:cTn id="24" fill="hold">
+                            <p:stCondLst>
+                              <p:cond delay="0"/>
+                            </p:stCondLst>
+                            <p:childTnLst>
+                              <p:par>
+                                <p:cTn id="25" presetID="1" presetClass="exit" presetSubtype="0" fill="hold" grpId="0" nodeType="clickEffect">
+                                  <p:stCondLst>
+                                    <p:cond delay="0"/>
+                                  </p:stCondLst>
+                                  <p:childTnLst>
+                                    <p:set>
+                                      <p:cBhvr>
+                                        <p:cTn id="26" dur="1" fill="hold">
+                                          <p:stCondLst>
+                                            <p:cond delay="0"/>
+                                          </p:stCondLst>
+                                        </p:cTn>
+                                        <p:tgtEl>
+                                          <p:spTgt spid="9"/>
+                                        </p:tgtEl>
+                                        <p:attrNameLst>
+                                          <p:attrName>style.visibility</p:attrName>
+                                        </p:attrNameLst>
+                                      </p:cBhvr>
+                                      <p:to>
+                                        <p:strVal val="hidden"/>
+                                      </p:to>
+                                    </p:set>
+                                  </p:childTnLst>
+                                </p:cTn>
+                              </p:par>
+                            </p:childTnLst>
+                          </p:cTn>
+                        </p:par>
+                      </p:childTnLst>
+                    </p:cTn>
+                  </p:par>
+                  <p:par>
+                    <p:cTn id="27" fill="hold">
+                      <p:stCondLst>
+                        <p:cond delay="indefinite"/>
+                      </p:stCondLst>
+                      <p:childTnLst>
+                        <p:par>
+                          <p:cTn id="28" fill="hold">
+                            <p:stCondLst>
+                              <p:cond delay="0"/>
+                            </p:stCondLst>
+                            <p:childTnLst>
+                              <p:par>
+                                <p:cTn id="29" presetID="1" presetClass="entr" presetSubtype="0" fill="hold" nodeType="clickEffect">
+                                  <p:stCondLst>
+                                    <p:cond delay="0"/>
+                                  </p:stCondLst>
+                                  <p:childTnLst>
+                                    <p:set>
+                                      <p:cBhvr>
+                                        <p:cTn id="30" dur="1" fill="hold">
+                                          <p:stCondLst>
+                                            <p:cond delay="0"/>
+                                          </p:stCondLst>
+                                        </p:cTn>
+                                        <p:tgtEl>
+                                          <p:spTgt spid="3">
+                                            <p:txEl>
+                                              <p:pRg st="7" end="7"/>
+                                            </p:txEl>
+                                          </p:spTgt>
+                                        </p:tgtEl>
+                                        <p:attrNameLst>
+                                          <p:attrName>style.visibility</p:attrName>
+                                        </p:attrNameLst>
+                                      </p:cBhvr>
+                                      <p:to>
+                                        <p:strVal val="visible"/>
+                                      </p:to>
+                                    </p:set>
+                                  </p:childTnLst>
+                                </p:cTn>
+                              </p:par>
+                            </p:childTnLst>
+                          </p:cTn>
+                        </p:par>
+                      </p:childTnLst>
+                    </p:cTn>
+                  </p:par>
+                  <p:par>
+                    <p:cTn id="31" fill="hold">
+                      <p:stCondLst>
+                        <p:cond delay="indefinite"/>
+                      </p:stCondLst>
+                      <p:childTnLst>
+                        <p:par>
+                          <p:cTn id="32" fill="hold">
+                            <p:stCondLst>
+                              <p:cond delay="0"/>
+                            </p:stCondLst>
+                            <p:childTnLst>
+                              <p:par>
+                                <p:cTn id="33" presetID="1" presetClass="exit" presetSubtype="0" fill="hold" grpId="0" nodeType="clickEffect">
+                                  <p:stCondLst>
+                                    <p:cond delay="0"/>
+                                  </p:stCondLst>
+                                  <p:childTnLst>
+                                    <p:set>
+                                      <p:cBhvr>
+                                        <p:cTn id="34" dur="1" fill="hold">
+                                          <p:stCondLst>
+                                            <p:cond delay="0"/>
+                                          </p:stCondLst>
+                                        </p:cTn>
+                                        <p:tgtEl>
+                                          <p:spTgt spid="12"/>
+                                        </p:tgtEl>
+                                        <p:attrNameLst>
+                                          <p:attrName>style.visibility</p:attrName>
+                                        </p:attrNameLst>
+                                      </p:cBhvr>
+                                      <p:to>
+                                        <p:strVal val="hidden"/>
+                                      </p:to>
+                                    </p:set>
+                                  </p:childTnLst>
+                                </p:cTn>
+                              </p:par>
+                            </p:childTnLst>
+                          </p:cTn>
+                        </p:par>
+                      </p:childTnLst>
+                    </p:cTn>
+                  </p:par>
+                  <p:par>
+                    <p:cTn id="35" fill="hold">
+                      <p:stCondLst>
+                        <p:cond delay="indefinite"/>
+                      </p:stCondLst>
+                      <p:childTnLst>
+                        <p:par>
+                          <p:cTn id="36" fill="hold">
+                            <p:stCondLst>
+                              <p:cond delay="0"/>
+                            </p:stCondLst>
+                            <p:childTnLst>
+                              <p:par>
+                                <p:cTn id="37" presetID="1" presetClass="entr" presetSubtype="0" fill="hold" nodeType="clickEffect">
+                                  <p:stCondLst>
+                                    <p:cond delay="0"/>
+                                  </p:stCondLst>
+                                  <p:childTnLst>
+                                    <p:set>
+                                      <p:cBhvr>
+                                        <p:cTn id="38" dur="1" fill="hold">
+                                          <p:stCondLst>
+                                            <p:cond delay="0"/>
+                                          </p:stCondLst>
+                                        </p:cTn>
+                                        <p:tgtEl>
+                                          <p:spTgt spid="3">
+                                            <p:txEl>
+                                              <p:pRg st="8" end="8"/>
+                                            </p:txEl>
+                                          </p:spTgt>
+                                        </p:tgtEl>
+                                        <p:attrNameLst>
+                                          <p:attrName>style.visibility</p:attrName>
+                                        </p:attrNameLst>
+                                      </p:cBhvr>
+                                      <p:to>
+                                        <p:strVal val="visible"/>
+                                      </p:to>
+                                    </p:set>
+                                  </p:childTnLst>
+                                </p:cTn>
+                              </p:par>
+                            </p:childTnLst>
+                          </p:cTn>
+                        </p:par>
+                      </p:childTnLst>
+                    </p:cTn>
+                  </p:par>
+                  <p:par>
+                    <p:cTn id="39" fill="hold">
+                      <p:stCondLst>
+                        <p:cond delay="indefinite"/>
+                      </p:stCondLst>
+                      <p:childTnLst>
+                        <p:par>
+                          <p:cTn id="40" fill="hold">
+                            <p:stCondLst>
+                              <p:cond delay="0"/>
+                            </p:stCondLst>
+                            <p:childTnLst>
+                              <p:par>
+                                <p:cTn id="41" presetID="1" presetClass="exit" presetSubtype="0" fill="hold" grpId="0" nodeType="clickEffect">
+                                  <p:stCondLst>
+                                    <p:cond delay="0"/>
+                                  </p:stCondLst>
+                                  <p:childTnLst>
+                                    <p:set>
+                                      <p:cBhvr>
+                                        <p:cTn id="42" dur="1" fill="hold">
+                                          <p:stCondLst>
+                                            <p:cond delay="0"/>
+                                          </p:stCondLst>
+                                        </p:cTn>
+                                        <p:tgtEl>
+                                          <p:spTgt spid="14"/>
+                                        </p:tgtEl>
+                                        <p:attrNameLst>
+                                          <p:attrName>style.visibility</p:attrName>
+                                        </p:attrNameLst>
+                                      </p:cBhvr>
+                                      <p:to>
+                                        <p:strVal val="hidden"/>
+                                      </p:to>
+                                    </p:set>
+                                  </p:childTnLst>
+                                </p:cTn>
+                              </p:par>
+                            </p:childTnLst>
+                          </p:cTn>
+                        </p:par>
+                      </p:childTnLst>
+                    </p:cTn>
+                  </p:par>
+                  <p:par>
+                    <p:cTn id="43" fill="hold">
+                      <p:stCondLst>
+                        <p:cond delay="indefinite"/>
+                      </p:stCondLst>
+                      <p:childTnLst>
+                        <p:par>
+                          <p:cTn id="44" fill="hold">
+                            <p:stCondLst>
+                              <p:cond delay="0"/>
+                            </p:stCondLst>
+                            <p:childTnLst>
+                              <p:par>
+                                <p:cTn id="45" presetID="1" presetClass="entr" presetSubtype="0" fill="hold" nodeType="clickEffect">
+                                  <p:stCondLst>
+                                    <p:cond delay="0"/>
+                                  </p:stCondLst>
+                                  <p:childTnLst>
+                                    <p:set>
+                                      <p:cBhvr>
+                                        <p:cTn id="46" dur="1" fill="hold">
+                                          <p:stCondLst>
+                                            <p:cond delay="0"/>
+                                          </p:stCondLst>
+                                        </p:cTn>
+                                        <p:tgtEl>
+                                          <p:spTgt spid="3">
+                                            <p:txEl>
+                                              <p:pRg st="9" end="9"/>
+                                            </p:txEl>
+                                          </p:spTgt>
+                                        </p:tgtEl>
+                                        <p:attrNameLst>
+                                          <p:attrName>style.visibility</p:attrName>
+                                        </p:attrNameLst>
+                                      </p:cBhvr>
+                                      <p:to>
+                                        <p:strVal val="visible"/>
+                                      </p:to>
+                                    </p:set>
+                                  </p:childTnLst>
+                                </p:cTn>
+                              </p:par>
+                              <p:par>
+                                <p:cTn id="47" presetID="1" presetClass="entr" presetSubtype="0" fill="hold" nodeType="withEffect">
+                                  <p:stCondLst>
+                                    <p:cond delay="0"/>
+                                  </p:stCondLst>
+                                  <p:childTnLst>
+                                    <p:set>
+                                      <p:cBhvr>
+                                        <p:cTn id="48" dur="1" fill="hold">
+                                          <p:stCondLst>
+                                            <p:cond delay="0"/>
+                                          </p:stCondLst>
+                                        </p:cTn>
+                                        <p:tgtEl>
+                                          <p:spTgt spid="1026"/>
+                                        </p:tgtEl>
+                                        <p:attrNameLst>
+                                          <p:attrName>style.visibility</p:attrName>
+                                        </p:attrNameLst>
+                                      </p:cBhvr>
+                                      <p:to>
+                                        <p:strVal val="visible"/>
+                                      </p:to>
+                                    </p:set>
+                                  </p:childTnLst>
+                                </p:cTn>
+                              </p:par>
+                            </p:childTnLst>
+                          </p:cTn>
+                        </p:par>
+                      </p:childTnLst>
+                    </p:cTn>
+                  </p:par>
+                  <p:par>
+                    <p:cTn id="49" fill="hold">
+                      <p:stCondLst>
+                        <p:cond delay="indefinite"/>
+                      </p:stCondLst>
+                      <p:childTnLst>
+                        <p:par>
+                          <p:cTn id="50" fill="hold">
+                            <p:stCondLst>
+                              <p:cond delay="0"/>
+                            </p:stCondLst>
+                            <p:childTnLst>
+                              <p:par>
+                                <p:cTn id="51" presetID="1" presetClass="exit" presetSubtype="0" fill="hold" grpId="0" nodeType="clickEffect">
+                                  <p:stCondLst>
+                                    <p:cond delay="0"/>
+                                  </p:stCondLst>
+                                  <p:childTnLst>
+                                    <p:set>
+                                      <p:cBhvr>
+                                        <p:cTn id="52" dur="1" fill="hold">
+                                          <p:stCondLst>
+                                            <p:cond delay="0"/>
+                                          </p:stCondLst>
+                                        </p:cTn>
+                                        <p:tgtEl>
+                                          <p:spTgt spid="11"/>
+                                        </p:tgtEl>
+                                        <p:attrNameLst>
+                                          <p:attrName>style.visibility</p:attrName>
+                                        </p:attrNameLst>
+                                      </p:cBhvr>
+                                      <p:to>
+                                        <p:strVal val="hidden"/>
+                                      </p:to>
+                                    </p:set>
+                                  </p:childTnLst>
+                                </p:cTn>
+                              </p:par>
+                            </p:childTnLst>
+                          </p:cTn>
+                        </p:par>
+                      </p:childTnLst>
+                    </p:cTn>
+                  </p:par>
+                </p:childTnLst>
+              </p:cTn>
+              <p:prevCondLst>
+                <p:cond evt="onPrev" delay="0">
+                  <p:tgtEl>
+                    <p:sldTgt/>
+                  </p:tgtEl>
+                </p:cond>
+              </p:prevCondLst>
+              <p:nextCondLst>
+                <p:cond evt="onNext" delay="0">
+                  <p:tgtEl>
+                    <p:sldTgt/>
+                  </p:tgtEl>
+                </p:cond>
+              </p:nextCondLst>
+            </p:seq>
+          </p:childTnLst>
+        </p:cTn>
+      </p:par>
+    </p:tnLst>
+    <p:bldLst>
+      <p:bldP spid="9" grpId="0" animBg="1"/>
+      <p:bldP spid="10" grpId="0" animBg="1"/>
+      <p:bldP spid="11" grpId="0" animBg="1"/>
+      <p:bldP spid="12" grpId="0" animBg="1"/>
+      <p:bldP spid="13" grpId="0" animBg="1"/>
+      <p:bldP spid="14" grpId="0" animBg="1"/>
+    </p:bldLst>
+  </p:timing>
+</p:sld>
+</file>
+
+<file path=ppt/slides/slide11.xml><?xml version="1.0" encoding="utf-8"?>
+<p:sld xmlns:a="http://schemas.openxmlformats.org/drawingml/2006/main" xmlns:r="http://schemas.openxmlformats.org/officeDocument/2006/relationships" xmlns:p="http://schemas.openxmlformats.org/presentationml/2006/main">
+  <p:cSld>
+    <p:spTree>
+      <p:nvGrpSpPr>
+        <p:cNvPr id="1" name=""/>
+        <p:cNvGrpSpPr/>
+        <p:nvPr/>
+      </p:nvGrpSpPr>
+      <p:grpSpPr>
+        <a:xfrm>
+          <a:off x="0" y="0"/>
+          <a:ext cx="0" cy="0"/>
+          <a:chOff x="0" y="0"/>
+          <a:chExt cx="0" cy="0"/>
+        </a:xfrm>
+      </p:grpSpPr>
+      <p:sp>
+        <p:nvSpPr>
+          <p:cNvPr id="2" name="Title 1"/>
+          <p:cNvSpPr>
+            <a:spLocks noGrp="1"/>
+          </p:cNvSpPr>
+          <p:nvPr>
+            <p:ph type="title"/>
+          </p:nvPr>
+        </p:nvSpPr>
+        <p:spPr/>
+        <p:txBody>
+          <a:bodyPr/>
+          <a:lstStyle/>
+          <a:p>
+            <a:r>
+              <a:rPr lang="en-GB" dirty="0"/>
               <a:t>Hash table – Hash function </a:t>
             </a:r>
           </a:p>
@@ -7377,7 +8743,7 @@
 </p:sld>
 </file>
 
-<file path=ppt/slides/slide11.xml><?xml version="1.0" encoding="utf-8"?>
+<file path=ppt/slides/slide12.xml><?xml version="1.0" encoding="utf-8"?>
 <p:sld xmlns:a="http://schemas.openxmlformats.org/drawingml/2006/main" xmlns:r="http://schemas.openxmlformats.org/officeDocument/2006/relationships" xmlns:p="http://schemas.openxmlformats.org/presentationml/2006/main">
   <p:cSld>
     <p:spTree>
@@ -7941,7 +9307,7 @@
 </p:sld>
 </file>
 
-<file path=ppt/slides/slide12.xml><?xml version="1.0" encoding="utf-8"?>
+<file path=ppt/slides/slide13.xml><?xml version="1.0" encoding="utf-8"?>
 <p:sld xmlns:a="http://schemas.openxmlformats.org/drawingml/2006/main" xmlns:r="http://schemas.openxmlformats.org/officeDocument/2006/relationships" xmlns:p="http://schemas.openxmlformats.org/presentationml/2006/main">
   <p:cSld>
     <p:spTree>
@@ -8339,7 +9705,7 @@
 </p:sld>
 </file>
 
-<file path=ppt/slides/slide13.xml><?xml version="1.0" encoding="utf-8"?>
+<file path=ppt/slides/slide14.xml><?xml version="1.0" encoding="utf-8"?>
 <p:sld xmlns:a="http://schemas.openxmlformats.org/drawingml/2006/main" xmlns:r="http://schemas.openxmlformats.org/officeDocument/2006/relationships" xmlns:p="http://schemas.openxmlformats.org/presentationml/2006/main">
   <p:cSld>
     <p:spTree>
@@ -8679,7 +10045,7 @@
 </p:sld>
 </file>
 
-<file path=ppt/slides/slide14.xml><?xml version="1.0" encoding="utf-8"?>
+<file path=ppt/slides/slide15.xml><?xml version="1.0" encoding="utf-8"?>
 <p:sld xmlns:a="http://schemas.openxmlformats.org/drawingml/2006/main" xmlns:r="http://schemas.openxmlformats.org/officeDocument/2006/relationships" xmlns:p="http://schemas.openxmlformats.org/presentationml/2006/main">
   <p:cSld>
     <p:spTree>
@@ -9105,7 +10471,7 @@
 </p:sld>
 </file>
 
-<file path=ppt/slides/slide15.xml><?xml version="1.0" encoding="utf-8"?>
+<file path=ppt/slides/slide16.xml><?xml version="1.0" encoding="utf-8"?>
 <p:sld xmlns:a="http://schemas.openxmlformats.org/drawingml/2006/main" xmlns:r="http://schemas.openxmlformats.org/officeDocument/2006/relationships" xmlns:p="http://schemas.openxmlformats.org/presentationml/2006/main">
   <p:cSld>
     <p:spTree>
@@ -9400,7 +10766,7 @@
 </p:sld>
 </file>
 
-<file path=ppt/slides/slide16.xml><?xml version="1.0" encoding="utf-8"?>
+<file path=ppt/slides/slide17.xml><?xml version="1.0" encoding="utf-8"?>
 <p:sld xmlns:a="http://schemas.openxmlformats.org/drawingml/2006/main" xmlns:r="http://schemas.openxmlformats.org/officeDocument/2006/relationships" xmlns:p="http://schemas.openxmlformats.org/presentationml/2006/main">
   <p:cSld>
     <p:spTree>
@@ -9980,7 +11346,7 @@
 </p:sld>
 </file>
 
-<file path=ppt/slides/slide17.xml><?xml version="1.0" encoding="utf-8"?>
+<file path=ppt/slides/slide18.xml><?xml version="1.0" encoding="utf-8"?>
 <p:sld xmlns:a="http://schemas.openxmlformats.org/drawingml/2006/main" xmlns:r="http://schemas.openxmlformats.org/officeDocument/2006/relationships" xmlns:p="http://schemas.openxmlformats.org/presentationml/2006/main">
   <p:cSld>
     <p:spTree>
@@ -10358,7 +11724,7 @@
 </p:sld>
 </file>
 
-<file path=ppt/slides/slide18.xml><?xml version="1.0" encoding="utf-8"?>
+<file path=ppt/slides/slide19.xml><?xml version="1.0" encoding="utf-8"?>
 <p:sld xmlns:a="http://schemas.openxmlformats.org/drawingml/2006/main" xmlns:r="http://schemas.openxmlformats.org/officeDocument/2006/relationships" xmlns:p="http://schemas.openxmlformats.org/presentationml/2006/main">
   <p:cSld>
     <p:spTree>
@@ -10606,156 +11972,6 @@
 </p:sld>
 </file>
 
-<file path=ppt/slides/slide19.xml><?xml version="1.0" encoding="utf-8"?>
-<p:sld xmlns:a="http://schemas.openxmlformats.org/drawingml/2006/main" xmlns:r="http://schemas.openxmlformats.org/officeDocument/2006/relationships" xmlns:p="http://schemas.openxmlformats.org/presentationml/2006/main">
-  <p:cSld>
-    <p:spTree>
-      <p:nvGrpSpPr>
-        <p:cNvPr id="1" name=""/>
-        <p:cNvGrpSpPr/>
-        <p:nvPr/>
-      </p:nvGrpSpPr>
-      <p:grpSpPr>
-        <a:xfrm>
-          <a:off x="0" y="0"/>
-          <a:ext cx="0" cy="0"/>
-          <a:chOff x="0" y="0"/>
-          <a:chExt cx="0" cy="0"/>
-        </a:xfrm>
-      </p:grpSpPr>
-      <p:sp>
-        <p:nvSpPr>
-          <p:cNvPr id="2" name="Titel 1"/>
-          <p:cNvSpPr>
-            <a:spLocks noGrp="1"/>
-          </p:cNvSpPr>
-          <p:nvPr>
-            <p:ph type="title"/>
-          </p:nvPr>
-        </p:nvSpPr>
-        <p:spPr/>
-        <p:txBody>
-          <a:bodyPr/>
-          <a:lstStyle/>
-          <a:p>
-            <a:r>
-              <a:rPr lang="en-GB" dirty="0"/>
-              <a:t>Hash table - Collision resolution with </a:t>
-            </a:r>
-            <a:r>
-              <a:rPr lang="en-GB" b="1" i="1" dirty="0"/>
-              <a:t>separate chaining</a:t>
-            </a:r>
-            <a:endParaRPr lang="nl-NL" b="1" i="1" dirty="0"/>
-          </a:p>
-        </p:txBody>
-      </p:sp>
-      <p:sp>
-        <p:nvSpPr>
-          <p:cNvPr id="3" name="Tijdelijke aanduiding voor inhoud 2"/>
-          <p:cNvSpPr>
-            <a:spLocks noGrp="1"/>
-          </p:cNvSpPr>
-          <p:nvPr>
-            <p:ph idx="1"/>
-          </p:nvPr>
-        </p:nvSpPr>
-        <p:spPr/>
-        <p:txBody>
-          <a:bodyPr/>
-          <a:lstStyle/>
-          <a:p>
-            <a:r>
-              <a:rPr lang="en-GB" dirty="0"/>
-              <a:t>Instead of </a:t>
-            </a:r>
-            <a:r>
-              <a:rPr lang="en-GB" i="1" dirty="0"/>
-              <a:t>resolving</a:t>
-            </a:r>
-            <a:r>
-              <a:rPr lang="en-GB" dirty="0"/>
-              <a:t> collisions, we can </a:t>
-            </a:r>
-            <a:r>
-              <a:rPr lang="en-GB" b="1" dirty="0"/>
-              <a:t>avoid </a:t>
-            </a:r>
-            <a:r>
-              <a:rPr lang="en-GB" dirty="0"/>
-              <a:t>them… how?  </a:t>
-            </a:r>
-          </a:p>
-          <a:p>
-            <a:pPr lvl="1"/>
-            <a:r>
-              <a:rPr lang="en-US" dirty="0"/>
-              <a:t>Allowing more than one item per bucket! </a:t>
-            </a:r>
-          </a:p>
-          <a:p>
-            <a:pPr lvl="1"/>
-            <a:r>
-              <a:rPr lang="en-US" dirty="0"/>
-              <a:t>Method called “separate chaining” because it uses linked lists (“chains”) to hold the multiple items</a:t>
-            </a:r>
-          </a:p>
-          <a:p>
-            <a:pPr lvl="1"/>
-            <a:endParaRPr lang="en-US" dirty="0"/>
-          </a:p>
-          <a:p>
-            <a:r>
-              <a:rPr lang="en-US" dirty="0"/>
-              <a:t>In a good hash table, each bucket has zero or one entries, and sometimes two or three, but rarely more than that</a:t>
-            </a:r>
-          </a:p>
-          <a:p>
-            <a:pPr lvl="1"/>
-            <a:r>
-              <a:rPr lang="en-US" dirty="0"/>
-              <a:t>Otherwise performance in hash table operations decreases because we have to add the time for the list operation</a:t>
-            </a:r>
-            <a:endParaRPr lang="nl-NL" dirty="0"/>
-          </a:p>
-        </p:txBody>
-      </p:sp>
-      <p:sp>
-        <p:nvSpPr>
-          <p:cNvPr id="4" name="Tijdelijke aanduiding voor voettekst 3"/>
-          <p:cNvSpPr>
-            <a:spLocks noGrp="1"/>
-          </p:cNvSpPr>
-          <p:nvPr>
-            <p:ph type="ftr" sz="quarter" idx="11"/>
-          </p:nvPr>
-        </p:nvSpPr>
-        <p:spPr/>
-        <p:txBody>
-          <a:bodyPr/>
-          <a:lstStyle/>
-          <a:p>
-            <a:r>
-              <a:rPr lang="it-IT"/>
-              <a:t>INFDEV036A - G. Costantini, F. Di Giacomo</a:t>
-            </a:r>
-            <a:endParaRPr lang="en-GB"/>
-          </a:p>
-        </p:txBody>
-      </p:sp>
-    </p:spTree>
-    <p:extLst>
-      <p:ext uri="{BB962C8B-B14F-4D97-AF65-F5344CB8AC3E}">
-        <p14:creationId xmlns:p14="http://schemas.microsoft.com/office/powerpoint/2010/main" val="1264389624"/>
-      </p:ext>
-    </p:extLst>
-  </p:cSld>
-  <p:clrMapOvr>
-    <a:masterClrMapping/>
-  </p:clrMapOvr>
-</p:sld>
-</file>
-
 <file path=ppt/slides/slide2.xml><?xml version="1.0" encoding="utf-8"?>
 <p:sld xmlns:a="http://schemas.openxmlformats.org/drawingml/2006/main" xmlns:r="http://schemas.openxmlformats.org/officeDocument/2006/relationships" xmlns:p="http://schemas.openxmlformats.org/presentationml/2006/main">
   <p:cSld>
@@ -10775,7 +11991,13 @@
       </p:grpSpPr>
       <p:sp>
         <p:nvSpPr>
-          <p:cNvPr id="2" name="Title 1"/>
+          <p:cNvPr id="2" name="Titel 1">
+            <a:extLst>
+              <a:ext uri="{FF2B5EF4-FFF2-40B4-BE49-F238E27FC236}">
+                <a16:creationId xmlns:a16="http://schemas.microsoft.com/office/drawing/2014/main" id="{8E552BAE-3024-4DB8-BB41-E230A7CC7E8D}"/>
+              </a:ext>
+            </a:extLst>
+          </p:cNvPr>
           <p:cNvSpPr>
             <a:spLocks noGrp="1"/>
           </p:cNvSpPr>
@@ -10789,15 +12011,30 @@
           <a:lstStyle/>
           <a:p>
             <a:r>
-              <a:rPr lang="en-GB" dirty="0"/>
-              <a:t>Today</a:t>
-            </a:r>
-          </a:p>
-        </p:txBody>
-      </p:sp>
-      <p:sp>
-        <p:nvSpPr>
-          <p:cNvPr id="3" name="Content Placeholder 2"/>
+              <a:rPr lang="nl-NL" dirty="0" err="1"/>
+              <a:t>Homework</a:t>
+            </a:r>
+            <a:r>
+              <a:rPr lang="nl-NL" dirty="0"/>
+              <a:t> </a:t>
+            </a:r>
+            <a:r>
+              <a:rPr lang="nl-NL" dirty="0" err="1"/>
+              <a:t>progress</a:t>
+            </a:r>
+            <a:endParaRPr lang="nl-NL" dirty="0"/>
+          </a:p>
+        </p:txBody>
+      </p:sp>
+      <p:sp>
+        <p:nvSpPr>
+          <p:cNvPr id="3" name="Tijdelijke aanduiding voor inhoud 2">
+            <a:extLst>
+              <a:ext uri="{FF2B5EF4-FFF2-40B4-BE49-F238E27FC236}">
+                <a16:creationId xmlns:a16="http://schemas.microsoft.com/office/drawing/2014/main" id="{C2939A31-8D50-4791-B04E-DEAA3BF6DB85}"/>
+              </a:ext>
+            </a:extLst>
+          </p:cNvPr>
           <p:cNvSpPr>
             <a:spLocks noGrp="1"/>
           </p:cNvSpPr>
@@ -10811,96 +12048,151 @@
           <a:lstStyle/>
           <a:p>
             <a:r>
-              <a:rPr lang="en-GB" strike="sngStrike" dirty="0">
-                <a:solidFill>
-                  <a:schemeClr val="tx1"/>
-                </a:solidFill>
-              </a:rPr>
-              <a:t>Why is my code slow? </a:t>
-            </a:r>
-          </a:p>
-          <a:p>
-            <a:pPr lvl="1"/>
-            <a:r>
-              <a:rPr lang="en-GB" b="1" strike="sngStrike" dirty="0">
-                <a:solidFill>
-                  <a:schemeClr val="tx1"/>
-                </a:solidFill>
-              </a:rPr>
-              <a:t>Empirical and complexity analysis</a:t>
-            </a:r>
-            <a:endParaRPr lang="en-GB" strike="sngStrike" dirty="0">
-              <a:solidFill>
-                <a:schemeClr val="tx1"/>
-              </a:solidFill>
-            </a:endParaRPr>
-          </a:p>
-          <a:p>
-            <a:r>
-              <a:rPr lang="en-GB" strike="sngStrike" dirty="0">
-                <a:solidFill>
-                  <a:schemeClr val="tx1"/>
-                </a:solidFill>
-              </a:rPr>
-              <a:t>How do I order my data?</a:t>
-            </a:r>
-          </a:p>
-          <a:p>
-            <a:pPr lvl="1"/>
-            <a:r>
-              <a:rPr lang="en-GB" b="1" strike="sngStrike" dirty="0">
-                <a:solidFill>
-                  <a:schemeClr val="tx1"/>
-                </a:solidFill>
-              </a:rPr>
-              <a:t>Sorting algorithms</a:t>
-            </a:r>
-          </a:p>
-          <a:p>
-            <a:r>
-              <a:rPr lang="en-GB" dirty="0">
-                <a:solidFill>
-                  <a:schemeClr val="accent1"/>
-                </a:solidFill>
-              </a:rPr>
-              <a:t>How do I structure my data?</a:t>
-            </a:r>
-          </a:p>
-          <a:p>
-            <a:pPr lvl="1"/>
-            <a:r>
-              <a:rPr lang="en-GB" sz="1800" b="1" dirty="0">
-                <a:solidFill>
-                  <a:schemeClr val="accent1"/>
-                </a:solidFill>
-              </a:rPr>
-              <a:t>Linear, tabular, recursive data structures</a:t>
-            </a:r>
-          </a:p>
-          <a:p>
-            <a:r>
-              <a:rPr lang="en-GB" dirty="0"/>
-              <a:t>How do I represent relationship networks?</a:t>
-            </a:r>
-          </a:p>
-          <a:p>
-            <a:pPr lvl="1"/>
-            <a:r>
-              <a:rPr lang="en-GB" b="1" dirty="0"/>
-              <a:t>Graphs</a:t>
-            </a:r>
-          </a:p>
-          <a:p>
-            <a:endParaRPr lang="en-GB" b="1" dirty="0"/>
-          </a:p>
-          <a:p>
-            <a:endParaRPr lang="en-GB" dirty="0"/>
-          </a:p>
-        </p:txBody>
-      </p:sp>
-      <p:sp>
-        <p:nvSpPr>
-          <p:cNvPr id="4" name="Footer Placeholder 3"/>
+              <a:rPr lang="nl-NL" dirty="0"/>
+              <a:t>Have </a:t>
+            </a:r>
+            <a:r>
+              <a:rPr lang="nl-NL" dirty="0" err="1"/>
+              <a:t>you</a:t>
+            </a:r>
+            <a:r>
+              <a:rPr lang="nl-NL" dirty="0"/>
+              <a:t> </a:t>
+            </a:r>
+            <a:r>
+              <a:rPr lang="nl-NL" dirty="0" err="1"/>
+              <a:t>completed</a:t>
+            </a:r>
+            <a:r>
+              <a:rPr lang="nl-NL" dirty="0"/>
+              <a:t> </a:t>
+            </a:r>
+            <a:r>
+              <a:rPr lang="nl-NL" dirty="0" err="1"/>
+              <a:t>all</a:t>
+            </a:r>
+            <a:r>
+              <a:rPr lang="nl-NL" dirty="0"/>
+              <a:t> MC </a:t>
+            </a:r>
+            <a:r>
+              <a:rPr lang="nl-NL" dirty="0" err="1"/>
+              <a:t>questions</a:t>
+            </a:r>
+            <a:r>
+              <a:rPr lang="nl-NL" dirty="0"/>
+              <a:t> in </a:t>
+            </a:r>
+            <a:r>
+              <a:rPr lang="nl-NL" dirty="0" err="1"/>
+              <a:t>GrandeOmega</a:t>
+            </a:r>
+            <a:r>
+              <a:rPr lang="nl-NL" dirty="0"/>
+              <a:t>?</a:t>
+            </a:r>
+          </a:p>
+          <a:p>
+            <a:endParaRPr lang="nl-NL" dirty="0"/>
+          </a:p>
+          <a:p>
+            <a:endParaRPr lang="nl-NL" dirty="0"/>
+          </a:p>
+          <a:p>
+            <a:endParaRPr lang="nl-NL" dirty="0"/>
+          </a:p>
+          <a:p>
+            <a:endParaRPr lang="nl-NL" dirty="0"/>
+          </a:p>
+          <a:p>
+            <a:r>
+              <a:rPr lang="nl-NL" dirty="0"/>
+              <a:t>Have </a:t>
+            </a:r>
+            <a:r>
+              <a:rPr lang="nl-NL" dirty="0" err="1"/>
+              <a:t>you</a:t>
+            </a:r>
+            <a:r>
+              <a:rPr lang="nl-NL" dirty="0"/>
+              <a:t> </a:t>
+            </a:r>
+            <a:r>
+              <a:rPr lang="nl-NL" dirty="0" err="1"/>
+              <a:t>implemented</a:t>
+            </a:r>
+            <a:r>
+              <a:rPr lang="nl-NL" dirty="0"/>
+              <a:t> </a:t>
+            </a:r>
+            <a:r>
+              <a:rPr lang="nl-NL" dirty="0" err="1"/>
+              <a:t>all</a:t>
+            </a:r>
+            <a:r>
+              <a:rPr lang="nl-NL" dirty="0"/>
+              <a:t> </a:t>
+            </a:r>
+            <a:r>
+              <a:rPr lang="nl-NL" dirty="0" err="1"/>
+              <a:t>algorithms+data</a:t>
+            </a:r>
+            <a:r>
+              <a:rPr lang="nl-NL" dirty="0"/>
+              <a:t> </a:t>
+            </a:r>
+            <a:r>
+              <a:rPr lang="nl-NL" dirty="0" err="1"/>
+              <a:t>structures</a:t>
+            </a:r>
+            <a:r>
+              <a:rPr lang="nl-NL" dirty="0"/>
+              <a:t> </a:t>
+            </a:r>
+            <a:r>
+              <a:rPr lang="nl-NL" dirty="0" err="1"/>
+              <a:t>seen</a:t>
+            </a:r>
+            <a:r>
+              <a:rPr lang="nl-NL" dirty="0"/>
+              <a:t> in </a:t>
+            </a:r>
+            <a:r>
+              <a:rPr lang="nl-NL" dirty="0" err="1"/>
+              <a:t>the</a:t>
+            </a:r>
+            <a:r>
+              <a:rPr lang="nl-NL" dirty="0"/>
+              <a:t> </a:t>
+            </a:r>
+            <a:r>
+              <a:rPr lang="nl-NL" dirty="0" err="1"/>
+              <a:t>previous</a:t>
+            </a:r>
+            <a:r>
+              <a:rPr lang="nl-NL" dirty="0"/>
+              <a:t> </a:t>
+            </a:r>
+            <a:r>
+              <a:rPr lang="nl-NL" dirty="0" err="1"/>
+              <a:t>lessons</a:t>
+            </a:r>
+            <a:r>
+              <a:rPr lang="nl-NL" dirty="0"/>
+              <a:t>?</a:t>
+            </a:r>
+          </a:p>
+        </p:txBody>
+      </p:sp>
+      <p:sp>
+        <p:nvSpPr>
+          <p:cNvPr id="4" name="Tijdelijke aanduiding voor voettekst 3">
+            <a:extLst>
+              <a:ext uri="{FF2B5EF4-FFF2-40B4-BE49-F238E27FC236}">
+                <a16:creationId xmlns:a16="http://schemas.microsoft.com/office/drawing/2014/main" id="{12977DE5-C067-4A68-BD9B-7DF3B5BA4EB0}"/>
+              </a:ext>
+            </a:extLst>
+          </p:cNvPr>
           <p:cNvSpPr>
             <a:spLocks noGrp="1"/>
           </p:cNvSpPr>
@@ -10917,346 +12209,44 @@
               <a:rPr lang="it-IT"/>
               <a:t>INFDEV036A - G. Costantini, F. Di Giacomo</a:t>
             </a:r>
-            <a:endParaRPr lang="en-GB" dirty="0"/>
+            <a:endParaRPr lang="en-GB"/>
           </a:p>
         </p:txBody>
       </p:sp>
       <p:pic>
         <p:nvPicPr>
-          <p:cNvPr id="5" name="Picture 2" descr="http://comps.canstockphoto.com/can-stock-photo_csp11512262.jpg"/>
-          <p:cNvPicPr>
-            <a:picLocks noChangeAspect="1" noChangeArrowheads="1"/>
-          </p:cNvPicPr>
-          <p:nvPr/>
-        </p:nvPicPr>
-        <p:blipFill rotWithShape="1">
-          <a:blip r:embed="rId3">
+          <p:cNvPr id="5" name="Afbeelding 4">
             <a:extLst>
-              <a:ext uri="{28A0092B-C50C-407E-A947-70E740481C1C}">
-                <a14:useLocalDpi xmlns:a14="http://schemas.microsoft.com/office/drawing/2010/main" val="0"/>
+              <a:ext uri="{FF2B5EF4-FFF2-40B4-BE49-F238E27FC236}">
+                <a16:creationId xmlns:a16="http://schemas.microsoft.com/office/drawing/2014/main" id="{7ACE87FE-5A80-426D-BD43-DACC45FD1C50}"/>
               </a:ext>
             </a:extLst>
-          </a:blip>
-          <a:srcRect b="72230"/>
-          <a:stretch/>
-        </p:blipFill>
-        <p:spPr bwMode="auto">
-          <a:xfrm>
-            <a:off x="4525680" y="352589"/>
-            <a:ext cx="3723736" cy="1080023"/>
-          </a:xfrm>
-          <a:prstGeom prst="rect">
-            <a:avLst/>
-          </a:prstGeom>
-          <a:noFill/>
-          <a:extLst>
-            <a:ext uri="{909E8E84-426E-40DD-AFC4-6F175D3DCCD1}">
-              <a14:hiddenFill xmlns:a14="http://schemas.microsoft.com/office/drawing/2010/main">
-                <a:solidFill>
-                  <a:srgbClr val="FFFFFF"/>
-                </a:solidFill>
-              </a14:hiddenFill>
-            </a:ext>
-          </a:extLst>
-        </p:spPr>
-      </p:pic>
-      <p:pic>
-        <p:nvPicPr>
-          <p:cNvPr id="6" name="Picture 4" descr="http://www.clipartbest.com/cliparts/ncX/Eo7/ncXEo7pcB.jpeg"/>
+          </p:cNvPr>
           <p:cNvPicPr>
-            <a:picLocks noChangeAspect="1" noChangeArrowheads="1"/>
+            <a:picLocks noChangeAspect="1"/>
           </p:cNvPicPr>
           <p:nvPr/>
         </p:nvPicPr>
         <p:blipFill>
-          <a:blip r:embed="rId4" cstate="print">
-            <a:extLst>
-              <a:ext uri="{28A0092B-C50C-407E-A947-70E740481C1C}">
-                <a14:useLocalDpi xmlns:a14="http://schemas.microsoft.com/office/drawing/2010/main" val="0"/>
-              </a:ext>
-            </a:extLst>
-          </a:blip>
-          <a:srcRect/>
+          <a:blip r:embed="rId2"/>
           <a:stretch>
             <a:fillRect/>
           </a:stretch>
         </p:blipFill>
-        <p:spPr bwMode="auto">
-          <a:xfrm>
-            <a:off x="7094153" y="2899670"/>
-            <a:ext cx="1540679" cy="1679214"/>
-          </a:xfrm>
-          <a:prstGeom prst="rect">
-            <a:avLst/>
-          </a:prstGeom>
-          <a:noFill/>
-          <a:extLst>
-            <a:ext uri="{909E8E84-426E-40DD-AFC4-6F175D3DCCD1}">
-              <a14:hiddenFill xmlns:a14="http://schemas.microsoft.com/office/drawing/2010/main">
-                <a:solidFill>
-                  <a:srgbClr val="FFFFFF"/>
-                </a:solidFill>
-              </a14:hiddenFill>
-            </a:ext>
-          </a:extLst>
-        </p:spPr>
-      </p:pic>
-      <p:pic>
-        <p:nvPicPr>
-          <p:cNvPr id="7" name="Picture 6" descr="https://encrypted-tbn1.gstatic.com/images?q=tbn:ANd9GcTJoQ2BJE0xuStI1NX9PgG7505-Y-0dbr8Sr1bfNl2CzezjDpw1"/>
-          <p:cNvPicPr>
-            <a:picLocks noChangeAspect="1" noChangeArrowheads="1"/>
-          </p:cNvPicPr>
-          <p:nvPr/>
-        </p:nvPicPr>
-        <p:blipFill>
-          <a:blip r:embed="rId5">
-            <a:extLst>
-              <a:ext uri="{28A0092B-C50C-407E-A947-70E740481C1C}">
-                <a14:useLocalDpi xmlns:a14="http://schemas.microsoft.com/office/drawing/2010/main" val="0"/>
-              </a:ext>
-            </a:extLst>
-          </a:blip>
-          <a:srcRect/>
-          <a:stretch>
-            <a:fillRect/>
-          </a:stretch>
-        </p:blipFill>
-        <p:spPr bwMode="auto">
-          <a:xfrm>
-            <a:off x="9184232" y="428288"/>
-            <a:ext cx="2157862" cy="1527475"/>
-          </a:xfrm>
-          <a:prstGeom prst="rect">
-            <a:avLst/>
-          </a:prstGeom>
-          <a:noFill/>
-          <a:extLst>
-            <a:ext uri="{909E8E84-426E-40DD-AFC4-6F175D3DCCD1}">
-              <a14:hiddenFill xmlns:a14="http://schemas.microsoft.com/office/drawing/2010/main">
-                <a:solidFill>
-                  <a:srgbClr val="FFFFFF"/>
-                </a:solidFill>
-              </a14:hiddenFill>
-            </a:ext>
-          </a:extLst>
-        </p:spPr>
-      </p:pic>
-      <p:sp>
-        <p:nvSpPr>
-          <p:cNvPr id="8" name="TextBox 7"/>
-          <p:cNvSpPr txBox="1"/>
-          <p:nvPr/>
-        </p:nvSpPr>
         <p:spPr>
           <a:xfrm>
-            <a:off x="5552686" y="1586431"/>
-            <a:ext cx="1526313" cy="369332"/>
+            <a:off x="6974946" y="97029"/>
+            <a:ext cx="3707378" cy="4007831"/>
           </a:xfrm>
           <a:prstGeom prst="rect">
             <a:avLst/>
           </a:prstGeom>
         </p:spPr>
-        <p:style>
-          <a:lnRef idx="1">
-            <a:schemeClr val="accent1"/>
-          </a:lnRef>
-          <a:fillRef idx="2">
-            <a:schemeClr val="accent1"/>
-          </a:fillRef>
-          <a:effectRef idx="1">
-            <a:schemeClr val="accent1"/>
-          </a:effectRef>
-          <a:fontRef idx="minor">
-            <a:schemeClr val="dk1"/>
-          </a:fontRef>
-        </p:style>
-        <p:txBody>
-          <a:bodyPr wrap="square" rtlCol="0">
-            <a:spAutoFit/>
-          </a:bodyPr>
-          <a:lstStyle/>
-          <a:p>
-            <a:pPr algn="ctr"/>
-            <a:r>
-              <a:rPr lang="en-GB" dirty="0"/>
-              <a:t>LIST</a:t>
-            </a:r>
-          </a:p>
-        </p:txBody>
-      </p:sp>
-      <p:sp>
-        <p:nvSpPr>
-          <p:cNvPr id="9" name="TextBox 8"/>
-          <p:cNvSpPr txBox="1"/>
-          <p:nvPr/>
-        </p:nvSpPr>
-        <p:spPr>
-          <a:xfrm>
-            <a:off x="7078999" y="4587973"/>
-            <a:ext cx="1526313" cy="369332"/>
-          </a:xfrm>
-          <a:prstGeom prst="rect">
-            <a:avLst/>
-          </a:prstGeom>
-        </p:spPr>
-        <p:style>
-          <a:lnRef idx="1">
-            <a:schemeClr val="accent1"/>
-          </a:lnRef>
-          <a:fillRef idx="2">
-            <a:schemeClr val="accent1"/>
-          </a:fillRef>
-          <a:effectRef idx="1">
-            <a:schemeClr val="accent1"/>
-          </a:effectRef>
-          <a:fontRef idx="minor">
-            <a:schemeClr val="dk1"/>
-          </a:fontRef>
-        </p:style>
-        <p:txBody>
-          <a:bodyPr wrap="square" rtlCol="0">
-            <a:spAutoFit/>
-          </a:bodyPr>
-          <a:lstStyle/>
-          <a:p>
-            <a:pPr algn="ctr"/>
-            <a:r>
-              <a:rPr lang="en-GB" dirty="0"/>
-              <a:t>STACK</a:t>
-            </a:r>
-          </a:p>
-        </p:txBody>
-      </p:sp>
-      <p:sp>
-        <p:nvSpPr>
-          <p:cNvPr id="10" name="TextBox 9"/>
-          <p:cNvSpPr txBox="1"/>
-          <p:nvPr/>
-        </p:nvSpPr>
-        <p:spPr>
-          <a:xfrm>
-            <a:off x="9536094" y="2032241"/>
-            <a:ext cx="1526313" cy="369332"/>
-          </a:xfrm>
-          <a:prstGeom prst="rect">
-            <a:avLst/>
-          </a:prstGeom>
-        </p:spPr>
-        <p:style>
-          <a:lnRef idx="1">
-            <a:schemeClr val="accent1"/>
-          </a:lnRef>
-          <a:fillRef idx="2">
-            <a:schemeClr val="accent1"/>
-          </a:fillRef>
-          <a:effectRef idx="1">
-            <a:schemeClr val="accent1"/>
-          </a:effectRef>
-          <a:fontRef idx="minor">
-            <a:schemeClr val="dk1"/>
-          </a:fontRef>
-        </p:style>
-        <p:txBody>
-          <a:bodyPr wrap="square" rtlCol="0">
-            <a:spAutoFit/>
-          </a:bodyPr>
-          <a:lstStyle/>
-          <a:p>
-            <a:pPr algn="ctr"/>
-            <a:r>
-              <a:rPr lang="en-GB" dirty="0"/>
-              <a:t>QUEUE</a:t>
-            </a:r>
-          </a:p>
-        </p:txBody>
-      </p:sp>
-      <p:pic>
-        <p:nvPicPr>
-          <p:cNvPr id="11" name="Picture 2" descr="http://s.s-bol.com/imgbase0/imagebase/large/FC/8/7/9/0/1001004002820978.jpg"/>
-          <p:cNvPicPr>
-            <a:picLocks noChangeAspect="1" noChangeArrowheads="1"/>
-          </p:cNvPicPr>
-          <p:nvPr/>
-        </p:nvPicPr>
-        <p:blipFill rotWithShape="1">
-          <a:blip r:embed="rId6" cstate="print">
-            <a:extLst>
-              <a:ext uri="{28A0092B-C50C-407E-A947-70E740481C1C}">
-                <a14:useLocalDpi xmlns:a14="http://schemas.microsoft.com/office/drawing/2010/main" val="0"/>
-              </a:ext>
-            </a:extLst>
-          </a:blip>
-          <a:srcRect l="10902"/>
-          <a:stretch/>
-        </p:blipFill>
-        <p:spPr bwMode="auto">
-          <a:xfrm>
-            <a:off x="9413629" y="4024111"/>
-            <a:ext cx="1487154" cy="1866388"/>
-          </a:xfrm>
-          <a:prstGeom prst="rect">
-            <a:avLst/>
-          </a:prstGeom>
-          <a:noFill/>
-          <a:extLst>
-            <a:ext uri="{909E8E84-426E-40DD-AFC4-6F175D3DCCD1}">
-              <a14:hiddenFill xmlns:a14="http://schemas.microsoft.com/office/drawing/2010/main">
-                <a:solidFill>
-                  <a:srgbClr val="FFFFFF"/>
-                </a:solidFill>
-              </a14:hiddenFill>
-            </a:ext>
-          </a:extLst>
-        </p:spPr>
       </p:pic>
-      <p:sp>
-        <p:nvSpPr>
-          <p:cNvPr id="12" name="TextBox 9"/>
-          <p:cNvSpPr txBox="1"/>
-          <p:nvPr/>
-        </p:nvSpPr>
-        <p:spPr>
-          <a:xfrm>
-            <a:off x="9536094" y="6008192"/>
-            <a:ext cx="1526313" cy="369332"/>
-          </a:xfrm>
-          <a:prstGeom prst="rect">
-            <a:avLst/>
-          </a:prstGeom>
-        </p:spPr>
-        <p:style>
-          <a:lnRef idx="1">
-            <a:schemeClr val="accent1"/>
-          </a:lnRef>
-          <a:fillRef idx="2">
-            <a:schemeClr val="accent1"/>
-          </a:fillRef>
-          <a:effectRef idx="1">
-            <a:schemeClr val="accent1"/>
-          </a:effectRef>
-          <a:fontRef idx="minor">
-            <a:schemeClr val="dk1"/>
-          </a:fontRef>
-        </p:style>
-        <p:txBody>
-          <a:bodyPr wrap="square" rtlCol="0">
-            <a:spAutoFit/>
-          </a:bodyPr>
-          <a:lstStyle/>
-          <a:p>
-            <a:pPr algn="ctr"/>
-            <a:r>
-              <a:rPr lang="en-GB" dirty="0"/>
-              <a:t>HASH TABLE</a:t>
-            </a:r>
-          </a:p>
-        </p:txBody>
-      </p:sp>
     </p:spTree>
     <p:extLst>
       <p:ext uri="{BB962C8B-B14F-4D97-AF65-F5344CB8AC3E}">
-        <p14:creationId xmlns:p14="http://schemas.microsoft.com/office/powerpoint/2010/main" val="3387586650"/>
+        <p14:creationId xmlns:p14="http://schemas.microsoft.com/office/powerpoint/2010/main" val="1434186207"/>
       </p:ext>
     </p:extLst>
   </p:cSld>
@@ -11267,6 +12257,156 @@
 </file>
 
 <file path=ppt/slides/slide20.xml><?xml version="1.0" encoding="utf-8"?>
+<p:sld xmlns:a="http://schemas.openxmlformats.org/drawingml/2006/main" xmlns:r="http://schemas.openxmlformats.org/officeDocument/2006/relationships" xmlns:p="http://schemas.openxmlformats.org/presentationml/2006/main">
+  <p:cSld>
+    <p:spTree>
+      <p:nvGrpSpPr>
+        <p:cNvPr id="1" name=""/>
+        <p:cNvGrpSpPr/>
+        <p:nvPr/>
+      </p:nvGrpSpPr>
+      <p:grpSpPr>
+        <a:xfrm>
+          <a:off x="0" y="0"/>
+          <a:ext cx="0" cy="0"/>
+          <a:chOff x="0" y="0"/>
+          <a:chExt cx="0" cy="0"/>
+        </a:xfrm>
+      </p:grpSpPr>
+      <p:sp>
+        <p:nvSpPr>
+          <p:cNvPr id="2" name="Titel 1"/>
+          <p:cNvSpPr>
+            <a:spLocks noGrp="1"/>
+          </p:cNvSpPr>
+          <p:nvPr>
+            <p:ph type="title"/>
+          </p:nvPr>
+        </p:nvSpPr>
+        <p:spPr/>
+        <p:txBody>
+          <a:bodyPr/>
+          <a:lstStyle/>
+          <a:p>
+            <a:r>
+              <a:rPr lang="en-GB" dirty="0"/>
+              <a:t>Hash table - Collision resolution with </a:t>
+            </a:r>
+            <a:r>
+              <a:rPr lang="en-GB" b="1" i="1" dirty="0"/>
+              <a:t>separate chaining</a:t>
+            </a:r>
+            <a:endParaRPr lang="nl-NL" b="1" i="1" dirty="0"/>
+          </a:p>
+        </p:txBody>
+      </p:sp>
+      <p:sp>
+        <p:nvSpPr>
+          <p:cNvPr id="3" name="Tijdelijke aanduiding voor inhoud 2"/>
+          <p:cNvSpPr>
+            <a:spLocks noGrp="1"/>
+          </p:cNvSpPr>
+          <p:nvPr>
+            <p:ph idx="1"/>
+          </p:nvPr>
+        </p:nvSpPr>
+        <p:spPr/>
+        <p:txBody>
+          <a:bodyPr/>
+          <a:lstStyle/>
+          <a:p>
+            <a:r>
+              <a:rPr lang="en-GB" dirty="0"/>
+              <a:t>Instead of </a:t>
+            </a:r>
+            <a:r>
+              <a:rPr lang="en-GB" i="1" dirty="0"/>
+              <a:t>resolving</a:t>
+            </a:r>
+            <a:r>
+              <a:rPr lang="en-GB" dirty="0"/>
+              <a:t> collisions, we can </a:t>
+            </a:r>
+            <a:r>
+              <a:rPr lang="en-GB" b="1" dirty="0"/>
+              <a:t>avoid </a:t>
+            </a:r>
+            <a:r>
+              <a:rPr lang="en-GB" dirty="0"/>
+              <a:t>them… how?  </a:t>
+            </a:r>
+          </a:p>
+          <a:p>
+            <a:pPr lvl="1"/>
+            <a:r>
+              <a:rPr lang="en-US" dirty="0"/>
+              <a:t>Allowing more than one item per bucket! </a:t>
+            </a:r>
+          </a:p>
+          <a:p>
+            <a:pPr lvl="1"/>
+            <a:r>
+              <a:rPr lang="en-US" dirty="0"/>
+              <a:t>Method called “separate chaining” because it uses linked lists (“chains”) to hold the multiple items</a:t>
+            </a:r>
+          </a:p>
+          <a:p>
+            <a:pPr lvl="1"/>
+            <a:endParaRPr lang="en-US" dirty="0"/>
+          </a:p>
+          <a:p>
+            <a:r>
+              <a:rPr lang="en-US" dirty="0"/>
+              <a:t>In a good hash table, each bucket has zero or one entries, and sometimes two or three, but rarely more than that</a:t>
+            </a:r>
+          </a:p>
+          <a:p>
+            <a:pPr lvl="1"/>
+            <a:r>
+              <a:rPr lang="en-US" dirty="0"/>
+              <a:t>Otherwise performance in hash table operations decreases because we have to add the time for the list operation</a:t>
+            </a:r>
+            <a:endParaRPr lang="nl-NL" dirty="0"/>
+          </a:p>
+        </p:txBody>
+      </p:sp>
+      <p:sp>
+        <p:nvSpPr>
+          <p:cNvPr id="4" name="Tijdelijke aanduiding voor voettekst 3"/>
+          <p:cNvSpPr>
+            <a:spLocks noGrp="1"/>
+          </p:cNvSpPr>
+          <p:nvPr>
+            <p:ph type="ftr" sz="quarter" idx="11"/>
+          </p:nvPr>
+        </p:nvSpPr>
+        <p:spPr/>
+        <p:txBody>
+          <a:bodyPr/>
+          <a:lstStyle/>
+          <a:p>
+            <a:r>
+              <a:rPr lang="it-IT"/>
+              <a:t>INFDEV036A - G. Costantini, F. Di Giacomo</a:t>
+            </a:r>
+            <a:endParaRPr lang="en-GB"/>
+          </a:p>
+        </p:txBody>
+      </p:sp>
+    </p:spTree>
+    <p:extLst>
+      <p:ext uri="{BB962C8B-B14F-4D97-AF65-F5344CB8AC3E}">
+        <p14:creationId xmlns:p14="http://schemas.microsoft.com/office/powerpoint/2010/main" val="1264389624"/>
+      </p:ext>
+    </p:extLst>
+  </p:cSld>
+  <p:clrMapOvr>
+    <a:masterClrMapping/>
+  </p:clrMapOvr>
+</p:sld>
+</file>
+
+<file path=ppt/slides/slide21.xml><?xml version="1.0" encoding="utf-8"?>
 <p:sld xmlns:a="http://schemas.openxmlformats.org/drawingml/2006/main" xmlns:r="http://schemas.openxmlformats.org/officeDocument/2006/relationships" xmlns:p="http://schemas.openxmlformats.org/presentationml/2006/main">
   <p:cSld>
     <p:spTree>
@@ -11410,7 +12550,7 @@
 </p:sld>
 </file>
 
-<file path=ppt/slides/slide21.xml><?xml version="1.0" encoding="utf-8"?>
+<file path=ppt/slides/slide22.xml><?xml version="1.0" encoding="utf-8"?>
 <p:sld xmlns:a="http://schemas.openxmlformats.org/drawingml/2006/main" xmlns:r="http://schemas.openxmlformats.org/officeDocument/2006/relationships" xmlns:p="http://schemas.openxmlformats.org/presentationml/2006/main">
   <p:cSld>
     <p:spTree>
@@ -11575,7 +12715,7 @@
 </p:sld>
 </file>
 
-<file path=ppt/slides/slide22.xml><?xml version="1.0" encoding="utf-8"?>
+<file path=ppt/slides/slide23.xml><?xml version="1.0" encoding="utf-8"?>
 <p:sld xmlns:a="http://schemas.openxmlformats.org/drawingml/2006/main" xmlns:r="http://schemas.openxmlformats.org/officeDocument/2006/relationships" xmlns:p="http://schemas.openxmlformats.org/presentationml/2006/main">
   <p:cSld>
     <p:spTree>
@@ -11879,7 +13019,7 @@
 </p:sld>
 </file>
 
-<file path=ppt/slides/slide23.xml><?xml version="1.0" encoding="utf-8"?>
+<file path=ppt/slides/slide24.xml><?xml version="1.0" encoding="utf-8"?>
 <p:sld xmlns:a="http://schemas.openxmlformats.org/drawingml/2006/main" xmlns:r="http://schemas.openxmlformats.org/officeDocument/2006/relationships" xmlns:p="http://schemas.openxmlformats.org/presentationml/2006/main">
   <p:cSld>
     <p:spTree>
@@ -12232,7 +13372,7 @@
 </p:sld>
 </file>
 
-<file path=ppt/slides/slide24.xml><?xml version="1.0" encoding="utf-8"?>
+<file path=ppt/slides/slide25.xml><?xml version="1.0" encoding="utf-8"?>
 <p:sld xmlns:a="http://schemas.openxmlformats.org/drawingml/2006/main" xmlns:r="http://schemas.openxmlformats.org/officeDocument/2006/relationships" xmlns:p="http://schemas.openxmlformats.org/presentationml/2006/main">
   <p:cSld>
     <p:spTree>
@@ -12586,7 +13726,7 @@
 </p:sld>
 </file>
 
-<file path=ppt/slides/slide25.xml><?xml version="1.0" encoding="utf-8"?>
+<file path=ppt/slides/slide26.xml><?xml version="1.0" encoding="utf-8"?>
 <p:sld xmlns:a="http://schemas.openxmlformats.org/drawingml/2006/main" xmlns:r="http://schemas.openxmlformats.org/officeDocument/2006/relationships" xmlns:p="http://schemas.openxmlformats.org/presentationml/2006/main">
   <p:cSld>
     <p:spTree>
@@ -13621,7 +14761,7 @@
 </p:sld>
 </file>
 
-<file path=ppt/slides/slide26.xml><?xml version="1.0" encoding="utf-8"?>
+<file path=ppt/slides/slide27.xml><?xml version="1.0" encoding="utf-8"?>
 <p:sld xmlns:a="http://schemas.openxmlformats.org/drawingml/2006/main" xmlns:r="http://schemas.openxmlformats.org/officeDocument/2006/relationships" xmlns:p="http://schemas.openxmlformats.org/presentationml/2006/main">
   <p:cSld>
     <p:spTree>
@@ -14170,157 +15310,6 @@
 </p:sld>
 </file>
 
-<file path=ppt/slides/slide27.xml><?xml version="1.0" encoding="utf-8"?>
-<p:sld xmlns:a="http://schemas.openxmlformats.org/drawingml/2006/main" xmlns:r="http://schemas.openxmlformats.org/officeDocument/2006/relationships" xmlns:p="http://schemas.openxmlformats.org/presentationml/2006/main">
-  <p:cSld>
-    <p:spTree>
-      <p:nvGrpSpPr>
-        <p:cNvPr id="1" name=""/>
-        <p:cNvGrpSpPr/>
-        <p:nvPr/>
-      </p:nvGrpSpPr>
-      <p:grpSpPr>
-        <a:xfrm>
-          <a:off x="0" y="0"/>
-          <a:ext cx="0" cy="0"/>
-          <a:chOff x="0" y="0"/>
-          <a:chExt cx="0" cy="0"/>
-        </a:xfrm>
-      </p:grpSpPr>
-      <p:sp>
-        <p:nvSpPr>
-          <p:cNvPr id="2" name="Titel 1"/>
-          <p:cNvSpPr>
-            <a:spLocks noGrp="1"/>
-          </p:cNvSpPr>
-          <p:nvPr>
-            <p:ph type="title"/>
-          </p:nvPr>
-        </p:nvSpPr>
-        <p:spPr/>
-        <p:txBody>
-          <a:bodyPr/>
-          <a:lstStyle/>
-          <a:p>
-            <a:r>
-              <a:rPr lang="en-GB" dirty="0"/>
-              <a:t>Hash table – Applications</a:t>
-            </a:r>
-            <a:endParaRPr lang="nl-NL" dirty="0"/>
-          </a:p>
-        </p:txBody>
-      </p:sp>
-      <p:sp>
-        <p:nvSpPr>
-          <p:cNvPr id="3" name="Tijdelijke aanduiding voor inhoud 2"/>
-          <p:cNvSpPr>
-            <a:spLocks noGrp="1"/>
-          </p:cNvSpPr>
-          <p:nvPr>
-            <p:ph idx="1"/>
-          </p:nvPr>
-        </p:nvSpPr>
-        <p:spPr/>
-        <p:txBody>
-          <a:bodyPr/>
-          <a:lstStyle/>
-          <a:p>
-            <a:r>
-              <a:rPr lang="en-US" dirty="0"/>
-              <a:t>In many situations, hash tables turn out to be more efficient than search trees or any other table lookup structure </a:t>
-            </a:r>
-            <a:r>
-              <a:rPr lang="en-US" dirty="0">
-                <a:sym typeface="Wingdings" panose="05000000000000000000" pitchFamily="2" charset="2"/>
-              </a:rPr>
-              <a:t></a:t>
-            </a:r>
-            <a:r>
-              <a:rPr lang="en-US" dirty="0"/>
-              <a:t> widely used in many kinds of computer software </a:t>
-            </a:r>
-          </a:p>
-          <a:p>
-            <a:pPr lvl="1"/>
-            <a:r>
-              <a:rPr lang="en-US" dirty="0"/>
-              <a:t>systems programming</a:t>
-            </a:r>
-          </a:p>
-          <a:p>
-            <a:pPr lvl="1"/>
-            <a:r>
-              <a:rPr lang="en-US" dirty="0"/>
-              <a:t>primary building blocks of relational databases</a:t>
-            </a:r>
-          </a:p>
-          <a:p>
-            <a:pPr lvl="1"/>
-            <a:r>
-              <a:rPr lang="en-US" dirty="0"/>
-              <a:t>associative arrays</a:t>
-            </a:r>
-          </a:p>
-          <a:p>
-            <a:pPr lvl="1"/>
-            <a:r>
-              <a:rPr lang="en-US" dirty="0"/>
-              <a:t>caches</a:t>
-            </a:r>
-          </a:p>
-          <a:p>
-            <a:pPr lvl="1"/>
-            <a:r>
-              <a:rPr lang="en-US" dirty="0"/>
-              <a:t>sets</a:t>
-            </a:r>
-          </a:p>
-          <a:p>
-            <a:pPr lvl="1"/>
-            <a:r>
-              <a:rPr lang="en-GB" dirty="0"/>
-              <a:t>…</a:t>
-            </a:r>
-            <a:endParaRPr lang="nl-NL" dirty="0"/>
-          </a:p>
-        </p:txBody>
-      </p:sp>
-      <p:sp>
-        <p:nvSpPr>
-          <p:cNvPr id="4" name="Tijdelijke aanduiding voor voettekst 3"/>
-          <p:cNvSpPr>
-            <a:spLocks noGrp="1"/>
-          </p:cNvSpPr>
-          <p:nvPr>
-            <p:ph type="ftr" sz="quarter" idx="11"/>
-          </p:nvPr>
-        </p:nvSpPr>
-        <p:spPr/>
-        <p:txBody>
-          <a:bodyPr/>
-          <a:lstStyle/>
-          <a:p>
-            <a:r>
-              <a:rPr lang="it-IT"/>
-              <a:t>INFDEV036A - G. Costantini, F. Di Giacomo</a:t>
-            </a:r>
-            <a:endParaRPr lang="en-GB"/>
-          </a:p>
-        </p:txBody>
-      </p:sp>
-    </p:spTree>
-    <p:extLst>
-      <p:ext uri="{BB962C8B-B14F-4D97-AF65-F5344CB8AC3E}">
-        <p14:creationId xmlns:p14="http://schemas.microsoft.com/office/powerpoint/2010/main" val="3014296709"/>
-      </p:ext>
-    </p:extLst>
-  </p:cSld>
-  <p:clrMapOvr>
-    <a:masterClrMapping/>
-  </p:clrMapOvr>
-</p:sld>
-</file>
-
 <file path=ppt/slides/slide28.xml><?xml version="1.0" encoding="utf-8"?>
 <p:sld xmlns:a="http://schemas.openxmlformats.org/drawingml/2006/main" xmlns:r="http://schemas.openxmlformats.org/officeDocument/2006/relationships" xmlns:p="http://schemas.openxmlformats.org/presentationml/2006/main">
   <p:cSld>
@@ -14340,7 +15329,7 @@
       </p:grpSpPr>
       <p:sp>
         <p:nvSpPr>
-          <p:cNvPr id="2" name="Title 1"/>
+          <p:cNvPr id="2" name="Titel 1"/>
           <p:cNvSpPr>
             <a:spLocks noGrp="1"/>
           </p:cNvSpPr>
@@ -14355,14 +15344,15 @@
           <a:p>
             <a:r>
               <a:rPr lang="en-GB" dirty="0"/>
-              <a:t>Hash tables in C#</a:t>
-            </a:r>
-          </a:p>
-        </p:txBody>
-      </p:sp>
-      <p:sp>
-        <p:nvSpPr>
-          <p:cNvPr id="3" name="Content Placeholder 2"/>
+              <a:t>Hash table – Applications</a:t>
+            </a:r>
+            <a:endParaRPr lang="nl-NL" dirty="0"/>
+          </a:p>
+        </p:txBody>
+      </p:sp>
+      <p:sp>
+        <p:nvSpPr>
+          <p:cNvPr id="3" name="Tijdelijke aanduiding voor inhoud 2"/>
           <p:cNvSpPr>
             <a:spLocks noGrp="1"/>
           </p:cNvSpPr>
@@ -14376,74 +15366,68 @@
           <a:lstStyle/>
           <a:p>
             <a:r>
-              <a:rPr lang="en-GB" b="1" dirty="0"/>
-              <a:t>Dictionary </a:t>
-            </a:r>
+              <a:rPr lang="en-US" dirty="0"/>
+              <a:t>In many situations, hash tables turn out to be more efficient than search trees or any other table lookup structure </a:t>
+            </a:r>
+            <a:r>
+              <a:rPr lang="en-US" dirty="0">
+                <a:sym typeface="Wingdings" panose="05000000000000000000" pitchFamily="2" charset="2"/>
+              </a:rPr>
+              <a:t></a:t>
+            </a:r>
+            <a:r>
+              <a:rPr lang="en-US" dirty="0"/>
+              <a:t> widely used in many kinds of computer software </a:t>
+            </a:r>
+          </a:p>
+          <a:p>
+            <a:pPr lvl="1"/>
+            <a:r>
+              <a:rPr lang="en-US" dirty="0"/>
+              <a:t>systems programming</a:t>
+            </a:r>
+          </a:p>
+          <a:p>
+            <a:pPr lvl="1"/>
+            <a:r>
+              <a:rPr lang="en-US" dirty="0"/>
+              <a:t>primary building blocks of relational databases</a:t>
+            </a:r>
+          </a:p>
+          <a:p>
+            <a:pPr lvl="1"/>
+            <a:r>
+              <a:rPr lang="en-US" dirty="0"/>
+              <a:t>associative arrays</a:t>
+            </a:r>
+          </a:p>
+          <a:p>
+            <a:pPr lvl="1"/>
+            <a:r>
+              <a:rPr lang="en-US" dirty="0"/>
+              <a:t>caches</a:t>
+            </a:r>
+          </a:p>
+          <a:p>
+            <a:pPr lvl="1"/>
+            <a:r>
+              <a:rPr lang="en-US" dirty="0"/>
+              <a:t>sets</a:t>
+            </a:r>
+          </a:p>
+          <a:p>
+            <a:pPr lvl="1"/>
             <a:r>
               <a:rPr lang="en-GB" dirty="0"/>
-              <a:t>class </a:t>
-            </a:r>
-          </a:p>
-          <a:p>
-            <a:pPr lvl="1"/>
-            <a:r>
-              <a:rPr lang="en-GB" dirty="0"/>
-              <a:t>Generic with respect to the types of keys and values </a:t>
-            </a:r>
-            <a:endParaRPr lang="en-GB" dirty="0">
-              <a:hlinkClick r:id="" action="ppaction://noaction"/>
-            </a:endParaRPr>
-          </a:p>
-          <a:p>
-            <a:pPr lvl="1"/>
-            <a:r>
-              <a:rPr lang="en-GB" dirty="0">
-                <a:hlinkClick r:id="" action="ppaction://noaction"/>
-              </a:rPr>
-              <a:t>http</a:t>
-            </a:r>
-            <a:r>
-              <a:rPr lang="en-GB" dirty="0">
-                <a:hlinkClick r:id="rId2"/>
-              </a:rPr>
-              <a:t>://www.dotnetperls.com/dictionary</a:t>
-            </a:r>
-            <a:r>
-              <a:rPr lang="en-GB" dirty="0"/>
-              <a:t> </a:t>
-            </a:r>
-          </a:p>
-          <a:p>
-            <a:pPr lvl="1"/>
-            <a:r>
-              <a:rPr lang="en-GB" dirty="0">
-                <a:hlinkClick r:id="rId3"/>
-              </a:rPr>
-              <a:t>http://msdn.microsoft.com/en-us/library/xfhwa508%28v=vs.110%29.aspx</a:t>
-            </a:r>
-            <a:r>
-              <a:rPr lang="en-GB" dirty="0"/>
-              <a:t> </a:t>
-            </a:r>
-          </a:p>
-          <a:p>
-            <a:endParaRPr lang="en-GB" dirty="0"/>
-          </a:p>
-          <a:p>
-            <a:r>
-              <a:rPr lang="en-GB" dirty="0">
-                <a:solidFill>
-                  <a:srgbClr val="FF0000"/>
-                </a:solidFill>
-              </a:rPr>
-              <a:t>Live demo? </a:t>
-            </a:r>
-          </a:p>
-        </p:txBody>
-      </p:sp>
-      <p:sp>
-        <p:nvSpPr>
-          <p:cNvPr id="4" name="Footer Placeholder 3"/>
+              <a:t>…</a:t>
+            </a:r>
+            <a:endParaRPr lang="nl-NL" dirty="0"/>
+          </a:p>
+        </p:txBody>
+      </p:sp>
+      <p:sp>
+        <p:nvSpPr>
+          <p:cNvPr id="4" name="Tijdelijke aanduiding voor voettekst 3"/>
           <p:cNvSpPr>
             <a:spLocks noGrp="1"/>
           </p:cNvSpPr>
@@ -14467,7 +15451,7 @@
     </p:spTree>
     <p:extLst>
       <p:ext uri="{BB962C8B-B14F-4D97-AF65-F5344CB8AC3E}">
-        <p14:creationId xmlns:p14="http://schemas.microsoft.com/office/powerpoint/2010/main" val="3980714225"/>
+        <p14:creationId xmlns:p14="http://schemas.microsoft.com/office/powerpoint/2010/main" val="3014296709"/>
       </p:ext>
     </p:extLst>
   </p:cSld>
@@ -14511,6 +15495,688 @@
           <a:p>
             <a:r>
               <a:rPr lang="en-GB" dirty="0"/>
+              <a:t>Hash tables in C#</a:t>
+            </a:r>
+          </a:p>
+        </p:txBody>
+      </p:sp>
+      <p:sp>
+        <p:nvSpPr>
+          <p:cNvPr id="3" name="Content Placeholder 2"/>
+          <p:cNvSpPr>
+            <a:spLocks noGrp="1"/>
+          </p:cNvSpPr>
+          <p:nvPr>
+            <p:ph idx="1"/>
+          </p:nvPr>
+        </p:nvSpPr>
+        <p:spPr/>
+        <p:txBody>
+          <a:bodyPr/>
+          <a:lstStyle/>
+          <a:p>
+            <a:r>
+              <a:rPr lang="en-GB" b="1" dirty="0"/>
+              <a:t>Dictionary </a:t>
+            </a:r>
+            <a:r>
+              <a:rPr lang="en-GB" dirty="0"/>
+              <a:t>class </a:t>
+            </a:r>
+          </a:p>
+          <a:p>
+            <a:pPr lvl="1"/>
+            <a:r>
+              <a:rPr lang="en-GB" dirty="0"/>
+              <a:t>Generic with respect to the types of keys and values </a:t>
+            </a:r>
+            <a:endParaRPr lang="en-GB" dirty="0">
+              <a:hlinkClick r:id="" action="ppaction://noaction"/>
+            </a:endParaRPr>
+          </a:p>
+          <a:p>
+            <a:pPr lvl="1"/>
+            <a:r>
+              <a:rPr lang="en-GB" dirty="0">
+                <a:hlinkClick r:id="" action="ppaction://noaction"/>
+              </a:rPr>
+              <a:t>http</a:t>
+            </a:r>
+            <a:r>
+              <a:rPr lang="en-GB" dirty="0">
+                <a:hlinkClick r:id="rId2"/>
+              </a:rPr>
+              <a:t>://www.dotnetperls.com/dictionary</a:t>
+            </a:r>
+            <a:r>
+              <a:rPr lang="en-GB" dirty="0"/>
+              <a:t> </a:t>
+            </a:r>
+          </a:p>
+          <a:p>
+            <a:pPr lvl="1"/>
+            <a:r>
+              <a:rPr lang="en-GB" dirty="0">
+                <a:hlinkClick r:id="rId3"/>
+              </a:rPr>
+              <a:t>http://msdn.microsoft.com/en-us/library/xfhwa508%28v=vs.110%29.aspx</a:t>
+            </a:r>
+            <a:r>
+              <a:rPr lang="en-GB" dirty="0"/>
+              <a:t> </a:t>
+            </a:r>
+          </a:p>
+          <a:p>
+            <a:endParaRPr lang="en-GB" dirty="0"/>
+          </a:p>
+          <a:p>
+            <a:r>
+              <a:rPr lang="en-GB" dirty="0">
+                <a:solidFill>
+                  <a:srgbClr val="FF0000"/>
+                </a:solidFill>
+              </a:rPr>
+              <a:t>Live demo? </a:t>
+            </a:r>
+          </a:p>
+        </p:txBody>
+      </p:sp>
+      <p:sp>
+        <p:nvSpPr>
+          <p:cNvPr id="4" name="Footer Placeholder 3"/>
+          <p:cNvSpPr>
+            <a:spLocks noGrp="1"/>
+          </p:cNvSpPr>
+          <p:nvPr>
+            <p:ph type="ftr" sz="quarter" idx="11"/>
+          </p:nvPr>
+        </p:nvSpPr>
+        <p:spPr/>
+        <p:txBody>
+          <a:bodyPr/>
+          <a:lstStyle/>
+          <a:p>
+            <a:r>
+              <a:rPr lang="it-IT"/>
+              <a:t>INFDEV036A - G. Costantini, F. Di Giacomo</a:t>
+            </a:r>
+            <a:endParaRPr lang="en-GB"/>
+          </a:p>
+        </p:txBody>
+      </p:sp>
+    </p:spTree>
+    <p:extLst>
+      <p:ext uri="{BB962C8B-B14F-4D97-AF65-F5344CB8AC3E}">
+        <p14:creationId xmlns:p14="http://schemas.microsoft.com/office/powerpoint/2010/main" val="3980714225"/>
+      </p:ext>
+    </p:extLst>
+  </p:cSld>
+  <p:clrMapOvr>
+    <a:masterClrMapping/>
+  </p:clrMapOvr>
+</p:sld>
+</file>
+
+<file path=ppt/slides/slide3.xml><?xml version="1.0" encoding="utf-8"?>
+<p:sld xmlns:a="http://schemas.openxmlformats.org/drawingml/2006/main" xmlns:r="http://schemas.openxmlformats.org/officeDocument/2006/relationships" xmlns:p="http://schemas.openxmlformats.org/presentationml/2006/main">
+  <p:cSld>
+    <p:spTree>
+      <p:nvGrpSpPr>
+        <p:cNvPr id="1" name=""/>
+        <p:cNvGrpSpPr/>
+        <p:nvPr/>
+      </p:nvGrpSpPr>
+      <p:grpSpPr>
+        <a:xfrm>
+          <a:off x="0" y="0"/>
+          <a:ext cx="0" cy="0"/>
+          <a:chOff x="0" y="0"/>
+          <a:chExt cx="0" cy="0"/>
+        </a:xfrm>
+      </p:grpSpPr>
+      <p:sp>
+        <p:nvSpPr>
+          <p:cNvPr id="2" name="Title 1"/>
+          <p:cNvSpPr>
+            <a:spLocks noGrp="1"/>
+          </p:cNvSpPr>
+          <p:nvPr>
+            <p:ph type="title"/>
+          </p:nvPr>
+        </p:nvSpPr>
+        <p:spPr/>
+        <p:txBody>
+          <a:bodyPr/>
+          <a:lstStyle/>
+          <a:p>
+            <a:r>
+              <a:rPr lang="en-GB" dirty="0"/>
+              <a:t>Today</a:t>
+            </a:r>
+          </a:p>
+        </p:txBody>
+      </p:sp>
+      <p:sp>
+        <p:nvSpPr>
+          <p:cNvPr id="3" name="Content Placeholder 2"/>
+          <p:cNvSpPr>
+            <a:spLocks noGrp="1"/>
+          </p:cNvSpPr>
+          <p:nvPr>
+            <p:ph idx="1"/>
+          </p:nvPr>
+        </p:nvSpPr>
+        <p:spPr/>
+        <p:txBody>
+          <a:bodyPr/>
+          <a:lstStyle/>
+          <a:p>
+            <a:r>
+              <a:rPr lang="en-GB" strike="sngStrike" dirty="0">
+                <a:solidFill>
+                  <a:schemeClr val="tx1"/>
+                </a:solidFill>
+              </a:rPr>
+              <a:t>Why is my code slow? </a:t>
+            </a:r>
+          </a:p>
+          <a:p>
+            <a:pPr lvl="1"/>
+            <a:r>
+              <a:rPr lang="en-GB" b="1" strike="sngStrike" dirty="0">
+                <a:solidFill>
+                  <a:schemeClr val="tx1"/>
+                </a:solidFill>
+              </a:rPr>
+              <a:t>Empirical and complexity analysis</a:t>
+            </a:r>
+            <a:endParaRPr lang="en-GB" strike="sngStrike" dirty="0">
+              <a:solidFill>
+                <a:schemeClr val="tx1"/>
+              </a:solidFill>
+            </a:endParaRPr>
+          </a:p>
+          <a:p>
+            <a:r>
+              <a:rPr lang="en-GB" strike="sngStrike" dirty="0">
+                <a:solidFill>
+                  <a:schemeClr val="tx1"/>
+                </a:solidFill>
+              </a:rPr>
+              <a:t>How do I order my data?</a:t>
+            </a:r>
+          </a:p>
+          <a:p>
+            <a:pPr lvl="1"/>
+            <a:r>
+              <a:rPr lang="en-GB" b="1" strike="sngStrike" dirty="0">
+                <a:solidFill>
+                  <a:schemeClr val="tx1"/>
+                </a:solidFill>
+              </a:rPr>
+              <a:t>Sorting algorithms</a:t>
+            </a:r>
+          </a:p>
+          <a:p>
+            <a:r>
+              <a:rPr lang="en-GB" dirty="0">
+                <a:solidFill>
+                  <a:schemeClr val="accent1"/>
+                </a:solidFill>
+              </a:rPr>
+              <a:t>How do I structure my data?</a:t>
+            </a:r>
+          </a:p>
+          <a:p>
+            <a:pPr lvl="1"/>
+            <a:r>
+              <a:rPr lang="en-GB" sz="1800" b="1" dirty="0">
+                <a:solidFill>
+                  <a:schemeClr val="accent1"/>
+                </a:solidFill>
+              </a:rPr>
+              <a:t>Linear, </a:t>
+            </a:r>
+            <a:r>
+              <a:rPr lang="en-GB" sz="1800" b="1" dirty="0">
+                <a:solidFill>
+                  <a:srgbClr val="FF0000"/>
+                </a:solidFill>
+              </a:rPr>
+              <a:t>tabular</a:t>
+            </a:r>
+            <a:r>
+              <a:rPr lang="en-GB" sz="1800" b="1" dirty="0">
+                <a:solidFill>
+                  <a:schemeClr val="accent1"/>
+                </a:solidFill>
+              </a:rPr>
+              <a:t>, recursive data structures</a:t>
+            </a:r>
+          </a:p>
+          <a:p>
+            <a:r>
+              <a:rPr lang="en-GB" dirty="0"/>
+              <a:t>How do I represent relationship networks?</a:t>
+            </a:r>
+          </a:p>
+          <a:p>
+            <a:pPr lvl="1"/>
+            <a:r>
+              <a:rPr lang="en-GB" b="1" dirty="0"/>
+              <a:t>Graphs</a:t>
+            </a:r>
+          </a:p>
+          <a:p>
+            <a:endParaRPr lang="en-GB" b="1" dirty="0"/>
+          </a:p>
+          <a:p>
+            <a:endParaRPr lang="en-GB" dirty="0"/>
+          </a:p>
+        </p:txBody>
+      </p:sp>
+      <p:sp>
+        <p:nvSpPr>
+          <p:cNvPr id="4" name="Footer Placeholder 3"/>
+          <p:cNvSpPr>
+            <a:spLocks noGrp="1"/>
+          </p:cNvSpPr>
+          <p:nvPr>
+            <p:ph type="ftr" sz="quarter" idx="11"/>
+          </p:nvPr>
+        </p:nvSpPr>
+        <p:spPr/>
+        <p:txBody>
+          <a:bodyPr/>
+          <a:lstStyle/>
+          <a:p>
+            <a:r>
+              <a:rPr lang="it-IT"/>
+              <a:t>INFDEV036A - G. Costantini, F. Di Giacomo</a:t>
+            </a:r>
+            <a:endParaRPr lang="en-GB" dirty="0"/>
+          </a:p>
+        </p:txBody>
+      </p:sp>
+      <p:pic>
+        <p:nvPicPr>
+          <p:cNvPr id="5" name="Picture 2" descr="http://comps.canstockphoto.com/can-stock-photo_csp11512262.jpg"/>
+          <p:cNvPicPr>
+            <a:picLocks noChangeAspect="1" noChangeArrowheads="1"/>
+          </p:cNvPicPr>
+          <p:nvPr/>
+        </p:nvPicPr>
+        <p:blipFill rotWithShape="1">
+          <a:blip r:embed="rId3">
+            <a:extLst>
+              <a:ext uri="{28A0092B-C50C-407E-A947-70E740481C1C}">
+                <a14:useLocalDpi xmlns:a14="http://schemas.microsoft.com/office/drawing/2010/main" val="0"/>
+              </a:ext>
+            </a:extLst>
+          </a:blip>
+          <a:srcRect b="72230"/>
+          <a:stretch/>
+        </p:blipFill>
+        <p:spPr bwMode="auto">
+          <a:xfrm>
+            <a:off x="4525680" y="352589"/>
+            <a:ext cx="3723736" cy="1080023"/>
+          </a:xfrm>
+          <a:prstGeom prst="rect">
+            <a:avLst/>
+          </a:prstGeom>
+          <a:noFill/>
+          <a:extLst>
+            <a:ext uri="{909E8E84-426E-40DD-AFC4-6F175D3DCCD1}">
+              <a14:hiddenFill xmlns:a14="http://schemas.microsoft.com/office/drawing/2010/main">
+                <a:solidFill>
+                  <a:srgbClr val="FFFFFF"/>
+                </a:solidFill>
+              </a14:hiddenFill>
+            </a:ext>
+          </a:extLst>
+        </p:spPr>
+      </p:pic>
+      <p:pic>
+        <p:nvPicPr>
+          <p:cNvPr id="6" name="Picture 4" descr="http://www.clipartbest.com/cliparts/ncX/Eo7/ncXEo7pcB.jpeg"/>
+          <p:cNvPicPr>
+            <a:picLocks noChangeAspect="1" noChangeArrowheads="1"/>
+          </p:cNvPicPr>
+          <p:nvPr/>
+        </p:nvPicPr>
+        <p:blipFill>
+          <a:blip r:embed="rId4" cstate="print">
+            <a:extLst>
+              <a:ext uri="{28A0092B-C50C-407E-A947-70E740481C1C}">
+                <a14:useLocalDpi xmlns:a14="http://schemas.microsoft.com/office/drawing/2010/main" val="0"/>
+              </a:ext>
+            </a:extLst>
+          </a:blip>
+          <a:srcRect/>
+          <a:stretch>
+            <a:fillRect/>
+          </a:stretch>
+        </p:blipFill>
+        <p:spPr bwMode="auto">
+          <a:xfrm>
+            <a:off x="7094153" y="2899670"/>
+            <a:ext cx="1540679" cy="1679214"/>
+          </a:xfrm>
+          <a:prstGeom prst="rect">
+            <a:avLst/>
+          </a:prstGeom>
+          <a:noFill/>
+          <a:extLst>
+            <a:ext uri="{909E8E84-426E-40DD-AFC4-6F175D3DCCD1}">
+              <a14:hiddenFill xmlns:a14="http://schemas.microsoft.com/office/drawing/2010/main">
+                <a:solidFill>
+                  <a:srgbClr val="FFFFFF"/>
+                </a:solidFill>
+              </a14:hiddenFill>
+            </a:ext>
+          </a:extLst>
+        </p:spPr>
+      </p:pic>
+      <p:pic>
+        <p:nvPicPr>
+          <p:cNvPr id="7" name="Picture 6" descr="https://encrypted-tbn1.gstatic.com/images?q=tbn:ANd9GcTJoQ2BJE0xuStI1NX9PgG7505-Y-0dbr8Sr1bfNl2CzezjDpw1"/>
+          <p:cNvPicPr>
+            <a:picLocks noChangeAspect="1" noChangeArrowheads="1"/>
+          </p:cNvPicPr>
+          <p:nvPr/>
+        </p:nvPicPr>
+        <p:blipFill>
+          <a:blip r:embed="rId5">
+            <a:extLst>
+              <a:ext uri="{28A0092B-C50C-407E-A947-70E740481C1C}">
+                <a14:useLocalDpi xmlns:a14="http://schemas.microsoft.com/office/drawing/2010/main" val="0"/>
+              </a:ext>
+            </a:extLst>
+          </a:blip>
+          <a:srcRect/>
+          <a:stretch>
+            <a:fillRect/>
+          </a:stretch>
+        </p:blipFill>
+        <p:spPr bwMode="auto">
+          <a:xfrm>
+            <a:off x="9184232" y="428288"/>
+            <a:ext cx="2157862" cy="1527475"/>
+          </a:xfrm>
+          <a:prstGeom prst="rect">
+            <a:avLst/>
+          </a:prstGeom>
+          <a:noFill/>
+          <a:extLst>
+            <a:ext uri="{909E8E84-426E-40DD-AFC4-6F175D3DCCD1}">
+              <a14:hiddenFill xmlns:a14="http://schemas.microsoft.com/office/drawing/2010/main">
+                <a:solidFill>
+                  <a:srgbClr val="FFFFFF"/>
+                </a:solidFill>
+              </a14:hiddenFill>
+            </a:ext>
+          </a:extLst>
+        </p:spPr>
+      </p:pic>
+      <p:sp>
+        <p:nvSpPr>
+          <p:cNvPr id="8" name="TextBox 7"/>
+          <p:cNvSpPr txBox="1"/>
+          <p:nvPr/>
+        </p:nvSpPr>
+        <p:spPr>
+          <a:xfrm>
+            <a:off x="5552686" y="1586431"/>
+            <a:ext cx="1526313" cy="369332"/>
+          </a:xfrm>
+          <a:prstGeom prst="rect">
+            <a:avLst/>
+          </a:prstGeom>
+        </p:spPr>
+        <p:style>
+          <a:lnRef idx="1">
+            <a:schemeClr val="accent1"/>
+          </a:lnRef>
+          <a:fillRef idx="2">
+            <a:schemeClr val="accent1"/>
+          </a:fillRef>
+          <a:effectRef idx="1">
+            <a:schemeClr val="accent1"/>
+          </a:effectRef>
+          <a:fontRef idx="minor">
+            <a:schemeClr val="dk1"/>
+          </a:fontRef>
+        </p:style>
+        <p:txBody>
+          <a:bodyPr wrap="square" rtlCol="0">
+            <a:spAutoFit/>
+          </a:bodyPr>
+          <a:lstStyle/>
+          <a:p>
+            <a:pPr algn="ctr"/>
+            <a:r>
+              <a:rPr lang="en-GB" dirty="0"/>
+              <a:t>LIST</a:t>
+            </a:r>
+          </a:p>
+        </p:txBody>
+      </p:sp>
+      <p:sp>
+        <p:nvSpPr>
+          <p:cNvPr id="9" name="TextBox 8"/>
+          <p:cNvSpPr txBox="1"/>
+          <p:nvPr/>
+        </p:nvSpPr>
+        <p:spPr>
+          <a:xfrm>
+            <a:off x="7078999" y="4587973"/>
+            <a:ext cx="1526313" cy="369332"/>
+          </a:xfrm>
+          <a:prstGeom prst="rect">
+            <a:avLst/>
+          </a:prstGeom>
+        </p:spPr>
+        <p:style>
+          <a:lnRef idx="1">
+            <a:schemeClr val="accent1"/>
+          </a:lnRef>
+          <a:fillRef idx="2">
+            <a:schemeClr val="accent1"/>
+          </a:fillRef>
+          <a:effectRef idx="1">
+            <a:schemeClr val="accent1"/>
+          </a:effectRef>
+          <a:fontRef idx="minor">
+            <a:schemeClr val="dk1"/>
+          </a:fontRef>
+        </p:style>
+        <p:txBody>
+          <a:bodyPr wrap="square" rtlCol="0">
+            <a:spAutoFit/>
+          </a:bodyPr>
+          <a:lstStyle/>
+          <a:p>
+            <a:pPr algn="ctr"/>
+            <a:r>
+              <a:rPr lang="en-GB" dirty="0"/>
+              <a:t>STACK</a:t>
+            </a:r>
+          </a:p>
+        </p:txBody>
+      </p:sp>
+      <p:sp>
+        <p:nvSpPr>
+          <p:cNvPr id="10" name="TextBox 9"/>
+          <p:cNvSpPr txBox="1"/>
+          <p:nvPr/>
+        </p:nvSpPr>
+        <p:spPr>
+          <a:xfrm>
+            <a:off x="9536094" y="2032241"/>
+            <a:ext cx="1526313" cy="369332"/>
+          </a:xfrm>
+          <a:prstGeom prst="rect">
+            <a:avLst/>
+          </a:prstGeom>
+        </p:spPr>
+        <p:style>
+          <a:lnRef idx="1">
+            <a:schemeClr val="accent1"/>
+          </a:lnRef>
+          <a:fillRef idx="2">
+            <a:schemeClr val="accent1"/>
+          </a:fillRef>
+          <a:effectRef idx="1">
+            <a:schemeClr val="accent1"/>
+          </a:effectRef>
+          <a:fontRef idx="minor">
+            <a:schemeClr val="dk1"/>
+          </a:fontRef>
+        </p:style>
+        <p:txBody>
+          <a:bodyPr wrap="square" rtlCol="0">
+            <a:spAutoFit/>
+          </a:bodyPr>
+          <a:lstStyle/>
+          <a:p>
+            <a:pPr algn="ctr"/>
+            <a:r>
+              <a:rPr lang="en-GB" dirty="0"/>
+              <a:t>QUEUE</a:t>
+            </a:r>
+          </a:p>
+        </p:txBody>
+      </p:sp>
+      <p:pic>
+        <p:nvPicPr>
+          <p:cNvPr id="11" name="Picture 2" descr="http://s.s-bol.com/imgbase0/imagebase/large/FC/8/7/9/0/1001004002820978.jpg"/>
+          <p:cNvPicPr>
+            <a:picLocks noChangeAspect="1" noChangeArrowheads="1"/>
+          </p:cNvPicPr>
+          <p:nvPr/>
+        </p:nvPicPr>
+        <p:blipFill rotWithShape="1">
+          <a:blip r:embed="rId6" cstate="print">
+            <a:extLst>
+              <a:ext uri="{28A0092B-C50C-407E-A947-70E740481C1C}">
+                <a14:useLocalDpi xmlns:a14="http://schemas.microsoft.com/office/drawing/2010/main" val="0"/>
+              </a:ext>
+            </a:extLst>
+          </a:blip>
+          <a:srcRect l="10902"/>
+          <a:stretch/>
+        </p:blipFill>
+        <p:spPr bwMode="auto">
+          <a:xfrm>
+            <a:off x="9413629" y="4024111"/>
+            <a:ext cx="1487154" cy="1866388"/>
+          </a:xfrm>
+          <a:prstGeom prst="rect">
+            <a:avLst/>
+          </a:prstGeom>
+          <a:noFill/>
+          <a:extLst>
+            <a:ext uri="{909E8E84-426E-40DD-AFC4-6F175D3DCCD1}">
+              <a14:hiddenFill xmlns:a14="http://schemas.microsoft.com/office/drawing/2010/main">
+                <a:solidFill>
+                  <a:srgbClr val="FFFFFF"/>
+                </a:solidFill>
+              </a14:hiddenFill>
+            </a:ext>
+          </a:extLst>
+        </p:spPr>
+      </p:pic>
+      <p:sp>
+        <p:nvSpPr>
+          <p:cNvPr id="12" name="TextBox 9"/>
+          <p:cNvSpPr txBox="1"/>
+          <p:nvPr/>
+        </p:nvSpPr>
+        <p:spPr>
+          <a:xfrm>
+            <a:off x="9536094" y="6008192"/>
+            <a:ext cx="1526313" cy="369332"/>
+          </a:xfrm>
+          <a:prstGeom prst="rect">
+            <a:avLst/>
+          </a:prstGeom>
+        </p:spPr>
+        <p:style>
+          <a:lnRef idx="1">
+            <a:schemeClr val="accent1"/>
+          </a:lnRef>
+          <a:fillRef idx="2">
+            <a:schemeClr val="accent1"/>
+          </a:fillRef>
+          <a:effectRef idx="1">
+            <a:schemeClr val="accent1"/>
+          </a:effectRef>
+          <a:fontRef idx="minor">
+            <a:schemeClr val="dk1"/>
+          </a:fontRef>
+        </p:style>
+        <p:txBody>
+          <a:bodyPr wrap="square" rtlCol="0">
+            <a:spAutoFit/>
+          </a:bodyPr>
+          <a:lstStyle/>
+          <a:p>
+            <a:pPr algn="ctr"/>
+            <a:r>
+              <a:rPr lang="en-GB" dirty="0"/>
+              <a:t>HASH TABLE</a:t>
+            </a:r>
+          </a:p>
+        </p:txBody>
+      </p:sp>
+    </p:spTree>
+    <p:extLst>
+      <p:ext uri="{BB962C8B-B14F-4D97-AF65-F5344CB8AC3E}">
+        <p14:creationId xmlns:p14="http://schemas.microsoft.com/office/powerpoint/2010/main" val="3387586650"/>
+      </p:ext>
+    </p:extLst>
+  </p:cSld>
+  <p:clrMapOvr>
+    <a:masterClrMapping/>
+  </p:clrMapOvr>
+</p:sld>
+</file>
+
+<file path=ppt/slides/slide30.xml><?xml version="1.0" encoding="utf-8"?>
+<p:sld xmlns:a="http://schemas.openxmlformats.org/drawingml/2006/main" xmlns:r="http://schemas.openxmlformats.org/officeDocument/2006/relationships" xmlns:p="http://schemas.openxmlformats.org/presentationml/2006/main">
+  <p:cSld>
+    <p:spTree>
+      <p:nvGrpSpPr>
+        <p:cNvPr id="1" name=""/>
+        <p:cNvGrpSpPr/>
+        <p:nvPr/>
+      </p:nvGrpSpPr>
+      <p:grpSpPr>
+        <a:xfrm>
+          <a:off x="0" y="0"/>
+          <a:ext cx="0" cy="0"/>
+          <a:chOff x="0" y="0"/>
+          <a:chExt cx="0" cy="0"/>
+        </a:xfrm>
+      </p:grpSpPr>
+      <p:sp>
+        <p:nvSpPr>
+          <p:cNvPr id="2" name="Title 1"/>
+          <p:cNvSpPr>
+            <a:spLocks noGrp="1"/>
+          </p:cNvSpPr>
+          <p:nvPr>
+            <p:ph type="title"/>
+          </p:nvPr>
+        </p:nvSpPr>
+        <p:spPr/>
+        <p:txBody>
+          <a:bodyPr/>
+          <a:lstStyle/>
+          <a:p>
+            <a:r>
+              <a:rPr lang="en-GB" dirty="0"/>
               <a:t>Summary</a:t>
             </a:r>
           </a:p>
@@ -14642,6 +16308,53 @@
           </a:p>
         </p:txBody>
       </p:sp>
+      <p:pic>
+        <p:nvPicPr>
+          <p:cNvPr id="1026" name="Picture 2" descr="https://upload.wikimedia.org/wikipedia/commons/thumb/a/a7/Random_vs_sequential_access.svg/1920px-Random_vs_sequential_access.svg.png">
+            <a:extLst>
+              <a:ext uri="{FF2B5EF4-FFF2-40B4-BE49-F238E27FC236}">
+                <a16:creationId xmlns:a16="http://schemas.microsoft.com/office/drawing/2014/main" id="{8C86765D-4A8E-45BF-8EDF-87C6FDB76A5D}"/>
+              </a:ext>
+            </a:extLst>
+          </p:cNvPr>
+          <p:cNvPicPr>
+            <a:picLocks noChangeAspect="1" noChangeArrowheads="1"/>
+          </p:cNvPicPr>
+          <p:nvPr/>
+        </p:nvPicPr>
+        <p:blipFill>
+          <a:blip r:embed="rId3" cstate="print">
+            <a:extLst>
+              <a:ext uri="{28A0092B-C50C-407E-A947-70E740481C1C}">
+                <a14:useLocalDpi xmlns:a14="http://schemas.microsoft.com/office/drawing/2010/main" val="0"/>
+              </a:ext>
+            </a:extLst>
+          </a:blip>
+          <a:srcRect/>
+          <a:stretch>
+            <a:fillRect/>
+          </a:stretch>
+        </p:blipFill>
+        <p:spPr bwMode="auto">
+          <a:xfrm>
+            <a:off x="4490132" y="253695"/>
+            <a:ext cx="3743278" cy="2245967"/>
+          </a:xfrm>
+          <a:prstGeom prst="rect">
+            <a:avLst/>
+          </a:prstGeom>
+          <a:noFill/>
+          <a:extLst>
+            <a:ext uri="{909E8E84-426E-40DD-AFC4-6F175D3DCCD1}">
+              <a14:hiddenFill xmlns:a14="http://schemas.microsoft.com/office/drawing/2010/main">
+                <a:solidFill>
+                  <a:srgbClr val="FFFFFF"/>
+                </a:solidFill>
+              </a14:hiddenFill>
+            </a:ext>
+          </a:extLst>
+        </p:spPr>
+      </p:pic>
     </p:spTree>
     <p:extLst>
       <p:ext uri="{BB962C8B-B14F-4D97-AF65-F5344CB8AC3E}">
@@ -14784,6 +16497,51 @@
                                           </p:stCondLst>
                                         </p:cTn>
                                         <p:tgtEl>
+                                          <p:spTgt spid="1026"/>
+                                        </p:tgtEl>
+                                        <p:attrNameLst>
+                                          <p:attrName>style.visibility</p:attrName>
+                                        </p:attrNameLst>
+                                      </p:cBhvr>
+                                      <p:to>
+                                        <p:strVal val="visible"/>
+                                      </p:to>
+                                    </p:set>
+                                  </p:childTnLst>
+                                </p:cTn>
+                              </p:par>
+                            </p:childTnLst>
+                          </p:cTn>
+                        </p:par>
+                      </p:childTnLst>
+                    </p:cTn>
+                  </p:par>
+                  <p:par>
+                    <p:cTn id="15" fill="hold">
+                      <p:stCondLst>
+                        <p:cond delay="indefinite"/>
+                      </p:stCondLst>
+                      <p:childTnLst>
+                        <p:par>
+                          <p:cTn id="16" fill="hold">
+                            <p:stCondLst>
+                              <p:cond delay="0"/>
+                            </p:stCondLst>
+                            <p:childTnLst>
+                              <p:par>
+                                <p:cTn id="17" presetID="1" presetClass="entr" presetSubtype="0" fill="hold" nodeType="clickEffect">
+                                  <p:stCondLst>
+                                    <p:cond delay="0"/>
+                                  </p:stCondLst>
+                                  <p:childTnLst>
+                                    <p:set>
+                                      <p:cBhvr>
+                                        <p:cTn id="18" dur="1" fill="hold">
+                                          <p:stCondLst>
+                                            <p:cond delay="0"/>
+                                          </p:stCondLst>
+                                        </p:cTn>
+                                        <p:tgtEl>
                                           <p:spTgt spid="3">
                                             <p:txEl>
                                               <p:pRg st="5" end="5"/>
@@ -14832,118 +16590,7 @@
 </p:sld>
 </file>
 
-<file path=ppt/slides/slide3.xml><?xml version="1.0" encoding="utf-8"?>
-<p:sld xmlns:a="http://schemas.openxmlformats.org/drawingml/2006/main" xmlns:r="http://schemas.openxmlformats.org/officeDocument/2006/relationships" xmlns:p="http://schemas.openxmlformats.org/presentationml/2006/main">
-  <p:cSld>
-    <p:spTree>
-      <p:nvGrpSpPr>
-        <p:cNvPr id="1" name=""/>
-        <p:cNvGrpSpPr/>
-        <p:nvPr/>
-      </p:nvGrpSpPr>
-      <p:grpSpPr>
-        <a:xfrm>
-          <a:off x="0" y="0"/>
-          <a:ext cx="0" cy="0"/>
-          <a:chOff x="0" y="0"/>
-          <a:chExt cx="0" cy="0"/>
-        </a:xfrm>
-      </p:grpSpPr>
-      <p:sp>
-        <p:nvSpPr>
-          <p:cNvPr id="7" name="Titel 6"/>
-          <p:cNvSpPr>
-            <a:spLocks noGrp="1"/>
-          </p:cNvSpPr>
-          <p:nvPr>
-            <p:ph type="ctrTitle"/>
-          </p:nvPr>
-        </p:nvSpPr>
-        <p:spPr/>
-        <p:txBody>
-          <a:bodyPr/>
-          <a:lstStyle/>
-          <a:p>
-            <a:r>
-              <a:rPr lang="en-GB" dirty="0"/>
-              <a:t>Hash table</a:t>
-            </a:r>
-            <a:endParaRPr lang="nl-NL" dirty="0"/>
-          </a:p>
-        </p:txBody>
-      </p:sp>
-      <p:sp>
-        <p:nvSpPr>
-          <p:cNvPr id="8" name="Ondertitel 7"/>
-          <p:cNvSpPr>
-            <a:spLocks noGrp="1"/>
-          </p:cNvSpPr>
-          <p:nvPr>
-            <p:ph type="subTitle" idx="1"/>
-          </p:nvPr>
-        </p:nvSpPr>
-        <p:spPr/>
-        <p:txBody>
-          <a:bodyPr/>
-          <a:lstStyle/>
-          <a:p>
-            <a:endParaRPr lang="nl-NL"/>
-          </a:p>
-        </p:txBody>
-      </p:sp>
-      <p:pic>
-        <p:nvPicPr>
-          <p:cNvPr id="9" name="Picture 2" descr="http://s.s-bol.com/imgbase0/imagebase/large/FC/8/7/9/0/1001004002820978.jpg"/>
-          <p:cNvPicPr>
-            <a:picLocks noChangeAspect="1" noChangeArrowheads="1"/>
-          </p:cNvPicPr>
-          <p:nvPr/>
-        </p:nvPicPr>
-        <p:blipFill rotWithShape="1">
-          <a:blip r:embed="rId2">
-            <a:extLst>
-              <a:ext uri="{28A0092B-C50C-407E-A947-70E740481C1C}">
-                <a14:useLocalDpi xmlns:a14="http://schemas.microsoft.com/office/drawing/2010/main" val="0"/>
-              </a:ext>
-            </a:extLst>
-          </a:blip>
-          <a:srcRect l="10902"/>
-          <a:stretch/>
-        </p:blipFill>
-        <p:spPr bwMode="auto">
-          <a:xfrm>
-            <a:off x="2349660" y="422695"/>
-            <a:ext cx="2743199" cy="3442733"/>
-          </a:xfrm>
-          <a:prstGeom prst="rect">
-            <a:avLst/>
-          </a:prstGeom>
-          <a:noFill/>
-          <a:extLst>
-            <a:ext uri="{909E8E84-426E-40DD-AFC4-6F175D3DCCD1}">
-              <a14:hiddenFill xmlns:a14="http://schemas.microsoft.com/office/drawing/2010/main">
-                <a:solidFill>
-                  <a:srgbClr val="FFFFFF"/>
-                </a:solidFill>
-              </a14:hiddenFill>
-            </a:ext>
-          </a:extLst>
-        </p:spPr>
-      </p:pic>
-    </p:spTree>
-    <p:extLst>
-      <p:ext uri="{BB962C8B-B14F-4D97-AF65-F5344CB8AC3E}">
-        <p14:creationId xmlns:p14="http://schemas.microsoft.com/office/powerpoint/2010/main" val="4057905021"/>
-      </p:ext>
-    </p:extLst>
-  </p:cSld>
-  <p:clrMapOvr>
-    <a:masterClrMapping/>
-  </p:clrMapOvr>
-</p:sld>
-</file>
-
-<file path=ppt/slides/slide30.xml><?xml version="1.0" encoding="utf-8"?>
+<file path=ppt/slides/slide31.xml><?xml version="1.0" encoding="utf-8"?>
 <p:sld xmlns:a="http://schemas.openxmlformats.org/drawingml/2006/main" xmlns:r="http://schemas.openxmlformats.org/officeDocument/2006/relationships" xmlns:p="http://schemas.openxmlformats.org/presentationml/2006/main">
   <p:cSld>
     <p:spTree>
@@ -15072,10 +16719,7 @@
                 </a:r>
               </a:p>
               <a:p>
-                <a:r>
-                  <a:rPr lang="en-GB" dirty="0"/>
-                  <a:t>[optional] Complete first exercise of practical assignment (about sorting)</a:t>
-                </a:r>
+                <a:endParaRPr lang="en-GB" dirty="0"/>
               </a:p>
               <a:p>
                 <a:endParaRPr lang="en-GB" dirty="0"/>
@@ -15091,7 +16735,7 @@
                       <a:srgbClr val="FF0000"/>
                     </a:solidFill>
                   </a:rPr>
-                  <a:t>practicum on MC questions</a:t>
+                  <a:t>practicum on MC questions?</a:t>
                 </a:r>
               </a:p>
               <a:p>
@@ -15209,12 +16853,12 @@
       </p:grpSpPr>
       <p:sp>
         <p:nvSpPr>
-          <p:cNvPr id="2" name="Title 1"/>
-          <p:cNvSpPr>
-            <a:spLocks noGrp="1"/>
-          </p:cNvSpPr>
-          <p:nvPr>
-            <p:ph type="title"/>
+          <p:cNvPr id="7" name="Titel 6"/>
+          <p:cNvSpPr>
+            <a:spLocks noGrp="1"/>
+          </p:cNvSpPr>
+          <p:nvPr>
+            <p:ph type="ctrTitle"/>
           </p:nvPr>
         </p:nvSpPr>
         <p:spPr/>
@@ -15224,6 +16868,117 @@
           <a:p>
             <a:r>
               <a:rPr lang="en-GB" dirty="0"/>
+              <a:t>Hash table</a:t>
+            </a:r>
+            <a:endParaRPr lang="nl-NL" dirty="0"/>
+          </a:p>
+        </p:txBody>
+      </p:sp>
+      <p:sp>
+        <p:nvSpPr>
+          <p:cNvPr id="8" name="Ondertitel 7"/>
+          <p:cNvSpPr>
+            <a:spLocks noGrp="1"/>
+          </p:cNvSpPr>
+          <p:nvPr>
+            <p:ph type="subTitle" idx="1"/>
+          </p:nvPr>
+        </p:nvSpPr>
+        <p:spPr/>
+        <p:txBody>
+          <a:bodyPr/>
+          <a:lstStyle/>
+          <a:p>
+            <a:endParaRPr lang="nl-NL"/>
+          </a:p>
+        </p:txBody>
+      </p:sp>
+      <p:pic>
+        <p:nvPicPr>
+          <p:cNvPr id="9" name="Picture 2" descr="http://s.s-bol.com/imgbase0/imagebase/large/FC/8/7/9/0/1001004002820978.jpg"/>
+          <p:cNvPicPr>
+            <a:picLocks noChangeAspect="1" noChangeArrowheads="1"/>
+          </p:cNvPicPr>
+          <p:nvPr/>
+        </p:nvPicPr>
+        <p:blipFill rotWithShape="1">
+          <a:blip r:embed="rId2">
+            <a:extLst>
+              <a:ext uri="{28A0092B-C50C-407E-A947-70E740481C1C}">
+                <a14:useLocalDpi xmlns:a14="http://schemas.microsoft.com/office/drawing/2010/main" val="0"/>
+              </a:ext>
+            </a:extLst>
+          </a:blip>
+          <a:srcRect l="10902"/>
+          <a:stretch/>
+        </p:blipFill>
+        <p:spPr bwMode="auto">
+          <a:xfrm>
+            <a:off x="2349660" y="422695"/>
+            <a:ext cx="2743199" cy="3442733"/>
+          </a:xfrm>
+          <a:prstGeom prst="rect">
+            <a:avLst/>
+          </a:prstGeom>
+          <a:noFill/>
+          <a:extLst>
+            <a:ext uri="{909E8E84-426E-40DD-AFC4-6F175D3DCCD1}">
+              <a14:hiddenFill xmlns:a14="http://schemas.microsoft.com/office/drawing/2010/main">
+                <a:solidFill>
+                  <a:srgbClr val="FFFFFF"/>
+                </a:solidFill>
+              </a14:hiddenFill>
+            </a:ext>
+          </a:extLst>
+        </p:spPr>
+      </p:pic>
+    </p:spTree>
+    <p:extLst>
+      <p:ext uri="{BB962C8B-B14F-4D97-AF65-F5344CB8AC3E}">
+        <p14:creationId xmlns:p14="http://schemas.microsoft.com/office/powerpoint/2010/main" val="4057905021"/>
+      </p:ext>
+    </p:extLst>
+  </p:cSld>
+  <p:clrMapOvr>
+    <a:masterClrMapping/>
+  </p:clrMapOvr>
+</p:sld>
+</file>
+
+<file path=ppt/slides/slide5.xml><?xml version="1.0" encoding="utf-8"?>
+<p:sld xmlns:a="http://schemas.openxmlformats.org/drawingml/2006/main" xmlns:r="http://schemas.openxmlformats.org/officeDocument/2006/relationships" xmlns:p="http://schemas.openxmlformats.org/presentationml/2006/main">
+  <p:cSld>
+    <p:spTree>
+      <p:nvGrpSpPr>
+        <p:cNvPr id="1" name=""/>
+        <p:cNvGrpSpPr/>
+        <p:nvPr/>
+      </p:nvGrpSpPr>
+      <p:grpSpPr>
+        <a:xfrm>
+          <a:off x="0" y="0"/>
+          <a:ext cx="0" cy="0"/>
+          <a:chOff x="0" y="0"/>
+          <a:chExt cx="0" cy="0"/>
+        </a:xfrm>
+      </p:grpSpPr>
+      <p:sp>
+        <p:nvSpPr>
+          <p:cNvPr id="2" name="Title 1"/>
+          <p:cNvSpPr>
+            <a:spLocks noGrp="1"/>
+          </p:cNvSpPr>
+          <p:nvPr>
+            <p:ph type="title"/>
+          </p:nvPr>
+        </p:nvSpPr>
+        <p:spPr/>
+        <p:txBody>
+          <a:bodyPr/>
+          <a:lstStyle/>
+          <a:p>
+            <a:r>
+              <a:rPr lang="en-GB" dirty="0"/>
               <a:t>Hash table - Definitions </a:t>
             </a:r>
           </a:p>
@@ -15239,7 +16994,12 @@
             <p:ph idx="1"/>
           </p:nvPr>
         </p:nvSpPr>
-        <p:spPr/>
+        <p:spPr>
+          <a:xfrm>
+            <a:off x="677334" y="2160589"/>
+            <a:ext cx="8820996" cy="3880773"/>
+          </a:xfrm>
+        </p:spPr>
         <p:txBody>
           <a:bodyPr/>
           <a:lstStyle/>
@@ -15284,7 +17044,7 @@
             </a:r>
             <a:r>
               <a:rPr lang="en-US" dirty="0"/>
-              <a:t>container that allows direct access by any index type: it works like an array or vector except that the index variable need not be an integer </a:t>
+              <a:t>container that allows direct access by any index type: it works like an array except that the index variable does not need to be an integer </a:t>
             </a:r>
           </a:p>
           <a:p>
@@ -15523,7 +17283,7 @@
 </p:sld>
 </file>
 
-<file path=ppt/slides/slide5.xml><?xml version="1.0" encoding="utf-8"?>
+<file path=ppt/slides/slide6.xml><?xml version="1.0" encoding="utf-8"?>
 <p:sld xmlns:a="http://schemas.openxmlformats.org/drawingml/2006/main" xmlns:r="http://schemas.openxmlformats.org/officeDocument/2006/relationships" xmlns:p="http://schemas.openxmlformats.org/presentationml/2006/main">
   <p:cSld>
     <p:spTree>
@@ -15617,7 +17377,7 @@
             </a:r>
             <a:r>
               <a:rPr lang="en-US" dirty="0"/>
-              <a:t>container that allows direct access by any index type: it works like an array or vector except that the index variable need not be an integer </a:t>
+              <a:t>container that allows direct access by any index type: it works like an array except that the index variable does not need to be an integer </a:t>
             </a:r>
           </a:p>
           <a:p>
@@ -15758,7 +17518,7 @@
 </p:sld>
 </file>
 
-<file path=ppt/slides/slide6.xml><?xml version="1.0" encoding="utf-8"?>
+<file path=ppt/slides/slide7.xml><?xml version="1.0" encoding="utf-8"?>
 <p:sld xmlns:a="http://schemas.openxmlformats.org/drawingml/2006/main" xmlns:r="http://schemas.openxmlformats.org/officeDocument/2006/relationships" xmlns:p="http://schemas.openxmlformats.org/presentationml/2006/main">
   <p:cSld>
     <p:spTree>
@@ -16098,7 +17858,7 @@
 </p:sld>
 </file>
 
-<file path=ppt/slides/slide7.xml><?xml version="1.0" encoding="utf-8"?>
+<file path=ppt/slides/slide8.xml><?xml version="1.0" encoding="utf-8"?>
 <p:sld xmlns:a="http://schemas.openxmlformats.org/drawingml/2006/main" xmlns:r="http://schemas.openxmlformats.org/officeDocument/2006/relationships" xmlns:p="http://schemas.openxmlformats.org/presentationml/2006/main">
   <p:cSld>
     <p:spTree>
@@ -16362,7 +18122,7 @@
           <p:nvPr/>
         </p:nvPicPr>
         <p:blipFill>
-          <a:blip r:embed="rId3">
+          <a:blip r:embed="rId2">
             <a:extLst>
               <a:ext uri="{28A0092B-C50C-407E-A947-70E740481C1C}">
                 <a14:useLocalDpi xmlns:a14="http://schemas.microsoft.com/office/drawing/2010/main" val="0"/>
@@ -16517,7 +18277,7 @@
 </p:sld>
 </file>
 
-<file path=ppt/slides/slide8.xml><?xml version="1.0" encoding="utf-8"?>
+<file path=ppt/slides/slide9.xml><?xml version="1.0" encoding="utf-8"?>
 <p:sld xmlns:a="http://schemas.openxmlformats.org/drawingml/2006/main" xmlns:r="http://schemas.openxmlformats.org/officeDocument/2006/relationships" xmlns:p="http://schemas.openxmlformats.org/presentationml/2006/main">
   <p:cSld>
     <p:spTree>
@@ -16593,28 +18353,8 @@
             </a:r>
             <a:r>
               <a:rPr lang="en-GB" dirty="0"/>
-              <a:t>() </a:t>
-            </a:r>
-            <a:r>
-              <a:rPr lang="en-GB" dirty="0">
-                <a:sym typeface="Wingdings" panose="05000000000000000000" pitchFamily="2" charset="2"/>
-              </a:rPr>
-              <a:t> </a:t>
-            </a:r>
-            <a:r>
-              <a:rPr lang="en-GB" dirty="0">
-                <a:sym typeface="Wingdings" panose="05000000000000000000" pitchFamily="2" charset="2"/>
-                <a:hlinkClick r:id="rId2"/>
-              </a:rPr>
-              <a:t>http://jsfiddle.net/Ciul/w42en/</a:t>
-            </a:r>
-            <a:r>
-              <a:rPr lang="en-GB" dirty="0">
-                <a:sym typeface="Wingdings" panose="05000000000000000000" pitchFamily="2" charset="2"/>
-              </a:rPr>
-              <a:t> </a:t>
-            </a:r>
-            <a:endParaRPr lang="en-GB" dirty="0"/>
+              <a:t>()</a:t>
+            </a:r>
           </a:p>
           <a:p>
             <a:pPr lvl="1"/>
@@ -16865,1278 +18605,6 @@
         </p:cTn>
       </p:par>
     </p:tnLst>
-  </p:timing>
-</p:sld>
-</file>
-
-<file path=ppt/slides/slide9.xml><?xml version="1.0" encoding="utf-8"?>
-<p:sld xmlns:a="http://schemas.openxmlformats.org/drawingml/2006/main" xmlns:r="http://schemas.openxmlformats.org/officeDocument/2006/relationships" xmlns:p="http://schemas.openxmlformats.org/presentationml/2006/main">
-  <p:cSld>
-    <p:spTree>
-      <p:nvGrpSpPr>
-        <p:cNvPr id="1" name=""/>
-        <p:cNvGrpSpPr/>
-        <p:nvPr/>
-      </p:nvGrpSpPr>
-      <p:grpSpPr>
-        <a:xfrm>
-          <a:off x="0" y="0"/>
-          <a:ext cx="0" cy="0"/>
-          <a:chOff x="0" y="0"/>
-          <a:chExt cx="0" cy="0"/>
-        </a:xfrm>
-      </p:grpSpPr>
-      <p:sp>
-        <p:nvSpPr>
-          <p:cNvPr id="2" name="Title 1"/>
-          <p:cNvSpPr>
-            <a:spLocks noGrp="1"/>
-          </p:cNvSpPr>
-          <p:nvPr>
-            <p:ph type="title"/>
-          </p:nvPr>
-        </p:nvSpPr>
-        <p:spPr/>
-        <p:txBody>
-          <a:bodyPr/>
-          <a:lstStyle/>
-          <a:p>
-            <a:r>
-              <a:rPr lang="en-GB" dirty="0"/>
-              <a:t>Hash table - Definition </a:t>
-            </a:r>
-          </a:p>
-        </p:txBody>
-      </p:sp>
-      <p:sp>
-        <p:nvSpPr>
-          <p:cNvPr id="3" name="Content Placeholder 2"/>
-          <p:cNvSpPr>
-            <a:spLocks noGrp="1"/>
-          </p:cNvSpPr>
-          <p:nvPr>
-            <p:ph idx="1"/>
-          </p:nvPr>
-        </p:nvSpPr>
-        <p:spPr>
-          <a:xfrm>
-            <a:off x="677334" y="2160589"/>
-            <a:ext cx="8596668" cy="4245898"/>
-          </a:xfrm>
-        </p:spPr>
-        <p:txBody>
-          <a:bodyPr>
-            <a:normAutofit/>
-          </a:bodyPr>
-          <a:lstStyle/>
-          <a:p>
-            <a:r>
-              <a:rPr lang="en-GB" dirty="0"/>
-              <a:t>After computing the hash code, we must compute the index inside the array</a:t>
-            </a:r>
-          </a:p>
-          <a:p>
-            <a:pPr lvl="1"/>
-            <a:r>
-              <a:rPr lang="en-GB" dirty="0"/>
-              <a:t>Suppose that </a:t>
-            </a:r>
-            <a:r>
-              <a:rPr lang="en-GB" dirty="0" err="1"/>
-              <a:t>array_size</a:t>
-            </a:r>
-            <a:r>
-              <a:rPr lang="en-GB" dirty="0"/>
-              <a:t> = 11</a:t>
-            </a:r>
-          </a:p>
-          <a:p>
-            <a:pPr lvl="1"/>
-            <a:endParaRPr lang="en-GB" dirty="0"/>
-          </a:p>
-          <a:p>
-            <a:pPr marL="457200" lvl="1" indent="0">
-              <a:buNone/>
-            </a:pPr>
-            <a:endParaRPr lang="en-GB" dirty="0"/>
-          </a:p>
-          <a:p>
-            <a:pPr lvl="1"/>
-            <a:r>
-              <a:rPr lang="en-GB" dirty="0"/>
-              <a:t>Index of Rad: 81901 % 11 = 3</a:t>
-            </a:r>
-          </a:p>
-          <a:p>
-            <a:pPr lvl="1"/>
-            <a:r>
-              <a:rPr lang="en-GB" dirty="0"/>
-              <a:t>Index of </a:t>
-            </a:r>
-            <a:r>
-              <a:rPr lang="en-GB" dirty="0" err="1"/>
-              <a:t>Uhr</a:t>
-            </a:r>
-            <a:r>
-              <a:rPr lang="en-GB" dirty="0"/>
-              <a:t>: 85023 % 11 = 4</a:t>
-            </a:r>
-          </a:p>
-          <a:p>
-            <a:pPr lvl="1"/>
-            <a:r>
-              <a:rPr lang="en-GB" dirty="0"/>
-              <a:t>Index of </a:t>
-            </a:r>
-            <a:r>
-              <a:rPr lang="en-GB" dirty="0" err="1"/>
-              <a:t>Ohr</a:t>
-            </a:r>
-            <a:r>
-              <a:rPr lang="en-GB" dirty="0"/>
-              <a:t>: 79257 % 11 = 2</a:t>
-            </a:r>
-          </a:p>
-          <a:p>
-            <a:pPr lvl="1"/>
-            <a:r>
-              <a:rPr lang="en-GB" dirty="0"/>
-              <a:t>Index of Tor: 84279 % 11 = 8</a:t>
-            </a:r>
-          </a:p>
-          <a:p>
-            <a:pPr lvl="1"/>
-            <a:r>
-              <a:rPr lang="en-GB" dirty="0"/>
-              <a:t>Index of Hut: 72935 % 11 = 5</a:t>
-            </a:r>
-          </a:p>
-          <a:p>
-            <a:pPr lvl="1"/>
-            <a:r>
-              <a:rPr lang="en-GB" dirty="0"/>
-              <a:t>Index of Tag: 83834 % 11 = 3 … </a:t>
-            </a:r>
-            <a:r>
-              <a:rPr lang="en-GB" dirty="0">
-                <a:solidFill>
-                  <a:srgbClr val="FF0000"/>
-                </a:solidFill>
-              </a:rPr>
-              <a:t>same index as for the first string</a:t>
-            </a:r>
-            <a:r>
-              <a:rPr lang="en-GB" dirty="0"/>
-              <a:t>!!!</a:t>
-            </a:r>
-          </a:p>
-        </p:txBody>
-      </p:sp>
-      <p:sp>
-        <p:nvSpPr>
-          <p:cNvPr id="4" name="Footer Placeholder 3"/>
-          <p:cNvSpPr>
-            <a:spLocks noGrp="1"/>
-          </p:cNvSpPr>
-          <p:nvPr>
-            <p:ph type="ftr" sz="quarter" idx="11"/>
-          </p:nvPr>
-        </p:nvSpPr>
-        <p:spPr/>
-        <p:txBody>
-          <a:bodyPr/>
-          <a:lstStyle/>
-          <a:p>
-            <a:r>
-              <a:rPr lang="it-IT"/>
-              <a:t>INFDEV036A - G. Costantini, F. Di Giacomo</a:t>
-            </a:r>
-            <a:endParaRPr lang="en-GB"/>
-          </a:p>
-        </p:txBody>
-      </p:sp>
-      <p:pic>
-        <p:nvPicPr>
-          <p:cNvPr id="5" name="Afbeelding 4"/>
-          <p:cNvPicPr>
-            <a:picLocks noChangeAspect="1"/>
-          </p:cNvPicPr>
-          <p:nvPr/>
-        </p:nvPicPr>
-        <p:blipFill>
-          <a:blip r:embed="rId2"/>
-          <a:stretch>
-            <a:fillRect/>
-          </a:stretch>
-        </p:blipFill>
-        <p:spPr>
-          <a:xfrm>
-            <a:off x="9489248" y="1695448"/>
-            <a:ext cx="1992838" cy="4155797"/>
-          </a:xfrm>
-          <a:prstGeom prst="rect">
-            <a:avLst/>
-          </a:prstGeom>
-        </p:spPr>
-      </p:pic>
-      <p:sp>
-        <p:nvSpPr>
-          <p:cNvPr id="6" name="Rechthoek 5"/>
-          <p:cNvSpPr/>
-          <p:nvPr/>
-        </p:nvSpPr>
-        <p:spPr>
-          <a:xfrm>
-            <a:off x="3300369" y="3093863"/>
-            <a:ext cx="3350597" cy="369332"/>
-          </a:xfrm>
-          <a:prstGeom prst="rect">
-            <a:avLst/>
-          </a:prstGeom>
-        </p:spPr>
-        <p:style>
-          <a:lnRef idx="1">
-            <a:schemeClr val="accent1"/>
-          </a:lnRef>
-          <a:fillRef idx="2">
-            <a:schemeClr val="accent1"/>
-          </a:fillRef>
-          <a:effectRef idx="1">
-            <a:schemeClr val="accent1"/>
-          </a:effectRef>
-          <a:fontRef idx="minor">
-            <a:schemeClr val="dk1"/>
-          </a:fontRef>
-        </p:style>
-        <p:txBody>
-          <a:bodyPr wrap="none">
-            <a:spAutoFit/>
-          </a:bodyPr>
-          <a:lstStyle/>
-          <a:p>
-            <a:pPr algn="ctr"/>
-            <a:r>
-              <a:rPr lang="en-US" dirty="0">
-                <a:latin typeface="Consolas" panose="020B0609020204030204" pitchFamily="49" charset="0"/>
-                <a:cs typeface="Consolas" panose="020B0609020204030204" pitchFamily="49" charset="0"/>
-              </a:rPr>
-              <a:t>index = hash % </a:t>
-            </a:r>
-            <a:r>
-              <a:rPr lang="en-US" dirty="0" err="1">
-                <a:latin typeface="Consolas" panose="020B0609020204030204" pitchFamily="49" charset="0"/>
-                <a:cs typeface="Consolas" panose="020B0609020204030204" pitchFamily="49" charset="0"/>
-              </a:rPr>
-              <a:t>array_size</a:t>
-            </a:r>
-            <a:endParaRPr lang="en-US" dirty="0">
-              <a:latin typeface="Consolas" panose="020B0609020204030204" pitchFamily="49" charset="0"/>
-              <a:cs typeface="Consolas" panose="020B0609020204030204" pitchFamily="49" charset="0"/>
-            </a:endParaRPr>
-          </a:p>
-        </p:txBody>
-      </p:sp>
-      <p:pic>
-        <p:nvPicPr>
-          <p:cNvPr id="7" name="Afbeelding 6"/>
-          <p:cNvPicPr>
-            <a:picLocks noChangeAspect="1"/>
-          </p:cNvPicPr>
-          <p:nvPr/>
-        </p:nvPicPr>
-        <p:blipFill>
-          <a:blip r:embed="rId3"/>
-          <a:stretch>
-            <a:fillRect/>
-          </a:stretch>
-        </p:blipFill>
-        <p:spPr>
-          <a:xfrm>
-            <a:off x="6850761" y="3578448"/>
-            <a:ext cx="1755687" cy="1906567"/>
-          </a:xfrm>
-          <a:prstGeom prst="rect">
-            <a:avLst/>
-          </a:prstGeom>
-        </p:spPr>
-      </p:pic>
-      <p:sp>
-        <p:nvSpPr>
-          <p:cNvPr id="8" name="PIJL-RECHTS 7"/>
-          <p:cNvSpPr/>
-          <p:nvPr/>
-        </p:nvSpPr>
-        <p:spPr>
-          <a:xfrm>
-            <a:off x="8692587" y="4201610"/>
-            <a:ext cx="902826" cy="306957"/>
-          </a:xfrm>
-          <a:prstGeom prst="rightArrow">
-            <a:avLst/>
-          </a:prstGeom>
-        </p:spPr>
-        <p:style>
-          <a:lnRef idx="2">
-            <a:schemeClr val="accent1">
-              <a:shade val="50000"/>
-            </a:schemeClr>
-          </a:lnRef>
-          <a:fillRef idx="1">
-            <a:schemeClr val="accent1"/>
-          </a:fillRef>
-          <a:effectRef idx="0">
-            <a:schemeClr val="accent1"/>
-          </a:effectRef>
-          <a:fontRef idx="minor">
-            <a:schemeClr val="lt1"/>
-          </a:fontRef>
-        </p:style>
-        <p:txBody>
-          <a:bodyPr rtlCol="0" anchor="ctr"/>
-          <a:lstStyle/>
-          <a:p>
-            <a:pPr algn="ctr"/>
-            <a:endParaRPr lang="nl-NL"/>
-          </a:p>
-        </p:txBody>
-      </p:sp>
-      <p:sp>
-        <p:nvSpPr>
-          <p:cNvPr id="9" name="Rectangle 8"/>
-          <p:cNvSpPr/>
-          <p:nvPr/>
-        </p:nvSpPr>
-        <p:spPr>
-          <a:xfrm>
-            <a:off x="10112991" y="2511188"/>
-            <a:ext cx="941696" cy="218364"/>
-          </a:xfrm>
-          <a:prstGeom prst="rect">
-            <a:avLst/>
-          </a:prstGeom>
-          <a:ln>
-            <a:solidFill>
-              <a:schemeClr val="bg1"/>
-            </a:solidFill>
-          </a:ln>
-        </p:spPr>
-        <p:style>
-          <a:lnRef idx="2">
-            <a:schemeClr val="accent6"/>
-          </a:lnRef>
-          <a:fillRef idx="1">
-            <a:schemeClr val="lt1"/>
-          </a:fillRef>
-          <a:effectRef idx="0">
-            <a:schemeClr val="accent6"/>
-          </a:effectRef>
-          <a:fontRef idx="minor">
-            <a:schemeClr val="dk1"/>
-          </a:fontRef>
-        </p:style>
-        <p:txBody>
-          <a:bodyPr rtlCol="0" anchor="ctr"/>
-          <a:lstStyle/>
-          <a:p>
-            <a:pPr algn="ctr"/>
-            <a:endParaRPr lang="en-GB"/>
-          </a:p>
-        </p:txBody>
-      </p:sp>
-      <p:sp>
-        <p:nvSpPr>
-          <p:cNvPr id="10" name="Rectangle 9"/>
-          <p:cNvSpPr/>
-          <p:nvPr/>
-        </p:nvSpPr>
-        <p:spPr>
-          <a:xfrm>
-            <a:off x="10112991" y="2826037"/>
-            <a:ext cx="941696" cy="267826"/>
-          </a:xfrm>
-          <a:prstGeom prst="rect">
-            <a:avLst/>
-          </a:prstGeom>
-          <a:ln>
-            <a:solidFill>
-              <a:schemeClr val="bg1"/>
-            </a:solidFill>
-          </a:ln>
-        </p:spPr>
-        <p:style>
-          <a:lnRef idx="2">
-            <a:schemeClr val="accent6"/>
-          </a:lnRef>
-          <a:fillRef idx="1">
-            <a:schemeClr val="lt1"/>
-          </a:fillRef>
-          <a:effectRef idx="0">
-            <a:schemeClr val="accent6"/>
-          </a:effectRef>
-          <a:fontRef idx="minor">
-            <a:schemeClr val="dk1"/>
-          </a:fontRef>
-        </p:style>
-        <p:txBody>
-          <a:bodyPr rtlCol="0" anchor="ctr"/>
-          <a:lstStyle/>
-          <a:p>
-            <a:pPr algn="ctr"/>
-            <a:endParaRPr lang="en-GB"/>
-          </a:p>
-        </p:txBody>
-      </p:sp>
-      <p:sp>
-        <p:nvSpPr>
-          <p:cNvPr id="11" name="Rectangle 10"/>
-          <p:cNvSpPr/>
-          <p:nvPr/>
-        </p:nvSpPr>
-        <p:spPr>
-          <a:xfrm>
-            <a:off x="10119812" y="3920770"/>
-            <a:ext cx="941696" cy="280839"/>
-          </a:xfrm>
-          <a:prstGeom prst="rect">
-            <a:avLst/>
-          </a:prstGeom>
-          <a:ln>
-            <a:solidFill>
-              <a:schemeClr val="bg1"/>
-            </a:solidFill>
-          </a:ln>
-        </p:spPr>
-        <p:style>
-          <a:lnRef idx="2">
-            <a:schemeClr val="accent6"/>
-          </a:lnRef>
-          <a:fillRef idx="1">
-            <a:schemeClr val="lt1"/>
-          </a:fillRef>
-          <a:effectRef idx="0">
-            <a:schemeClr val="accent6"/>
-          </a:effectRef>
-          <a:fontRef idx="minor">
-            <a:schemeClr val="dk1"/>
-          </a:fontRef>
-        </p:style>
-        <p:txBody>
-          <a:bodyPr rtlCol="0" anchor="ctr"/>
-          <a:lstStyle/>
-          <a:p>
-            <a:pPr algn="ctr"/>
-            <a:endParaRPr lang="en-GB"/>
-          </a:p>
-        </p:txBody>
-      </p:sp>
-      <p:sp>
-        <p:nvSpPr>
-          <p:cNvPr id="12" name="Rectangle 11"/>
-          <p:cNvSpPr/>
-          <p:nvPr/>
-        </p:nvSpPr>
-        <p:spPr>
-          <a:xfrm>
-            <a:off x="10119812" y="4612943"/>
-            <a:ext cx="941696" cy="279779"/>
-          </a:xfrm>
-          <a:prstGeom prst="rect">
-            <a:avLst/>
-          </a:prstGeom>
-          <a:ln>
-            <a:solidFill>
-              <a:schemeClr val="bg1"/>
-            </a:solidFill>
-          </a:ln>
-        </p:spPr>
-        <p:style>
-          <a:lnRef idx="2">
-            <a:schemeClr val="accent6"/>
-          </a:lnRef>
-          <a:fillRef idx="1">
-            <a:schemeClr val="lt1"/>
-          </a:fillRef>
-          <a:effectRef idx="0">
-            <a:schemeClr val="accent6"/>
-          </a:effectRef>
-          <a:fontRef idx="minor">
-            <a:schemeClr val="dk1"/>
-          </a:fontRef>
-        </p:style>
-        <p:txBody>
-          <a:bodyPr rtlCol="0" anchor="ctr"/>
-          <a:lstStyle/>
-          <a:p>
-            <a:pPr algn="ctr"/>
-            <a:endParaRPr lang="en-GB"/>
-          </a:p>
-        </p:txBody>
-      </p:sp>
-      <p:sp>
-        <p:nvSpPr>
-          <p:cNvPr id="13" name="Rectangle 12"/>
-          <p:cNvSpPr/>
-          <p:nvPr/>
-        </p:nvSpPr>
-        <p:spPr>
-          <a:xfrm>
-            <a:off x="10119812" y="3194367"/>
-            <a:ext cx="941696" cy="268827"/>
-          </a:xfrm>
-          <a:prstGeom prst="rect">
-            <a:avLst/>
-          </a:prstGeom>
-          <a:ln>
-            <a:solidFill>
-              <a:schemeClr val="bg1"/>
-            </a:solidFill>
-          </a:ln>
-        </p:spPr>
-        <p:style>
-          <a:lnRef idx="2">
-            <a:schemeClr val="accent6"/>
-          </a:lnRef>
-          <a:fillRef idx="1">
-            <a:schemeClr val="lt1"/>
-          </a:fillRef>
-          <a:effectRef idx="0">
-            <a:schemeClr val="accent6"/>
-          </a:effectRef>
-          <a:fontRef idx="minor">
-            <a:schemeClr val="dk1"/>
-          </a:fontRef>
-        </p:style>
-        <p:txBody>
-          <a:bodyPr rtlCol="0" anchor="ctr"/>
-          <a:lstStyle/>
-          <a:p>
-            <a:pPr algn="ctr"/>
-            <a:endParaRPr lang="en-GB"/>
-          </a:p>
-        </p:txBody>
-      </p:sp>
-      <p:sp>
-        <p:nvSpPr>
-          <p:cNvPr id="14" name="Rectangle 13"/>
-          <p:cNvSpPr/>
-          <p:nvPr/>
-        </p:nvSpPr>
-        <p:spPr>
-          <a:xfrm>
-            <a:off x="10119812" y="3568568"/>
-            <a:ext cx="941696" cy="218364"/>
-          </a:xfrm>
-          <a:prstGeom prst="rect">
-            <a:avLst/>
-          </a:prstGeom>
-          <a:ln>
-            <a:solidFill>
-              <a:schemeClr val="bg1"/>
-            </a:solidFill>
-          </a:ln>
-        </p:spPr>
-        <p:style>
-          <a:lnRef idx="2">
-            <a:schemeClr val="accent6"/>
-          </a:lnRef>
-          <a:fillRef idx="1">
-            <a:schemeClr val="lt1"/>
-          </a:fillRef>
-          <a:effectRef idx="0">
-            <a:schemeClr val="accent6"/>
-          </a:effectRef>
-          <a:fontRef idx="minor">
-            <a:schemeClr val="dk1"/>
-          </a:fontRef>
-        </p:style>
-        <p:txBody>
-          <a:bodyPr rtlCol="0" anchor="ctr"/>
-          <a:lstStyle/>
-          <a:p>
-            <a:pPr algn="ctr"/>
-            <a:endParaRPr lang="en-GB"/>
-          </a:p>
-        </p:txBody>
-      </p:sp>
-      <p:pic>
-        <p:nvPicPr>
-          <p:cNvPr id="1026" name="Picture 2" descr="http://www.viralvizion.com/wp-content/uploads/2013/06/problem.jpg"/>
-          <p:cNvPicPr>
-            <a:picLocks noChangeAspect="1" noChangeArrowheads="1"/>
-          </p:cNvPicPr>
-          <p:nvPr/>
-        </p:nvPicPr>
-        <p:blipFill>
-          <a:blip r:embed="rId4" cstate="print">
-            <a:extLst>
-              <a:ext uri="{28A0092B-C50C-407E-A947-70E740481C1C}">
-                <a14:useLocalDpi xmlns:a14="http://schemas.microsoft.com/office/drawing/2010/main" val="0"/>
-              </a:ext>
-            </a:extLst>
-          </a:blip>
-          <a:srcRect/>
-          <a:stretch>
-            <a:fillRect/>
-          </a:stretch>
-        </p:blipFill>
-        <p:spPr bwMode="auto">
-          <a:xfrm>
-            <a:off x="4402569" y="3770391"/>
-            <a:ext cx="2030244" cy="1522683"/>
-          </a:xfrm>
-          <a:prstGeom prst="rect">
-            <a:avLst/>
-          </a:prstGeom>
-          <a:noFill/>
-          <a:extLst>
-            <a:ext uri="{909E8E84-426E-40DD-AFC4-6F175D3DCCD1}">
-              <a14:hiddenFill xmlns:a14="http://schemas.microsoft.com/office/drawing/2010/main">
-                <a:solidFill>
-                  <a:srgbClr val="FFFFFF"/>
-                </a:solidFill>
-              </a14:hiddenFill>
-            </a:ext>
-          </a:extLst>
-        </p:spPr>
-      </p:pic>
-    </p:spTree>
-    <p:extLst>
-      <p:ext uri="{BB962C8B-B14F-4D97-AF65-F5344CB8AC3E}">
-        <p14:creationId xmlns:p14="http://schemas.microsoft.com/office/powerpoint/2010/main" val="259059208"/>
-      </p:ext>
-    </p:extLst>
-  </p:cSld>
-  <p:clrMapOvr>
-    <a:masterClrMapping/>
-  </p:clrMapOvr>
-  <p:timing>
-    <p:tnLst>
-      <p:par>
-        <p:cTn id="1" dur="indefinite" restart="never" nodeType="tmRoot">
-          <p:childTnLst>
-            <p:seq concurrent="1" nextAc="seek">
-              <p:cTn id="2" dur="indefinite" nodeType="mainSeq">
-                <p:childTnLst>
-                  <p:par>
-                    <p:cTn id="3" fill="hold">
-                      <p:stCondLst>
-                        <p:cond delay="indefinite"/>
-                      </p:stCondLst>
-                      <p:childTnLst>
-                        <p:par>
-                          <p:cTn id="4" fill="hold">
-                            <p:stCondLst>
-                              <p:cond delay="0"/>
-                            </p:stCondLst>
-                            <p:childTnLst>
-                              <p:par>
-                                <p:cTn id="5" presetID="1" presetClass="entr" presetSubtype="0" fill="hold" nodeType="clickEffect">
-                                  <p:stCondLst>
-                                    <p:cond delay="0"/>
-                                  </p:stCondLst>
-                                  <p:childTnLst>
-                                    <p:set>
-                                      <p:cBhvr>
-                                        <p:cTn id="6" dur="1" fill="hold">
-                                          <p:stCondLst>
-                                            <p:cond delay="0"/>
-                                          </p:stCondLst>
-                                        </p:cTn>
-                                        <p:tgtEl>
-                                          <p:spTgt spid="3">
-                                            <p:txEl>
-                                              <p:pRg st="4" end="4"/>
-                                            </p:txEl>
-                                          </p:spTgt>
-                                        </p:tgtEl>
-                                        <p:attrNameLst>
-                                          <p:attrName>style.visibility</p:attrName>
-                                        </p:attrNameLst>
-                                      </p:cBhvr>
-                                      <p:to>
-                                        <p:strVal val="visible"/>
-                                      </p:to>
-                                    </p:set>
-                                  </p:childTnLst>
-                                </p:cTn>
-                              </p:par>
-                            </p:childTnLst>
-                          </p:cTn>
-                        </p:par>
-                      </p:childTnLst>
-                    </p:cTn>
-                  </p:par>
-                  <p:par>
-                    <p:cTn id="7" fill="hold">
-                      <p:stCondLst>
-                        <p:cond delay="indefinite"/>
-                      </p:stCondLst>
-                      <p:childTnLst>
-                        <p:par>
-                          <p:cTn id="8" fill="hold">
-                            <p:stCondLst>
-                              <p:cond delay="0"/>
-                            </p:stCondLst>
-                            <p:childTnLst>
-                              <p:par>
-                                <p:cTn id="9" presetID="1" presetClass="exit" presetSubtype="0" fill="hold" grpId="0" nodeType="clickEffect">
-                                  <p:stCondLst>
-                                    <p:cond delay="0"/>
-                                  </p:stCondLst>
-                                  <p:childTnLst>
-                                    <p:set>
-                                      <p:cBhvr>
-                                        <p:cTn id="10" dur="1" fill="hold">
-                                          <p:stCondLst>
-                                            <p:cond delay="0"/>
-                                          </p:stCondLst>
-                                        </p:cTn>
-                                        <p:tgtEl>
-                                          <p:spTgt spid="10"/>
-                                        </p:tgtEl>
-                                        <p:attrNameLst>
-                                          <p:attrName>style.visibility</p:attrName>
-                                        </p:attrNameLst>
-                                      </p:cBhvr>
-                                      <p:to>
-                                        <p:strVal val="hidden"/>
-                                      </p:to>
-                                    </p:set>
-                                  </p:childTnLst>
-                                </p:cTn>
-                              </p:par>
-                            </p:childTnLst>
-                          </p:cTn>
-                        </p:par>
-                      </p:childTnLst>
-                    </p:cTn>
-                  </p:par>
-                  <p:par>
-                    <p:cTn id="11" fill="hold">
-                      <p:stCondLst>
-                        <p:cond delay="indefinite"/>
-                      </p:stCondLst>
-                      <p:childTnLst>
-                        <p:par>
-                          <p:cTn id="12" fill="hold">
-                            <p:stCondLst>
-                              <p:cond delay="0"/>
-                            </p:stCondLst>
-                            <p:childTnLst>
-                              <p:par>
-                                <p:cTn id="13" presetID="1" presetClass="entr" presetSubtype="0" fill="hold" nodeType="clickEffect">
-                                  <p:stCondLst>
-                                    <p:cond delay="0"/>
-                                  </p:stCondLst>
-                                  <p:childTnLst>
-                                    <p:set>
-                                      <p:cBhvr>
-                                        <p:cTn id="14" dur="1" fill="hold">
-                                          <p:stCondLst>
-                                            <p:cond delay="0"/>
-                                          </p:stCondLst>
-                                        </p:cTn>
-                                        <p:tgtEl>
-                                          <p:spTgt spid="3">
-                                            <p:txEl>
-                                              <p:pRg st="5" end="5"/>
-                                            </p:txEl>
-                                          </p:spTgt>
-                                        </p:tgtEl>
-                                        <p:attrNameLst>
-                                          <p:attrName>style.visibility</p:attrName>
-                                        </p:attrNameLst>
-                                      </p:cBhvr>
-                                      <p:to>
-                                        <p:strVal val="visible"/>
-                                      </p:to>
-                                    </p:set>
-                                  </p:childTnLst>
-                                </p:cTn>
-                              </p:par>
-                            </p:childTnLst>
-                          </p:cTn>
-                        </p:par>
-                      </p:childTnLst>
-                    </p:cTn>
-                  </p:par>
-                  <p:par>
-                    <p:cTn id="15" fill="hold">
-                      <p:stCondLst>
-                        <p:cond delay="indefinite"/>
-                      </p:stCondLst>
-                      <p:childTnLst>
-                        <p:par>
-                          <p:cTn id="16" fill="hold">
-                            <p:stCondLst>
-                              <p:cond delay="0"/>
-                            </p:stCondLst>
-                            <p:childTnLst>
-                              <p:par>
-                                <p:cTn id="17" presetID="1" presetClass="exit" presetSubtype="0" fill="hold" grpId="0" nodeType="clickEffect">
-                                  <p:stCondLst>
-                                    <p:cond delay="0"/>
-                                  </p:stCondLst>
-                                  <p:childTnLst>
-                                    <p:set>
-                                      <p:cBhvr>
-                                        <p:cTn id="18" dur="1" fill="hold">
-                                          <p:stCondLst>
-                                            <p:cond delay="0"/>
-                                          </p:stCondLst>
-                                        </p:cTn>
-                                        <p:tgtEl>
-                                          <p:spTgt spid="13"/>
-                                        </p:tgtEl>
-                                        <p:attrNameLst>
-                                          <p:attrName>style.visibility</p:attrName>
-                                        </p:attrNameLst>
-                                      </p:cBhvr>
-                                      <p:to>
-                                        <p:strVal val="hidden"/>
-                                      </p:to>
-                                    </p:set>
-                                  </p:childTnLst>
-                                </p:cTn>
-                              </p:par>
-                            </p:childTnLst>
-                          </p:cTn>
-                        </p:par>
-                      </p:childTnLst>
-                    </p:cTn>
-                  </p:par>
-                  <p:par>
-                    <p:cTn id="19" fill="hold">
-                      <p:stCondLst>
-                        <p:cond delay="indefinite"/>
-                      </p:stCondLst>
-                      <p:childTnLst>
-                        <p:par>
-                          <p:cTn id="20" fill="hold">
-                            <p:stCondLst>
-                              <p:cond delay="0"/>
-                            </p:stCondLst>
-                            <p:childTnLst>
-                              <p:par>
-                                <p:cTn id="21" presetID="1" presetClass="entr" presetSubtype="0" fill="hold" nodeType="clickEffect">
-                                  <p:stCondLst>
-                                    <p:cond delay="0"/>
-                                  </p:stCondLst>
-                                  <p:childTnLst>
-                                    <p:set>
-                                      <p:cBhvr>
-                                        <p:cTn id="22" dur="1" fill="hold">
-                                          <p:stCondLst>
-                                            <p:cond delay="0"/>
-                                          </p:stCondLst>
-                                        </p:cTn>
-                                        <p:tgtEl>
-                                          <p:spTgt spid="3">
-                                            <p:txEl>
-                                              <p:pRg st="6" end="6"/>
-                                            </p:txEl>
-                                          </p:spTgt>
-                                        </p:tgtEl>
-                                        <p:attrNameLst>
-                                          <p:attrName>style.visibility</p:attrName>
-                                        </p:attrNameLst>
-                                      </p:cBhvr>
-                                      <p:to>
-                                        <p:strVal val="visible"/>
-                                      </p:to>
-                                    </p:set>
-                                  </p:childTnLst>
-                                </p:cTn>
-                              </p:par>
-                            </p:childTnLst>
-                          </p:cTn>
-                        </p:par>
-                      </p:childTnLst>
-                    </p:cTn>
-                  </p:par>
-                  <p:par>
-                    <p:cTn id="23" fill="hold">
-                      <p:stCondLst>
-                        <p:cond delay="indefinite"/>
-                      </p:stCondLst>
-                      <p:childTnLst>
-                        <p:par>
-                          <p:cTn id="24" fill="hold">
-                            <p:stCondLst>
-                              <p:cond delay="0"/>
-                            </p:stCondLst>
-                            <p:childTnLst>
-                              <p:par>
-                                <p:cTn id="25" presetID="1" presetClass="exit" presetSubtype="0" fill="hold" grpId="0" nodeType="clickEffect">
-                                  <p:stCondLst>
-                                    <p:cond delay="0"/>
-                                  </p:stCondLst>
-                                  <p:childTnLst>
-                                    <p:set>
-                                      <p:cBhvr>
-                                        <p:cTn id="26" dur="1" fill="hold">
-                                          <p:stCondLst>
-                                            <p:cond delay="0"/>
-                                          </p:stCondLst>
-                                        </p:cTn>
-                                        <p:tgtEl>
-                                          <p:spTgt spid="9"/>
-                                        </p:tgtEl>
-                                        <p:attrNameLst>
-                                          <p:attrName>style.visibility</p:attrName>
-                                        </p:attrNameLst>
-                                      </p:cBhvr>
-                                      <p:to>
-                                        <p:strVal val="hidden"/>
-                                      </p:to>
-                                    </p:set>
-                                  </p:childTnLst>
-                                </p:cTn>
-                              </p:par>
-                            </p:childTnLst>
-                          </p:cTn>
-                        </p:par>
-                      </p:childTnLst>
-                    </p:cTn>
-                  </p:par>
-                  <p:par>
-                    <p:cTn id="27" fill="hold">
-                      <p:stCondLst>
-                        <p:cond delay="indefinite"/>
-                      </p:stCondLst>
-                      <p:childTnLst>
-                        <p:par>
-                          <p:cTn id="28" fill="hold">
-                            <p:stCondLst>
-                              <p:cond delay="0"/>
-                            </p:stCondLst>
-                            <p:childTnLst>
-                              <p:par>
-                                <p:cTn id="29" presetID="1" presetClass="entr" presetSubtype="0" fill="hold" nodeType="clickEffect">
-                                  <p:stCondLst>
-                                    <p:cond delay="0"/>
-                                  </p:stCondLst>
-                                  <p:childTnLst>
-                                    <p:set>
-                                      <p:cBhvr>
-                                        <p:cTn id="30" dur="1" fill="hold">
-                                          <p:stCondLst>
-                                            <p:cond delay="0"/>
-                                          </p:stCondLst>
-                                        </p:cTn>
-                                        <p:tgtEl>
-                                          <p:spTgt spid="3">
-                                            <p:txEl>
-                                              <p:pRg st="7" end="7"/>
-                                            </p:txEl>
-                                          </p:spTgt>
-                                        </p:tgtEl>
-                                        <p:attrNameLst>
-                                          <p:attrName>style.visibility</p:attrName>
-                                        </p:attrNameLst>
-                                      </p:cBhvr>
-                                      <p:to>
-                                        <p:strVal val="visible"/>
-                                      </p:to>
-                                    </p:set>
-                                  </p:childTnLst>
-                                </p:cTn>
-                              </p:par>
-                            </p:childTnLst>
-                          </p:cTn>
-                        </p:par>
-                      </p:childTnLst>
-                    </p:cTn>
-                  </p:par>
-                  <p:par>
-                    <p:cTn id="31" fill="hold">
-                      <p:stCondLst>
-                        <p:cond delay="indefinite"/>
-                      </p:stCondLst>
-                      <p:childTnLst>
-                        <p:par>
-                          <p:cTn id="32" fill="hold">
-                            <p:stCondLst>
-                              <p:cond delay="0"/>
-                            </p:stCondLst>
-                            <p:childTnLst>
-                              <p:par>
-                                <p:cTn id="33" presetID="1" presetClass="exit" presetSubtype="0" fill="hold" grpId="0" nodeType="clickEffect">
-                                  <p:stCondLst>
-                                    <p:cond delay="0"/>
-                                  </p:stCondLst>
-                                  <p:childTnLst>
-                                    <p:set>
-                                      <p:cBhvr>
-                                        <p:cTn id="34" dur="1" fill="hold">
-                                          <p:stCondLst>
-                                            <p:cond delay="0"/>
-                                          </p:stCondLst>
-                                        </p:cTn>
-                                        <p:tgtEl>
-                                          <p:spTgt spid="12"/>
-                                        </p:tgtEl>
-                                        <p:attrNameLst>
-                                          <p:attrName>style.visibility</p:attrName>
-                                        </p:attrNameLst>
-                                      </p:cBhvr>
-                                      <p:to>
-                                        <p:strVal val="hidden"/>
-                                      </p:to>
-                                    </p:set>
-                                  </p:childTnLst>
-                                </p:cTn>
-                              </p:par>
-                            </p:childTnLst>
-                          </p:cTn>
-                        </p:par>
-                      </p:childTnLst>
-                    </p:cTn>
-                  </p:par>
-                  <p:par>
-                    <p:cTn id="35" fill="hold">
-                      <p:stCondLst>
-                        <p:cond delay="indefinite"/>
-                      </p:stCondLst>
-                      <p:childTnLst>
-                        <p:par>
-                          <p:cTn id="36" fill="hold">
-                            <p:stCondLst>
-                              <p:cond delay="0"/>
-                            </p:stCondLst>
-                            <p:childTnLst>
-                              <p:par>
-                                <p:cTn id="37" presetID="1" presetClass="entr" presetSubtype="0" fill="hold" nodeType="clickEffect">
-                                  <p:stCondLst>
-                                    <p:cond delay="0"/>
-                                  </p:stCondLst>
-                                  <p:childTnLst>
-                                    <p:set>
-                                      <p:cBhvr>
-                                        <p:cTn id="38" dur="1" fill="hold">
-                                          <p:stCondLst>
-                                            <p:cond delay="0"/>
-                                          </p:stCondLst>
-                                        </p:cTn>
-                                        <p:tgtEl>
-                                          <p:spTgt spid="3">
-                                            <p:txEl>
-                                              <p:pRg st="8" end="8"/>
-                                            </p:txEl>
-                                          </p:spTgt>
-                                        </p:tgtEl>
-                                        <p:attrNameLst>
-                                          <p:attrName>style.visibility</p:attrName>
-                                        </p:attrNameLst>
-                                      </p:cBhvr>
-                                      <p:to>
-                                        <p:strVal val="visible"/>
-                                      </p:to>
-                                    </p:set>
-                                  </p:childTnLst>
-                                </p:cTn>
-                              </p:par>
-                            </p:childTnLst>
-                          </p:cTn>
-                        </p:par>
-                      </p:childTnLst>
-                    </p:cTn>
-                  </p:par>
-                  <p:par>
-                    <p:cTn id="39" fill="hold">
-                      <p:stCondLst>
-                        <p:cond delay="indefinite"/>
-                      </p:stCondLst>
-                      <p:childTnLst>
-                        <p:par>
-                          <p:cTn id="40" fill="hold">
-                            <p:stCondLst>
-                              <p:cond delay="0"/>
-                            </p:stCondLst>
-                            <p:childTnLst>
-                              <p:par>
-                                <p:cTn id="41" presetID="1" presetClass="exit" presetSubtype="0" fill="hold" grpId="0" nodeType="clickEffect">
-                                  <p:stCondLst>
-                                    <p:cond delay="0"/>
-                                  </p:stCondLst>
-                                  <p:childTnLst>
-                                    <p:set>
-                                      <p:cBhvr>
-                                        <p:cTn id="42" dur="1" fill="hold">
-                                          <p:stCondLst>
-                                            <p:cond delay="0"/>
-                                          </p:stCondLst>
-                                        </p:cTn>
-                                        <p:tgtEl>
-                                          <p:spTgt spid="14"/>
-                                        </p:tgtEl>
-                                        <p:attrNameLst>
-                                          <p:attrName>style.visibility</p:attrName>
-                                        </p:attrNameLst>
-                                      </p:cBhvr>
-                                      <p:to>
-                                        <p:strVal val="hidden"/>
-                                      </p:to>
-                                    </p:set>
-                                  </p:childTnLst>
-                                </p:cTn>
-                              </p:par>
-                            </p:childTnLst>
-                          </p:cTn>
-                        </p:par>
-                      </p:childTnLst>
-                    </p:cTn>
-                  </p:par>
-                  <p:par>
-                    <p:cTn id="43" fill="hold">
-                      <p:stCondLst>
-                        <p:cond delay="indefinite"/>
-                      </p:stCondLst>
-                      <p:childTnLst>
-                        <p:par>
-                          <p:cTn id="44" fill="hold">
-                            <p:stCondLst>
-                              <p:cond delay="0"/>
-                            </p:stCondLst>
-                            <p:childTnLst>
-                              <p:par>
-                                <p:cTn id="45" presetID="1" presetClass="entr" presetSubtype="0" fill="hold" nodeType="clickEffect">
-                                  <p:stCondLst>
-                                    <p:cond delay="0"/>
-                                  </p:stCondLst>
-                                  <p:childTnLst>
-                                    <p:set>
-                                      <p:cBhvr>
-                                        <p:cTn id="46" dur="1" fill="hold">
-                                          <p:stCondLst>
-                                            <p:cond delay="0"/>
-                                          </p:stCondLst>
-                                        </p:cTn>
-                                        <p:tgtEl>
-                                          <p:spTgt spid="3">
-                                            <p:txEl>
-                                              <p:pRg st="9" end="9"/>
-                                            </p:txEl>
-                                          </p:spTgt>
-                                        </p:tgtEl>
-                                        <p:attrNameLst>
-                                          <p:attrName>style.visibility</p:attrName>
-                                        </p:attrNameLst>
-                                      </p:cBhvr>
-                                      <p:to>
-                                        <p:strVal val="visible"/>
-                                      </p:to>
-                                    </p:set>
-                                  </p:childTnLst>
-                                </p:cTn>
-                              </p:par>
-                              <p:par>
-                                <p:cTn id="47" presetID="1" presetClass="entr" presetSubtype="0" fill="hold" nodeType="withEffect">
-                                  <p:stCondLst>
-                                    <p:cond delay="0"/>
-                                  </p:stCondLst>
-                                  <p:childTnLst>
-                                    <p:set>
-                                      <p:cBhvr>
-                                        <p:cTn id="48" dur="1" fill="hold">
-                                          <p:stCondLst>
-                                            <p:cond delay="0"/>
-                                          </p:stCondLst>
-                                        </p:cTn>
-                                        <p:tgtEl>
-                                          <p:spTgt spid="1026"/>
-                                        </p:tgtEl>
-                                        <p:attrNameLst>
-                                          <p:attrName>style.visibility</p:attrName>
-                                        </p:attrNameLst>
-                                      </p:cBhvr>
-                                      <p:to>
-                                        <p:strVal val="visible"/>
-                                      </p:to>
-                                    </p:set>
-                                  </p:childTnLst>
-                                </p:cTn>
-                              </p:par>
-                            </p:childTnLst>
-                          </p:cTn>
-                        </p:par>
-                      </p:childTnLst>
-                    </p:cTn>
-                  </p:par>
-                  <p:par>
-                    <p:cTn id="49" fill="hold">
-                      <p:stCondLst>
-                        <p:cond delay="indefinite"/>
-                      </p:stCondLst>
-                      <p:childTnLst>
-                        <p:par>
-                          <p:cTn id="50" fill="hold">
-                            <p:stCondLst>
-                              <p:cond delay="0"/>
-                            </p:stCondLst>
-                            <p:childTnLst>
-                              <p:par>
-                                <p:cTn id="51" presetID="1" presetClass="exit" presetSubtype="0" fill="hold" grpId="0" nodeType="clickEffect">
-                                  <p:stCondLst>
-                                    <p:cond delay="0"/>
-                                  </p:stCondLst>
-                                  <p:childTnLst>
-                                    <p:set>
-                                      <p:cBhvr>
-                                        <p:cTn id="52" dur="1" fill="hold">
-                                          <p:stCondLst>
-                                            <p:cond delay="0"/>
-                                          </p:stCondLst>
-                                        </p:cTn>
-                                        <p:tgtEl>
-                                          <p:spTgt spid="11"/>
-                                        </p:tgtEl>
-                                        <p:attrNameLst>
-                                          <p:attrName>style.visibility</p:attrName>
-                                        </p:attrNameLst>
-                                      </p:cBhvr>
-                                      <p:to>
-                                        <p:strVal val="hidden"/>
-                                      </p:to>
-                                    </p:set>
-                                  </p:childTnLst>
-                                </p:cTn>
-                              </p:par>
-                            </p:childTnLst>
-                          </p:cTn>
-                        </p:par>
-                      </p:childTnLst>
-                    </p:cTn>
-                  </p:par>
-                </p:childTnLst>
-              </p:cTn>
-              <p:prevCondLst>
-                <p:cond evt="onPrev" delay="0">
-                  <p:tgtEl>
-                    <p:sldTgt/>
-                  </p:tgtEl>
-                </p:cond>
-              </p:prevCondLst>
-              <p:nextCondLst>
-                <p:cond evt="onNext" delay="0">
-                  <p:tgtEl>
-                    <p:sldTgt/>
-                  </p:tgtEl>
-                </p:cond>
-              </p:nextCondLst>
-            </p:seq>
-          </p:childTnLst>
-        </p:cTn>
-      </p:par>
-    </p:tnLst>
-    <p:bldLst>
-      <p:bldP spid="9" grpId="0" animBg="1"/>
-      <p:bldP spid="10" grpId="0" animBg="1"/>
-      <p:bldP spid="11" grpId="0" animBg="1"/>
-      <p:bldP spid="12" grpId="0" animBg="1"/>
-      <p:bldP spid="13" grpId="0" animBg="1"/>
-      <p:bldP spid="14" grpId="0" animBg="1"/>
-    </p:bldLst>
   </p:timing>
 </p:sld>
 </file>

--- a/Lesson slides/Unit 3b - Hash tables.pptx
+++ b/Lesson slides/Unit 3b - Hash tables.pptx
@@ -5,40 +5,41 @@
     <p:sldMasterId id="2147483729" r:id="rId1"/>
   </p:sldMasterIdLst>
   <p:notesMasterIdLst>
-    <p:notesMasterId r:id="rId33"/>
+    <p:notesMasterId r:id="rId34"/>
   </p:notesMasterIdLst>
   <p:sldIdLst>
     <p:sldId id="256" r:id="rId2"/>
     <p:sldId id="336" r:id="rId3"/>
-    <p:sldId id="300" r:id="rId4"/>
-    <p:sldId id="301" r:id="rId5"/>
-    <p:sldId id="302" r:id="rId6"/>
-    <p:sldId id="331" r:id="rId7"/>
-    <p:sldId id="303" r:id="rId8"/>
-    <p:sldId id="332" r:id="rId9"/>
-    <p:sldId id="304" r:id="rId10"/>
-    <p:sldId id="305" r:id="rId11"/>
-    <p:sldId id="306" r:id="rId12"/>
-    <p:sldId id="307" r:id="rId13"/>
-    <p:sldId id="308" r:id="rId14"/>
-    <p:sldId id="309" r:id="rId15"/>
-    <p:sldId id="310" r:id="rId16"/>
-    <p:sldId id="333" r:id="rId17"/>
-    <p:sldId id="311" r:id="rId18"/>
-    <p:sldId id="312" r:id="rId19"/>
-    <p:sldId id="313" r:id="rId20"/>
-    <p:sldId id="334" r:id="rId21"/>
-    <p:sldId id="314" r:id="rId22"/>
-    <p:sldId id="315" r:id="rId23"/>
-    <p:sldId id="316" r:id="rId24"/>
-    <p:sldId id="317" r:id="rId25"/>
-    <p:sldId id="318" r:id="rId26"/>
-    <p:sldId id="319" r:id="rId27"/>
-    <p:sldId id="320" r:id="rId28"/>
-    <p:sldId id="321" r:id="rId29"/>
-    <p:sldId id="323" r:id="rId30"/>
-    <p:sldId id="335" r:id="rId31"/>
-    <p:sldId id="324" r:id="rId32"/>
+    <p:sldId id="337" r:id="rId4"/>
+    <p:sldId id="300" r:id="rId5"/>
+    <p:sldId id="301" r:id="rId6"/>
+    <p:sldId id="302" r:id="rId7"/>
+    <p:sldId id="331" r:id="rId8"/>
+    <p:sldId id="303" r:id="rId9"/>
+    <p:sldId id="332" r:id="rId10"/>
+    <p:sldId id="304" r:id="rId11"/>
+    <p:sldId id="305" r:id="rId12"/>
+    <p:sldId id="306" r:id="rId13"/>
+    <p:sldId id="307" r:id="rId14"/>
+    <p:sldId id="308" r:id="rId15"/>
+    <p:sldId id="309" r:id="rId16"/>
+    <p:sldId id="310" r:id="rId17"/>
+    <p:sldId id="333" r:id="rId18"/>
+    <p:sldId id="311" r:id="rId19"/>
+    <p:sldId id="312" r:id="rId20"/>
+    <p:sldId id="313" r:id="rId21"/>
+    <p:sldId id="334" r:id="rId22"/>
+    <p:sldId id="314" r:id="rId23"/>
+    <p:sldId id="315" r:id="rId24"/>
+    <p:sldId id="316" r:id="rId25"/>
+    <p:sldId id="317" r:id="rId26"/>
+    <p:sldId id="318" r:id="rId27"/>
+    <p:sldId id="319" r:id="rId28"/>
+    <p:sldId id="320" r:id="rId29"/>
+    <p:sldId id="321" r:id="rId30"/>
+    <p:sldId id="323" r:id="rId31"/>
+    <p:sldId id="335" r:id="rId32"/>
+    <p:sldId id="324" r:id="rId33"/>
   </p:sldIdLst>
   <p:sldSz cx="12192000" cy="6858000"/>
   <p:notesSz cx="6858000" cy="9144000"/>
@@ -227,7 +228,7 @@
           <a:p>
             <a:fld id="{F314420D-16BA-4EDC-9A71-800590EAD5A3}" type="datetimeFigureOut">
               <a:rPr lang="en-GB" smtClean="0"/>
-              <a:t>07/12/2018</a:t>
+              <a:t>13/12/2018</a:t>
             </a:fld>
             <a:endParaRPr lang="en-GB"/>
           </a:p>
@@ -644,7 +645,7 @@
           <a:p>
             <a:fld id="{29573B9A-66FB-4A63-BCD5-E140B9429FD2}" type="slidenum">
               <a:rPr lang="en-GB" smtClean="0"/>
-              <a:t>3</a:t>
+              <a:t>4</a:t>
             </a:fld>
             <a:endParaRPr lang="en-GB"/>
           </a:p>
@@ -741,7 +742,7 @@
           <a:p>
             <a:fld id="{29573B9A-66FB-4A63-BCD5-E140B9429FD2}" type="slidenum">
               <a:rPr lang="en-GB" smtClean="0"/>
-              <a:t>9</a:t>
+              <a:t>10</a:t>
             </a:fld>
             <a:endParaRPr lang="en-GB"/>
           </a:p>
@@ -851,7 +852,7 @@
           <a:p>
             <a:fld id="{29573B9A-66FB-4A63-BCD5-E140B9429FD2}" type="slidenum">
               <a:rPr lang="en-GB" smtClean="0"/>
-              <a:t>12</a:t>
+              <a:t>13</a:t>
             </a:fld>
             <a:endParaRPr lang="en-GB"/>
           </a:p>
@@ -939,7 +940,7 @@
           <a:p>
             <a:fld id="{29573B9A-66FB-4A63-BCD5-E140B9429FD2}" type="slidenum">
               <a:rPr lang="en-GB" smtClean="0"/>
-              <a:t>13</a:t>
+              <a:t>14</a:t>
             </a:fld>
             <a:endParaRPr lang="en-GB"/>
           </a:p>
@@ -1198,7 +1199,7 @@
           <a:p>
             <a:fld id="{29573B9A-66FB-4A63-BCD5-E140B9429FD2}" type="slidenum">
               <a:rPr lang="en-GB" smtClean="0"/>
-              <a:t>17</a:t>
+              <a:t>18</a:t>
             </a:fld>
             <a:endParaRPr lang="en-GB"/>
           </a:p>
@@ -1285,7 +1286,7 @@
           <a:p>
             <a:fld id="{29573B9A-66FB-4A63-BCD5-E140B9429FD2}" type="slidenum">
               <a:rPr lang="en-GB" smtClean="0"/>
-              <a:t>30</a:t>
+              <a:t>31</a:t>
             </a:fld>
             <a:endParaRPr lang="en-GB"/>
           </a:p>
@@ -2030,7 +2031,7 @@
           <a:p>
             <a:fld id="{4AC2990A-2EB2-47B0-9F19-095E0F4CAE2E}" type="datetime1">
               <a:rPr lang="en-GB" smtClean="0"/>
-              <a:t>07/12/2018</a:t>
+              <a:t>13/12/2018</a:t>
             </a:fld>
             <a:endParaRPr lang="en-GB"/>
           </a:p>
@@ -2285,7 +2286,7 @@
           <a:p>
             <a:fld id="{22A5F433-E3C5-406F-95E0-5347F5410F1A}" type="datetime1">
               <a:rPr lang="en-GB" smtClean="0"/>
-              <a:t>07/12/2018</a:t>
+              <a:t>13/12/2018</a:t>
             </a:fld>
             <a:endParaRPr lang="en-GB"/>
           </a:p>
@@ -2603,7 +2604,7 @@
           <a:p>
             <a:fld id="{D4E40994-D892-4C74-B15A-5F6362316C44}" type="datetime1">
               <a:rPr lang="en-GB" smtClean="0"/>
-              <a:t>07/12/2018</a:t>
+              <a:t>13/12/2018</a:t>
             </a:fld>
             <a:endParaRPr lang="en-GB"/>
           </a:p>
@@ -2934,7 +2935,7 @@
           <a:p>
             <a:fld id="{FDC762E4-8EF5-45D8-9FDE-0FF43E771C22}" type="datetime1">
               <a:rPr lang="en-GB" smtClean="0"/>
-              <a:t>07/12/2018</a:t>
+              <a:t>13/12/2018</a:t>
             </a:fld>
             <a:endParaRPr lang="en-GB"/>
           </a:p>
@@ -3252,7 +3253,7 @@
           <a:p>
             <a:fld id="{5E60E461-DE00-407A-AAD1-C1D0E5AC19B1}" type="datetime1">
               <a:rPr lang="en-GB" smtClean="0"/>
-              <a:t>07/12/2018</a:t>
+              <a:t>13/12/2018</a:t>
             </a:fld>
             <a:endParaRPr lang="en-GB"/>
           </a:p>
@@ -3643,7 +3644,7 @@
           <a:p>
             <a:fld id="{048CC5B2-073F-444E-A8DD-B0BEEAC2F081}" type="datetime1">
               <a:rPr lang="en-GB" smtClean="0"/>
-              <a:t>07/12/2018</a:t>
+              <a:t>13/12/2018</a:t>
             </a:fld>
             <a:endParaRPr lang="en-GB"/>
           </a:p>
@@ -3817,7 +3818,7 @@
           <a:p>
             <a:fld id="{DF8D3392-CB98-481E-B2E9-67F4F5E85884}" type="datetime1">
               <a:rPr lang="en-GB" smtClean="0"/>
-              <a:t>07/12/2018</a:t>
+              <a:t>13/12/2018</a:t>
             </a:fld>
             <a:endParaRPr lang="en-GB"/>
           </a:p>
@@ -4001,7 +4002,7 @@
           <a:p>
             <a:fld id="{B23FE606-BE12-4A47-AC4F-9225405D8813}" type="datetime1">
               <a:rPr lang="en-GB" smtClean="0"/>
-              <a:t>07/12/2018</a:t>
+              <a:t>13/12/2018</a:t>
             </a:fld>
             <a:endParaRPr lang="en-GB"/>
           </a:p>
@@ -4175,7 +4176,7 @@
           <a:p>
             <a:fld id="{F2C205BA-54C1-4988-B409-20E622E7CB4B}" type="datetime1">
               <a:rPr lang="en-GB" smtClean="0"/>
-              <a:t>07/12/2018</a:t>
+              <a:t>13/12/2018</a:t>
             </a:fld>
             <a:endParaRPr lang="en-GB"/>
           </a:p>
@@ -4426,7 +4427,7 @@
           <a:p>
             <a:fld id="{BD24C106-E6EE-4935-B79B-58D5A2330348}" type="datetime1">
               <a:rPr lang="en-GB" smtClean="0"/>
-              <a:t>07/12/2018</a:t>
+              <a:t>13/12/2018</a:t>
             </a:fld>
             <a:endParaRPr lang="en-GB"/>
           </a:p>
@@ -4662,7 +4663,7 @@
           <a:p>
             <a:fld id="{1466EE15-B151-4673-B3BD-94D075E86906}" type="datetime1">
               <a:rPr lang="en-GB" smtClean="0"/>
-              <a:t>07/12/2018</a:t>
+              <a:t>13/12/2018</a:t>
             </a:fld>
             <a:endParaRPr lang="en-GB"/>
           </a:p>
@@ -5040,7 +5041,7 @@
           <a:p>
             <a:fld id="{F61A4B8D-3CC5-439C-BCFE-F05DEE19AB17}" type="datetime1">
               <a:rPr lang="en-GB" smtClean="0"/>
-              <a:t>07/12/2018</a:t>
+              <a:t>13/12/2018</a:t>
             </a:fld>
             <a:endParaRPr lang="en-GB"/>
           </a:p>
@@ -5167,7 +5168,7 @@
           <a:p>
             <a:fld id="{6796421B-81ED-483E-AC8A-54892A26C8C5}" type="datetime1">
               <a:rPr lang="en-GB" smtClean="0"/>
-              <a:t>07/12/2018</a:t>
+              <a:t>13/12/2018</a:t>
             </a:fld>
             <a:endParaRPr lang="en-GB"/>
           </a:p>
@@ -5266,7 +5267,7 @@
           <a:p>
             <a:fld id="{E8315253-8A1B-407F-97DA-07DFE52AB41D}" type="datetime1">
               <a:rPr lang="en-GB" smtClean="0"/>
-              <a:t>07/12/2018</a:t>
+              <a:t>13/12/2018</a:t>
             </a:fld>
             <a:endParaRPr lang="en-GB"/>
           </a:p>
@@ -5525,7 +5526,7 @@
           <a:p>
             <a:fld id="{EC0837CD-FB98-4458-B4BB-BD72FC557B2C}" type="datetime1">
               <a:rPr lang="en-GB" smtClean="0"/>
-              <a:t>07/12/2018</a:t>
+              <a:t>13/12/2018</a:t>
             </a:fld>
             <a:endParaRPr lang="en-GB"/>
           </a:p>
@@ -5792,7 +5793,7 @@
           <a:p>
             <a:fld id="{AA44DDB6-D08D-4CCA-90B0-817184E41EB3}" type="datetime1">
               <a:rPr lang="en-GB" smtClean="0"/>
-              <a:t>07/12/2018</a:t>
+              <a:t>13/12/2018</a:t>
             </a:fld>
             <a:endParaRPr lang="en-GB"/>
           </a:p>
@@ -6541,7 +6542,7 @@
           <a:p>
             <a:fld id="{E06C14C1-8B78-465F-B085-617B8F695A74}" type="datetime1">
               <a:rPr lang="en-GB" smtClean="0"/>
-              <a:t>07/12/2018</a:t>
+              <a:t>13/12/2018</a:t>
             </a:fld>
             <a:endParaRPr lang="en-GB"/>
           </a:p>
@@ -7186,6 +7187,338 @@
 </file>
 
 <file path=ppt/slides/slide10.xml><?xml version="1.0" encoding="utf-8"?>
+<p:sld xmlns:a="http://schemas.openxmlformats.org/drawingml/2006/main" xmlns:r="http://schemas.openxmlformats.org/officeDocument/2006/relationships" xmlns:p="http://schemas.openxmlformats.org/presentationml/2006/main">
+  <p:cSld>
+    <p:spTree>
+      <p:nvGrpSpPr>
+        <p:cNvPr id="1" name=""/>
+        <p:cNvGrpSpPr/>
+        <p:nvPr/>
+      </p:nvGrpSpPr>
+      <p:grpSpPr>
+        <a:xfrm>
+          <a:off x="0" y="0"/>
+          <a:ext cx="0" cy="0"/>
+          <a:chOff x="0" y="0"/>
+          <a:chExt cx="0" cy="0"/>
+        </a:xfrm>
+      </p:grpSpPr>
+      <p:sp>
+        <p:nvSpPr>
+          <p:cNvPr id="2" name="Title 1"/>
+          <p:cNvSpPr>
+            <a:spLocks noGrp="1"/>
+          </p:cNvSpPr>
+          <p:nvPr>
+            <p:ph type="title"/>
+          </p:nvPr>
+        </p:nvSpPr>
+        <p:spPr/>
+        <p:txBody>
+          <a:bodyPr/>
+          <a:lstStyle/>
+          <a:p>
+            <a:r>
+              <a:rPr lang="en-GB" dirty="0"/>
+              <a:t>Hash table - Definition </a:t>
+            </a:r>
+          </a:p>
+        </p:txBody>
+      </p:sp>
+      <p:sp>
+        <p:nvSpPr>
+          <p:cNvPr id="3" name="Content Placeholder 2"/>
+          <p:cNvSpPr>
+            <a:spLocks noGrp="1"/>
+          </p:cNvSpPr>
+          <p:nvPr>
+            <p:ph idx="1"/>
+          </p:nvPr>
+        </p:nvSpPr>
+        <p:spPr/>
+        <p:txBody>
+          <a:bodyPr/>
+          <a:lstStyle/>
+          <a:p>
+            <a:r>
+              <a:rPr lang="en-GB" dirty="0"/>
+              <a:t>In Java and .NET, every object is associated to a hash code (</a:t>
+            </a:r>
+            <a:r>
+              <a:rPr lang="en-US" dirty="0"/>
+              <a:t>computed from the actual hard data stored in the object), accessible through the methods:</a:t>
+            </a:r>
+            <a:endParaRPr lang="en-GB" dirty="0"/>
+          </a:p>
+          <a:p>
+            <a:pPr lvl="1"/>
+            <a:r>
+              <a:rPr lang="en-GB" dirty="0"/>
+              <a:t>[Java] </a:t>
+            </a:r>
+            <a:r>
+              <a:rPr lang="en-GB" dirty="0" err="1"/>
+              <a:t>Object.hashCode</a:t>
+            </a:r>
+            <a:r>
+              <a:rPr lang="en-GB" dirty="0"/>
+              <a:t>()</a:t>
+            </a:r>
+          </a:p>
+          <a:p>
+            <a:pPr lvl="1"/>
+            <a:r>
+              <a:rPr lang="en-GB" dirty="0"/>
+              <a:t>[.NET] </a:t>
+            </a:r>
+            <a:r>
+              <a:rPr lang="en-GB" dirty="0" err="1"/>
+              <a:t>Object.GetHashCode</a:t>
+            </a:r>
+            <a:r>
+              <a:rPr lang="en-GB" dirty="0"/>
+              <a:t>()</a:t>
+            </a:r>
+          </a:p>
+          <a:p>
+            <a:pPr lvl="1"/>
+            <a:endParaRPr lang="en-GB" dirty="0"/>
+          </a:p>
+          <a:p>
+            <a:r>
+              <a:rPr lang="en-GB" dirty="0"/>
+              <a:t>Example: hash codes of some strings made by three characters</a:t>
+            </a:r>
+          </a:p>
+        </p:txBody>
+      </p:sp>
+      <p:sp>
+        <p:nvSpPr>
+          <p:cNvPr id="4" name="Footer Placeholder 3"/>
+          <p:cNvSpPr>
+            <a:spLocks noGrp="1"/>
+          </p:cNvSpPr>
+          <p:nvPr>
+            <p:ph type="ftr" sz="quarter" idx="11"/>
+          </p:nvPr>
+        </p:nvSpPr>
+        <p:spPr/>
+        <p:txBody>
+          <a:bodyPr/>
+          <a:lstStyle/>
+          <a:p>
+            <a:r>
+              <a:rPr lang="it-IT"/>
+              <a:t>INFDEV036A - G. Costantini, F. Di Giacomo</a:t>
+            </a:r>
+            <a:endParaRPr lang="en-GB"/>
+          </a:p>
+        </p:txBody>
+      </p:sp>
+      <p:pic>
+        <p:nvPicPr>
+          <p:cNvPr id="5" name="Afbeelding 4"/>
+          <p:cNvPicPr>
+            <a:picLocks noChangeAspect="1"/>
+          </p:cNvPicPr>
+          <p:nvPr/>
+        </p:nvPicPr>
+        <p:blipFill>
+          <a:blip r:embed="rId3"/>
+          <a:stretch>
+            <a:fillRect/>
+          </a:stretch>
+        </p:blipFill>
+        <p:spPr>
+          <a:xfrm>
+            <a:off x="3826140" y="4445745"/>
+            <a:ext cx="1805575" cy="1960742"/>
+          </a:xfrm>
+          <a:prstGeom prst="rect">
+            <a:avLst/>
+          </a:prstGeom>
+        </p:spPr>
+      </p:pic>
+      <p:sp>
+        <p:nvSpPr>
+          <p:cNvPr id="6" name="Rechthoek 5"/>
+          <p:cNvSpPr/>
+          <p:nvPr/>
+        </p:nvSpPr>
+        <p:spPr>
+          <a:xfrm>
+            <a:off x="6556591" y="4792671"/>
+            <a:ext cx="2717411" cy="369332"/>
+          </a:xfrm>
+          <a:prstGeom prst="rect">
+            <a:avLst/>
+          </a:prstGeom>
+        </p:spPr>
+        <p:style>
+          <a:lnRef idx="1">
+            <a:schemeClr val="accent1"/>
+          </a:lnRef>
+          <a:fillRef idx="2">
+            <a:schemeClr val="accent1"/>
+          </a:fillRef>
+          <a:effectRef idx="1">
+            <a:schemeClr val="accent1"/>
+          </a:effectRef>
+          <a:fontRef idx="minor">
+            <a:schemeClr val="dk1"/>
+          </a:fontRef>
+        </p:style>
+        <p:txBody>
+          <a:bodyPr wrap="none">
+            <a:spAutoFit/>
+          </a:bodyPr>
+          <a:lstStyle/>
+          <a:p>
+            <a:pPr algn="ctr"/>
+            <a:r>
+              <a:rPr lang="en-US" dirty="0">
+                <a:latin typeface="Consolas" panose="020B0609020204030204" pitchFamily="49" charset="0"/>
+                <a:cs typeface="Consolas" panose="020B0609020204030204" pitchFamily="49" charset="0"/>
+              </a:rPr>
+              <a:t>hash = </a:t>
+            </a:r>
+            <a:r>
+              <a:rPr lang="en-US" dirty="0" err="1">
+                <a:latin typeface="Consolas" panose="020B0609020204030204" pitchFamily="49" charset="0"/>
+                <a:cs typeface="Consolas" panose="020B0609020204030204" pitchFamily="49" charset="0"/>
+              </a:rPr>
+              <a:t>hashfunc</a:t>
+            </a:r>
+            <a:r>
+              <a:rPr lang="en-US" dirty="0">
+                <a:latin typeface="Consolas" panose="020B0609020204030204" pitchFamily="49" charset="0"/>
+                <a:cs typeface="Consolas" panose="020B0609020204030204" pitchFamily="49" charset="0"/>
+              </a:rPr>
+              <a:t>(key)</a:t>
+            </a:r>
+          </a:p>
+        </p:txBody>
+      </p:sp>
+    </p:spTree>
+    <p:extLst>
+      <p:ext uri="{BB962C8B-B14F-4D97-AF65-F5344CB8AC3E}">
+        <p14:creationId xmlns:p14="http://schemas.microsoft.com/office/powerpoint/2010/main" val="1236802815"/>
+      </p:ext>
+    </p:extLst>
+  </p:cSld>
+  <p:clrMapOvr>
+    <a:masterClrMapping/>
+  </p:clrMapOvr>
+  <p:timing>
+    <p:tnLst>
+      <p:par>
+        <p:cTn id="1" dur="indefinite" restart="never" nodeType="tmRoot">
+          <p:childTnLst>
+            <p:seq concurrent="1" nextAc="seek">
+              <p:cTn id="2" dur="indefinite" nodeType="mainSeq">
+                <p:childTnLst>
+                  <p:par>
+                    <p:cTn id="3" fill="hold">
+                      <p:stCondLst>
+                        <p:cond delay="indefinite"/>
+                      </p:stCondLst>
+                      <p:childTnLst>
+                        <p:par>
+                          <p:cTn id="4" fill="hold">
+                            <p:stCondLst>
+                              <p:cond delay="0"/>
+                            </p:stCondLst>
+                            <p:childTnLst>
+                              <p:par>
+                                <p:cTn id="5" presetID="1" presetClass="entr" presetSubtype="0" fill="hold" nodeType="clickEffect">
+                                  <p:stCondLst>
+                                    <p:cond delay="0"/>
+                                  </p:stCondLst>
+                                  <p:childTnLst>
+                                    <p:set>
+                                      <p:cBhvr>
+                                        <p:cTn id="6" dur="1" fill="hold">
+                                          <p:stCondLst>
+                                            <p:cond delay="0"/>
+                                          </p:stCondLst>
+                                        </p:cTn>
+                                        <p:tgtEl>
+                                          <p:spTgt spid="3">
+                                            <p:txEl>
+                                              <p:pRg st="4" end="4"/>
+                                            </p:txEl>
+                                          </p:spTgt>
+                                        </p:tgtEl>
+                                        <p:attrNameLst>
+                                          <p:attrName>style.visibility</p:attrName>
+                                        </p:attrNameLst>
+                                      </p:cBhvr>
+                                      <p:to>
+                                        <p:strVal val="visible"/>
+                                      </p:to>
+                                    </p:set>
+                                  </p:childTnLst>
+                                </p:cTn>
+                              </p:par>
+                              <p:par>
+                                <p:cTn id="7" presetID="1" presetClass="entr" presetSubtype="0" fill="hold" nodeType="withEffect">
+                                  <p:stCondLst>
+                                    <p:cond delay="0"/>
+                                  </p:stCondLst>
+                                  <p:childTnLst>
+                                    <p:set>
+                                      <p:cBhvr>
+                                        <p:cTn id="8" dur="1" fill="hold">
+                                          <p:stCondLst>
+                                            <p:cond delay="0"/>
+                                          </p:stCondLst>
+                                        </p:cTn>
+                                        <p:tgtEl>
+                                          <p:spTgt spid="5"/>
+                                        </p:tgtEl>
+                                        <p:attrNameLst>
+                                          <p:attrName>style.visibility</p:attrName>
+                                        </p:attrNameLst>
+                                      </p:cBhvr>
+                                      <p:to>
+                                        <p:strVal val="visible"/>
+                                      </p:to>
+                                    </p:set>
+                                  </p:childTnLst>
+                                </p:cTn>
+                              </p:par>
+                            </p:childTnLst>
+                          </p:cTn>
+                        </p:par>
+                      </p:childTnLst>
+                    </p:cTn>
+                  </p:par>
+                </p:childTnLst>
+              </p:cTn>
+              <p:prevCondLst>
+                <p:cond evt="onPrev" delay="0">
+                  <p:tgtEl>
+                    <p:sldTgt/>
+                  </p:tgtEl>
+                </p:cond>
+              </p:prevCondLst>
+              <p:nextCondLst>
+                <p:cond evt="onNext" delay="0">
+                  <p:tgtEl>
+                    <p:sldTgt/>
+                  </p:tgtEl>
+                </p:cond>
+              </p:nextCondLst>
+            </p:seq>
+          </p:childTnLst>
+        </p:cTn>
+      </p:par>
+    </p:tnLst>
+  </p:timing>
+</p:sld>
+</file>
+
+<file path=ppt/slides/slide11.xml><?xml version="1.0" encoding="utf-8"?>
 <p:sld xmlns:a="http://schemas.openxmlformats.org/drawingml/2006/main" xmlns:r="http://schemas.openxmlformats.org/officeDocument/2006/relationships" xmlns:p="http://schemas.openxmlformats.org/presentationml/2006/main">
   <p:cSld>
     <p:spTree>
@@ -8457,7 +8790,7 @@
 </p:sld>
 </file>
 
-<file path=ppt/slides/slide11.xml><?xml version="1.0" encoding="utf-8"?>
+<file path=ppt/slides/slide12.xml><?xml version="1.0" encoding="utf-8"?>
 <p:sld xmlns:a="http://schemas.openxmlformats.org/drawingml/2006/main" xmlns:r="http://schemas.openxmlformats.org/officeDocument/2006/relationships" xmlns:p="http://schemas.openxmlformats.org/presentationml/2006/main">
   <p:cSld>
     <p:spTree>
@@ -8743,7 +9076,7 @@
 </p:sld>
 </file>
 
-<file path=ppt/slides/slide12.xml><?xml version="1.0" encoding="utf-8"?>
+<file path=ppt/slides/slide13.xml><?xml version="1.0" encoding="utf-8"?>
 <p:sld xmlns:a="http://schemas.openxmlformats.org/drawingml/2006/main" xmlns:r="http://schemas.openxmlformats.org/officeDocument/2006/relationships" xmlns:p="http://schemas.openxmlformats.org/presentationml/2006/main">
   <p:cSld>
     <p:spTree>
@@ -9307,7 +9640,7 @@
 </p:sld>
 </file>
 
-<file path=ppt/slides/slide13.xml><?xml version="1.0" encoding="utf-8"?>
+<file path=ppt/slides/slide14.xml><?xml version="1.0" encoding="utf-8"?>
 <p:sld xmlns:a="http://schemas.openxmlformats.org/drawingml/2006/main" xmlns:r="http://schemas.openxmlformats.org/officeDocument/2006/relationships" xmlns:p="http://schemas.openxmlformats.org/presentationml/2006/main">
   <p:cSld>
     <p:spTree>
@@ -9705,7 +10038,7 @@
 </p:sld>
 </file>
 
-<file path=ppt/slides/slide14.xml><?xml version="1.0" encoding="utf-8"?>
+<file path=ppt/slides/slide15.xml><?xml version="1.0" encoding="utf-8"?>
 <p:sld xmlns:a="http://schemas.openxmlformats.org/drawingml/2006/main" xmlns:r="http://schemas.openxmlformats.org/officeDocument/2006/relationships" xmlns:p="http://schemas.openxmlformats.org/presentationml/2006/main">
   <p:cSld>
     <p:spTree>
@@ -10045,7 +10378,7 @@
 </p:sld>
 </file>
 
-<file path=ppt/slides/slide15.xml><?xml version="1.0" encoding="utf-8"?>
+<file path=ppt/slides/slide16.xml><?xml version="1.0" encoding="utf-8"?>
 <p:sld xmlns:a="http://schemas.openxmlformats.org/drawingml/2006/main" xmlns:r="http://schemas.openxmlformats.org/officeDocument/2006/relationships" xmlns:p="http://schemas.openxmlformats.org/presentationml/2006/main">
   <p:cSld>
     <p:spTree>
@@ -10471,7 +10804,7 @@
 </p:sld>
 </file>
 
-<file path=ppt/slides/slide16.xml><?xml version="1.0" encoding="utf-8"?>
+<file path=ppt/slides/slide17.xml><?xml version="1.0" encoding="utf-8"?>
 <p:sld xmlns:a="http://schemas.openxmlformats.org/drawingml/2006/main" xmlns:r="http://schemas.openxmlformats.org/officeDocument/2006/relationships" xmlns:p="http://schemas.openxmlformats.org/presentationml/2006/main">
   <p:cSld>
     <p:spTree>
@@ -10766,7 +11099,7 @@
 </p:sld>
 </file>
 
-<file path=ppt/slides/slide17.xml><?xml version="1.0" encoding="utf-8"?>
+<file path=ppt/slides/slide18.xml><?xml version="1.0" encoding="utf-8"?>
 <p:sld xmlns:a="http://schemas.openxmlformats.org/drawingml/2006/main" xmlns:r="http://schemas.openxmlformats.org/officeDocument/2006/relationships" xmlns:p="http://schemas.openxmlformats.org/presentationml/2006/main">
   <p:cSld>
     <p:spTree>
@@ -11346,7 +11679,7 @@
 </p:sld>
 </file>
 
-<file path=ppt/slides/slide18.xml><?xml version="1.0" encoding="utf-8"?>
+<file path=ppt/slides/slide19.xml><?xml version="1.0" encoding="utf-8"?>
 <p:sld xmlns:a="http://schemas.openxmlformats.org/drawingml/2006/main" xmlns:r="http://schemas.openxmlformats.org/officeDocument/2006/relationships" xmlns:p="http://schemas.openxmlformats.org/presentationml/2006/main">
   <p:cSld>
     <p:spTree>
@@ -11724,7 +12057,370 @@
 </p:sld>
 </file>
 
-<file path=ppt/slides/slide19.xml><?xml version="1.0" encoding="utf-8"?>
+<file path=ppt/slides/slide2.xml><?xml version="1.0" encoding="utf-8"?>
+<p:sld xmlns:a="http://schemas.openxmlformats.org/drawingml/2006/main" xmlns:r="http://schemas.openxmlformats.org/officeDocument/2006/relationships" xmlns:p="http://schemas.openxmlformats.org/presentationml/2006/main">
+  <p:cSld>
+    <p:spTree>
+      <p:nvGrpSpPr>
+        <p:cNvPr id="1" name=""/>
+        <p:cNvGrpSpPr/>
+        <p:nvPr/>
+      </p:nvGrpSpPr>
+      <p:grpSpPr>
+        <a:xfrm>
+          <a:off x="0" y="0"/>
+          <a:ext cx="0" cy="0"/>
+          <a:chOff x="0" y="0"/>
+          <a:chExt cx="0" cy="0"/>
+        </a:xfrm>
+      </p:grpSpPr>
+      <p:sp>
+        <p:nvSpPr>
+          <p:cNvPr id="2" name="Titel 1">
+            <a:extLst>
+              <a:ext uri="{FF2B5EF4-FFF2-40B4-BE49-F238E27FC236}">
+                <a16:creationId xmlns:a16="http://schemas.microsoft.com/office/drawing/2014/main" id="{8E552BAE-3024-4DB8-BB41-E230A7CC7E8D}"/>
+              </a:ext>
+            </a:extLst>
+          </p:cNvPr>
+          <p:cNvSpPr>
+            <a:spLocks noGrp="1"/>
+          </p:cNvSpPr>
+          <p:nvPr>
+            <p:ph type="title"/>
+          </p:nvPr>
+        </p:nvSpPr>
+        <p:spPr/>
+        <p:txBody>
+          <a:bodyPr/>
+          <a:lstStyle/>
+          <a:p>
+            <a:r>
+              <a:rPr lang="nl-NL" dirty="0" err="1"/>
+              <a:t>Homework</a:t>
+            </a:r>
+            <a:r>
+              <a:rPr lang="nl-NL" dirty="0"/>
+              <a:t> </a:t>
+            </a:r>
+            <a:r>
+              <a:rPr lang="nl-NL" dirty="0" err="1"/>
+              <a:t>progress</a:t>
+            </a:r>
+            <a:endParaRPr lang="nl-NL" dirty="0"/>
+          </a:p>
+        </p:txBody>
+      </p:sp>
+      <p:sp>
+        <p:nvSpPr>
+          <p:cNvPr id="3" name="Tijdelijke aanduiding voor inhoud 2">
+            <a:extLst>
+              <a:ext uri="{FF2B5EF4-FFF2-40B4-BE49-F238E27FC236}">
+                <a16:creationId xmlns:a16="http://schemas.microsoft.com/office/drawing/2014/main" id="{C2939A31-8D50-4791-B04E-DEAA3BF6DB85}"/>
+              </a:ext>
+            </a:extLst>
+          </p:cNvPr>
+          <p:cNvSpPr>
+            <a:spLocks noGrp="1"/>
+          </p:cNvSpPr>
+          <p:nvPr>
+            <p:ph idx="1"/>
+          </p:nvPr>
+        </p:nvSpPr>
+        <p:spPr/>
+        <p:txBody>
+          <a:bodyPr/>
+          <a:lstStyle/>
+          <a:p>
+            <a:r>
+              <a:rPr lang="nl-NL" dirty="0"/>
+              <a:t>Have </a:t>
+            </a:r>
+            <a:r>
+              <a:rPr lang="nl-NL" dirty="0" err="1"/>
+              <a:t>you</a:t>
+            </a:r>
+            <a:r>
+              <a:rPr lang="nl-NL" dirty="0"/>
+              <a:t> </a:t>
+            </a:r>
+            <a:r>
+              <a:rPr lang="nl-NL" dirty="0" err="1"/>
+              <a:t>completed</a:t>
+            </a:r>
+            <a:r>
+              <a:rPr lang="nl-NL" dirty="0"/>
+              <a:t> </a:t>
+            </a:r>
+            <a:r>
+              <a:rPr lang="nl-NL" dirty="0" err="1"/>
+              <a:t>all</a:t>
+            </a:r>
+            <a:r>
+              <a:rPr lang="nl-NL" dirty="0"/>
+              <a:t> MC </a:t>
+            </a:r>
+            <a:r>
+              <a:rPr lang="nl-NL" dirty="0" err="1"/>
+              <a:t>questions</a:t>
+            </a:r>
+            <a:r>
+              <a:rPr lang="nl-NL" dirty="0"/>
+              <a:t> in </a:t>
+            </a:r>
+            <a:r>
+              <a:rPr lang="nl-NL" dirty="0" err="1"/>
+              <a:t>GrandeOmega</a:t>
+            </a:r>
+            <a:r>
+              <a:rPr lang="nl-NL" dirty="0"/>
+              <a:t>?</a:t>
+            </a:r>
+          </a:p>
+          <a:p>
+            <a:endParaRPr lang="nl-NL" dirty="0"/>
+          </a:p>
+          <a:p>
+            <a:endParaRPr lang="nl-NL" dirty="0"/>
+          </a:p>
+          <a:p>
+            <a:endParaRPr lang="nl-NL" dirty="0"/>
+          </a:p>
+          <a:p>
+            <a:endParaRPr lang="nl-NL" dirty="0"/>
+          </a:p>
+          <a:p>
+            <a:r>
+              <a:rPr lang="nl-NL" dirty="0"/>
+              <a:t>Have </a:t>
+            </a:r>
+            <a:r>
+              <a:rPr lang="nl-NL" dirty="0" err="1"/>
+              <a:t>you</a:t>
+            </a:r>
+            <a:r>
+              <a:rPr lang="nl-NL" dirty="0"/>
+              <a:t> </a:t>
+            </a:r>
+            <a:r>
+              <a:rPr lang="nl-NL" dirty="0" err="1"/>
+              <a:t>implemented</a:t>
+            </a:r>
+            <a:r>
+              <a:rPr lang="nl-NL" dirty="0"/>
+              <a:t> </a:t>
+            </a:r>
+            <a:r>
+              <a:rPr lang="nl-NL" dirty="0" err="1"/>
+              <a:t>all</a:t>
+            </a:r>
+            <a:r>
+              <a:rPr lang="nl-NL" dirty="0"/>
+              <a:t> </a:t>
+            </a:r>
+            <a:r>
+              <a:rPr lang="nl-NL" dirty="0" err="1"/>
+              <a:t>algorithms+data</a:t>
+            </a:r>
+            <a:r>
+              <a:rPr lang="nl-NL" dirty="0"/>
+              <a:t> </a:t>
+            </a:r>
+            <a:r>
+              <a:rPr lang="nl-NL" dirty="0" err="1"/>
+              <a:t>structures</a:t>
+            </a:r>
+            <a:r>
+              <a:rPr lang="nl-NL" dirty="0"/>
+              <a:t> </a:t>
+            </a:r>
+            <a:r>
+              <a:rPr lang="nl-NL" dirty="0" err="1"/>
+              <a:t>seen</a:t>
+            </a:r>
+            <a:r>
+              <a:rPr lang="nl-NL" dirty="0"/>
+              <a:t> in </a:t>
+            </a:r>
+            <a:r>
+              <a:rPr lang="nl-NL" dirty="0" err="1"/>
+              <a:t>the</a:t>
+            </a:r>
+            <a:r>
+              <a:rPr lang="nl-NL" dirty="0"/>
+              <a:t> </a:t>
+            </a:r>
+            <a:r>
+              <a:rPr lang="nl-NL" dirty="0" err="1"/>
+              <a:t>previous</a:t>
+            </a:r>
+            <a:r>
+              <a:rPr lang="nl-NL" dirty="0"/>
+              <a:t> </a:t>
+            </a:r>
+            <a:r>
+              <a:rPr lang="nl-NL" dirty="0" err="1"/>
+              <a:t>lessons</a:t>
+            </a:r>
+            <a:r>
+              <a:rPr lang="nl-NL" dirty="0"/>
+              <a:t>?</a:t>
+            </a:r>
+          </a:p>
+        </p:txBody>
+      </p:sp>
+      <p:sp>
+        <p:nvSpPr>
+          <p:cNvPr id="4" name="Tijdelijke aanduiding voor voettekst 3">
+            <a:extLst>
+              <a:ext uri="{FF2B5EF4-FFF2-40B4-BE49-F238E27FC236}">
+                <a16:creationId xmlns:a16="http://schemas.microsoft.com/office/drawing/2014/main" id="{12977DE5-C067-4A68-BD9B-7DF3B5BA4EB0}"/>
+              </a:ext>
+            </a:extLst>
+          </p:cNvPr>
+          <p:cNvSpPr>
+            <a:spLocks noGrp="1"/>
+          </p:cNvSpPr>
+          <p:nvPr>
+            <p:ph type="ftr" sz="quarter" idx="11"/>
+          </p:nvPr>
+        </p:nvSpPr>
+        <p:spPr/>
+        <p:txBody>
+          <a:bodyPr/>
+          <a:lstStyle/>
+          <a:p>
+            <a:r>
+              <a:rPr lang="it-IT"/>
+              <a:t>INFDEV036A - G. Costantini, F. Di Giacomo</a:t>
+            </a:r>
+            <a:endParaRPr lang="en-GB"/>
+          </a:p>
+        </p:txBody>
+      </p:sp>
+      <p:pic>
+        <p:nvPicPr>
+          <p:cNvPr id="5" name="Afbeelding 4">
+            <a:extLst>
+              <a:ext uri="{FF2B5EF4-FFF2-40B4-BE49-F238E27FC236}">
+                <a16:creationId xmlns:a16="http://schemas.microsoft.com/office/drawing/2014/main" id="{7ACE87FE-5A80-426D-BD43-DACC45FD1C50}"/>
+              </a:ext>
+            </a:extLst>
+          </p:cNvPr>
+          <p:cNvPicPr>
+            <a:picLocks noChangeAspect="1"/>
+          </p:cNvPicPr>
+          <p:nvPr/>
+        </p:nvPicPr>
+        <p:blipFill>
+          <a:blip r:embed="rId2"/>
+          <a:stretch>
+            <a:fillRect/>
+          </a:stretch>
+        </p:blipFill>
+        <p:spPr>
+          <a:xfrm>
+            <a:off x="6974946" y="97029"/>
+            <a:ext cx="3707378" cy="4007831"/>
+          </a:xfrm>
+          <a:prstGeom prst="rect">
+            <a:avLst/>
+          </a:prstGeom>
+        </p:spPr>
+      </p:pic>
+    </p:spTree>
+    <p:extLst>
+      <p:ext uri="{BB962C8B-B14F-4D97-AF65-F5344CB8AC3E}">
+        <p14:creationId xmlns:p14="http://schemas.microsoft.com/office/powerpoint/2010/main" val="1434186207"/>
+      </p:ext>
+    </p:extLst>
+  </p:cSld>
+  <p:clrMapOvr>
+    <a:masterClrMapping/>
+  </p:clrMapOvr>
+  <p:timing>
+    <p:tnLst>
+      <p:par>
+        <p:cTn id="1" dur="indefinite" restart="never" nodeType="tmRoot">
+          <p:childTnLst>
+            <p:seq concurrent="1" nextAc="seek">
+              <p:cTn id="2" dur="indefinite" nodeType="mainSeq">
+                <p:childTnLst>
+                  <p:par>
+                    <p:cTn id="3" fill="hold">
+                      <p:stCondLst>
+                        <p:cond delay="indefinite"/>
+                      </p:stCondLst>
+                      <p:childTnLst>
+                        <p:par>
+                          <p:cTn id="4" fill="hold">
+                            <p:stCondLst>
+                              <p:cond delay="0"/>
+                            </p:stCondLst>
+                            <p:childTnLst>
+                              <p:par>
+                                <p:cTn id="5" presetID="1" presetClass="entr" presetSubtype="0" fill="hold" nodeType="clickEffect">
+                                  <p:stCondLst>
+                                    <p:cond delay="0"/>
+                                  </p:stCondLst>
+                                  <p:childTnLst>
+                                    <p:set>
+                                      <p:cBhvr>
+                                        <p:cTn id="6" dur="1" fill="hold">
+                                          <p:stCondLst>
+                                            <p:cond delay="0"/>
+                                          </p:stCondLst>
+                                        </p:cTn>
+                                        <p:tgtEl>
+                                          <p:spTgt spid="3">
+                                            <p:txEl>
+                                              <p:pRg st="5" end="5"/>
+                                            </p:txEl>
+                                          </p:spTgt>
+                                        </p:tgtEl>
+                                        <p:attrNameLst>
+                                          <p:attrName>style.visibility</p:attrName>
+                                        </p:attrNameLst>
+                                      </p:cBhvr>
+                                      <p:to>
+                                        <p:strVal val="visible"/>
+                                      </p:to>
+                                    </p:set>
+                                  </p:childTnLst>
+                                </p:cTn>
+                              </p:par>
+                            </p:childTnLst>
+                          </p:cTn>
+                        </p:par>
+                      </p:childTnLst>
+                    </p:cTn>
+                  </p:par>
+                </p:childTnLst>
+              </p:cTn>
+              <p:prevCondLst>
+                <p:cond evt="onPrev" delay="0">
+                  <p:tgtEl>
+                    <p:sldTgt/>
+                  </p:tgtEl>
+                </p:cond>
+              </p:prevCondLst>
+              <p:nextCondLst>
+                <p:cond evt="onNext" delay="0">
+                  <p:tgtEl>
+                    <p:sldTgt/>
+                  </p:tgtEl>
+                </p:cond>
+              </p:nextCondLst>
+            </p:seq>
+          </p:childTnLst>
+        </p:cTn>
+      </p:par>
+    </p:tnLst>
+  </p:timing>
+</p:sld>
+</file>
+
+<file path=ppt/slides/slide20.xml><?xml version="1.0" encoding="utf-8"?>
 <p:sld xmlns:a="http://schemas.openxmlformats.org/drawingml/2006/main" xmlns:r="http://schemas.openxmlformats.org/officeDocument/2006/relationships" xmlns:p="http://schemas.openxmlformats.org/presentationml/2006/main">
   <p:cSld>
     <p:spTree>
@@ -11972,7 +12668,7 @@
 </p:sld>
 </file>
 
-<file path=ppt/slides/slide2.xml><?xml version="1.0" encoding="utf-8"?>
+<file path=ppt/slides/slide21.xml><?xml version="1.0" encoding="utf-8"?>
 <p:sld xmlns:a="http://schemas.openxmlformats.org/drawingml/2006/main" xmlns:r="http://schemas.openxmlformats.org/officeDocument/2006/relationships" xmlns:p="http://schemas.openxmlformats.org/presentationml/2006/main">
   <p:cSld>
     <p:spTree>
@@ -11991,290 +12687,6 @@
       </p:grpSpPr>
       <p:sp>
         <p:nvSpPr>
-          <p:cNvPr id="2" name="Titel 1">
-            <a:extLst>
-              <a:ext uri="{FF2B5EF4-FFF2-40B4-BE49-F238E27FC236}">
-                <a16:creationId xmlns:a16="http://schemas.microsoft.com/office/drawing/2014/main" id="{8E552BAE-3024-4DB8-BB41-E230A7CC7E8D}"/>
-              </a:ext>
-            </a:extLst>
-          </p:cNvPr>
-          <p:cNvSpPr>
-            <a:spLocks noGrp="1"/>
-          </p:cNvSpPr>
-          <p:nvPr>
-            <p:ph type="title"/>
-          </p:nvPr>
-        </p:nvSpPr>
-        <p:spPr/>
-        <p:txBody>
-          <a:bodyPr/>
-          <a:lstStyle/>
-          <a:p>
-            <a:r>
-              <a:rPr lang="nl-NL" dirty="0" err="1"/>
-              <a:t>Homework</a:t>
-            </a:r>
-            <a:r>
-              <a:rPr lang="nl-NL" dirty="0"/>
-              <a:t> </a:t>
-            </a:r>
-            <a:r>
-              <a:rPr lang="nl-NL" dirty="0" err="1"/>
-              <a:t>progress</a:t>
-            </a:r>
-            <a:endParaRPr lang="nl-NL" dirty="0"/>
-          </a:p>
-        </p:txBody>
-      </p:sp>
-      <p:sp>
-        <p:nvSpPr>
-          <p:cNvPr id="3" name="Tijdelijke aanduiding voor inhoud 2">
-            <a:extLst>
-              <a:ext uri="{FF2B5EF4-FFF2-40B4-BE49-F238E27FC236}">
-                <a16:creationId xmlns:a16="http://schemas.microsoft.com/office/drawing/2014/main" id="{C2939A31-8D50-4791-B04E-DEAA3BF6DB85}"/>
-              </a:ext>
-            </a:extLst>
-          </p:cNvPr>
-          <p:cNvSpPr>
-            <a:spLocks noGrp="1"/>
-          </p:cNvSpPr>
-          <p:nvPr>
-            <p:ph idx="1"/>
-          </p:nvPr>
-        </p:nvSpPr>
-        <p:spPr/>
-        <p:txBody>
-          <a:bodyPr/>
-          <a:lstStyle/>
-          <a:p>
-            <a:r>
-              <a:rPr lang="nl-NL" dirty="0"/>
-              <a:t>Have </a:t>
-            </a:r>
-            <a:r>
-              <a:rPr lang="nl-NL" dirty="0" err="1"/>
-              <a:t>you</a:t>
-            </a:r>
-            <a:r>
-              <a:rPr lang="nl-NL" dirty="0"/>
-              <a:t> </a:t>
-            </a:r>
-            <a:r>
-              <a:rPr lang="nl-NL" dirty="0" err="1"/>
-              <a:t>completed</a:t>
-            </a:r>
-            <a:r>
-              <a:rPr lang="nl-NL" dirty="0"/>
-              <a:t> </a:t>
-            </a:r>
-            <a:r>
-              <a:rPr lang="nl-NL" dirty="0" err="1"/>
-              <a:t>all</a:t>
-            </a:r>
-            <a:r>
-              <a:rPr lang="nl-NL" dirty="0"/>
-              <a:t> MC </a:t>
-            </a:r>
-            <a:r>
-              <a:rPr lang="nl-NL" dirty="0" err="1"/>
-              <a:t>questions</a:t>
-            </a:r>
-            <a:r>
-              <a:rPr lang="nl-NL" dirty="0"/>
-              <a:t> in </a:t>
-            </a:r>
-            <a:r>
-              <a:rPr lang="nl-NL" dirty="0" err="1"/>
-              <a:t>GrandeOmega</a:t>
-            </a:r>
-            <a:r>
-              <a:rPr lang="nl-NL" dirty="0"/>
-              <a:t>?</a:t>
-            </a:r>
-          </a:p>
-          <a:p>
-            <a:endParaRPr lang="nl-NL" dirty="0"/>
-          </a:p>
-          <a:p>
-            <a:endParaRPr lang="nl-NL" dirty="0"/>
-          </a:p>
-          <a:p>
-            <a:endParaRPr lang="nl-NL" dirty="0"/>
-          </a:p>
-          <a:p>
-            <a:endParaRPr lang="nl-NL" dirty="0"/>
-          </a:p>
-          <a:p>
-            <a:r>
-              <a:rPr lang="nl-NL" dirty="0"/>
-              <a:t>Have </a:t>
-            </a:r>
-            <a:r>
-              <a:rPr lang="nl-NL" dirty="0" err="1"/>
-              <a:t>you</a:t>
-            </a:r>
-            <a:r>
-              <a:rPr lang="nl-NL" dirty="0"/>
-              <a:t> </a:t>
-            </a:r>
-            <a:r>
-              <a:rPr lang="nl-NL" dirty="0" err="1"/>
-              <a:t>implemented</a:t>
-            </a:r>
-            <a:r>
-              <a:rPr lang="nl-NL" dirty="0"/>
-              <a:t> </a:t>
-            </a:r>
-            <a:r>
-              <a:rPr lang="nl-NL" dirty="0" err="1"/>
-              <a:t>all</a:t>
-            </a:r>
-            <a:r>
-              <a:rPr lang="nl-NL" dirty="0"/>
-              <a:t> </a:t>
-            </a:r>
-            <a:r>
-              <a:rPr lang="nl-NL" dirty="0" err="1"/>
-              <a:t>algorithms+data</a:t>
-            </a:r>
-            <a:r>
-              <a:rPr lang="nl-NL" dirty="0"/>
-              <a:t> </a:t>
-            </a:r>
-            <a:r>
-              <a:rPr lang="nl-NL" dirty="0" err="1"/>
-              <a:t>structures</a:t>
-            </a:r>
-            <a:r>
-              <a:rPr lang="nl-NL" dirty="0"/>
-              <a:t> </a:t>
-            </a:r>
-            <a:r>
-              <a:rPr lang="nl-NL" dirty="0" err="1"/>
-              <a:t>seen</a:t>
-            </a:r>
-            <a:r>
-              <a:rPr lang="nl-NL" dirty="0"/>
-              <a:t> in </a:t>
-            </a:r>
-            <a:r>
-              <a:rPr lang="nl-NL" dirty="0" err="1"/>
-              <a:t>the</a:t>
-            </a:r>
-            <a:r>
-              <a:rPr lang="nl-NL" dirty="0"/>
-              <a:t> </a:t>
-            </a:r>
-            <a:r>
-              <a:rPr lang="nl-NL" dirty="0" err="1"/>
-              <a:t>previous</a:t>
-            </a:r>
-            <a:r>
-              <a:rPr lang="nl-NL" dirty="0"/>
-              <a:t> </a:t>
-            </a:r>
-            <a:r>
-              <a:rPr lang="nl-NL" dirty="0" err="1"/>
-              <a:t>lessons</a:t>
-            </a:r>
-            <a:r>
-              <a:rPr lang="nl-NL" dirty="0"/>
-              <a:t>?</a:t>
-            </a:r>
-          </a:p>
-        </p:txBody>
-      </p:sp>
-      <p:sp>
-        <p:nvSpPr>
-          <p:cNvPr id="4" name="Tijdelijke aanduiding voor voettekst 3">
-            <a:extLst>
-              <a:ext uri="{FF2B5EF4-FFF2-40B4-BE49-F238E27FC236}">
-                <a16:creationId xmlns:a16="http://schemas.microsoft.com/office/drawing/2014/main" id="{12977DE5-C067-4A68-BD9B-7DF3B5BA4EB0}"/>
-              </a:ext>
-            </a:extLst>
-          </p:cNvPr>
-          <p:cNvSpPr>
-            <a:spLocks noGrp="1"/>
-          </p:cNvSpPr>
-          <p:nvPr>
-            <p:ph type="ftr" sz="quarter" idx="11"/>
-          </p:nvPr>
-        </p:nvSpPr>
-        <p:spPr/>
-        <p:txBody>
-          <a:bodyPr/>
-          <a:lstStyle/>
-          <a:p>
-            <a:r>
-              <a:rPr lang="it-IT"/>
-              <a:t>INFDEV036A - G. Costantini, F. Di Giacomo</a:t>
-            </a:r>
-            <a:endParaRPr lang="en-GB"/>
-          </a:p>
-        </p:txBody>
-      </p:sp>
-      <p:pic>
-        <p:nvPicPr>
-          <p:cNvPr id="5" name="Afbeelding 4">
-            <a:extLst>
-              <a:ext uri="{FF2B5EF4-FFF2-40B4-BE49-F238E27FC236}">
-                <a16:creationId xmlns:a16="http://schemas.microsoft.com/office/drawing/2014/main" id="{7ACE87FE-5A80-426D-BD43-DACC45FD1C50}"/>
-              </a:ext>
-            </a:extLst>
-          </p:cNvPr>
-          <p:cNvPicPr>
-            <a:picLocks noChangeAspect="1"/>
-          </p:cNvPicPr>
-          <p:nvPr/>
-        </p:nvPicPr>
-        <p:blipFill>
-          <a:blip r:embed="rId2"/>
-          <a:stretch>
-            <a:fillRect/>
-          </a:stretch>
-        </p:blipFill>
-        <p:spPr>
-          <a:xfrm>
-            <a:off x="6974946" y="97029"/>
-            <a:ext cx="3707378" cy="4007831"/>
-          </a:xfrm>
-          <a:prstGeom prst="rect">
-            <a:avLst/>
-          </a:prstGeom>
-        </p:spPr>
-      </p:pic>
-    </p:spTree>
-    <p:extLst>
-      <p:ext uri="{BB962C8B-B14F-4D97-AF65-F5344CB8AC3E}">
-        <p14:creationId xmlns:p14="http://schemas.microsoft.com/office/powerpoint/2010/main" val="1434186207"/>
-      </p:ext>
-    </p:extLst>
-  </p:cSld>
-  <p:clrMapOvr>
-    <a:masterClrMapping/>
-  </p:clrMapOvr>
-</p:sld>
-</file>
-
-<file path=ppt/slides/slide20.xml><?xml version="1.0" encoding="utf-8"?>
-<p:sld xmlns:a="http://schemas.openxmlformats.org/drawingml/2006/main" xmlns:r="http://schemas.openxmlformats.org/officeDocument/2006/relationships" xmlns:p="http://schemas.openxmlformats.org/presentationml/2006/main">
-  <p:cSld>
-    <p:spTree>
-      <p:nvGrpSpPr>
-        <p:cNvPr id="1" name=""/>
-        <p:cNvGrpSpPr/>
-        <p:nvPr/>
-      </p:nvGrpSpPr>
-      <p:grpSpPr>
-        <a:xfrm>
-          <a:off x="0" y="0"/>
-          <a:ext cx="0" cy="0"/>
-          <a:chOff x="0" y="0"/>
-          <a:chExt cx="0" cy="0"/>
-        </a:xfrm>
-      </p:grpSpPr>
-      <p:sp>
-        <p:nvSpPr>
           <p:cNvPr id="2" name="Titel 1"/>
           <p:cNvSpPr>
             <a:spLocks noGrp="1"/>
@@ -12406,7 +12818,7 @@
 </p:sld>
 </file>
 
-<file path=ppt/slides/slide21.xml><?xml version="1.0" encoding="utf-8"?>
+<file path=ppt/slides/slide22.xml><?xml version="1.0" encoding="utf-8"?>
 <p:sld xmlns:a="http://schemas.openxmlformats.org/drawingml/2006/main" xmlns:r="http://schemas.openxmlformats.org/officeDocument/2006/relationships" xmlns:p="http://schemas.openxmlformats.org/presentationml/2006/main">
   <p:cSld>
     <p:spTree>
@@ -12550,7 +12962,7 @@
 </p:sld>
 </file>
 
-<file path=ppt/slides/slide22.xml><?xml version="1.0" encoding="utf-8"?>
+<file path=ppt/slides/slide23.xml><?xml version="1.0" encoding="utf-8"?>
 <p:sld xmlns:a="http://schemas.openxmlformats.org/drawingml/2006/main" xmlns:r="http://schemas.openxmlformats.org/officeDocument/2006/relationships" xmlns:p="http://schemas.openxmlformats.org/presentationml/2006/main">
   <p:cSld>
     <p:spTree>
@@ -12715,7 +13127,7 @@
 </p:sld>
 </file>
 
-<file path=ppt/slides/slide23.xml><?xml version="1.0" encoding="utf-8"?>
+<file path=ppt/slides/slide24.xml><?xml version="1.0" encoding="utf-8"?>
 <p:sld xmlns:a="http://schemas.openxmlformats.org/drawingml/2006/main" xmlns:r="http://schemas.openxmlformats.org/officeDocument/2006/relationships" xmlns:p="http://schemas.openxmlformats.org/presentationml/2006/main">
   <p:cSld>
     <p:spTree>
@@ -13019,7 +13431,7 @@
 </p:sld>
 </file>
 
-<file path=ppt/slides/slide24.xml><?xml version="1.0" encoding="utf-8"?>
+<file path=ppt/slides/slide25.xml><?xml version="1.0" encoding="utf-8"?>
 <p:sld xmlns:a="http://schemas.openxmlformats.org/drawingml/2006/main" xmlns:r="http://schemas.openxmlformats.org/officeDocument/2006/relationships" xmlns:p="http://schemas.openxmlformats.org/presentationml/2006/main">
   <p:cSld>
     <p:spTree>
@@ -13372,7 +13784,7 @@
 </p:sld>
 </file>
 
-<file path=ppt/slides/slide25.xml><?xml version="1.0" encoding="utf-8"?>
+<file path=ppt/slides/slide26.xml><?xml version="1.0" encoding="utf-8"?>
 <p:sld xmlns:a="http://schemas.openxmlformats.org/drawingml/2006/main" xmlns:r="http://schemas.openxmlformats.org/officeDocument/2006/relationships" xmlns:p="http://schemas.openxmlformats.org/presentationml/2006/main">
   <p:cSld>
     <p:spTree>
@@ -13726,7 +14138,7 @@
 </p:sld>
 </file>
 
-<file path=ppt/slides/slide26.xml><?xml version="1.0" encoding="utf-8"?>
+<file path=ppt/slides/slide27.xml><?xml version="1.0" encoding="utf-8"?>
 <p:sld xmlns:a="http://schemas.openxmlformats.org/drawingml/2006/main" xmlns:r="http://schemas.openxmlformats.org/officeDocument/2006/relationships" xmlns:p="http://schemas.openxmlformats.org/presentationml/2006/main">
   <p:cSld>
     <p:spTree>
@@ -14761,7 +15173,7 @@
 </p:sld>
 </file>
 
-<file path=ppt/slides/slide27.xml><?xml version="1.0" encoding="utf-8"?>
+<file path=ppt/slides/slide28.xml><?xml version="1.0" encoding="utf-8"?>
 <p:sld xmlns:a="http://schemas.openxmlformats.org/drawingml/2006/main" xmlns:r="http://schemas.openxmlformats.org/officeDocument/2006/relationships" xmlns:p="http://schemas.openxmlformats.org/presentationml/2006/main">
   <p:cSld>
     <p:spTree>
@@ -15310,157 +15722,6 @@
 </p:sld>
 </file>
 
-<file path=ppt/slides/slide28.xml><?xml version="1.0" encoding="utf-8"?>
-<p:sld xmlns:a="http://schemas.openxmlformats.org/drawingml/2006/main" xmlns:r="http://schemas.openxmlformats.org/officeDocument/2006/relationships" xmlns:p="http://schemas.openxmlformats.org/presentationml/2006/main">
-  <p:cSld>
-    <p:spTree>
-      <p:nvGrpSpPr>
-        <p:cNvPr id="1" name=""/>
-        <p:cNvGrpSpPr/>
-        <p:nvPr/>
-      </p:nvGrpSpPr>
-      <p:grpSpPr>
-        <a:xfrm>
-          <a:off x="0" y="0"/>
-          <a:ext cx="0" cy="0"/>
-          <a:chOff x="0" y="0"/>
-          <a:chExt cx="0" cy="0"/>
-        </a:xfrm>
-      </p:grpSpPr>
-      <p:sp>
-        <p:nvSpPr>
-          <p:cNvPr id="2" name="Titel 1"/>
-          <p:cNvSpPr>
-            <a:spLocks noGrp="1"/>
-          </p:cNvSpPr>
-          <p:nvPr>
-            <p:ph type="title"/>
-          </p:nvPr>
-        </p:nvSpPr>
-        <p:spPr/>
-        <p:txBody>
-          <a:bodyPr/>
-          <a:lstStyle/>
-          <a:p>
-            <a:r>
-              <a:rPr lang="en-GB" dirty="0"/>
-              <a:t>Hash table – Applications</a:t>
-            </a:r>
-            <a:endParaRPr lang="nl-NL" dirty="0"/>
-          </a:p>
-        </p:txBody>
-      </p:sp>
-      <p:sp>
-        <p:nvSpPr>
-          <p:cNvPr id="3" name="Tijdelijke aanduiding voor inhoud 2"/>
-          <p:cNvSpPr>
-            <a:spLocks noGrp="1"/>
-          </p:cNvSpPr>
-          <p:nvPr>
-            <p:ph idx="1"/>
-          </p:nvPr>
-        </p:nvSpPr>
-        <p:spPr/>
-        <p:txBody>
-          <a:bodyPr/>
-          <a:lstStyle/>
-          <a:p>
-            <a:r>
-              <a:rPr lang="en-US" dirty="0"/>
-              <a:t>In many situations, hash tables turn out to be more efficient than search trees or any other table lookup structure </a:t>
-            </a:r>
-            <a:r>
-              <a:rPr lang="en-US" dirty="0">
-                <a:sym typeface="Wingdings" panose="05000000000000000000" pitchFamily="2" charset="2"/>
-              </a:rPr>
-              <a:t></a:t>
-            </a:r>
-            <a:r>
-              <a:rPr lang="en-US" dirty="0"/>
-              <a:t> widely used in many kinds of computer software </a:t>
-            </a:r>
-          </a:p>
-          <a:p>
-            <a:pPr lvl="1"/>
-            <a:r>
-              <a:rPr lang="en-US" dirty="0"/>
-              <a:t>systems programming</a:t>
-            </a:r>
-          </a:p>
-          <a:p>
-            <a:pPr lvl="1"/>
-            <a:r>
-              <a:rPr lang="en-US" dirty="0"/>
-              <a:t>primary building blocks of relational databases</a:t>
-            </a:r>
-          </a:p>
-          <a:p>
-            <a:pPr lvl="1"/>
-            <a:r>
-              <a:rPr lang="en-US" dirty="0"/>
-              <a:t>associative arrays</a:t>
-            </a:r>
-          </a:p>
-          <a:p>
-            <a:pPr lvl="1"/>
-            <a:r>
-              <a:rPr lang="en-US" dirty="0"/>
-              <a:t>caches</a:t>
-            </a:r>
-          </a:p>
-          <a:p>
-            <a:pPr lvl="1"/>
-            <a:r>
-              <a:rPr lang="en-US" dirty="0"/>
-              <a:t>sets</a:t>
-            </a:r>
-          </a:p>
-          <a:p>
-            <a:pPr lvl="1"/>
-            <a:r>
-              <a:rPr lang="en-GB" dirty="0"/>
-              <a:t>…</a:t>
-            </a:r>
-            <a:endParaRPr lang="nl-NL" dirty="0"/>
-          </a:p>
-        </p:txBody>
-      </p:sp>
-      <p:sp>
-        <p:nvSpPr>
-          <p:cNvPr id="4" name="Tijdelijke aanduiding voor voettekst 3"/>
-          <p:cNvSpPr>
-            <a:spLocks noGrp="1"/>
-          </p:cNvSpPr>
-          <p:nvPr>
-            <p:ph type="ftr" sz="quarter" idx="11"/>
-          </p:nvPr>
-        </p:nvSpPr>
-        <p:spPr/>
-        <p:txBody>
-          <a:bodyPr/>
-          <a:lstStyle/>
-          <a:p>
-            <a:r>
-              <a:rPr lang="it-IT"/>
-              <a:t>INFDEV036A - G. Costantini, F. Di Giacomo</a:t>
-            </a:r>
-            <a:endParaRPr lang="en-GB"/>
-          </a:p>
-        </p:txBody>
-      </p:sp>
-    </p:spTree>
-    <p:extLst>
-      <p:ext uri="{BB962C8B-B14F-4D97-AF65-F5344CB8AC3E}">
-        <p14:creationId xmlns:p14="http://schemas.microsoft.com/office/powerpoint/2010/main" val="3014296709"/>
-      </p:ext>
-    </p:extLst>
-  </p:cSld>
-  <p:clrMapOvr>
-    <a:masterClrMapping/>
-  </p:clrMapOvr>
-</p:sld>
-</file>
-
 <file path=ppt/slides/slide29.xml><?xml version="1.0" encoding="utf-8"?>
 <p:sld xmlns:a="http://schemas.openxmlformats.org/drawingml/2006/main" xmlns:r="http://schemas.openxmlformats.org/officeDocument/2006/relationships" xmlns:p="http://schemas.openxmlformats.org/presentationml/2006/main">
   <p:cSld>
@@ -15480,7 +15741,7 @@
       </p:grpSpPr>
       <p:sp>
         <p:nvSpPr>
-          <p:cNvPr id="2" name="Title 1"/>
+          <p:cNvPr id="2" name="Titel 1"/>
           <p:cNvSpPr>
             <a:spLocks noGrp="1"/>
           </p:cNvSpPr>
@@ -15495,14 +15756,15 @@
           <a:p>
             <a:r>
               <a:rPr lang="en-GB" dirty="0"/>
-              <a:t>Hash tables in C#</a:t>
-            </a:r>
-          </a:p>
-        </p:txBody>
-      </p:sp>
-      <p:sp>
-        <p:nvSpPr>
-          <p:cNvPr id="3" name="Content Placeholder 2"/>
+              <a:t>Hash table – Applications</a:t>
+            </a:r>
+            <a:endParaRPr lang="nl-NL" dirty="0"/>
+          </a:p>
+        </p:txBody>
+      </p:sp>
+      <p:sp>
+        <p:nvSpPr>
+          <p:cNvPr id="3" name="Tijdelijke aanduiding voor inhoud 2"/>
           <p:cNvSpPr>
             <a:spLocks noGrp="1"/>
           </p:cNvSpPr>
@@ -15516,74 +15778,68 @@
           <a:lstStyle/>
           <a:p>
             <a:r>
-              <a:rPr lang="en-GB" b="1" dirty="0"/>
-              <a:t>Dictionary </a:t>
-            </a:r>
+              <a:rPr lang="en-US" dirty="0"/>
+              <a:t>In many situations, hash tables turn out to be more efficient than search trees or any other table lookup structure </a:t>
+            </a:r>
+            <a:r>
+              <a:rPr lang="en-US" dirty="0">
+                <a:sym typeface="Wingdings" panose="05000000000000000000" pitchFamily="2" charset="2"/>
+              </a:rPr>
+              <a:t></a:t>
+            </a:r>
+            <a:r>
+              <a:rPr lang="en-US" dirty="0"/>
+              <a:t> widely used in many kinds of computer software </a:t>
+            </a:r>
+          </a:p>
+          <a:p>
+            <a:pPr lvl="1"/>
+            <a:r>
+              <a:rPr lang="en-US" dirty="0"/>
+              <a:t>systems programming</a:t>
+            </a:r>
+          </a:p>
+          <a:p>
+            <a:pPr lvl="1"/>
+            <a:r>
+              <a:rPr lang="en-US" dirty="0"/>
+              <a:t>primary building blocks of relational databases</a:t>
+            </a:r>
+          </a:p>
+          <a:p>
+            <a:pPr lvl="1"/>
+            <a:r>
+              <a:rPr lang="en-US" dirty="0"/>
+              <a:t>associative arrays</a:t>
+            </a:r>
+          </a:p>
+          <a:p>
+            <a:pPr lvl="1"/>
+            <a:r>
+              <a:rPr lang="en-US" dirty="0"/>
+              <a:t>caches</a:t>
+            </a:r>
+          </a:p>
+          <a:p>
+            <a:pPr lvl="1"/>
+            <a:r>
+              <a:rPr lang="en-US" dirty="0"/>
+              <a:t>sets</a:t>
+            </a:r>
+          </a:p>
+          <a:p>
+            <a:pPr lvl="1"/>
             <a:r>
               <a:rPr lang="en-GB" dirty="0"/>
-              <a:t>class </a:t>
-            </a:r>
-          </a:p>
-          <a:p>
-            <a:pPr lvl="1"/>
-            <a:r>
-              <a:rPr lang="en-GB" dirty="0"/>
-              <a:t>Generic with respect to the types of keys and values </a:t>
-            </a:r>
-            <a:endParaRPr lang="en-GB" dirty="0">
-              <a:hlinkClick r:id="" action="ppaction://noaction"/>
-            </a:endParaRPr>
-          </a:p>
-          <a:p>
-            <a:pPr lvl="1"/>
-            <a:r>
-              <a:rPr lang="en-GB" dirty="0">
-                <a:hlinkClick r:id="" action="ppaction://noaction"/>
-              </a:rPr>
-              <a:t>http</a:t>
-            </a:r>
-            <a:r>
-              <a:rPr lang="en-GB" dirty="0">
-                <a:hlinkClick r:id="rId2"/>
-              </a:rPr>
-              <a:t>://www.dotnetperls.com/dictionary</a:t>
-            </a:r>
-            <a:r>
-              <a:rPr lang="en-GB" dirty="0"/>
-              <a:t> </a:t>
-            </a:r>
-          </a:p>
-          <a:p>
-            <a:pPr lvl="1"/>
-            <a:r>
-              <a:rPr lang="en-GB" dirty="0">
-                <a:hlinkClick r:id="rId3"/>
-              </a:rPr>
-              <a:t>http://msdn.microsoft.com/en-us/library/xfhwa508%28v=vs.110%29.aspx</a:t>
-            </a:r>
-            <a:r>
-              <a:rPr lang="en-GB" dirty="0"/>
-              <a:t> </a:t>
-            </a:r>
-          </a:p>
-          <a:p>
-            <a:endParaRPr lang="en-GB" dirty="0"/>
-          </a:p>
-          <a:p>
-            <a:r>
-              <a:rPr lang="en-GB" dirty="0">
-                <a:solidFill>
-                  <a:srgbClr val="FF0000"/>
-                </a:solidFill>
-              </a:rPr>
-              <a:t>Live demo? </a:t>
-            </a:r>
-          </a:p>
-        </p:txBody>
-      </p:sp>
-      <p:sp>
-        <p:nvSpPr>
-          <p:cNvPr id="4" name="Footer Placeholder 3"/>
+              <a:t>…</a:t>
+            </a:r>
+            <a:endParaRPr lang="nl-NL" dirty="0"/>
+          </a:p>
+        </p:txBody>
+      </p:sp>
+      <p:sp>
+        <p:nvSpPr>
+          <p:cNvPr id="4" name="Tijdelijke aanduiding voor voettekst 3"/>
           <p:cNvSpPr>
             <a:spLocks noGrp="1"/>
           </p:cNvSpPr>
@@ -15607,7 +15863,7 @@
     </p:spTree>
     <p:extLst>
       <p:ext uri="{BB962C8B-B14F-4D97-AF65-F5344CB8AC3E}">
-        <p14:creationId xmlns:p14="http://schemas.microsoft.com/office/powerpoint/2010/main" val="3980714225"/>
+        <p14:creationId xmlns:p14="http://schemas.microsoft.com/office/powerpoint/2010/main" val="3014296709"/>
       </p:ext>
     </p:extLst>
   </p:cSld>
@@ -15636,7 +15892,13 @@
       </p:grpSpPr>
       <p:sp>
         <p:nvSpPr>
-          <p:cNvPr id="2" name="Title 1"/>
+          <p:cNvPr id="2" name="Titel 1">
+            <a:extLst>
+              <a:ext uri="{FF2B5EF4-FFF2-40B4-BE49-F238E27FC236}">
+                <a16:creationId xmlns:a16="http://schemas.microsoft.com/office/drawing/2014/main" id="{37C29EA9-E8F0-4734-B2A9-A98DC5A3FB82}"/>
+              </a:ext>
+            </a:extLst>
+          </p:cNvPr>
           <p:cNvSpPr>
             <a:spLocks noGrp="1"/>
           </p:cNvSpPr>
@@ -15650,15 +15912,38 @@
           <a:lstStyle/>
           <a:p>
             <a:r>
-              <a:rPr lang="en-GB" dirty="0"/>
-              <a:t>Today</a:t>
-            </a:r>
-          </a:p>
-        </p:txBody>
-      </p:sp>
-      <p:sp>
-        <p:nvSpPr>
-          <p:cNvPr id="3" name="Content Placeholder 2"/>
+              <a:rPr lang="nl-NL" dirty="0" err="1"/>
+              <a:t>Recap</a:t>
+            </a:r>
+            <a:r>
+              <a:rPr lang="nl-NL" dirty="0"/>
+              <a:t> </a:t>
+            </a:r>
+            <a:r>
+              <a:rPr lang="nl-NL" dirty="0" err="1"/>
+              <a:t>about</a:t>
+            </a:r>
+            <a:r>
+              <a:rPr lang="nl-NL" dirty="0"/>
+              <a:t> </a:t>
+            </a:r>
+            <a:r>
+              <a:rPr lang="nl-NL" dirty="0" err="1"/>
+              <a:t>exam</a:t>
+            </a:r>
+            <a:endParaRPr lang="nl-NL" dirty="0"/>
+          </a:p>
+        </p:txBody>
+      </p:sp>
+      <p:sp>
+        <p:nvSpPr>
+          <p:cNvPr id="3" name="Tijdelijke aanduiding voor inhoud 2">
+            <a:extLst>
+              <a:ext uri="{FF2B5EF4-FFF2-40B4-BE49-F238E27FC236}">
+                <a16:creationId xmlns:a16="http://schemas.microsoft.com/office/drawing/2014/main" id="{6D3774B9-91E6-4288-B903-1D32AFA4AB11}"/>
+              </a:ext>
+            </a:extLst>
+          </p:cNvPr>
           <p:cNvSpPr>
             <a:spLocks noGrp="1"/>
           </p:cNvSpPr>
@@ -15672,106 +15957,763 @@
           <a:lstStyle/>
           <a:p>
             <a:r>
-              <a:rPr lang="en-GB" strike="sngStrike" dirty="0">
-                <a:solidFill>
-                  <a:schemeClr val="tx1"/>
-                </a:solidFill>
+              <a:rPr lang="nl-NL" dirty="0"/>
+              <a:t>We start </a:t>
+            </a:r>
+            <a:r>
+              <a:rPr lang="nl-NL" dirty="0" err="1"/>
+              <a:t>with</a:t>
+            </a:r>
+            <a:r>
+              <a:rPr lang="nl-NL" dirty="0"/>
+              <a:t> </a:t>
+            </a:r>
+            <a:r>
+              <a:rPr lang="nl-NL" dirty="0" err="1"/>
+              <a:t>the</a:t>
+            </a:r>
+            <a:r>
+              <a:rPr lang="nl-NL" dirty="0"/>
+              <a:t> </a:t>
+            </a:r>
+            <a:r>
+              <a:rPr lang="nl-NL" dirty="0" err="1"/>
+              <a:t>written</a:t>
+            </a:r>
+            <a:r>
+              <a:rPr lang="nl-NL" dirty="0"/>
+              <a:t> </a:t>
+            </a:r>
+            <a:r>
+              <a:rPr lang="nl-NL" dirty="0" err="1"/>
+              <a:t>exam</a:t>
+            </a:r>
+            <a:r>
+              <a:rPr lang="nl-NL" dirty="0"/>
+              <a:t> </a:t>
+            </a:r>
+          </a:p>
+          <a:p>
+            <a:pPr lvl="1"/>
+            <a:r>
+              <a:rPr lang="nl-NL" b="1" dirty="0"/>
+              <a:t>MC </a:t>
+            </a:r>
+            <a:r>
+              <a:rPr lang="nl-NL" b="1" dirty="0" err="1"/>
+              <a:t>questions</a:t>
+            </a:r>
+            <a:r>
+              <a:rPr lang="nl-NL" dirty="0"/>
+              <a:t> </a:t>
+            </a:r>
+            <a:r>
+              <a:rPr lang="nl-NL" i="1" dirty="0"/>
+              <a:t>in Grande Omega</a:t>
+            </a:r>
+          </a:p>
+          <a:p>
+            <a:pPr lvl="2"/>
+            <a:r>
+              <a:rPr lang="nl-NL" dirty="0"/>
+              <a:t>Most </a:t>
+            </a:r>
+            <a:r>
+              <a:rPr lang="nl-NL" dirty="0" err="1"/>
+              <a:t>likely</a:t>
+            </a:r>
+            <a:r>
+              <a:rPr lang="nl-NL" dirty="0"/>
+              <a:t>, </a:t>
+            </a:r>
+            <a:r>
+              <a:rPr lang="nl-NL" dirty="0" err="1"/>
+              <a:t>approx</a:t>
+            </a:r>
+            <a:r>
+              <a:rPr lang="nl-NL" dirty="0"/>
+              <a:t> 20 </a:t>
+            </a:r>
+            <a:r>
+              <a:rPr lang="nl-NL" dirty="0" err="1"/>
+              <a:t>questions</a:t>
+            </a:r>
+            <a:r>
+              <a:rPr lang="nl-NL" dirty="0"/>
+              <a:t> </a:t>
+            </a:r>
+            <a:r>
+              <a:rPr lang="nl-NL" dirty="0" err="1"/>
+              <a:t>with</a:t>
+            </a:r>
+            <a:r>
+              <a:rPr lang="nl-NL" dirty="0"/>
+              <a:t> 6 </a:t>
+            </a:r>
+            <a:r>
+              <a:rPr lang="nl-NL" dirty="0" err="1"/>
+              <a:t>answers</a:t>
+            </a:r>
+            <a:r>
+              <a:rPr lang="nl-NL" dirty="0"/>
+              <a:t> </a:t>
+            </a:r>
+            <a:r>
+              <a:rPr lang="nl-NL" dirty="0" err="1"/>
+              <a:t>each</a:t>
+            </a:r>
+            <a:endParaRPr lang="nl-NL" dirty="0"/>
+          </a:p>
+          <a:p>
+            <a:pPr lvl="1"/>
+            <a:r>
+              <a:rPr lang="nl-NL" dirty="0" err="1"/>
+              <a:t>After</a:t>
+            </a:r>
+            <a:r>
+              <a:rPr lang="nl-NL" dirty="0"/>
+              <a:t> delivery </a:t>
+            </a:r>
+            <a:r>
+              <a:rPr lang="nl-NL" dirty="0" err="1"/>
+              <a:t>you</a:t>
+            </a:r>
+            <a:r>
+              <a:rPr lang="nl-NL" dirty="0"/>
+              <a:t> </a:t>
+            </a:r>
+            <a:r>
+              <a:rPr lang="nl-NL" dirty="0" err="1"/>
+              <a:t>see</a:t>
+            </a:r>
+            <a:r>
+              <a:rPr lang="nl-NL" dirty="0"/>
+              <a:t> </a:t>
+            </a:r>
+            <a:r>
+              <a:rPr lang="nl-NL" dirty="0" err="1"/>
+              <a:t>how</a:t>
+            </a:r>
+            <a:r>
+              <a:rPr lang="nl-NL" dirty="0"/>
+              <a:t> </a:t>
+            </a:r>
+            <a:r>
+              <a:rPr lang="nl-NL" dirty="0" err="1"/>
+              <a:t>many</a:t>
+            </a:r>
+            <a:r>
+              <a:rPr lang="nl-NL" dirty="0"/>
+              <a:t> </a:t>
+            </a:r>
+            <a:r>
+              <a:rPr lang="nl-NL" dirty="0" err="1"/>
+              <a:t>questions</a:t>
+            </a:r>
+            <a:r>
+              <a:rPr lang="nl-NL" dirty="0"/>
+              <a:t> </a:t>
+            </a:r>
+            <a:r>
+              <a:rPr lang="nl-NL" dirty="0" err="1"/>
+              <a:t>were</a:t>
+            </a:r>
+            <a:r>
+              <a:rPr lang="nl-NL" dirty="0"/>
+              <a:t> wrong</a:t>
+            </a:r>
+          </a:p>
+          <a:p>
+            <a:pPr lvl="1"/>
+            <a:endParaRPr lang="nl-NL" dirty="0"/>
+          </a:p>
+          <a:p>
+            <a:r>
+              <a:rPr lang="nl-NL" dirty="0" err="1"/>
+              <a:t>Immediately</a:t>
+            </a:r>
+            <a:r>
+              <a:rPr lang="nl-NL" dirty="0"/>
+              <a:t> </a:t>
+            </a:r>
+            <a:r>
+              <a:rPr lang="nl-NL" dirty="0" err="1"/>
+              <a:t>followed</a:t>
+            </a:r>
+            <a:r>
+              <a:rPr lang="nl-NL" dirty="0"/>
+              <a:t> </a:t>
+            </a:r>
+            <a:r>
+              <a:rPr lang="nl-NL" dirty="0" err="1"/>
+              <a:t>by</a:t>
+            </a:r>
+            <a:r>
+              <a:rPr lang="nl-NL" dirty="0"/>
+              <a:t> </a:t>
+            </a:r>
+            <a:r>
+              <a:rPr lang="nl-NL" dirty="0" err="1"/>
+              <a:t>the</a:t>
+            </a:r>
+            <a:r>
+              <a:rPr lang="nl-NL" dirty="0"/>
+              <a:t> practical assessment</a:t>
+            </a:r>
+          </a:p>
+          <a:p>
+            <a:pPr lvl="1"/>
+            <a:r>
+              <a:rPr lang="nl-NL" b="1" dirty="0"/>
+              <a:t>C# code</a:t>
+            </a:r>
+            <a:r>
+              <a:rPr lang="nl-NL" dirty="0"/>
+              <a:t> </a:t>
+            </a:r>
+            <a:r>
+              <a:rPr lang="nl-NL" i="1" dirty="0"/>
+              <a:t>in Visual Studio</a:t>
+            </a:r>
+          </a:p>
+          <a:p>
+            <a:pPr lvl="1"/>
+            <a:r>
+              <a:rPr lang="nl-NL" dirty="0"/>
+              <a:t>A few </a:t>
+            </a:r>
+            <a:r>
+              <a:rPr lang="nl-NL" dirty="0" err="1"/>
+              <a:t>algorithms</a:t>
+            </a:r>
+            <a:r>
+              <a:rPr lang="nl-NL" dirty="0"/>
+              <a:t> </a:t>
+            </a:r>
+            <a:r>
+              <a:rPr lang="nl-NL" dirty="0" err="1"/>
+              <a:t>with</a:t>
+            </a:r>
+            <a:r>
+              <a:rPr lang="nl-NL" dirty="0"/>
+              <a:t> </a:t>
+            </a:r>
+            <a:r>
+              <a:rPr lang="nl-NL" dirty="0" err="1"/>
+              <a:t>some</a:t>
+            </a:r>
+            <a:r>
+              <a:rPr lang="nl-NL" dirty="0"/>
+              <a:t> </a:t>
+            </a:r>
+            <a:r>
+              <a:rPr lang="nl-NL" dirty="0" err="1"/>
+              <a:t>lines</a:t>
+            </a:r>
+            <a:r>
+              <a:rPr lang="nl-NL" dirty="0"/>
+              <a:t> of code missing, </a:t>
+            </a:r>
+            <a:r>
+              <a:rPr lang="nl-NL" dirty="0" err="1"/>
+              <a:t>to</a:t>
+            </a:r>
+            <a:r>
+              <a:rPr lang="nl-NL" dirty="0"/>
+              <a:t> </a:t>
+            </a:r>
+            <a:r>
+              <a:rPr lang="nl-NL" dirty="0" err="1"/>
+              <a:t>be</a:t>
+            </a:r>
+            <a:r>
+              <a:rPr lang="nl-NL" dirty="0"/>
+              <a:t> </a:t>
+            </a:r>
+            <a:r>
+              <a:rPr lang="nl-NL" dirty="0" err="1"/>
+              <a:t>completed</a:t>
+            </a:r>
+            <a:r>
+              <a:rPr lang="nl-NL" dirty="0"/>
+              <a:t> </a:t>
+            </a:r>
+            <a:r>
+              <a:rPr lang="nl-NL" dirty="0" err="1"/>
+              <a:t>by</a:t>
+            </a:r>
+            <a:r>
+              <a:rPr lang="nl-NL" dirty="0"/>
+              <a:t> </a:t>
+            </a:r>
+            <a:r>
+              <a:rPr lang="nl-NL" dirty="0" err="1"/>
+              <a:t>you</a:t>
+            </a:r>
+            <a:endParaRPr lang="nl-NL" dirty="0"/>
+          </a:p>
+          <a:p>
+            <a:pPr lvl="1"/>
+            <a:r>
+              <a:rPr lang="nl-NL" dirty="0" err="1"/>
+              <a:t>Not</a:t>
+            </a:r>
+            <a:r>
+              <a:rPr lang="nl-NL" dirty="0"/>
+              <a:t> </a:t>
+            </a:r>
+            <a:r>
+              <a:rPr lang="nl-NL" dirty="0" err="1"/>
+              <a:t>allowed</a:t>
+            </a:r>
+            <a:r>
+              <a:rPr lang="nl-NL" dirty="0"/>
+              <a:t> </a:t>
+            </a:r>
+            <a:r>
+              <a:rPr lang="nl-NL" dirty="0" err="1"/>
+              <a:t>to</a:t>
+            </a:r>
+            <a:r>
+              <a:rPr lang="nl-NL" dirty="0"/>
+              <a:t> change </a:t>
+            </a:r>
+            <a:r>
+              <a:rPr lang="nl-NL" dirty="0" err="1"/>
+              <a:t>the</a:t>
+            </a:r>
+            <a:r>
+              <a:rPr lang="nl-NL" dirty="0"/>
+              <a:t> logic of </a:t>
+            </a:r>
+            <a:r>
+              <a:rPr lang="nl-NL" dirty="0" err="1"/>
+              <a:t>the</a:t>
+            </a:r>
+            <a:r>
+              <a:rPr lang="nl-NL" dirty="0"/>
+              <a:t> code (</a:t>
+            </a:r>
+            <a:r>
+              <a:rPr lang="nl-NL" dirty="0" err="1"/>
+              <a:t>you</a:t>
+            </a:r>
+            <a:r>
+              <a:rPr lang="nl-NL" dirty="0"/>
+              <a:t> have </a:t>
+            </a:r>
+            <a:r>
+              <a:rPr lang="nl-NL" dirty="0" err="1"/>
+              <a:t>to</a:t>
+            </a:r>
+            <a:r>
+              <a:rPr lang="nl-NL" dirty="0"/>
+              <a:t> </a:t>
+            </a:r>
+            <a:r>
+              <a:rPr lang="nl-NL" dirty="0" err="1"/>
+              <a:t>fill</a:t>
+            </a:r>
+            <a:r>
+              <a:rPr lang="nl-NL" dirty="0"/>
+              <a:t> in </a:t>
+            </a:r>
+            <a:r>
+              <a:rPr lang="nl-NL" u="sng" dirty="0" err="1"/>
+              <a:t>specific</a:t>
+            </a:r>
+            <a:r>
+              <a:rPr lang="nl-NL" u="sng" dirty="0"/>
+              <a:t> </a:t>
+            </a:r>
+            <a:r>
+              <a:rPr lang="nl-NL" u="sng" dirty="0" err="1"/>
+              <a:t>lines</a:t>
+            </a:r>
+            <a:r>
+              <a:rPr lang="nl-NL" dirty="0"/>
+              <a:t>)</a:t>
+            </a:r>
+          </a:p>
+          <a:p>
+            <a:pPr lvl="1"/>
+            <a:r>
+              <a:rPr lang="nl-NL" dirty="0"/>
+              <a:t>Grade is </a:t>
+            </a:r>
+            <a:r>
+              <a:rPr lang="nl-NL" dirty="0" err="1"/>
+              <a:t>visible</a:t>
+            </a:r>
+            <a:r>
+              <a:rPr lang="nl-NL" dirty="0"/>
+              <a:t> in real-time</a:t>
+            </a:r>
+          </a:p>
+        </p:txBody>
+      </p:sp>
+      <p:sp>
+        <p:nvSpPr>
+          <p:cNvPr id="4" name="Tijdelijke aanduiding voor voettekst 3">
+            <a:extLst>
+              <a:ext uri="{FF2B5EF4-FFF2-40B4-BE49-F238E27FC236}">
+                <a16:creationId xmlns:a16="http://schemas.microsoft.com/office/drawing/2014/main" id="{6DA27E78-645D-4E97-B2D0-2F574E1F9695}"/>
+              </a:ext>
+            </a:extLst>
+          </p:cNvPr>
+          <p:cNvSpPr>
+            <a:spLocks noGrp="1"/>
+          </p:cNvSpPr>
+          <p:nvPr>
+            <p:ph type="ftr" sz="quarter" idx="11"/>
+          </p:nvPr>
+        </p:nvSpPr>
+        <p:spPr/>
+        <p:txBody>
+          <a:bodyPr/>
+          <a:lstStyle/>
+          <a:p>
+            <a:r>
+              <a:rPr lang="it-IT"/>
+              <a:t>INFDEV036A - G. Costantini, F. Di Giacomo</a:t>
+            </a:r>
+            <a:endParaRPr lang="en-GB"/>
+          </a:p>
+        </p:txBody>
+      </p:sp>
+    </p:spTree>
+    <p:extLst>
+      <p:ext uri="{BB962C8B-B14F-4D97-AF65-F5344CB8AC3E}">
+        <p14:creationId xmlns:p14="http://schemas.microsoft.com/office/powerpoint/2010/main" val="2487584488"/>
+      </p:ext>
+    </p:extLst>
+  </p:cSld>
+  <p:clrMapOvr>
+    <a:masterClrMapping/>
+  </p:clrMapOvr>
+  <p:timing>
+    <p:tnLst>
+      <p:par>
+        <p:cTn id="1" dur="indefinite" restart="never" nodeType="tmRoot">
+          <p:childTnLst>
+            <p:seq concurrent="1" nextAc="seek">
+              <p:cTn id="2" dur="indefinite" nodeType="mainSeq">
+                <p:childTnLst>
+                  <p:par>
+                    <p:cTn id="3" fill="hold">
+                      <p:stCondLst>
+                        <p:cond delay="indefinite"/>
+                      </p:stCondLst>
+                      <p:childTnLst>
+                        <p:par>
+                          <p:cTn id="4" fill="hold">
+                            <p:stCondLst>
+                              <p:cond delay="0"/>
+                            </p:stCondLst>
+                            <p:childTnLst>
+                              <p:par>
+                                <p:cTn id="5" presetID="1" presetClass="entr" presetSubtype="0" fill="hold" nodeType="clickEffect">
+                                  <p:stCondLst>
+                                    <p:cond delay="0"/>
+                                  </p:stCondLst>
+                                  <p:childTnLst>
+                                    <p:set>
+                                      <p:cBhvr>
+                                        <p:cTn id="6" dur="1" fill="hold">
+                                          <p:stCondLst>
+                                            <p:cond delay="0"/>
+                                          </p:stCondLst>
+                                        </p:cTn>
+                                        <p:tgtEl>
+                                          <p:spTgt spid="3">
+                                            <p:txEl>
+                                              <p:pRg st="5" end="5"/>
+                                            </p:txEl>
+                                          </p:spTgt>
+                                        </p:tgtEl>
+                                        <p:attrNameLst>
+                                          <p:attrName>style.visibility</p:attrName>
+                                        </p:attrNameLst>
+                                      </p:cBhvr>
+                                      <p:to>
+                                        <p:strVal val="visible"/>
+                                      </p:to>
+                                    </p:set>
+                                  </p:childTnLst>
+                                </p:cTn>
+                              </p:par>
+                              <p:par>
+                                <p:cTn id="7" presetID="1" presetClass="entr" presetSubtype="0" fill="hold" nodeType="withEffect">
+                                  <p:stCondLst>
+                                    <p:cond delay="0"/>
+                                  </p:stCondLst>
+                                  <p:childTnLst>
+                                    <p:set>
+                                      <p:cBhvr>
+                                        <p:cTn id="8" dur="1" fill="hold">
+                                          <p:stCondLst>
+                                            <p:cond delay="0"/>
+                                          </p:stCondLst>
+                                        </p:cTn>
+                                        <p:tgtEl>
+                                          <p:spTgt spid="3">
+                                            <p:txEl>
+                                              <p:pRg st="6" end="6"/>
+                                            </p:txEl>
+                                          </p:spTgt>
+                                        </p:tgtEl>
+                                        <p:attrNameLst>
+                                          <p:attrName>style.visibility</p:attrName>
+                                        </p:attrNameLst>
+                                      </p:cBhvr>
+                                      <p:to>
+                                        <p:strVal val="visible"/>
+                                      </p:to>
+                                    </p:set>
+                                  </p:childTnLst>
+                                </p:cTn>
+                              </p:par>
+                              <p:par>
+                                <p:cTn id="9" presetID="1" presetClass="entr" presetSubtype="0" fill="hold" nodeType="withEffect">
+                                  <p:stCondLst>
+                                    <p:cond delay="0"/>
+                                  </p:stCondLst>
+                                  <p:childTnLst>
+                                    <p:set>
+                                      <p:cBhvr>
+                                        <p:cTn id="10" dur="1" fill="hold">
+                                          <p:stCondLst>
+                                            <p:cond delay="0"/>
+                                          </p:stCondLst>
+                                        </p:cTn>
+                                        <p:tgtEl>
+                                          <p:spTgt spid="3">
+                                            <p:txEl>
+                                              <p:pRg st="7" end="7"/>
+                                            </p:txEl>
+                                          </p:spTgt>
+                                        </p:tgtEl>
+                                        <p:attrNameLst>
+                                          <p:attrName>style.visibility</p:attrName>
+                                        </p:attrNameLst>
+                                      </p:cBhvr>
+                                      <p:to>
+                                        <p:strVal val="visible"/>
+                                      </p:to>
+                                    </p:set>
+                                  </p:childTnLst>
+                                </p:cTn>
+                              </p:par>
+                              <p:par>
+                                <p:cTn id="11" presetID="1" presetClass="entr" presetSubtype="0" fill="hold" nodeType="withEffect">
+                                  <p:stCondLst>
+                                    <p:cond delay="0"/>
+                                  </p:stCondLst>
+                                  <p:childTnLst>
+                                    <p:set>
+                                      <p:cBhvr>
+                                        <p:cTn id="12" dur="1" fill="hold">
+                                          <p:stCondLst>
+                                            <p:cond delay="0"/>
+                                          </p:stCondLst>
+                                        </p:cTn>
+                                        <p:tgtEl>
+                                          <p:spTgt spid="3">
+                                            <p:txEl>
+                                              <p:pRg st="8" end="8"/>
+                                            </p:txEl>
+                                          </p:spTgt>
+                                        </p:tgtEl>
+                                        <p:attrNameLst>
+                                          <p:attrName>style.visibility</p:attrName>
+                                        </p:attrNameLst>
+                                      </p:cBhvr>
+                                      <p:to>
+                                        <p:strVal val="visible"/>
+                                      </p:to>
+                                    </p:set>
+                                  </p:childTnLst>
+                                </p:cTn>
+                              </p:par>
+                              <p:par>
+                                <p:cTn id="13" presetID="1" presetClass="entr" presetSubtype="0" fill="hold" nodeType="withEffect">
+                                  <p:stCondLst>
+                                    <p:cond delay="0"/>
+                                  </p:stCondLst>
+                                  <p:childTnLst>
+                                    <p:set>
+                                      <p:cBhvr>
+                                        <p:cTn id="14" dur="1" fill="hold">
+                                          <p:stCondLst>
+                                            <p:cond delay="0"/>
+                                          </p:stCondLst>
+                                        </p:cTn>
+                                        <p:tgtEl>
+                                          <p:spTgt spid="3">
+                                            <p:txEl>
+                                              <p:pRg st="9" end="9"/>
+                                            </p:txEl>
+                                          </p:spTgt>
+                                        </p:tgtEl>
+                                        <p:attrNameLst>
+                                          <p:attrName>style.visibility</p:attrName>
+                                        </p:attrNameLst>
+                                      </p:cBhvr>
+                                      <p:to>
+                                        <p:strVal val="visible"/>
+                                      </p:to>
+                                    </p:set>
+                                  </p:childTnLst>
+                                </p:cTn>
+                              </p:par>
+                            </p:childTnLst>
+                          </p:cTn>
+                        </p:par>
+                      </p:childTnLst>
+                    </p:cTn>
+                  </p:par>
+                </p:childTnLst>
+              </p:cTn>
+              <p:prevCondLst>
+                <p:cond evt="onPrev" delay="0">
+                  <p:tgtEl>
+                    <p:sldTgt/>
+                  </p:tgtEl>
+                </p:cond>
+              </p:prevCondLst>
+              <p:nextCondLst>
+                <p:cond evt="onNext" delay="0">
+                  <p:tgtEl>
+                    <p:sldTgt/>
+                  </p:tgtEl>
+                </p:cond>
+              </p:nextCondLst>
+            </p:seq>
+          </p:childTnLst>
+        </p:cTn>
+      </p:par>
+    </p:tnLst>
+  </p:timing>
+</p:sld>
+</file>
+
+<file path=ppt/slides/slide30.xml><?xml version="1.0" encoding="utf-8"?>
+<p:sld xmlns:a="http://schemas.openxmlformats.org/drawingml/2006/main" xmlns:r="http://schemas.openxmlformats.org/officeDocument/2006/relationships" xmlns:p="http://schemas.openxmlformats.org/presentationml/2006/main">
+  <p:cSld>
+    <p:spTree>
+      <p:nvGrpSpPr>
+        <p:cNvPr id="1" name=""/>
+        <p:cNvGrpSpPr/>
+        <p:nvPr/>
+      </p:nvGrpSpPr>
+      <p:grpSpPr>
+        <a:xfrm>
+          <a:off x="0" y="0"/>
+          <a:ext cx="0" cy="0"/>
+          <a:chOff x="0" y="0"/>
+          <a:chExt cx="0" cy="0"/>
+        </a:xfrm>
+      </p:grpSpPr>
+      <p:sp>
+        <p:nvSpPr>
+          <p:cNvPr id="2" name="Title 1"/>
+          <p:cNvSpPr>
+            <a:spLocks noGrp="1"/>
+          </p:cNvSpPr>
+          <p:nvPr>
+            <p:ph type="title"/>
+          </p:nvPr>
+        </p:nvSpPr>
+        <p:spPr/>
+        <p:txBody>
+          <a:bodyPr/>
+          <a:lstStyle/>
+          <a:p>
+            <a:r>
+              <a:rPr lang="en-GB" dirty="0"/>
+              <a:t>Hash tables in C#</a:t>
+            </a:r>
+          </a:p>
+        </p:txBody>
+      </p:sp>
+      <p:sp>
+        <p:nvSpPr>
+          <p:cNvPr id="3" name="Content Placeholder 2"/>
+          <p:cNvSpPr>
+            <a:spLocks noGrp="1"/>
+          </p:cNvSpPr>
+          <p:nvPr>
+            <p:ph idx="1"/>
+          </p:nvPr>
+        </p:nvSpPr>
+        <p:spPr/>
+        <p:txBody>
+          <a:bodyPr/>
+          <a:lstStyle/>
+          <a:p>
+            <a:r>
+              <a:rPr lang="en-GB" b="1" dirty="0"/>
+              <a:t>Dictionary </a:t>
+            </a:r>
+            <a:r>
+              <a:rPr lang="en-GB" dirty="0"/>
+              <a:t>class </a:t>
+            </a:r>
+          </a:p>
+          <a:p>
+            <a:pPr lvl="1"/>
+            <a:r>
+              <a:rPr lang="en-GB" dirty="0"/>
+              <a:t>Generic with respect to the types of keys and values </a:t>
+            </a:r>
+            <a:endParaRPr lang="en-GB" dirty="0">
+              <a:hlinkClick r:id="" action="ppaction://noaction"/>
+            </a:endParaRPr>
+          </a:p>
+          <a:p>
+            <a:pPr lvl="1"/>
+            <a:r>
+              <a:rPr lang="en-GB" dirty="0">
+                <a:hlinkClick r:id="" action="ppaction://noaction"/>
               </a:rPr>
-              <a:t>Why is my code slow? </a:t>
+              <a:t>http</a:t>
+            </a:r>
+            <a:r>
+              <a:rPr lang="en-GB" dirty="0">
+                <a:hlinkClick r:id="rId2"/>
+              </a:rPr>
+              <a:t>://www.dotnetperls.com/dictionary</a:t>
+            </a:r>
+            <a:r>
+              <a:rPr lang="en-GB" dirty="0"/>
+              <a:t> </a:t>
             </a:r>
           </a:p>
           <a:p>
             <a:pPr lvl="1"/>
             <a:r>
-              <a:rPr lang="en-GB" b="1" strike="sngStrike" dirty="0">
-                <a:solidFill>
-                  <a:schemeClr val="tx1"/>
-                </a:solidFill>
+              <a:rPr lang="en-GB" dirty="0">
+                <a:hlinkClick r:id="rId3"/>
               </a:rPr>
-              <a:t>Empirical and complexity analysis</a:t>
-            </a:r>
-            <a:endParaRPr lang="en-GB" strike="sngStrike" dirty="0">
-              <a:solidFill>
-                <a:schemeClr val="tx1"/>
-              </a:solidFill>
-            </a:endParaRPr>
-          </a:p>
-          <a:p>
-            <a:r>
-              <a:rPr lang="en-GB" strike="sngStrike" dirty="0">
-                <a:solidFill>
-                  <a:schemeClr val="tx1"/>
-                </a:solidFill>
-              </a:rPr>
-              <a:t>How do I order my data?</a:t>
-            </a:r>
-          </a:p>
-          <a:p>
-            <a:pPr lvl="1"/>
-            <a:r>
-              <a:rPr lang="en-GB" b="1" strike="sngStrike" dirty="0">
-                <a:solidFill>
-                  <a:schemeClr val="tx1"/>
-                </a:solidFill>
-              </a:rPr>
-              <a:t>Sorting algorithms</a:t>
-            </a:r>
+              <a:t>http://msdn.microsoft.com/en-us/library/xfhwa508%28v=vs.110%29.aspx</a:t>
+            </a:r>
+            <a:r>
+              <a:rPr lang="en-GB" dirty="0"/>
+              <a:t> </a:t>
+            </a:r>
+          </a:p>
+          <a:p>
+            <a:endParaRPr lang="en-GB" dirty="0"/>
           </a:p>
           <a:p>
             <a:r>
               <a:rPr lang="en-GB" dirty="0">
-                <a:solidFill>
-                  <a:schemeClr val="accent1"/>
-                </a:solidFill>
-              </a:rPr>
-              <a:t>How do I structure my data?</a:t>
-            </a:r>
-          </a:p>
-          <a:p>
-            <a:pPr lvl="1"/>
-            <a:r>
-              <a:rPr lang="en-GB" sz="1800" b="1" dirty="0">
-                <a:solidFill>
-                  <a:schemeClr val="accent1"/>
-                </a:solidFill>
-              </a:rPr>
-              <a:t>Linear, </a:t>
-            </a:r>
-            <a:r>
-              <a:rPr lang="en-GB" sz="1800" b="1" dirty="0">
                 <a:solidFill>
                   <a:srgbClr val="FF0000"/>
                 </a:solidFill>
               </a:rPr>
-              <a:t>tabular</a:t>
-            </a:r>
-            <a:r>
-              <a:rPr lang="en-GB" sz="1800" b="1" dirty="0">
-                <a:solidFill>
-                  <a:schemeClr val="accent1"/>
-                </a:solidFill>
-              </a:rPr>
-              <a:t>, recursive data structures</a:t>
-            </a:r>
-          </a:p>
-          <a:p>
-            <a:r>
-              <a:rPr lang="en-GB" dirty="0"/>
-              <a:t>How do I represent relationship networks?</a:t>
-            </a:r>
-          </a:p>
-          <a:p>
-            <a:pPr lvl="1"/>
-            <a:r>
-              <a:rPr lang="en-GB" b="1" dirty="0"/>
-              <a:t>Graphs</a:t>
-            </a:r>
-          </a:p>
-          <a:p>
-            <a:endParaRPr lang="en-GB" b="1" dirty="0"/>
-          </a:p>
-          <a:p>
-            <a:endParaRPr lang="en-GB" dirty="0"/>
+              <a:t>Live demo? </a:t>
+            </a:r>
           </a:p>
         </p:txBody>
       </p:sp>
@@ -15794,346 +16736,14 @@
               <a:rPr lang="it-IT"/>
               <a:t>INFDEV036A - G. Costantini, F. Di Giacomo</a:t>
             </a:r>
-            <a:endParaRPr lang="en-GB" dirty="0"/>
-          </a:p>
-        </p:txBody>
-      </p:sp>
-      <p:pic>
-        <p:nvPicPr>
-          <p:cNvPr id="5" name="Picture 2" descr="http://comps.canstockphoto.com/can-stock-photo_csp11512262.jpg"/>
-          <p:cNvPicPr>
-            <a:picLocks noChangeAspect="1" noChangeArrowheads="1"/>
-          </p:cNvPicPr>
-          <p:nvPr/>
-        </p:nvPicPr>
-        <p:blipFill rotWithShape="1">
-          <a:blip r:embed="rId3">
-            <a:extLst>
-              <a:ext uri="{28A0092B-C50C-407E-A947-70E740481C1C}">
-                <a14:useLocalDpi xmlns:a14="http://schemas.microsoft.com/office/drawing/2010/main" val="0"/>
-              </a:ext>
-            </a:extLst>
-          </a:blip>
-          <a:srcRect b="72230"/>
-          <a:stretch/>
-        </p:blipFill>
-        <p:spPr bwMode="auto">
-          <a:xfrm>
-            <a:off x="4525680" y="352589"/>
-            <a:ext cx="3723736" cy="1080023"/>
-          </a:xfrm>
-          <a:prstGeom prst="rect">
-            <a:avLst/>
-          </a:prstGeom>
-          <a:noFill/>
-          <a:extLst>
-            <a:ext uri="{909E8E84-426E-40DD-AFC4-6F175D3DCCD1}">
-              <a14:hiddenFill xmlns:a14="http://schemas.microsoft.com/office/drawing/2010/main">
-                <a:solidFill>
-                  <a:srgbClr val="FFFFFF"/>
-                </a:solidFill>
-              </a14:hiddenFill>
-            </a:ext>
-          </a:extLst>
-        </p:spPr>
-      </p:pic>
-      <p:pic>
-        <p:nvPicPr>
-          <p:cNvPr id="6" name="Picture 4" descr="http://www.clipartbest.com/cliparts/ncX/Eo7/ncXEo7pcB.jpeg"/>
-          <p:cNvPicPr>
-            <a:picLocks noChangeAspect="1" noChangeArrowheads="1"/>
-          </p:cNvPicPr>
-          <p:nvPr/>
-        </p:nvPicPr>
-        <p:blipFill>
-          <a:blip r:embed="rId4" cstate="print">
-            <a:extLst>
-              <a:ext uri="{28A0092B-C50C-407E-A947-70E740481C1C}">
-                <a14:useLocalDpi xmlns:a14="http://schemas.microsoft.com/office/drawing/2010/main" val="0"/>
-              </a:ext>
-            </a:extLst>
-          </a:blip>
-          <a:srcRect/>
-          <a:stretch>
-            <a:fillRect/>
-          </a:stretch>
-        </p:blipFill>
-        <p:spPr bwMode="auto">
-          <a:xfrm>
-            <a:off x="7094153" y="2899670"/>
-            <a:ext cx="1540679" cy="1679214"/>
-          </a:xfrm>
-          <a:prstGeom prst="rect">
-            <a:avLst/>
-          </a:prstGeom>
-          <a:noFill/>
-          <a:extLst>
-            <a:ext uri="{909E8E84-426E-40DD-AFC4-6F175D3DCCD1}">
-              <a14:hiddenFill xmlns:a14="http://schemas.microsoft.com/office/drawing/2010/main">
-                <a:solidFill>
-                  <a:srgbClr val="FFFFFF"/>
-                </a:solidFill>
-              </a14:hiddenFill>
-            </a:ext>
-          </a:extLst>
-        </p:spPr>
-      </p:pic>
-      <p:pic>
-        <p:nvPicPr>
-          <p:cNvPr id="7" name="Picture 6" descr="https://encrypted-tbn1.gstatic.com/images?q=tbn:ANd9GcTJoQ2BJE0xuStI1NX9PgG7505-Y-0dbr8Sr1bfNl2CzezjDpw1"/>
-          <p:cNvPicPr>
-            <a:picLocks noChangeAspect="1" noChangeArrowheads="1"/>
-          </p:cNvPicPr>
-          <p:nvPr/>
-        </p:nvPicPr>
-        <p:blipFill>
-          <a:blip r:embed="rId5">
-            <a:extLst>
-              <a:ext uri="{28A0092B-C50C-407E-A947-70E740481C1C}">
-                <a14:useLocalDpi xmlns:a14="http://schemas.microsoft.com/office/drawing/2010/main" val="0"/>
-              </a:ext>
-            </a:extLst>
-          </a:blip>
-          <a:srcRect/>
-          <a:stretch>
-            <a:fillRect/>
-          </a:stretch>
-        </p:blipFill>
-        <p:spPr bwMode="auto">
-          <a:xfrm>
-            <a:off x="9184232" y="428288"/>
-            <a:ext cx="2157862" cy="1527475"/>
-          </a:xfrm>
-          <a:prstGeom prst="rect">
-            <a:avLst/>
-          </a:prstGeom>
-          <a:noFill/>
-          <a:extLst>
-            <a:ext uri="{909E8E84-426E-40DD-AFC4-6F175D3DCCD1}">
-              <a14:hiddenFill xmlns:a14="http://schemas.microsoft.com/office/drawing/2010/main">
-                <a:solidFill>
-                  <a:srgbClr val="FFFFFF"/>
-                </a:solidFill>
-              </a14:hiddenFill>
-            </a:ext>
-          </a:extLst>
-        </p:spPr>
-      </p:pic>
-      <p:sp>
-        <p:nvSpPr>
-          <p:cNvPr id="8" name="TextBox 7"/>
-          <p:cNvSpPr txBox="1"/>
-          <p:nvPr/>
-        </p:nvSpPr>
-        <p:spPr>
-          <a:xfrm>
-            <a:off x="5552686" y="1586431"/>
-            <a:ext cx="1526313" cy="369332"/>
-          </a:xfrm>
-          <a:prstGeom prst="rect">
-            <a:avLst/>
-          </a:prstGeom>
-        </p:spPr>
-        <p:style>
-          <a:lnRef idx="1">
-            <a:schemeClr val="accent1"/>
-          </a:lnRef>
-          <a:fillRef idx="2">
-            <a:schemeClr val="accent1"/>
-          </a:fillRef>
-          <a:effectRef idx="1">
-            <a:schemeClr val="accent1"/>
-          </a:effectRef>
-          <a:fontRef idx="minor">
-            <a:schemeClr val="dk1"/>
-          </a:fontRef>
-        </p:style>
-        <p:txBody>
-          <a:bodyPr wrap="square" rtlCol="0">
-            <a:spAutoFit/>
-          </a:bodyPr>
-          <a:lstStyle/>
-          <a:p>
-            <a:pPr algn="ctr"/>
-            <a:r>
-              <a:rPr lang="en-GB" dirty="0"/>
-              <a:t>LIST</a:t>
-            </a:r>
-          </a:p>
-        </p:txBody>
-      </p:sp>
-      <p:sp>
-        <p:nvSpPr>
-          <p:cNvPr id="9" name="TextBox 8"/>
-          <p:cNvSpPr txBox="1"/>
-          <p:nvPr/>
-        </p:nvSpPr>
-        <p:spPr>
-          <a:xfrm>
-            <a:off x="7078999" y="4587973"/>
-            <a:ext cx="1526313" cy="369332"/>
-          </a:xfrm>
-          <a:prstGeom prst="rect">
-            <a:avLst/>
-          </a:prstGeom>
-        </p:spPr>
-        <p:style>
-          <a:lnRef idx="1">
-            <a:schemeClr val="accent1"/>
-          </a:lnRef>
-          <a:fillRef idx="2">
-            <a:schemeClr val="accent1"/>
-          </a:fillRef>
-          <a:effectRef idx="1">
-            <a:schemeClr val="accent1"/>
-          </a:effectRef>
-          <a:fontRef idx="minor">
-            <a:schemeClr val="dk1"/>
-          </a:fontRef>
-        </p:style>
-        <p:txBody>
-          <a:bodyPr wrap="square" rtlCol="0">
-            <a:spAutoFit/>
-          </a:bodyPr>
-          <a:lstStyle/>
-          <a:p>
-            <a:pPr algn="ctr"/>
-            <a:r>
-              <a:rPr lang="en-GB" dirty="0"/>
-              <a:t>STACK</a:t>
-            </a:r>
-          </a:p>
-        </p:txBody>
-      </p:sp>
-      <p:sp>
-        <p:nvSpPr>
-          <p:cNvPr id="10" name="TextBox 9"/>
-          <p:cNvSpPr txBox="1"/>
-          <p:nvPr/>
-        </p:nvSpPr>
-        <p:spPr>
-          <a:xfrm>
-            <a:off x="9536094" y="2032241"/>
-            <a:ext cx="1526313" cy="369332"/>
-          </a:xfrm>
-          <a:prstGeom prst="rect">
-            <a:avLst/>
-          </a:prstGeom>
-        </p:spPr>
-        <p:style>
-          <a:lnRef idx="1">
-            <a:schemeClr val="accent1"/>
-          </a:lnRef>
-          <a:fillRef idx="2">
-            <a:schemeClr val="accent1"/>
-          </a:fillRef>
-          <a:effectRef idx="1">
-            <a:schemeClr val="accent1"/>
-          </a:effectRef>
-          <a:fontRef idx="minor">
-            <a:schemeClr val="dk1"/>
-          </a:fontRef>
-        </p:style>
-        <p:txBody>
-          <a:bodyPr wrap="square" rtlCol="0">
-            <a:spAutoFit/>
-          </a:bodyPr>
-          <a:lstStyle/>
-          <a:p>
-            <a:pPr algn="ctr"/>
-            <a:r>
-              <a:rPr lang="en-GB" dirty="0"/>
-              <a:t>QUEUE</a:t>
-            </a:r>
-          </a:p>
-        </p:txBody>
-      </p:sp>
-      <p:pic>
-        <p:nvPicPr>
-          <p:cNvPr id="11" name="Picture 2" descr="http://s.s-bol.com/imgbase0/imagebase/large/FC/8/7/9/0/1001004002820978.jpg"/>
-          <p:cNvPicPr>
-            <a:picLocks noChangeAspect="1" noChangeArrowheads="1"/>
-          </p:cNvPicPr>
-          <p:nvPr/>
-        </p:nvPicPr>
-        <p:blipFill rotWithShape="1">
-          <a:blip r:embed="rId6" cstate="print">
-            <a:extLst>
-              <a:ext uri="{28A0092B-C50C-407E-A947-70E740481C1C}">
-                <a14:useLocalDpi xmlns:a14="http://schemas.microsoft.com/office/drawing/2010/main" val="0"/>
-              </a:ext>
-            </a:extLst>
-          </a:blip>
-          <a:srcRect l="10902"/>
-          <a:stretch/>
-        </p:blipFill>
-        <p:spPr bwMode="auto">
-          <a:xfrm>
-            <a:off x="9413629" y="4024111"/>
-            <a:ext cx="1487154" cy="1866388"/>
-          </a:xfrm>
-          <a:prstGeom prst="rect">
-            <a:avLst/>
-          </a:prstGeom>
-          <a:noFill/>
-          <a:extLst>
-            <a:ext uri="{909E8E84-426E-40DD-AFC4-6F175D3DCCD1}">
-              <a14:hiddenFill xmlns:a14="http://schemas.microsoft.com/office/drawing/2010/main">
-                <a:solidFill>
-                  <a:srgbClr val="FFFFFF"/>
-                </a:solidFill>
-              </a14:hiddenFill>
-            </a:ext>
-          </a:extLst>
-        </p:spPr>
-      </p:pic>
-      <p:sp>
-        <p:nvSpPr>
-          <p:cNvPr id="12" name="TextBox 9"/>
-          <p:cNvSpPr txBox="1"/>
-          <p:nvPr/>
-        </p:nvSpPr>
-        <p:spPr>
-          <a:xfrm>
-            <a:off x="9536094" y="6008192"/>
-            <a:ext cx="1526313" cy="369332"/>
-          </a:xfrm>
-          <a:prstGeom prst="rect">
-            <a:avLst/>
-          </a:prstGeom>
-        </p:spPr>
-        <p:style>
-          <a:lnRef idx="1">
-            <a:schemeClr val="accent1"/>
-          </a:lnRef>
-          <a:fillRef idx="2">
-            <a:schemeClr val="accent1"/>
-          </a:fillRef>
-          <a:effectRef idx="1">
-            <a:schemeClr val="accent1"/>
-          </a:effectRef>
-          <a:fontRef idx="minor">
-            <a:schemeClr val="dk1"/>
-          </a:fontRef>
-        </p:style>
-        <p:txBody>
-          <a:bodyPr wrap="square" rtlCol="0">
-            <a:spAutoFit/>
-          </a:bodyPr>
-          <a:lstStyle/>
-          <a:p>
-            <a:pPr algn="ctr"/>
-            <a:r>
-              <a:rPr lang="en-GB" dirty="0"/>
-              <a:t>HASH TABLE</a:t>
-            </a:r>
+            <a:endParaRPr lang="en-GB"/>
           </a:p>
         </p:txBody>
       </p:sp>
     </p:spTree>
     <p:extLst>
       <p:ext uri="{BB962C8B-B14F-4D97-AF65-F5344CB8AC3E}">
-        <p14:creationId xmlns:p14="http://schemas.microsoft.com/office/powerpoint/2010/main" val="3387586650"/>
+        <p14:creationId xmlns:p14="http://schemas.microsoft.com/office/powerpoint/2010/main" val="3980714225"/>
       </p:ext>
     </p:extLst>
   </p:cSld>
@@ -16143,7 +16753,7 @@
 </p:sld>
 </file>
 
-<file path=ppt/slides/slide30.xml><?xml version="1.0" encoding="utf-8"?>
+<file path=ppt/slides/slide31.xml><?xml version="1.0" encoding="utf-8"?>
 <p:sld xmlns:a="http://schemas.openxmlformats.org/drawingml/2006/main" xmlns:r="http://schemas.openxmlformats.org/officeDocument/2006/relationships" xmlns:p="http://schemas.openxmlformats.org/presentationml/2006/main">
   <p:cSld>
     <p:spTree>
@@ -16590,7 +17200,7 @@
 </p:sld>
 </file>
 
-<file path=ppt/slides/slide31.xml><?xml version="1.0" encoding="utf-8"?>
+<file path=ppt/slides/slide32.xml><?xml version="1.0" encoding="utf-8"?>
 <p:sld xmlns:a="http://schemas.openxmlformats.org/drawingml/2006/main" xmlns:r="http://schemas.openxmlformats.org/officeDocument/2006/relationships" xmlns:p="http://schemas.openxmlformats.org/presentationml/2006/main">
   <p:cSld>
     <p:spTree>
@@ -16725,18 +17335,14 @@
                 <a:endParaRPr lang="en-GB" dirty="0"/>
               </a:p>
               <a:p>
-                <a:r>
-                  <a:rPr lang="en-GB" dirty="0"/>
-                  <a:t>Now: </a:t>
-                </a:r>
-                <a:r>
-                  <a:rPr lang="en-GB" b="1" dirty="0">
-                    <a:solidFill>
-                      <a:srgbClr val="FF0000"/>
-                    </a:solidFill>
-                  </a:rPr>
-                  <a:t>practicum on MC questions?</a:t>
-                </a:r>
+                <a:pPr marL="0" indent="0">
+                  <a:buNone/>
+                </a:pPr>
+                <a:endParaRPr lang="en-GB" b="1" dirty="0">
+                  <a:solidFill>
+                    <a:srgbClr val="FF0000"/>
+                  </a:solidFill>
+                </a:endParaRPr>
               </a:p>
               <a:p>
                 <a:endParaRPr lang="en-GB" dirty="0"/>
@@ -16853,6 +17459,540 @@
       </p:grpSpPr>
       <p:sp>
         <p:nvSpPr>
+          <p:cNvPr id="2" name="Title 1"/>
+          <p:cNvSpPr>
+            <a:spLocks noGrp="1"/>
+          </p:cNvSpPr>
+          <p:nvPr>
+            <p:ph type="title"/>
+          </p:nvPr>
+        </p:nvSpPr>
+        <p:spPr/>
+        <p:txBody>
+          <a:bodyPr/>
+          <a:lstStyle/>
+          <a:p>
+            <a:r>
+              <a:rPr lang="en-GB" dirty="0"/>
+              <a:t>Today</a:t>
+            </a:r>
+          </a:p>
+        </p:txBody>
+      </p:sp>
+      <p:sp>
+        <p:nvSpPr>
+          <p:cNvPr id="3" name="Content Placeholder 2"/>
+          <p:cNvSpPr>
+            <a:spLocks noGrp="1"/>
+          </p:cNvSpPr>
+          <p:nvPr>
+            <p:ph idx="1"/>
+          </p:nvPr>
+        </p:nvSpPr>
+        <p:spPr/>
+        <p:txBody>
+          <a:bodyPr/>
+          <a:lstStyle/>
+          <a:p>
+            <a:r>
+              <a:rPr lang="en-GB" strike="sngStrike" dirty="0">
+                <a:solidFill>
+                  <a:schemeClr val="tx1"/>
+                </a:solidFill>
+              </a:rPr>
+              <a:t>Why is my code slow? </a:t>
+            </a:r>
+          </a:p>
+          <a:p>
+            <a:pPr lvl="1"/>
+            <a:r>
+              <a:rPr lang="en-GB" b="1" strike="sngStrike" dirty="0">
+                <a:solidFill>
+                  <a:schemeClr val="tx1"/>
+                </a:solidFill>
+              </a:rPr>
+              <a:t>Empirical and complexity analysis</a:t>
+            </a:r>
+            <a:endParaRPr lang="en-GB" strike="sngStrike" dirty="0">
+              <a:solidFill>
+                <a:schemeClr val="tx1"/>
+              </a:solidFill>
+            </a:endParaRPr>
+          </a:p>
+          <a:p>
+            <a:r>
+              <a:rPr lang="en-GB" strike="sngStrike" dirty="0">
+                <a:solidFill>
+                  <a:schemeClr val="tx1"/>
+                </a:solidFill>
+              </a:rPr>
+              <a:t>How do I order my data?</a:t>
+            </a:r>
+          </a:p>
+          <a:p>
+            <a:pPr lvl="1"/>
+            <a:r>
+              <a:rPr lang="en-GB" b="1" strike="sngStrike" dirty="0">
+                <a:solidFill>
+                  <a:schemeClr val="tx1"/>
+                </a:solidFill>
+              </a:rPr>
+              <a:t>Sorting algorithms</a:t>
+            </a:r>
+          </a:p>
+          <a:p>
+            <a:r>
+              <a:rPr lang="en-GB" dirty="0">
+                <a:solidFill>
+                  <a:schemeClr val="accent1"/>
+                </a:solidFill>
+              </a:rPr>
+              <a:t>How do I structure my data?</a:t>
+            </a:r>
+          </a:p>
+          <a:p>
+            <a:pPr lvl="1"/>
+            <a:r>
+              <a:rPr lang="en-GB" sz="1800" b="1" strike="sngStrike" dirty="0">
+                <a:solidFill>
+                  <a:schemeClr val="accent1"/>
+                </a:solidFill>
+              </a:rPr>
+              <a:t>Linear</a:t>
+            </a:r>
+            <a:r>
+              <a:rPr lang="en-GB" sz="1800" b="1" dirty="0">
+                <a:solidFill>
+                  <a:schemeClr val="accent1"/>
+                </a:solidFill>
+              </a:rPr>
+              <a:t>, </a:t>
+            </a:r>
+            <a:r>
+              <a:rPr lang="en-GB" sz="1800" b="1" dirty="0">
+                <a:solidFill>
+                  <a:srgbClr val="FF0000"/>
+                </a:solidFill>
+              </a:rPr>
+              <a:t>tabular</a:t>
+            </a:r>
+            <a:r>
+              <a:rPr lang="en-GB" sz="1800" b="1" dirty="0">
+                <a:solidFill>
+                  <a:schemeClr val="accent1"/>
+                </a:solidFill>
+              </a:rPr>
+              <a:t>, recursive data structures</a:t>
+            </a:r>
+          </a:p>
+          <a:p>
+            <a:r>
+              <a:rPr lang="en-GB" dirty="0"/>
+              <a:t>How do I represent relationship networks?</a:t>
+            </a:r>
+          </a:p>
+          <a:p>
+            <a:pPr lvl="1"/>
+            <a:r>
+              <a:rPr lang="en-GB" b="1" dirty="0"/>
+              <a:t>Graphs</a:t>
+            </a:r>
+          </a:p>
+          <a:p>
+            <a:endParaRPr lang="en-GB" b="1" dirty="0"/>
+          </a:p>
+          <a:p>
+            <a:endParaRPr lang="en-GB" dirty="0"/>
+          </a:p>
+        </p:txBody>
+      </p:sp>
+      <p:sp>
+        <p:nvSpPr>
+          <p:cNvPr id="4" name="Footer Placeholder 3"/>
+          <p:cNvSpPr>
+            <a:spLocks noGrp="1"/>
+          </p:cNvSpPr>
+          <p:nvPr>
+            <p:ph type="ftr" sz="quarter" idx="11"/>
+          </p:nvPr>
+        </p:nvSpPr>
+        <p:spPr/>
+        <p:txBody>
+          <a:bodyPr/>
+          <a:lstStyle/>
+          <a:p>
+            <a:r>
+              <a:rPr lang="it-IT"/>
+              <a:t>INFDEV036A - G. Costantini, F. Di Giacomo</a:t>
+            </a:r>
+            <a:endParaRPr lang="en-GB" dirty="0"/>
+          </a:p>
+        </p:txBody>
+      </p:sp>
+      <p:pic>
+        <p:nvPicPr>
+          <p:cNvPr id="5" name="Picture 2" descr="http://comps.canstockphoto.com/can-stock-photo_csp11512262.jpg"/>
+          <p:cNvPicPr>
+            <a:picLocks noChangeAspect="1" noChangeArrowheads="1"/>
+          </p:cNvPicPr>
+          <p:nvPr/>
+        </p:nvPicPr>
+        <p:blipFill rotWithShape="1">
+          <a:blip r:embed="rId3">
+            <a:extLst>
+              <a:ext uri="{28A0092B-C50C-407E-A947-70E740481C1C}">
+                <a14:useLocalDpi xmlns:a14="http://schemas.microsoft.com/office/drawing/2010/main" val="0"/>
+              </a:ext>
+            </a:extLst>
+          </a:blip>
+          <a:srcRect b="72230"/>
+          <a:stretch/>
+        </p:blipFill>
+        <p:spPr bwMode="auto">
+          <a:xfrm>
+            <a:off x="4525680" y="352589"/>
+            <a:ext cx="3723736" cy="1080023"/>
+          </a:xfrm>
+          <a:prstGeom prst="rect">
+            <a:avLst/>
+          </a:prstGeom>
+          <a:noFill/>
+          <a:extLst>
+            <a:ext uri="{909E8E84-426E-40DD-AFC4-6F175D3DCCD1}">
+              <a14:hiddenFill xmlns:a14="http://schemas.microsoft.com/office/drawing/2010/main">
+                <a:solidFill>
+                  <a:srgbClr val="FFFFFF"/>
+                </a:solidFill>
+              </a14:hiddenFill>
+            </a:ext>
+          </a:extLst>
+        </p:spPr>
+      </p:pic>
+      <p:pic>
+        <p:nvPicPr>
+          <p:cNvPr id="6" name="Picture 4" descr="http://www.clipartbest.com/cliparts/ncX/Eo7/ncXEo7pcB.jpeg"/>
+          <p:cNvPicPr>
+            <a:picLocks noChangeAspect="1" noChangeArrowheads="1"/>
+          </p:cNvPicPr>
+          <p:nvPr/>
+        </p:nvPicPr>
+        <p:blipFill>
+          <a:blip r:embed="rId4" cstate="print">
+            <a:extLst>
+              <a:ext uri="{28A0092B-C50C-407E-A947-70E740481C1C}">
+                <a14:useLocalDpi xmlns:a14="http://schemas.microsoft.com/office/drawing/2010/main" val="0"/>
+              </a:ext>
+            </a:extLst>
+          </a:blip>
+          <a:srcRect/>
+          <a:stretch>
+            <a:fillRect/>
+          </a:stretch>
+        </p:blipFill>
+        <p:spPr bwMode="auto">
+          <a:xfrm>
+            <a:off x="7094153" y="2899670"/>
+            <a:ext cx="1540679" cy="1679214"/>
+          </a:xfrm>
+          <a:prstGeom prst="rect">
+            <a:avLst/>
+          </a:prstGeom>
+          <a:noFill/>
+          <a:extLst>
+            <a:ext uri="{909E8E84-426E-40DD-AFC4-6F175D3DCCD1}">
+              <a14:hiddenFill xmlns:a14="http://schemas.microsoft.com/office/drawing/2010/main">
+                <a:solidFill>
+                  <a:srgbClr val="FFFFFF"/>
+                </a:solidFill>
+              </a14:hiddenFill>
+            </a:ext>
+          </a:extLst>
+        </p:spPr>
+      </p:pic>
+      <p:pic>
+        <p:nvPicPr>
+          <p:cNvPr id="7" name="Picture 6" descr="https://encrypted-tbn1.gstatic.com/images?q=tbn:ANd9GcTJoQ2BJE0xuStI1NX9PgG7505-Y-0dbr8Sr1bfNl2CzezjDpw1"/>
+          <p:cNvPicPr>
+            <a:picLocks noChangeAspect="1" noChangeArrowheads="1"/>
+          </p:cNvPicPr>
+          <p:nvPr/>
+        </p:nvPicPr>
+        <p:blipFill>
+          <a:blip r:embed="rId5">
+            <a:extLst>
+              <a:ext uri="{28A0092B-C50C-407E-A947-70E740481C1C}">
+                <a14:useLocalDpi xmlns:a14="http://schemas.microsoft.com/office/drawing/2010/main" val="0"/>
+              </a:ext>
+            </a:extLst>
+          </a:blip>
+          <a:srcRect/>
+          <a:stretch>
+            <a:fillRect/>
+          </a:stretch>
+        </p:blipFill>
+        <p:spPr bwMode="auto">
+          <a:xfrm>
+            <a:off x="9184232" y="428288"/>
+            <a:ext cx="2157862" cy="1527475"/>
+          </a:xfrm>
+          <a:prstGeom prst="rect">
+            <a:avLst/>
+          </a:prstGeom>
+          <a:noFill/>
+          <a:extLst>
+            <a:ext uri="{909E8E84-426E-40DD-AFC4-6F175D3DCCD1}">
+              <a14:hiddenFill xmlns:a14="http://schemas.microsoft.com/office/drawing/2010/main">
+                <a:solidFill>
+                  <a:srgbClr val="FFFFFF"/>
+                </a:solidFill>
+              </a14:hiddenFill>
+            </a:ext>
+          </a:extLst>
+        </p:spPr>
+      </p:pic>
+      <p:sp>
+        <p:nvSpPr>
+          <p:cNvPr id="8" name="TextBox 7"/>
+          <p:cNvSpPr txBox="1"/>
+          <p:nvPr/>
+        </p:nvSpPr>
+        <p:spPr>
+          <a:xfrm>
+            <a:off x="5552686" y="1586431"/>
+            <a:ext cx="1526313" cy="369332"/>
+          </a:xfrm>
+          <a:prstGeom prst="rect">
+            <a:avLst/>
+          </a:prstGeom>
+        </p:spPr>
+        <p:style>
+          <a:lnRef idx="1">
+            <a:schemeClr val="accent1"/>
+          </a:lnRef>
+          <a:fillRef idx="2">
+            <a:schemeClr val="accent1"/>
+          </a:fillRef>
+          <a:effectRef idx="1">
+            <a:schemeClr val="accent1"/>
+          </a:effectRef>
+          <a:fontRef idx="minor">
+            <a:schemeClr val="dk1"/>
+          </a:fontRef>
+        </p:style>
+        <p:txBody>
+          <a:bodyPr wrap="square" rtlCol="0">
+            <a:spAutoFit/>
+          </a:bodyPr>
+          <a:lstStyle/>
+          <a:p>
+            <a:pPr algn="ctr"/>
+            <a:r>
+              <a:rPr lang="en-GB" dirty="0"/>
+              <a:t>LIST</a:t>
+            </a:r>
+          </a:p>
+        </p:txBody>
+      </p:sp>
+      <p:sp>
+        <p:nvSpPr>
+          <p:cNvPr id="9" name="TextBox 8"/>
+          <p:cNvSpPr txBox="1"/>
+          <p:nvPr/>
+        </p:nvSpPr>
+        <p:spPr>
+          <a:xfrm>
+            <a:off x="7078999" y="4587973"/>
+            <a:ext cx="1526313" cy="369332"/>
+          </a:xfrm>
+          <a:prstGeom prst="rect">
+            <a:avLst/>
+          </a:prstGeom>
+        </p:spPr>
+        <p:style>
+          <a:lnRef idx="1">
+            <a:schemeClr val="accent1"/>
+          </a:lnRef>
+          <a:fillRef idx="2">
+            <a:schemeClr val="accent1"/>
+          </a:fillRef>
+          <a:effectRef idx="1">
+            <a:schemeClr val="accent1"/>
+          </a:effectRef>
+          <a:fontRef idx="minor">
+            <a:schemeClr val="dk1"/>
+          </a:fontRef>
+        </p:style>
+        <p:txBody>
+          <a:bodyPr wrap="square" rtlCol="0">
+            <a:spAutoFit/>
+          </a:bodyPr>
+          <a:lstStyle/>
+          <a:p>
+            <a:pPr algn="ctr"/>
+            <a:r>
+              <a:rPr lang="en-GB" dirty="0"/>
+              <a:t>STACK</a:t>
+            </a:r>
+          </a:p>
+        </p:txBody>
+      </p:sp>
+      <p:sp>
+        <p:nvSpPr>
+          <p:cNvPr id="10" name="TextBox 9"/>
+          <p:cNvSpPr txBox="1"/>
+          <p:nvPr/>
+        </p:nvSpPr>
+        <p:spPr>
+          <a:xfrm>
+            <a:off x="9536094" y="2032241"/>
+            <a:ext cx="1526313" cy="369332"/>
+          </a:xfrm>
+          <a:prstGeom prst="rect">
+            <a:avLst/>
+          </a:prstGeom>
+        </p:spPr>
+        <p:style>
+          <a:lnRef idx="1">
+            <a:schemeClr val="accent1"/>
+          </a:lnRef>
+          <a:fillRef idx="2">
+            <a:schemeClr val="accent1"/>
+          </a:fillRef>
+          <a:effectRef idx="1">
+            <a:schemeClr val="accent1"/>
+          </a:effectRef>
+          <a:fontRef idx="minor">
+            <a:schemeClr val="dk1"/>
+          </a:fontRef>
+        </p:style>
+        <p:txBody>
+          <a:bodyPr wrap="square" rtlCol="0">
+            <a:spAutoFit/>
+          </a:bodyPr>
+          <a:lstStyle/>
+          <a:p>
+            <a:pPr algn="ctr"/>
+            <a:r>
+              <a:rPr lang="en-GB" dirty="0"/>
+              <a:t>QUEUE</a:t>
+            </a:r>
+          </a:p>
+        </p:txBody>
+      </p:sp>
+      <p:pic>
+        <p:nvPicPr>
+          <p:cNvPr id="11" name="Picture 2" descr="http://s.s-bol.com/imgbase0/imagebase/large/FC/8/7/9/0/1001004002820978.jpg"/>
+          <p:cNvPicPr>
+            <a:picLocks noChangeAspect="1" noChangeArrowheads="1"/>
+          </p:cNvPicPr>
+          <p:nvPr/>
+        </p:nvPicPr>
+        <p:blipFill rotWithShape="1">
+          <a:blip r:embed="rId6" cstate="print">
+            <a:extLst>
+              <a:ext uri="{28A0092B-C50C-407E-A947-70E740481C1C}">
+                <a14:useLocalDpi xmlns:a14="http://schemas.microsoft.com/office/drawing/2010/main" val="0"/>
+              </a:ext>
+            </a:extLst>
+          </a:blip>
+          <a:srcRect l="10902"/>
+          <a:stretch/>
+        </p:blipFill>
+        <p:spPr bwMode="auto">
+          <a:xfrm>
+            <a:off x="9413629" y="4024111"/>
+            <a:ext cx="1487154" cy="1866388"/>
+          </a:xfrm>
+          <a:prstGeom prst="rect">
+            <a:avLst/>
+          </a:prstGeom>
+          <a:noFill/>
+          <a:extLst>
+            <a:ext uri="{909E8E84-426E-40DD-AFC4-6F175D3DCCD1}">
+              <a14:hiddenFill xmlns:a14="http://schemas.microsoft.com/office/drawing/2010/main">
+                <a:solidFill>
+                  <a:srgbClr val="FFFFFF"/>
+                </a:solidFill>
+              </a14:hiddenFill>
+            </a:ext>
+          </a:extLst>
+        </p:spPr>
+      </p:pic>
+      <p:sp>
+        <p:nvSpPr>
+          <p:cNvPr id="12" name="TextBox 9"/>
+          <p:cNvSpPr txBox="1"/>
+          <p:nvPr/>
+        </p:nvSpPr>
+        <p:spPr>
+          <a:xfrm>
+            <a:off x="9536094" y="6008192"/>
+            <a:ext cx="1526313" cy="369332"/>
+          </a:xfrm>
+          <a:prstGeom prst="rect">
+            <a:avLst/>
+          </a:prstGeom>
+        </p:spPr>
+        <p:style>
+          <a:lnRef idx="1">
+            <a:schemeClr val="accent1"/>
+          </a:lnRef>
+          <a:fillRef idx="2">
+            <a:schemeClr val="accent1"/>
+          </a:fillRef>
+          <a:effectRef idx="1">
+            <a:schemeClr val="accent1"/>
+          </a:effectRef>
+          <a:fontRef idx="minor">
+            <a:schemeClr val="dk1"/>
+          </a:fontRef>
+        </p:style>
+        <p:txBody>
+          <a:bodyPr wrap="square" rtlCol="0">
+            <a:spAutoFit/>
+          </a:bodyPr>
+          <a:lstStyle/>
+          <a:p>
+            <a:pPr algn="ctr"/>
+            <a:r>
+              <a:rPr lang="en-GB" dirty="0"/>
+              <a:t>HASH TABLE</a:t>
+            </a:r>
+          </a:p>
+        </p:txBody>
+      </p:sp>
+    </p:spTree>
+    <p:extLst>
+      <p:ext uri="{BB962C8B-B14F-4D97-AF65-F5344CB8AC3E}">
+        <p14:creationId xmlns:p14="http://schemas.microsoft.com/office/powerpoint/2010/main" val="3387586650"/>
+      </p:ext>
+    </p:extLst>
+  </p:cSld>
+  <p:clrMapOvr>
+    <a:masterClrMapping/>
+  </p:clrMapOvr>
+</p:sld>
+</file>
+
+<file path=ppt/slides/slide5.xml><?xml version="1.0" encoding="utf-8"?>
+<p:sld xmlns:a="http://schemas.openxmlformats.org/drawingml/2006/main" xmlns:r="http://schemas.openxmlformats.org/officeDocument/2006/relationships" xmlns:p="http://schemas.openxmlformats.org/presentationml/2006/main">
+  <p:cSld>
+    <p:spTree>
+      <p:nvGrpSpPr>
+        <p:cNvPr id="1" name=""/>
+        <p:cNvGrpSpPr/>
+        <p:nvPr/>
+      </p:nvGrpSpPr>
+      <p:grpSpPr>
+        <a:xfrm>
+          <a:off x="0" y="0"/>
+          <a:ext cx="0" cy="0"/>
+          <a:chOff x="0" y="0"/>
+          <a:chExt cx="0" cy="0"/>
+        </a:xfrm>
+      </p:grpSpPr>
+      <p:sp>
+        <p:nvSpPr>
           <p:cNvPr id="7" name="Titel 6"/>
           <p:cNvSpPr>
             <a:spLocks noGrp="1"/>
@@ -16945,7 +18085,7 @@
 </p:sld>
 </file>
 
-<file path=ppt/slides/slide5.xml><?xml version="1.0" encoding="utf-8"?>
+<file path=ppt/slides/slide6.xml><?xml version="1.0" encoding="utf-8"?>
 <p:sld xmlns:a="http://schemas.openxmlformats.org/drawingml/2006/main" xmlns:r="http://schemas.openxmlformats.org/officeDocument/2006/relationships" xmlns:p="http://schemas.openxmlformats.org/presentationml/2006/main">
   <p:cSld>
     <p:spTree>
@@ -17283,7 +18423,7 @@
 </p:sld>
 </file>
 
-<file path=ppt/slides/slide6.xml><?xml version="1.0" encoding="utf-8"?>
+<file path=ppt/slides/slide7.xml><?xml version="1.0" encoding="utf-8"?>
 <p:sld xmlns:a="http://schemas.openxmlformats.org/drawingml/2006/main" xmlns:r="http://schemas.openxmlformats.org/officeDocument/2006/relationships" xmlns:p="http://schemas.openxmlformats.org/presentationml/2006/main">
   <p:cSld>
     <p:spTree>
@@ -17518,7 +18658,7 @@
 </p:sld>
 </file>
 
-<file path=ppt/slides/slide7.xml><?xml version="1.0" encoding="utf-8"?>
+<file path=ppt/slides/slide8.xml><?xml version="1.0" encoding="utf-8"?>
 <p:sld xmlns:a="http://schemas.openxmlformats.org/drawingml/2006/main" xmlns:r="http://schemas.openxmlformats.org/officeDocument/2006/relationships" xmlns:p="http://schemas.openxmlformats.org/presentationml/2006/main">
   <p:cSld>
     <p:spTree>
@@ -17858,7 +18998,7 @@
 </p:sld>
 </file>
 
-<file path=ppt/slides/slide8.xml><?xml version="1.0" encoding="utf-8"?>
+<file path=ppt/slides/slide9.xml><?xml version="1.0" encoding="utf-8"?>
 <p:sld xmlns:a="http://schemas.openxmlformats.org/drawingml/2006/main" xmlns:r="http://schemas.openxmlformats.org/officeDocument/2006/relationships" xmlns:p="http://schemas.openxmlformats.org/presentationml/2006/main">
   <p:cSld>
     <p:spTree>
@@ -18113,47 +19253,6 @@
           </a:p>
         </p:txBody>
       </p:sp>
-      <p:pic>
-        <p:nvPicPr>
-          <p:cNvPr id="2050" name="Picture 2" descr="http://upload.wikimedia.org/wikipedia/commons/thumb/7/7d/Hash_table_3_1_1_0_1_0_0_SP.svg/315px-Hash_table_3_1_1_0_1_0_0_SP.svg.png"/>
-          <p:cNvPicPr>
-            <a:picLocks noChangeAspect="1" noChangeArrowheads="1"/>
-          </p:cNvPicPr>
-          <p:nvPr/>
-        </p:nvPicPr>
-        <p:blipFill>
-          <a:blip r:embed="rId2">
-            <a:extLst>
-              <a:ext uri="{28A0092B-C50C-407E-A947-70E740481C1C}">
-                <a14:useLocalDpi xmlns:a14="http://schemas.microsoft.com/office/drawing/2010/main" val="0"/>
-              </a:ext>
-            </a:extLst>
-          </a:blip>
-          <a:srcRect/>
-          <a:stretch>
-            <a:fillRect/>
-          </a:stretch>
-        </p:blipFill>
-        <p:spPr bwMode="auto">
-          <a:xfrm>
-            <a:off x="8377059" y="-84238"/>
-            <a:ext cx="3709434" cy="2708475"/>
-          </a:xfrm>
-          <a:prstGeom prst="rect">
-            <a:avLst/>
-          </a:prstGeom>
-          <a:noFill/>
-          <a:extLst>
-            <a:ext uri="{909E8E84-426E-40DD-AFC4-6F175D3DCCD1}">
-              <a14:hiddenFill xmlns:a14="http://schemas.microsoft.com/office/drawing/2010/main">
-                <a:solidFill>
-                  <a:srgbClr val="FFFFFF"/>
-                </a:solidFill>
-              </a14:hiddenFill>
-            </a:ext>
-          </a:extLst>
-        </p:spPr>
-      </p:pic>
     </p:spTree>
     <p:extLst>
       <p:ext uri="{BB962C8B-B14F-4D97-AF65-F5344CB8AC3E}">
@@ -18234,338 +19333,6 @@
                                               <p:pRg st="5" end="5"/>
                                             </p:txEl>
                                           </p:spTgt>
-                                        </p:tgtEl>
-                                        <p:attrNameLst>
-                                          <p:attrName>style.visibility</p:attrName>
-                                        </p:attrNameLst>
-                                      </p:cBhvr>
-                                      <p:to>
-                                        <p:strVal val="visible"/>
-                                      </p:to>
-                                    </p:set>
-                                  </p:childTnLst>
-                                </p:cTn>
-                              </p:par>
-                            </p:childTnLst>
-                          </p:cTn>
-                        </p:par>
-                      </p:childTnLst>
-                    </p:cTn>
-                  </p:par>
-                </p:childTnLst>
-              </p:cTn>
-              <p:prevCondLst>
-                <p:cond evt="onPrev" delay="0">
-                  <p:tgtEl>
-                    <p:sldTgt/>
-                  </p:tgtEl>
-                </p:cond>
-              </p:prevCondLst>
-              <p:nextCondLst>
-                <p:cond evt="onNext" delay="0">
-                  <p:tgtEl>
-                    <p:sldTgt/>
-                  </p:tgtEl>
-                </p:cond>
-              </p:nextCondLst>
-            </p:seq>
-          </p:childTnLst>
-        </p:cTn>
-      </p:par>
-    </p:tnLst>
-  </p:timing>
-</p:sld>
-</file>
-
-<file path=ppt/slides/slide9.xml><?xml version="1.0" encoding="utf-8"?>
-<p:sld xmlns:a="http://schemas.openxmlformats.org/drawingml/2006/main" xmlns:r="http://schemas.openxmlformats.org/officeDocument/2006/relationships" xmlns:p="http://schemas.openxmlformats.org/presentationml/2006/main">
-  <p:cSld>
-    <p:spTree>
-      <p:nvGrpSpPr>
-        <p:cNvPr id="1" name=""/>
-        <p:cNvGrpSpPr/>
-        <p:nvPr/>
-      </p:nvGrpSpPr>
-      <p:grpSpPr>
-        <a:xfrm>
-          <a:off x="0" y="0"/>
-          <a:ext cx="0" cy="0"/>
-          <a:chOff x="0" y="0"/>
-          <a:chExt cx="0" cy="0"/>
-        </a:xfrm>
-      </p:grpSpPr>
-      <p:sp>
-        <p:nvSpPr>
-          <p:cNvPr id="2" name="Title 1"/>
-          <p:cNvSpPr>
-            <a:spLocks noGrp="1"/>
-          </p:cNvSpPr>
-          <p:nvPr>
-            <p:ph type="title"/>
-          </p:nvPr>
-        </p:nvSpPr>
-        <p:spPr/>
-        <p:txBody>
-          <a:bodyPr/>
-          <a:lstStyle/>
-          <a:p>
-            <a:r>
-              <a:rPr lang="en-GB" dirty="0"/>
-              <a:t>Hash table - Definition </a:t>
-            </a:r>
-          </a:p>
-        </p:txBody>
-      </p:sp>
-      <p:sp>
-        <p:nvSpPr>
-          <p:cNvPr id="3" name="Content Placeholder 2"/>
-          <p:cNvSpPr>
-            <a:spLocks noGrp="1"/>
-          </p:cNvSpPr>
-          <p:nvPr>
-            <p:ph idx="1"/>
-          </p:nvPr>
-        </p:nvSpPr>
-        <p:spPr/>
-        <p:txBody>
-          <a:bodyPr/>
-          <a:lstStyle/>
-          <a:p>
-            <a:r>
-              <a:rPr lang="en-GB" dirty="0"/>
-              <a:t>In Java and .NET, every object is associated to a hash code (</a:t>
-            </a:r>
-            <a:r>
-              <a:rPr lang="en-US" dirty="0"/>
-              <a:t>computed from the actual hard data stored in the object), accessible through the methods:</a:t>
-            </a:r>
-            <a:endParaRPr lang="en-GB" dirty="0"/>
-          </a:p>
-          <a:p>
-            <a:pPr lvl="1"/>
-            <a:r>
-              <a:rPr lang="en-GB" dirty="0"/>
-              <a:t>[Java] </a:t>
-            </a:r>
-            <a:r>
-              <a:rPr lang="en-GB" dirty="0" err="1"/>
-              <a:t>Object.hashCode</a:t>
-            </a:r>
-            <a:r>
-              <a:rPr lang="en-GB" dirty="0"/>
-              <a:t>()</a:t>
-            </a:r>
-          </a:p>
-          <a:p>
-            <a:pPr lvl="1"/>
-            <a:r>
-              <a:rPr lang="en-GB" dirty="0"/>
-              <a:t>[.NET] </a:t>
-            </a:r>
-            <a:r>
-              <a:rPr lang="en-GB" dirty="0" err="1"/>
-              <a:t>Object.GetHashCode</a:t>
-            </a:r>
-            <a:r>
-              <a:rPr lang="en-GB" dirty="0"/>
-              <a:t>()</a:t>
-            </a:r>
-          </a:p>
-          <a:p>
-            <a:pPr lvl="1"/>
-            <a:endParaRPr lang="en-GB" dirty="0"/>
-          </a:p>
-          <a:p>
-            <a:r>
-              <a:rPr lang="en-GB" dirty="0"/>
-              <a:t>Example: hash codes of some strings made by three characters</a:t>
-            </a:r>
-          </a:p>
-        </p:txBody>
-      </p:sp>
-      <p:sp>
-        <p:nvSpPr>
-          <p:cNvPr id="4" name="Footer Placeholder 3"/>
-          <p:cNvSpPr>
-            <a:spLocks noGrp="1"/>
-          </p:cNvSpPr>
-          <p:nvPr>
-            <p:ph type="ftr" sz="quarter" idx="11"/>
-          </p:nvPr>
-        </p:nvSpPr>
-        <p:spPr/>
-        <p:txBody>
-          <a:bodyPr/>
-          <a:lstStyle/>
-          <a:p>
-            <a:r>
-              <a:rPr lang="it-IT"/>
-              <a:t>INFDEV036A - G. Costantini, F. Di Giacomo</a:t>
-            </a:r>
-            <a:endParaRPr lang="en-GB"/>
-          </a:p>
-        </p:txBody>
-      </p:sp>
-      <p:pic>
-        <p:nvPicPr>
-          <p:cNvPr id="5" name="Afbeelding 4"/>
-          <p:cNvPicPr>
-            <a:picLocks noChangeAspect="1"/>
-          </p:cNvPicPr>
-          <p:nvPr/>
-        </p:nvPicPr>
-        <p:blipFill>
-          <a:blip r:embed="rId3"/>
-          <a:stretch>
-            <a:fillRect/>
-          </a:stretch>
-        </p:blipFill>
-        <p:spPr>
-          <a:xfrm>
-            <a:off x="3826140" y="4445745"/>
-            <a:ext cx="1805575" cy="1960742"/>
-          </a:xfrm>
-          <a:prstGeom prst="rect">
-            <a:avLst/>
-          </a:prstGeom>
-        </p:spPr>
-      </p:pic>
-      <p:sp>
-        <p:nvSpPr>
-          <p:cNvPr id="6" name="Rechthoek 5"/>
-          <p:cNvSpPr/>
-          <p:nvPr/>
-        </p:nvSpPr>
-        <p:spPr>
-          <a:xfrm>
-            <a:off x="6556591" y="4792671"/>
-            <a:ext cx="2717411" cy="369332"/>
-          </a:xfrm>
-          <a:prstGeom prst="rect">
-            <a:avLst/>
-          </a:prstGeom>
-        </p:spPr>
-        <p:style>
-          <a:lnRef idx="1">
-            <a:schemeClr val="accent1"/>
-          </a:lnRef>
-          <a:fillRef idx="2">
-            <a:schemeClr val="accent1"/>
-          </a:fillRef>
-          <a:effectRef idx="1">
-            <a:schemeClr val="accent1"/>
-          </a:effectRef>
-          <a:fontRef idx="minor">
-            <a:schemeClr val="dk1"/>
-          </a:fontRef>
-        </p:style>
-        <p:txBody>
-          <a:bodyPr wrap="none">
-            <a:spAutoFit/>
-          </a:bodyPr>
-          <a:lstStyle/>
-          <a:p>
-            <a:pPr algn="ctr"/>
-            <a:r>
-              <a:rPr lang="en-US" dirty="0">
-                <a:latin typeface="Consolas" panose="020B0609020204030204" pitchFamily="49" charset="0"/>
-                <a:cs typeface="Consolas" panose="020B0609020204030204" pitchFamily="49" charset="0"/>
-              </a:rPr>
-              <a:t>hash = </a:t>
-            </a:r>
-            <a:r>
-              <a:rPr lang="en-US" dirty="0" err="1">
-                <a:latin typeface="Consolas" panose="020B0609020204030204" pitchFamily="49" charset="0"/>
-                <a:cs typeface="Consolas" panose="020B0609020204030204" pitchFamily="49" charset="0"/>
-              </a:rPr>
-              <a:t>hashfunc</a:t>
-            </a:r>
-            <a:r>
-              <a:rPr lang="en-US" dirty="0">
-                <a:latin typeface="Consolas" panose="020B0609020204030204" pitchFamily="49" charset="0"/>
-                <a:cs typeface="Consolas" panose="020B0609020204030204" pitchFamily="49" charset="0"/>
-              </a:rPr>
-              <a:t>(key)</a:t>
-            </a:r>
-          </a:p>
-        </p:txBody>
-      </p:sp>
-    </p:spTree>
-    <p:extLst>
-      <p:ext uri="{BB962C8B-B14F-4D97-AF65-F5344CB8AC3E}">
-        <p14:creationId xmlns:p14="http://schemas.microsoft.com/office/powerpoint/2010/main" val="1236802815"/>
-      </p:ext>
-    </p:extLst>
-  </p:cSld>
-  <p:clrMapOvr>
-    <a:masterClrMapping/>
-  </p:clrMapOvr>
-  <p:timing>
-    <p:tnLst>
-      <p:par>
-        <p:cTn id="1" dur="indefinite" restart="never" nodeType="tmRoot">
-          <p:childTnLst>
-            <p:seq concurrent="1" nextAc="seek">
-              <p:cTn id="2" dur="indefinite" nodeType="mainSeq">
-                <p:childTnLst>
-                  <p:par>
-                    <p:cTn id="3" fill="hold">
-                      <p:stCondLst>
-                        <p:cond delay="indefinite"/>
-                      </p:stCondLst>
-                      <p:childTnLst>
-                        <p:par>
-                          <p:cTn id="4" fill="hold">
-                            <p:stCondLst>
-                              <p:cond delay="0"/>
-                            </p:stCondLst>
-                            <p:childTnLst>
-                              <p:par>
-                                <p:cTn id="5" presetID="1" presetClass="entr" presetSubtype="0" fill="hold" nodeType="clickEffect">
-                                  <p:stCondLst>
-                                    <p:cond delay="0"/>
-                                  </p:stCondLst>
-                                  <p:childTnLst>
-                                    <p:set>
-                                      <p:cBhvr>
-                                        <p:cTn id="6" dur="1" fill="hold">
-                                          <p:stCondLst>
-                                            <p:cond delay="0"/>
-                                          </p:stCondLst>
-                                        </p:cTn>
-                                        <p:tgtEl>
-                                          <p:spTgt spid="3">
-                                            <p:txEl>
-                                              <p:pRg st="4" end="4"/>
-                                            </p:txEl>
-                                          </p:spTgt>
-                                        </p:tgtEl>
-                                        <p:attrNameLst>
-                                          <p:attrName>style.visibility</p:attrName>
-                                        </p:attrNameLst>
-                                      </p:cBhvr>
-                                      <p:to>
-                                        <p:strVal val="visible"/>
-                                      </p:to>
-                                    </p:set>
-                                  </p:childTnLst>
-                                </p:cTn>
-                              </p:par>
-                              <p:par>
-                                <p:cTn id="7" presetID="1" presetClass="entr" presetSubtype="0" fill="hold" nodeType="withEffect">
-                                  <p:stCondLst>
-                                    <p:cond delay="0"/>
-                                  </p:stCondLst>
-                                  <p:childTnLst>
-                                    <p:set>
-                                      <p:cBhvr>
-                                        <p:cTn id="8" dur="1" fill="hold">
-                                          <p:stCondLst>
-                                            <p:cond delay="0"/>
-                                          </p:stCondLst>
-                                        </p:cTn>
-                                        <p:tgtEl>
-                                          <p:spTgt spid="5"/>
                                         </p:tgtEl>
                                         <p:attrNameLst>
                                           <p:attrName>style.visibility</p:attrName>
